--- a/doc/javascript.pptx
+++ b/doc/javascript.pptx
@@ -3441,225 +3441,35 @@
             </a:r>
             <a:r>
               <a:rPr lang="en-US" dirty="0" smtClean="0"/>
-              <a:t> x = 0;               // source element</a:t>
-            </a:r>
-          </a:p>
-          <a:p>
-            <a:r>
-              <a:rPr lang="en-US" dirty="0" smtClean="0"/>
-              <a:t>if (x == 0) {            // source element</a:t>
-            </a:r>
-          </a:p>
-          <a:p>
-            <a:r>
-              <a:rPr lang="en-US" dirty="0" smtClean="0"/>
-              <a:t>   x = 10;               // not a source element</a:t>
-            </a:r>
-          </a:p>
-          <a:p>
-            <a:r>
-              <a:rPr lang="en-US" dirty="0" smtClean="0"/>
-              <a:t>   function boo() {}     // not a source element</a:t>
-            </a:r>
-          </a:p>
-          <a:p>
-            <a:r>
-              <a:rPr lang="en-US" dirty="0" smtClean="0"/>
-              <a:t>}</a:t>
-            </a:r>
-          </a:p>
-          <a:p>
-            <a:r>
-              <a:rPr lang="en-US" dirty="0" smtClean="0"/>
-              <a:t>function foo() {         // source element</a:t>
-            </a:r>
-          </a:p>
-          <a:p>
-            <a:r>
-              <a:rPr lang="en-US" dirty="0" smtClean="0"/>
-              <a:t>   </a:t>
-            </a:r>
+              <a:t> fun=new Function("a=10","b=13","return </a:t>
+            </a:r>
+            <a:r>
+              <a:rPr lang="en-US" dirty="0" err="1" smtClean="0"/>
+              <a:t>a+b</a:t>
+            </a:r>
+            <a:r>
+              <a:rPr lang="en-US" dirty="0" smtClean="0"/>
+              <a:t>");</a:t>
+            </a:r>
+          </a:p>
+          <a:p>
             <a:r>
               <a:rPr lang="en-US" dirty="0" err="1" smtClean="0"/>
               <a:t>var</a:t>
             </a:r>
             <a:r>
               <a:rPr lang="en-US" dirty="0" smtClean="0"/>
-              <a:t> y = 20;           // source element</a:t>
-            </a:r>
-          </a:p>
-          <a:p>
-            <a:r>
-              <a:rPr lang="en-US" dirty="0" smtClean="0"/>
-              <a:t>   function bar() {}     // source element</a:t>
-            </a:r>
-          </a:p>
-          <a:p>
-            <a:r>
-              <a:rPr lang="en-US" dirty="0" smtClean="0"/>
-              <a:t>   while (y == 10) {     // source element</a:t>
-            </a:r>
-          </a:p>
-          <a:p>
-            <a:r>
-              <a:rPr lang="en-US" dirty="0" smtClean="0"/>
-              <a:t>      function blah() {} // not a source element</a:t>
-            </a:r>
-          </a:p>
-          <a:p>
-            <a:r>
-              <a:rPr lang="en-US" dirty="0" smtClean="0"/>
-              <a:t>      y++;               // not a source element</a:t>
-            </a:r>
-          </a:p>
-          <a:p>
-            <a:r>
-              <a:rPr lang="en-US" dirty="0" smtClean="0"/>
-              <a:t>   }</a:t>
-            </a:r>
-          </a:p>
-          <a:p>
-            <a:r>
-              <a:rPr lang="en-US" dirty="0" smtClean="0"/>
-              <a:t>}</a:t>
-            </a:r>
-          </a:p>
-          <a:p>
-            <a:r>
-              <a:rPr lang="en-US" dirty="0" smtClean="0"/>
-              <a:t>example.2</a:t>
-            </a:r>
-          </a:p>
-          <a:p>
-            <a:r>
-              <a:rPr lang="en-US" dirty="0" smtClean="0"/>
-              <a:t>// function declaration</a:t>
-            </a:r>
-          </a:p>
-          <a:p>
-            <a:r>
-              <a:rPr lang="en-US" dirty="0" smtClean="0"/>
-              <a:t>function foo() {}</a:t>
-            </a:r>
-          </a:p>
-          <a:p>
-            <a:endParaRPr lang="en-US" dirty="0" smtClean="0"/>
-          </a:p>
-          <a:p>
-            <a:r>
-              <a:rPr lang="en-US" dirty="0" smtClean="0"/>
-              <a:t>// function expression</a:t>
-            </a:r>
-          </a:p>
-          <a:p>
-            <a:r>
-              <a:rPr lang="en-US" dirty="0" smtClean="0"/>
-              <a:t>(function bar() {})</a:t>
-            </a:r>
-          </a:p>
-          <a:p>
-            <a:endParaRPr lang="en-US" dirty="0" smtClean="0"/>
-          </a:p>
-          <a:p>
-            <a:r>
-              <a:rPr lang="en-US" dirty="0" smtClean="0"/>
-              <a:t>// function expression</a:t>
-            </a:r>
-          </a:p>
-          <a:p>
-            <a:r>
-              <a:rPr lang="en-US" dirty="0" smtClean="0"/>
-              <a:t>x = function hello() {}</a:t>
-            </a:r>
-          </a:p>
-          <a:p>
-            <a:endParaRPr lang="en-US" dirty="0" smtClean="0"/>
-          </a:p>
-          <a:p>
-            <a:endParaRPr lang="en-US" dirty="0" smtClean="0"/>
-          </a:p>
-          <a:p>
-            <a:r>
-              <a:rPr lang="en-US" dirty="0" smtClean="0"/>
-              <a:t>if (x) {</a:t>
-            </a:r>
-          </a:p>
-          <a:p>
-            <a:r>
-              <a:rPr lang="en-US" dirty="0" smtClean="0"/>
-              <a:t>   // function expression</a:t>
-            </a:r>
-          </a:p>
-          <a:p>
-            <a:r>
-              <a:rPr lang="en-US" dirty="0" smtClean="0"/>
-              <a:t>   function world() {}</a:t>
-            </a:r>
-          </a:p>
-          <a:p>
-            <a:r>
-              <a:rPr lang="en-US" dirty="0" smtClean="0"/>
-              <a:t>}</a:t>
-            </a:r>
-          </a:p>
-          <a:p>
-            <a:endParaRPr lang="en-US" dirty="0" smtClean="0"/>
-          </a:p>
-          <a:p>
-            <a:endParaRPr lang="en-US" dirty="0" smtClean="0"/>
-          </a:p>
-          <a:p>
-            <a:r>
-              <a:rPr lang="en-US" dirty="0" smtClean="0"/>
-              <a:t>// function declaration</a:t>
-            </a:r>
-          </a:p>
-          <a:p>
-            <a:r>
-              <a:rPr lang="en-US" dirty="0" smtClean="0"/>
-              <a:t>function a() {</a:t>
-            </a:r>
-          </a:p>
-          <a:p>
-            <a:r>
-              <a:rPr lang="en-US" dirty="0" smtClean="0"/>
-              <a:t>   // function declaration</a:t>
-            </a:r>
-          </a:p>
-          <a:p>
-            <a:r>
-              <a:rPr lang="en-US" dirty="0" smtClean="0"/>
-              <a:t>   function b() {}</a:t>
-            </a:r>
-          </a:p>
-          <a:p>
-            <a:r>
-              <a:rPr lang="en-US" dirty="0" smtClean="0"/>
-              <a:t>   if (0) {</a:t>
-            </a:r>
-          </a:p>
-          <a:p>
-            <a:r>
-              <a:rPr lang="en-US" dirty="0" smtClean="0"/>
-              <a:t>      // function expression</a:t>
-            </a:r>
-          </a:p>
-          <a:p>
-            <a:r>
-              <a:rPr lang="en-US" dirty="0" smtClean="0"/>
-              <a:t>      function c() {}</a:t>
-            </a:r>
-          </a:p>
-          <a:p>
-            <a:r>
-              <a:rPr lang="en-US" dirty="0" smtClean="0"/>
-              <a:t>   }</a:t>
-            </a:r>
-          </a:p>
-          <a:p>
-            <a:r>
-              <a:rPr lang="en-US" dirty="0" smtClean="0"/>
-              <a:t>}</a:t>
+              <a:t> c=fun();</a:t>
+            </a:r>
+          </a:p>
+          <a:p>
+            <a:r>
+              <a:rPr lang="en-US" dirty="0" err="1" smtClean="0"/>
+              <a:t>document.write</a:t>
+            </a:r>
+            <a:r>
+              <a:rPr lang="en-US" dirty="0" smtClean="0"/>
+              <a:t>(c);</a:t>
             </a:r>
             <a:endParaRPr lang="en-US" dirty="0"/>
           </a:p>
@@ -3699,7 +3509,7 @@
           <a:bodyPr/>
           <a:lstStyle/>
           <a:p>
-            <a:fld id="{31D7DC25-EC0B-474D-9D61-45DDFA45A58D}" type="datetime1">
+            <a:fld id="{3B2A951B-47BF-4821-AB09-DD2FFBFCEA4D}" type="datetime1">
               <a:rPr lang="en-US" smtClean="0"/>
               <a:t>3/11/2017</a:t>
             </a:fld>
@@ -3710,7 +3520,7 @@
     </p:spTree>
     <p:extLst>
       <p:ext uri="{BB962C8B-B14F-4D97-AF65-F5344CB8AC3E}">
-        <p14:creationId xmlns:p14="http://schemas.microsoft.com/office/powerpoint/2010/main" val="3658528577"/>
+        <p14:creationId xmlns:p14="http://schemas.microsoft.com/office/powerpoint/2010/main" val="480150555"/>
       </p:ext>
     </p:extLst>
   </p:cSld>
@@ -3765,28 +3575,30 @@
           <a:lstStyle/>
           <a:p>
             <a:r>
-              <a:rPr lang="en-US" dirty="0" smtClean="0"/>
-              <a:t>ex.</a:t>
-            </a:r>
-          </a:p>
-          <a:p>
-            <a:r>
-              <a:rPr lang="en-US" dirty="0" smtClean="0"/>
-              <a:t>function foo(...</a:t>
-            </a:r>
-            <a:r>
               <a:rPr lang="en-US" dirty="0" err="1" smtClean="0"/>
-              <a:t>args</a:t>
-            </a:r>
-            <a:r>
-              <a:rPr lang="en-US" dirty="0" smtClean="0"/>
-              <a:t>) {</a:t>
-            </a:r>
-          </a:p>
-          <a:p>
-            <a:r>
-              <a:rPr lang="en-US" dirty="0" smtClean="0"/>
-              <a:t>  return arguments;</a:t>
+              <a:t>var</a:t>
+            </a:r>
+            <a:r>
+              <a:rPr lang="en-US" dirty="0" smtClean="0"/>
+              <a:t> x = 0;               // source element</a:t>
+            </a:r>
+          </a:p>
+          <a:p>
+            <a:r>
+              <a:rPr lang="en-US" dirty="0" smtClean="0"/>
+              <a:t>if (x == 0) {            // source element</a:t>
+            </a:r>
+          </a:p>
+          <a:p>
+            <a:r>
+              <a:rPr lang="en-US" dirty="0" smtClean="0"/>
+              <a:t>   x = 10;               // not a source element</a:t>
+            </a:r>
+          </a:p>
+          <a:p>
+            <a:r>
+              <a:rPr lang="en-US" dirty="0" smtClean="0"/>
+              <a:t>   function boo() {}     // not a source element</a:t>
             </a:r>
           </a:p>
           <a:p>
@@ -3798,7 +3610,195 @@
           <a:p>
             <a:r>
               <a:rPr lang="en-US" dirty="0" smtClean="0"/>
-              <a:t>foo(1, 2, 3); // { "0": 1, "1": 2, "2": 3 }</a:t>
+              <a:t>function foo() {         // source element</a:t>
+            </a:r>
+          </a:p>
+          <a:p>
+            <a:r>
+              <a:rPr lang="en-US" dirty="0" smtClean="0"/>
+              <a:t>   </a:t>
+            </a:r>
+            <a:r>
+              <a:rPr lang="en-US" dirty="0" err="1" smtClean="0"/>
+              <a:t>var</a:t>
+            </a:r>
+            <a:r>
+              <a:rPr lang="en-US" dirty="0" smtClean="0"/>
+              <a:t> y = 20;           // source element</a:t>
+            </a:r>
+          </a:p>
+          <a:p>
+            <a:r>
+              <a:rPr lang="en-US" dirty="0" smtClean="0"/>
+              <a:t>   function bar() {}     // source element</a:t>
+            </a:r>
+          </a:p>
+          <a:p>
+            <a:r>
+              <a:rPr lang="en-US" dirty="0" smtClean="0"/>
+              <a:t>   while (y == 10) {     // source element</a:t>
+            </a:r>
+          </a:p>
+          <a:p>
+            <a:r>
+              <a:rPr lang="en-US" dirty="0" smtClean="0"/>
+              <a:t>      function blah() {} // not a source element</a:t>
+            </a:r>
+          </a:p>
+          <a:p>
+            <a:r>
+              <a:rPr lang="en-US" dirty="0" smtClean="0"/>
+              <a:t>      y++;               // not a source element</a:t>
+            </a:r>
+          </a:p>
+          <a:p>
+            <a:r>
+              <a:rPr lang="en-US" dirty="0" smtClean="0"/>
+              <a:t>   }</a:t>
+            </a:r>
+          </a:p>
+          <a:p>
+            <a:r>
+              <a:rPr lang="en-US" dirty="0" smtClean="0"/>
+              <a:t>}</a:t>
+            </a:r>
+          </a:p>
+          <a:p>
+            <a:r>
+              <a:rPr lang="en-US" dirty="0" smtClean="0"/>
+              <a:t>example.2</a:t>
+            </a:r>
+          </a:p>
+          <a:p>
+            <a:r>
+              <a:rPr lang="en-US" dirty="0" smtClean="0"/>
+              <a:t>// function declaration</a:t>
+            </a:r>
+          </a:p>
+          <a:p>
+            <a:r>
+              <a:rPr lang="en-US" dirty="0" smtClean="0"/>
+              <a:t>function foo() {}</a:t>
+            </a:r>
+          </a:p>
+          <a:p>
+            <a:endParaRPr lang="en-US" dirty="0" smtClean="0"/>
+          </a:p>
+          <a:p>
+            <a:r>
+              <a:rPr lang="en-US" dirty="0" smtClean="0"/>
+              <a:t>// function expression</a:t>
+            </a:r>
+          </a:p>
+          <a:p>
+            <a:r>
+              <a:rPr lang="en-US" dirty="0" smtClean="0"/>
+              <a:t>(function bar() {})</a:t>
+            </a:r>
+          </a:p>
+          <a:p>
+            <a:endParaRPr lang="en-US" dirty="0" smtClean="0"/>
+          </a:p>
+          <a:p>
+            <a:r>
+              <a:rPr lang="en-US" dirty="0" smtClean="0"/>
+              <a:t>// function expression</a:t>
+            </a:r>
+          </a:p>
+          <a:p>
+            <a:r>
+              <a:rPr lang="en-US" dirty="0" smtClean="0"/>
+              <a:t>x = function hello() {}</a:t>
+            </a:r>
+          </a:p>
+          <a:p>
+            <a:endParaRPr lang="en-US" dirty="0" smtClean="0"/>
+          </a:p>
+          <a:p>
+            <a:endParaRPr lang="en-US" dirty="0" smtClean="0"/>
+          </a:p>
+          <a:p>
+            <a:r>
+              <a:rPr lang="en-US" dirty="0" smtClean="0"/>
+              <a:t>if (x) {</a:t>
+            </a:r>
+          </a:p>
+          <a:p>
+            <a:r>
+              <a:rPr lang="en-US" dirty="0" smtClean="0"/>
+              <a:t>   // function expression</a:t>
+            </a:r>
+          </a:p>
+          <a:p>
+            <a:r>
+              <a:rPr lang="en-US" dirty="0" smtClean="0"/>
+              <a:t>   function world() {}</a:t>
+            </a:r>
+          </a:p>
+          <a:p>
+            <a:r>
+              <a:rPr lang="en-US" dirty="0" smtClean="0"/>
+              <a:t>}</a:t>
+            </a:r>
+          </a:p>
+          <a:p>
+            <a:endParaRPr lang="en-US" dirty="0" smtClean="0"/>
+          </a:p>
+          <a:p>
+            <a:endParaRPr lang="en-US" dirty="0" smtClean="0"/>
+          </a:p>
+          <a:p>
+            <a:r>
+              <a:rPr lang="en-US" dirty="0" smtClean="0"/>
+              <a:t>// function declaration</a:t>
+            </a:r>
+          </a:p>
+          <a:p>
+            <a:r>
+              <a:rPr lang="en-US" dirty="0" smtClean="0"/>
+              <a:t>function a() {</a:t>
+            </a:r>
+          </a:p>
+          <a:p>
+            <a:r>
+              <a:rPr lang="en-US" dirty="0" smtClean="0"/>
+              <a:t>   // function declaration</a:t>
+            </a:r>
+          </a:p>
+          <a:p>
+            <a:r>
+              <a:rPr lang="en-US" dirty="0" smtClean="0"/>
+              <a:t>   function b() {}</a:t>
+            </a:r>
+          </a:p>
+          <a:p>
+            <a:r>
+              <a:rPr lang="en-US" dirty="0" smtClean="0"/>
+              <a:t>   if (0) {</a:t>
+            </a:r>
+          </a:p>
+          <a:p>
+            <a:r>
+              <a:rPr lang="en-US" dirty="0" smtClean="0"/>
+              <a:t>      // function expression</a:t>
+            </a:r>
+          </a:p>
+          <a:p>
+            <a:r>
+              <a:rPr lang="en-US" dirty="0" smtClean="0"/>
+              <a:t>      function c() {}</a:t>
+            </a:r>
+          </a:p>
+          <a:p>
+            <a:r>
+              <a:rPr lang="en-US" dirty="0" smtClean="0"/>
+              <a:t>   }</a:t>
+            </a:r>
+          </a:p>
+          <a:p>
+            <a:r>
+              <a:rPr lang="en-US" dirty="0" smtClean="0"/>
+              <a:t>}</a:t>
             </a:r>
             <a:endParaRPr lang="en-US" dirty="0"/>
           </a:p>
@@ -3838,7 +3838,7 @@
           <a:bodyPr/>
           <a:lstStyle/>
           <a:p>
-            <a:fld id="{6FFF2B87-8C84-456B-A9BE-E1C5333D99BC}" type="datetime1">
+            <a:fld id="{31D7DC25-EC0B-474D-9D61-45DDFA45A58D}" type="datetime1">
               <a:rPr lang="en-US" smtClean="0"/>
               <a:t>3/11/2017</a:t>
             </a:fld>
@@ -3849,7 +3849,7 @@
     </p:spTree>
     <p:extLst>
       <p:ext uri="{BB962C8B-B14F-4D97-AF65-F5344CB8AC3E}">
-        <p14:creationId xmlns:p14="http://schemas.microsoft.com/office/powerpoint/2010/main" val="3152677143"/>
+        <p14:creationId xmlns:p14="http://schemas.microsoft.com/office/powerpoint/2010/main" val="3658528577"/>
       </p:ext>
     </p:extLst>
   </p:cSld>
@@ -3905,17 +3905,17 @@
           <a:p>
             <a:r>
               <a:rPr lang="en-US" dirty="0" smtClean="0"/>
-              <a:t>Ex.</a:t>
-            </a:r>
-          </a:p>
-          <a:p>
-            <a:r>
-              <a:rPr lang="en-US" dirty="0" smtClean="0"/>
-              <a:t>function multiply(multiplier, ...</a:t>
+              <a:t>ex.</a:t>
+            </a:r>
+          </a:p>
+          <a:p>
+            <a:r>
+              <a:rPr lang="en-US" dirty="0" smtClean="0"/>
+              <a:t>function foo(...</a:t>
             </a:r>
             <a:r>
               <a:rPr lang="en-US" dirty="0" err="1" smtClean="0"/>
-              <a:t>theArgs</a:t>
+              <a:t>args</a:t>
             </a:r>
             <a:r>
               <a:rPr lang="en-US" dirty="0" smtClean="0"/>
@@ -3925,27 +3925,7 @@
           <a:p>
             <a:r>
               <a:rPr lang="en-US" dirty="0" smtClean="0"/>
-              <a:t>  return </a:t>
-            </a:r>
-            <a:r>
-              <a:rPr lang="en-US" dirty="0" err="1" smtClean="0"/>
-              <a:t>theArgs.map</a:t>
-            </a:r>
-            <a:r>
-              <a:rPr lang="en-US" dirty="0" smtClean="0"/>
-              <a:t>(function(element) {</a:t>
-            </a:r>
-          </a:p>
-          <a:p>
-            <a:r>
-              <a:rPr lang="en-US" dirty="0" smtClean="0"/>
-              <a:t>    return multiplier * element;</a:t>
-            </a:r>
-          </a:p>
-          <a:p>
-            <a:r>
-              <a:rPr lang="en-US" dirty="0" smtClean="0"/>
-              <a:t>  });</a:t>
+              <a:t>  return arguments;</a:t>
             </a:r>
           </a:p>
           <a:p>
@@ -3955,39 +3935,11 @@
             </a:r>
           </a:p>
           <a:p>
-            <a:endParaRPr lang="en-US" dirty="0" smtClean="0"/>
-          </a:p>
-          <a:p>
-            <a:r>
-              <a:rPr lang="en-US" dirty="0" err="1" smtClean="0"/>
-              <a:t>var</a:t>
-            </a:r>
-            <a:r>
-              <a:rPr lang="en-US" dirty="0" smtClean="0"/>
-              <a:t> </a:t>
-            </a:r>
-            <a:r>
-              <a:rPr lang="en-US" dirty="0" err="1" smtClean="0"/>
-              <a:t>arr</a:t>
-            </a:r>
-            <a:r>
-              <a:rPr lang="en-US" dirty="0" smtClean="0"/>
-              <a:t> = multiply(2, 1, 2, 3); </a:t>
-            </a:r>
-          </a:p>
-          <a:p>
-            <a:r>
-              <a:rPr lang="en-US" dirty="0" smtClean="0"/>
-              <a:t>console.log(</a:t>
-            </a:r>
-            <a:r>
-              <a:rPr lang="en-US" dirty="0" err="1" smtClean="0"/>
-              <a:t>arr</a:t>
-            </a:r>
-            <a:r>
-              <a:rPr lang="en-US" dirty="0" smtClean="0"/>
-              <a:t>); // [2, 4, 6]</a:t>
-            </a:r>
+            <a:r>
+              <a:rPr lang="en-US" dirty="0" smtClean="0"/>
+              <a:t>foo(1, 2, 3); // { "0": 1, "1": 2, "2": 3 }</a:t>
+            </a:r>
+            <a:endParaRPr lang="en-US" dirty="0"/>
           </a:p>
         </p:txBody>
       </p:sp>
@@ -4025,7 +3977,7 @@
           <a:bodyPr/>
           <a:lstStyle/>
           <a:p>
-            <a:fld id="{CA55A900-54F0-40A3-9F0D-43568435D162}" type="datetime1">
+            <a:fld id="{6FFF2B87-8C84-456B-A9BE-E1C5333D99BC}" type="datetime1">
               <a:rPr lang="en-US" smtClean="0"/>
               <a:t>3/11/2017</a:t>
             </a:fld>
@@ -4036,7 +3988,7 @@
     </p:spTree>
     <p:extLst>
       <p:ext uri="{BB962C8B-B14F-4D97-AF65-F5344CB8AC3E}">
-        <p14:creationId xmlns:p14="http://schemas.microsoft.com/office/powerpoint/2010/main" val="4140167667"/>
+        <p14:creationId xmlns:p14="http://schemas.microsoft.com/office/powerpoint/2010/main" val="3152677143"/>
       </p:ext>
     </p:extLst>
   </p:cSld>
@@ -4092,11 +4044,89 @@
           <a:p>
             <a:r>
               <a:rPr lang="en-US" dirty="0" smtClean="0"/>
-              <a:t>A global variable always attached to window object.</a:t>
-            </a:r>
-          </a:p>
-          <a:p>
-            <a:endParaRPr lang="en-US" dirty="0"/>
+              <a:t>Ex.</a:t>
+            </a:r>
+          </a:p>
+          <a:p>
+            <a:r>
+              <a:rPr lang="en-US" dirty="0" smtClean="0"/>
+              <a:t>function multiply(multiplier, ...</a:t>
+            </a:r>
+            <a:r>
+              <a:rPr lang="en-US" dirty="0" err="1" smtClean="0"/>
+              <a:t>theArgs</a:t>
+            </a:r>
+            <a:r>
+              <a:rPr lang="en-US" dirty="0" smtClean="0"/>
+              <a:t>) {</a:t>
+            </a:r>
+          </a:p>
+          <a:p>
+            <a:r>
+              <a:rPr lang="en-US" dirty="0" smtClean="0"/>
+              <a:t>  return </a:t>
+            </a:r>
+            <a:r>
+              <a:rPr lang="en-US" dirty="0" err="1" smtClean="0"/>
+              <a:t>theArgs.map</a:t>
+            </a:r>
+            <a:r>
+              <a:rPr lang="en-US" dirty="0" smtClean="0"/>
+              <a:t>(function(element) {</a:t>
+            </a:r>
+          </a:p>
+          <a:p>
+            <a:r>
+              <a:rPr lang="en-US" dirty="0" smtClean="0"/>
+              <a:t>    return multiplier * element;</a:t>
+            </a:r>
+          </a:p>
+          <a:p>
+            <a:r>
+              <a:rPr lang="en-US" dirty="0" smtClean="0"/>
+              <a:t>  });</a:t>
+            </a:r>
+          </a:p>
+          <a:p>
+            <a:r>
+              <a:rPr lang="en-US" dirty="0" smtClean="0"/>
+              <a:t>}</a:t>
+            </a:r>
+          </a:p>
+          <a:p>
+            <a:endParaRPr lang="en-US" dirty="0" smtClean="0"/>
+          </a:p>
+          <a:p>
+            <a:r>
+              <a:rPr lang="en-US" dirty="0" err="1" smtClean="0"/>
+              <a:t>var</a:t>
+            </a:r>
+            <a:r>
+              <a:rPr lang="en-US" dirty="0" smtClean="0"/>
+              <a:t> </a:t>
+            </a:r>
+            <a:r>
+              <a:rPr lang="en-US" dirty="0" err="1" smtClean="0"/>
+              <a:t>arr</a:t>
+            </a:r>
+            <a:r>
+              <a:rPr lang="en-US" dirty="0" smtClean="0"/>
+              <a:t> = multiply(2, 1, 2, 3); </a:t>
+            </a:r>
+          </a:p>
+          <a:p>
+            <a:r>
+              <a:rPr lang="en-US" dirty="0" smtClean="0"/>
+              <a:t>console.log(</a:t>
+            </a:r>
+            <a:r>
+              <a:rPr lang="en-US" dirty="0" err="1" smtClean="0"/>
+              <a:t>arr</a:t>
+            </a:r>
+            <a:r>
+              <a:rPr lang="en-US" dirty="0" smtClean="0"/>
+              <a:t>); // [2, 4, 6]</a:t>
+            </a:r>
           </a:p>
         </p:txBody>
       </p:sp>
@@ -4134,7 +4164,7 @@
           <a:bodyPr/>
           <a:lstStyle/>
           <a:p>
-            <a:fld id="{064E18A4-4F6D-4236-90C9-5E6C744E2017}" type="datetime1">
+            <a:fld id="{CA55A900-54F0-40A3-9F0D-43568435D162}" type="datetime1">
               <a:rPr lang="en-US" smtClean="0"/>
               <a:t>3/11/2017</a:t>
             </a:fld>
@@ -4145,7 +4175,7 @@
     </p:spTree>
     <p:extLst>
       <p:ext uri="{BB962C8B-B14F-4D97-AF65-F5344CB8AC3E}">
-        <p14:creationId xmlns:p14="http://schemas.microsoft.com/office/powerpoint/2010/main" val="3156499707"/>
+        <p14:creationId xmlns:p14="http://schemas.microsoft.com/office/powerpoint/2010/main" val="4140167667"/>
       </p:ext>
     </p:extLst>
   </p:cSld>
@@ -4199,6 +4229,12 @@
           <a:bodyPr/>
           <a:lstStyle/>
           <a:p>
+            <a:r>
+              <a:rPr lang="en-US" dirty="0" smtClean="0"/>
+              <a:t>A global variable always attached to window object.</a:t>
+            </a:r>
+          </a:p>
+          <a:p>
             <a:endParaRPr lang="en-US" dirty="0"/>
           </a:p>
         </p:txBody>
@@ -4237,7 +4273,7 @@
           <a:bodyPr/>
           <a:lstStyle/>
           <a:p>
-            <a:fld id="{C3FAEBC4-3756-4713-91E9-1BF650C22184}" type="datetime1">
+            <a:fld id="{064E18A4-4F6D-4236-90C9-5E6C744E2017}" type="datetime1">
               <a:rPr lang="en-US" smtClean="0"/>
               <a:t>3/11/2017</a:t>
             </a:fld>
@@ -4248,7 +4284,7 @@
     </p:spTree>
     <p:extLst>
       <p:ext uri="{BB962C8B-B14F-4D97-AF65-F5344CB8AC3E}">
-        <p14:creationId xmlns:p14="http://schemas.microsoft.com/office/powerpoint/2010/main" val="2811655452"/>
+        <p14:creationId xmlns:p14="http://schemas.microsoft.com/office/powerpoint/2010/main" val="3156499707"/>
       </p:ext>
     </p:extLst>
   </p:cSld>
@@ -4302,182 +4338,6 @@
           <a:bodyPr/>
           <a:lstStyle/>
           <a:p>
-            <a:r>
-              <a:rPr lang="en-US" dirty="0" smtClean="0"/>
-              <a:t>// The following variables are defined in the global scope</a:t>
-            </a:r>
-          </a:p>
-          <a:p>
-            <a:r>
-              <a:rPr lang="en-US" dirty="0" err="1" smtClean="0"/>
-              <a:t>var</a:t>
-            </a:r>
-            <a:r>
-              <a:rPr lang="en-US" dirty="0" smtClean="0"/>
-              <a:t> num1 = 20,</a:t>
-            </a:r>
-          </a:p>
-          <a:p>
-            <a:r>
-              <a:rPr lang="en-US" dirty="0" smtClean="0"/>
-              <a:t>    num2 = 3,</a:t>
-            </a:r>
-          </a:p>
-          <a:p>
-            <a:r>
-              <a:rPr lang="en-US" dirty="0" smtClean="0"/>
-              <a:t>    name = '</a:t>
-            </a:r>
-            <a:r>
-              <a:rPr lang="en-US" dirty="0" err="1" smtClean="0"/>
-              <a:t>Chamahk</a:t>
-            </a:r>
-            <a:r>
-              <a:rPr lang="en-US" dirty="0" smtClean="0"/>
-              <a:t>';</a:t>
-            </a:r>
-          </a:p>
-          <a:p>
-            <a:endParaRPr lang="en-US" dirty="0" smtClean="0"/>
-          </a:p>
-          <a:p>
-            <a:r>
-              <a:rPr lang="en-US" dirty="0" smtClean="0"/>
-              <a:t>// This function is defined in the global scope</a:t>
-            </a:r>
-          </a:p>
-          <a:p>
-            <a:r>
-              <a:rPr lang="en-US" dirty="0" smtClean="0"/>
-              <a:t>function multiply() {</a:t>
-            </a:r>
-          </a:p>
-          <a:p>
-            <a:r>
-              <a:rPr lang="en-US" dirty="0" smtClean="0"/>
-              <a:t>  return num1 * num2;</a:t>
-            </a:r>
-          </a:p>
-          <a:p>
-            <a:r>
-              <a:rPr lang="en-US" dirty="0" smtClean="0"/>
-              <a:t>}</a:t>
-            </a:r>
-          </a:p>
-          <a:p>
-            <a:endParaRPr lang="en-US" dirty="0" smtClean="0"/>
-          </a:p>
-          <a:p>
-            <a:r>
-              <a:rPr lang="en-US" dirty="0" smtClean="0"/>
-              <a:t>multiply(); // Returns 60</a:t>
-            </a:r>
-          </a:p>
-          <a:p>
-            <a:endParaRPr lang="en-US" dirty="0" smtClean="0"/>
-          </a:p>
-          <a:p>
-            <a:r>
-              <a:rPr lang="en-US" dirty="0" smtClean="0"/>
-              <a:t>// A nested function example</a:t>
-            </a:r>
-          </a:p>
-          <a:p>
-            <a:r>
-              <a:rPr lang="en-US" dirty="0" smtClean="0"/>
-              <a:t>function </a:t>
-            </a:r>
-            <a:r>
-              <a:rPr lang="en-US" dirty="0" err="1" smtClean="0"/>
-              <a:t>getScore</a:t>
-            </a:r>
-            <a:r>
-              <a:rPr lang="en-US" dirty="0" smtClean="0"/>
-              <a:t>() {</a:t>
-            </a:r>
-          </a:p>
-          <a:p>
-            <a:r>
-              <a:rPr lang="en-US" dirty="0" smtClean="0"/>
-              <a:t>  </a:t>
-            </a:r>
-            <a:r>
-              <a:rPr lang="en-US" dirty="0" err="1" smtClean="0"/>
-              <a:t>var</a:t>
-            </a:r>
-            <a:r>
-              <a:rPr lang="en-US" dirty="0" smtClean="0"/>
-              <a:t> num1 = 2,</a:t>
-            </a:r>
-          </a:p>
-          <a:p>
-            <a:r>
-              <a:rPr lang="en-US" dirty="0" smtClean="0"/>
-              <a:t>      num2 = 3;</a:t>
-            </a:r>
-          </a:p>
-          <a:p>
-            <a:r>
-              <a:rPr lang="en-US" dirty="0" smtClean="0"/>
-              <a:t>  </a:t>
-            </a:r>
-          </a:p>
-          <a:p>
-            <a:r>
-              <a:rPr lang="en-US" dirty="0" smtClean="0"/>
-              <a:t>  function add() {</a:t>
-            </a:r>
-          </a:p>
-          <a:p>
-            <a:r>
-              <a:rPr lang="en-US" dirty="0" smtClean="0"/>
-              <a:t>    return name + ' scored ' + (num1 + num2);</a:t>
-            </a:r>
-          </a:p>
-          <a:p>
-            <a:r>
-              <a:rPr lang="en-US" dirty="0" smtClean="0"/>
-              <a:t>  }</a:t>
-            </a:r>
-          </a:p>
-          <a:p>
-            <a:r>
-              <a:rPr lang="en-US" dirty="0" smtClean="0"/>
-              <a:t>  </a:t>
-            </a:r>
-          </a:p>
-          <a:p>
-            <a:r>
-              <a:rPr lang="en-US" dirty="0" smtClean="0"/>
-              <a:t>  return add();</a:t>
-            </a:r>
-          </a:p>
-          <a:p>
-            <a:r>
-              <a:rPr lang="en-US" dirty="0" smtClean="0"/>
-              <a:t>}</a:t>
-            </a:r>
-          </a:p>
-          <a:p>
-            <a:endParaRPr lang="en-US" dirty="0" smtClean="0"/>
-          </a:p>
-          <a:p>
-            <a:r>
-              <a:rPr lang="en-US" dirty="0" err="1" smtClean="0"/>
-              <a:t>getScore</a:t>
-            </a:r>
-            <a:r>
-              <a:rPr lang="en-US" dirty="0" smtClean="0"/>
-              <a:t>(); // Returns "</a:t>
-            </a:r>
-            <a:r>
-              <a:rPr lang="en-US" dirty="0" err="1" smtClean="0"/>
-              <a:t>Chamahk</a:t>
-            </a:r>
-            <a:r>
-              <a:rPr lang="en-US" dirty="0" smtClean="0"/>
-              <a:t> scored 5"</a:t>
-            </a:r>
             <a:endParaRPr lang="en-US" dirty="0"/>
           </a:p>
         </p:txBody>
@@ -4516,7 +4376,7 @@
           <a:bodyPr/>
           <a:lstStyle/>
           <a:p>
-            <a:fld id="{61AD9736-5B29-49D5-B31A-75D2DCFFC399}" type="datetime1">
+            <a:fld id="{C3FAEBC4-3756-4713-91E9-1BF650C22184}" type="datetime1">
               <a:rPr lang="en-US" smtClean="0"/>
               <a:t>3/11/2017</a:t>
             </a:fld>
@@ -4527,7 +4387,7 @@
     </p:spTree>
     <p:extLst>
       <p:ext uri="{BB962C8B-B14F-4D97-AF65-F5344CB8AC3E}">
-        <p14:creationId xmlns:p14="http://schemas.microsoft.com/office/powerpoint/2010/main" val="38761629"/>
+        <p14:creationId xmlns:p14="http://schemas.microsoft.com/office/powerpoint/2010/main" val="2811655452"/>
       </p:ext>
     </p:extLst>
   </p:cSld>
@@ -4583,27 +4443,134 @@
           <a:p>
             <a:r>
               <a:rPr lang="en-US" dirty="0" smtClean="0"/>
-              <a:t>Example: function </a:t>
-            </a:r>
+              <a:t>// The following variables are defined in the global scope</a:t>
+            </a:r>
+          </a:p>
+          <a:p>
             <a:r>
               <a:rPr lang="en-US" dirty="0" err="1" smtClean="0"/>
-              <a:t>addSquares</a:t>
-            </a:r>
-            <a:r>
-              <a:rPr lang="en-US" dirty="0" smtClean="0"/>
-              <a:t>(a, b) {</a:t>
-            </a:r>
-          </a:p>
-          <a:p>
-            <a:r>
-              <a:rPr lang="en-US" dirty="0" smtClean="0"/>
-              <a:t>  function square(x) {</a:t>
-            </a:r>
-          </a:p>
-          <a:p>
-            <a:r>
-              <a:rPr lang="en-US" dirty="0" smtClean="0"/>
-              <a:t>    return x * x;</a:t>
+              <a:t>var</a:t>
+            </a:r>
+            <a:r>
+              <a:rPr lang="en-US" dirty="0" smtClean="0"/>
+              <a:t> num1 = 20,</a:t>
+            </a:r>
+          </a:p>
+          <a:p>
+            <a:r>
+              <a:rPr lang="en-US" dirty="0" smtClean="0"/>
+              <a:t>    num2 = 3,</a:t>
+            </a:r>
+          </a:p>
+          <a:p>
+            <a:r>
+              <a:rPr lang="en-US" dirty="0" smtClean="0"/>
+              <a:t>    name = '</a:t>
+            </a:r>
+            <a:r>
+              <a:rPr lang="en-US" dirty="0" err="1" smtClean="0"/>
+              <a:t>Chamahk</a:t>
+            </a:r>
+            <a:r>
+              <a:rPr lang="en-US" dirty="0" smtClean="0"/>
+              <a:t>';</a:t>
+            </a:r>
+          </a:p>
+          <a:p>
+            <a:endParaRPr lang="en-US" dirty="0" smtClean="0"/>
+          </a:p>
+          <a:p>
+            <a:r>
+              <a:rPr lang="en-US" dirty="0" smtClean="0"/>
+              <a:t>// This function is defined in the global scope</a:t>
+            </a:r>
+          </a:p>
+          <a:p>
+            <a:r>
+              <a:rPr lang="en-US" dirty="0" smtClean="0"/>
+              <a:t>function multiply() {</a:t>
+            </a:r>
+          </a:p>
+          <a:p>
+            <a:r>
+              <a:rPr lang="en-US" dirty="0" smtClean="0"/>
+              <a:t>  return num1 * num2;</a:t>
+            </a:r>
+          </a:p>
+          <a:p>
+            <a:r>
+              <a:rPr lang="en-US" dirty="0" smtClean="0"/>
+              <a:t>}</a:t>
+            </a:r>
+          </a:p>
+          <a:p>
+            <a:endParaRPr lang="en-US" dirty="0" smtClean="0"/>
+          </a:p>
+          <a:p>
+            <a:r>
+              <a:rPr lang="en-US" dirty="0" smtClean="0"/>
+              <a:t>multiply(); // Returns 60</a:t>
+            </a:r>
+          </a:p>
+          <a:p>
+            <a:endParaRPr lang="en-US" dirty="0" smtClean="0"/>
+          </a:p>
+          <a:p>
+            <a:r>
+              <a:rPr lang="en-US" dirty="0" smtClean="0"/>
+              <a:t>// A nested function example</a:t>
+            </a:r>
+          </a:p>
+          <a:p>
+            <a:r>
+              <a:rPr lang="en-US" dirty="0" smtClean="0"/>
+              <a:t>function </a:t>
+            </a:r>
+            <a:r>
+              <a:rPr lang="en-US" dirty="0" err="1" smtClean="0"/>
+              <a:t>getScore</a:t>
+            </a:r>
+            <a:r>
+              <a:rPr lang="en-US" dirty="0" smtClean="0"/>
+              <a:t>() {</a:t>
+            </a:r>
+          </a:p>
+          <a:p>
+            <a:r>
+              <a:rPr lang="en-US" dirty="0" smtClean="0"/>
+              <a:t>  </a:t>
+            </a:r>
+            <a:r>
+              <a:rPr lang="en-US" dirty="0" err="1" smtClean="0"/>
+              <a:t>var</a:t>
+            </a:r>
+            <a:r>
+              <a:rPr lang="en-US" dirty="0" smtClean="0"/>
+              <a:t> num1 = 2,</a:t>
+            </a:r>
+          </a:p>
+          <a:p>
+            <a:r>
+              <a:rPr lang="en-US" dirty="0" smtClean="0"/>
+              <a:t>      num2 = 3;</a:t>
+            </a:r>
+          </a:p>
+          <a:p>
+            <a:r>
+              <a:rPr lang="en-US" dirty="0" smtClean="0"/>
+              <a:t>  </a:t>
+            </a:r>
+          </a:p>
+          <a:p>
+            <a:r>
+              <a:rPr lang="en-US" dirty="0" smtClean="0"/>
+              <a:t>  function add() {</a:t>
+            </a:r>
+          </a:p>
+          <a:p>
+            <a:r>
+              <a:rPr lang="en-US" dirty="0" smtClean="0"/>
+              <a:t>    return name + ' scored ' + (num1 + num2);</a:t>
             </a:r>
           </a:p>
           <a:p>
@@ -4615,7 +4582,13 @@
           <a:p>
             <a:r>
               <a:rPr lang="en-US" dirty="0" smtClean="0"/>
-              <a:t>  return square(a) + square(b);</a:t>
+              <a:t>  </a:t>
+            </a:r>
+          </a:p>
+          <a:p>
+            <a:r>
+              <a:rPr lang="en-US" dirty="0" smtClean="0"/>
+              <a:t>  return add();</a:t>
             </a:r>
           </a:p>
           <a:p>
@@ -4625,45 +4598,24 @@
             </a:r>
           </a:p>
           <a:p>
-            <a:r>
-              <a:rPr lang="en-US" dirty="0" smtClean="0"/>
-              <a:t>a = </a:t>
-            </a:r>
+            <a:endParaRPr lang="en-US" dirty="0" smtClean="0"/>
+          </a:p>
+          <a:p>
             <a:r>
               <a:rPr lang="en-US" dirty="0" err="1" smtClean="0"/>
-              <a:t>addSquares</a:t>
-            </a:r>
-            <a:r>
-              <a:rPr lang="en-US" dirty="0" smtClean="0"/>
-              <a:t>(2, 3); // returns 13</a:t>
-            </a:r>
-          </a:p>
-          <a:p>
-            <a:r>
-              <a:rPr lang="en-US" dirty="0" smtClean="0"/>
-              <a:t>b = </a:t>
+              <a:t>getScore</a:t>
+            </a:r>
+            <a:r>
+              <a:rPr lang="en-US" dirty="0" smtClean="0"/>
+              <a:t>(); // Returns "</a:t>
             </a:r>
             <a:r>
               <a:rPr lang="en-US" dirty="0" err="1" smtClean="0"/>
-              <a:t>addSquares</a:t>
-            </a:r>
-            <a:r>
-              <a:rPr lang="en-US" dirty="0" smtClean="0"/>
-              <a:t>(3, 4); // returns 25</a:t>
-            </a:r>
-          </a:p>
-          <a:p>
-            <a:r>
-              <a:rPr lang="en-US" dirty="0" smtClean="0"/>
-              <a:t>c = </a:t>
-            </a:r>
-            <a:r>
-              <a:rPr lang="en-US" dirty="0" err="1" smtClean="0"/>
-              <a:t>addSquares</a:t>
-            </a:r>
-            <a:r>
-              <a:rPr lang="en-US" dirty="0" smtClean="0"/>
-              <a:t>(4, 5); // returns 41</a:t>
+              <a:t>Chamahk</a:t>
+            </a:r>
+            <a:r>
+              <a:rPr lang="en-US" dirty="0" smtClean="0"/>
+              <a:t> scored 5"</a:t>
             </a:r>
             <a:endParaRPr lang="en-US" dirty="0"/>
           </a:p>
@@ -4703,7 +4655,7 @@
           <a:bodyPr/>
           <a:lstStyle/>
           <a:p>
-            <a:fld id="{33364D99-4C0A-4DA3-80E4-D2BA17C91B7B}" type="datetime1">
+            <a:fld id="{61AD9736-5B29-49D5-B31A-75D2DCFFC399}" type="datetime1">
               <a:rPr lang="en-US" smtClean="0"/>
               <a:t>3/11/2017</a:t>
             </a:fld>
@@ -4714,7 +4666,7 @@
     </p:spTree>
     <p:extLst>
       <p:ext uri="{BB962C8B-B14F-4D97-AF65-F5344CB8AC3E}">
-        <p14:creationId xmlns:p14="http://schemas.microsoft.com/office/powerpoint/2010/main" val="115921189"/>
+        <p14:creationId xmlns:p14="http://schemas.microsoft.com/office/powerpoint/2010/main" val="38761629"/>
       </p:ext>
     </p:extLst>
   </p:cSld>
@@ -4873,53 +4825,39 @@
           <a:p>
             <a:r>
               <a:rPr lang="en-US" dirty="0" smtClean="0"/>
-              <a:t>A function that calls itself is called a recursive function. In some ways, recursion is analogous to a loop.</a:t>
-            </a:r>
-          </a:p>
-          <a:p>
-            <a:r>
-              <a:rPr lang="en-US" dirty="0" smtClean="0"/>
-              <a:t>Both execute the same code multiple times, and both require a condition (to avoid an infinite loop, or rather, infinite recursion in this case). </a:t>
-            </a:r>
-          </a:p>
-          <a:p>
-            <a:r>
-              <a:rPr lang="en-US" dirty="0" smtClean="0"/>
-              <a:t>For example, the following loop:</a:t>
-            </a:r>
-          </a:p>
-          <a:p>
-            <a:r>
-              <a:rPr lang="en-US" dirty="0" smtClean="0"/>
-              <a:t>Loop:</a:t>
-            </a:r>
-          </a:p>
-          <a:p>
+              <a:t>Example: function </a:t>
+            </a:r>
             <a:r>
               <a:rPr lang="en-US" dirty="0" err="1" smtClean="0"/>
-              <a:t>var</a:t>
-            </a:r>
-            <a:r>
-              <a:rPr lang="en-US" dirty="0" smtClean="0"/>
-              <a:t> x = 0;</a:t>
-            </a:r>
-          </a:p>
-          <a:p>
-            <a:r>
-              <a:rPr lang="en-US" dirty="0" smtClean="0"/>
-              <a:t>while (x &lt; 10) { // "x &lt; 10" is the loop condition</a:t>
-            </a:r>
-          </a:p>
-          <a:p>
-            <a:r>
-              <a:rPr lang="en-US" dirty="0" smtClean="0"/>
-              <a:t>   // do stuff</a:t>
-            </a:r>
-          </a:p>
-          <a:p>
-            <a:r>
-              <a:rPr lang="en-US" dirty="0" smtClean="0"/>
-              <a:t>   x++;</a:t>
+              <a:t>addSquares</a:t>
+            </a:r>
+            <a:r>
+              <a:rPr lang="en-US" dirty="0" smtClean="0"/>
+              <a:t>(a, b) {</a:t>
+            </a:r>
+          </a:p>
+          <a:p>
+            <a:r>
+              <a:rPr lang="en-US" dirty="0" smtClean="0"/>
+              <a:t>  function square(x) {</a:t>
+            </a:r>
+          </a:p>
+          <a:p>
+            <a:r>
+              <a:rPr lang="en-US" dirty="0" smtClean="0"/>
+              <a:t>    return x * x;</a:t>
+            </a:r>
+          </a:p>
+          <a:p>
+            <a:r>
+              <a:rPr lang="en-US" dirty="0" smtClean="0"/>
+              <a:t>  }</a:t>
+            </a:r>
+          </a:p>
+          <a:p>
+            <a:r>
+              <a:rPr lang="en-US" dirty="0" smtClean="0"/>
+              <a:t>  return square(a) + square(b);</a:t>
             </a:r>
           </a:p>
           <a:p>
@@ -4929,51 +4867,46 @@
             </a:r>
           </a:p>
           <a:p>
-            <a:endParaRPr lang="en-US" dirty="0" smtClean="0"/>
-          </a:p>
-          <a:p>
-            <a:r>
-              <a:rPr lang="en-US" dirty="0" smtClean="0"/>
-              <a:t>function loop(x) {</a:t>
-            </a:r>
-          </a:p>
-          <a:p>
-            <a:r>
-              <a:rPr lang="en-US" dirty="0" smtClean="0"/>
-              <a:t>  if (x &gt;= 10) // "x &gt;= 10" is the exit condition (equivalent to "!(x &lt; 10)")</a:t>
-            </a:r>
-          </a:p>
-          <a:p>
-            <a:r>
-              <a:rPr lang="en-US" dirty="0" smtClean="0"/>
-              <a:t>    return;</a:t>
-            </a:r>
-          </a:p>
-          <a:p>
-            <a:r>
-              <a:rPr lang="en-US" dirty="0" smtClean="0"/>
-              <a:t>  // do stuff</a:t>
-            </a:r>
-          </a:p>
-          <a:p>
-            <a:r>
-              <a:rPr lang="en-US" dirty="0" smtClean="0"/>
-              <a:t>  loop(x + 1); // the recursive call</a:t>
-            </a:r>
-          </a:p>
-          <a:p>
-            <a:r>
-              <a:rPr lang="en-US" dirty="0" smtClean="0"/>
-              <a:t>}</a:t>
-            </a:r>
-          </a:p>
-          <a:p>
-            <a:r>
-              <a:rPr lang="en-US" dirty="0" smtClean="0"/>
-              <a:t>loop(0);</a:t>
-            </a:r>
-          </a:p>
-          <a:p>
+            <a:r>
+              <a:rPr lang="en-US" dirty="0" smtClean="0"/>
+              <a:t>a = </a:t>
+            </a:r>
+            <a:r>
+              <a:rPr lang="en-US" dirty="0" err="1" smtClean="0"/>
+              <a:t>addSquares</a:t>
+            </a:r>
+            <a:r>
+              <a:rPr lang="en-US" dirty="0" smtClean="0"/>
+              <a:t>(2, 3); // returns 13</a:t>
+            </a:r>
+          </a:p>
+          <a:p>
+            <a:r>
+              <a:rPr lang="en-US" dirty="0" smtClean="0"/>
+              <a:t>b = </a:t>
+            </a:r>
+            <a:r>
+              <a:rPr lang="en-US" dirty="0" err="1" smtClean="0"/>
+              <a:t>addSquares</a:t>
+            </a:r>
+            <a:r>
+              <a:rPr lang="en-US" dirty="0" smtClean="0"/>
+              <a:t>(3, 4); // returns 25</a:t>
+            </a:r>
+          </a:p>
+          <a:p>
+            <a:r>
+              <a:rPr lang="en-US" dirty="0" smtClean="0"/>
+              <a:t>c = </a:t>
+            </a:r>
+            <a:r>
+              <a:rPr lang="en-US" dirty="0" err="1" smtClean="0"/>
+              <a:t>addSquares</a:t>
+            </a:r>
+            <a:r>
+              <a:rPr lang="en-US" dirty="0" smtClean="0"/>
+              <a:t>(4, 5); // returns 41</a:t>
+            </a:r>
             <a:endParaRPr lang="en-US" dirty="0"/>
           </a:p>
         </p:txBody>
@@ -5012,7 +4945,7 @@
           <a:bodyPr/>
           <a:lstStyle/>
           <a:p>
-            <a:fld id="{0D9FD35E-37F2-48C4-9434-4A190D954D08}" type="datetime1">
+            <a:fld id="{33364D99-4C0A-4DA3-80E4-D2BA17C91B7B}" type="datetime1">
               <a:rPr lang="en-US" smtClean="0"/>
               <a:t>3/11/2017</a:t>
             </a:fld>
@@ -5023,7 +4956,7 @@
     </p:spTree>
     <p:extLst>
       <p:ext uri="{BB962C8B-B14F-4D97-AF65-F5344CB8AC3E}">
-        <p14:creationId xmlns:p14="http://schemas.microsoft.com/office/powerpoint/2010/main" val="942812368"/>
+        <p14:creationId xmlns:p14="http://schemas.microsoft.com/office/powerpoint/2010/main" val="115921189"/>
       </p:ext>
     </p:extLst>
   </p:cSld>
@@ -5079,37 +5012,53 @@
           <a:p>
             <a:r>
               <a:rPr lang="en-US" dirty="0" smtClean="0"/>
-              <a:t>Ex:</a:t>
-            </a:r>
-          </a:p>
-          <a:p>
-            <a:r>
-              <a:rPr lang="en-US" dirty="0" smtClean="0"/>
-              <a:t>function outside(x) {</a:t>
-            </a:r>
-          </a:p>
-          <a:p>
-            <a:r>
-              <a:rPr lang="en-US" dirty="0" smtClean="0"/>
-              <a:t>  function inside(y) {</a:t>
-            </a:r>
-          </a:p>
-          <a:p>
-            <a:r>
-              <a:rPr lang="en-US" dirty="0" smtClean="0"/>
-              <a:t>    return x + y;</a:t>
-            </a:r>
-          </a:p>
-          <a:p>
-            <a:r>
-              <a:rPr lang="en-US" dirty="0" smtClean="0"/>
-              <a:t>  }</a:t>
-            </a:r>
-          </a:p>
-          <a:p>
-            <a:r>
-              <a:rPr lang="en-US" dirty="0" smtClean="0"/>
-              <a:t>  return inside;</a:t>
+              <a:t>A function that calls itself is called a recursive function. In some ways, recursion is analogous to a loop.</a:t>
+            </a:r>
+          </a:p>
+          <a:p>
+            <a:r>
+              <a:rPr lang="en-US" dirty="0" smtClean="0"/>
+              <a:t>Both execute the same code multiple times, and both require a condition (to avoid an infinite loop, or rather, infinite recursion in this case). </a:t>
+            </a:r>
+          </a:p>
+          <a:p>
+            <a:r>
+              <a:rPr lang="en-US" dirty="0" smtClean="0"/>
+              <a:t>For example, the following loop:</a:t>
+            </a:r>
+          </a:p>
+          <a:p>
+            <a:r>
+              <a:rPr lang="en-US" dirty="0" smtClean="0"/>
+              <a:t>Loop:</a:t>
+            </a:r>
+          </a:p>
+          <a:p>
+            <a:r>
+              <a:rPr lang="en-US" dirty="0" err="1" smtClean="0"/>
+              <a:t>var</a:t>
+            </a:r>
+            <a:r>
+              <a:rPr lang="en-US" dirty="0" smtClean="0"/>
+              <a:t> x = 0;</a:t>
+            </a:r>
+          </a:p>
+          <a:p>
+            <a:r>
+              <a:rPr lang="en-US" dirty="0" smtClean="0"/>
+              <a:t>while (x &lt; 10) { // "x &lt; 10" is the loop condition</a:t>
+            </a:r>
+          </a:p>
+          <a:p>
+            <a:r>
+              <a:rPr lang="en-US" dirty="0" smtClean="0"/>
+              <a:t>   // do stuff</a:t>
+            </a:r>
+          </a:p>
+          <a:p>
+            <a:r>
+              <a:rPr lang="en-US" dirty="0" smtClean="0"/>
+              <a:t>   x++;</a:t>
             </a:r>
           </a:p>
           <a:p>
@@ -5119,37 +5068,51 @@
             </a:r>
           </a:p>
           <a:p>
-            <a:r>
-              <a:rPr lang="en-US" dirty="0" err="1" smtClean="0"/>
-              <a:t>fn_inside</a:t>
-            </a:r>
-            <a:r>
-              <a:rPr lang="en-US" dirty="0" smtClean="0"/>
-              <a:t> = outside(3); // Think of it like: give me a function that adds 3 to whatever you give it</a:t>
-            </a:r>
-          </a:p>
-          <a:p>
-            <a:r>
-              <a:rPr lang="en-US" dirty="0" smtClean="0"/>
-              <a:t>result = </a:t>
-            </a:r>
-            <a:r>
-              <a:rPr lang="en-US" dirty="0" err="1" smtClean="0"/>
-              <a:t>fn_inside</a:t>
-            </a:r>
-            <a:r>
-              <a:rPr lang="en-US" dirty="0" smtClean="0"/>
-              <a:t>(5); // returns 8</a:t>
-            </a:r>
-          </a:p>
-          <a:p>
             <a:endParaRPr lang="en-US" dirty="0" smtClean="0"/>
           </a:p>
           <a:p>
             <a:r>
               <a:rPr lang="en-US" dirty="0" smtClean="0"/>
-              <a:t>result1 = outside(3)(5); // returns 8</a:t>
-            </a:r>
+              <a:t>function loop(x) {</a:t>
+            </a:r>
+          </a:p>
+          <a:p>
+            <a:r>
+              <a:rPr lang="en-US" dirty="0" smtClean="0"/>
+              <a:t>  if (x &gt;= 10) // "x &gt;= 10" is the exit condition (equivalent to "!(x &lt; 10)")</a:t>
+            </a:r>
+          </a:p>
+          <a:p>
+            <a:r>
+              <a:rPr lang="en-US" dirty="0" smtClean="0"/>
+              <a:t>    return;</a:t>
+            </a:r>
+          </a:p>
+          <a:p>
+            <a:r>
+              <a:rPr lang="en-US" dirty="0" smtClean="0"/>
+              <a:t>  // do stuff</a:t>
+            </a:r>
+          </a:p>
+          <a:p>
+            <a:r>
+              <a:rPr lang="en-US" dirty="0" smtClean="0"/>
+              <a:t>  loop(x + 1); // the recursive call</a:t>
+            </a:r>
+          </a:p>
+          <a:p>
+            <a:r>
+              <a:rPr lang="en-US" dirty="0" smtClean="0"/>
+              <a:t>}</a:t>
+            </a:r>
+          </a:p>
+          <a:p>
+            <a:r>
+              <a:rPr lang="en-US" dirty="0" smtClean="0"/>
+              <a:t>loop(0);</a:t>
+            </a:r>
+          </a:p>
+          <a:p>
             <a:endParaRPr lang="en-US" dirty="0"/>
           </a:p>
         </p:txBody>
@@ -5188,7 +5151,7 @@
           <a:bodyPr/>
           <a:lstStyle/>
           <a:p>
-            <a:fld id="{24A4FB86-8A28-400E-8D40-4E1268A09A33}" type="datetime1">
+            <a:fld id="{0D9FD35E-37F2-48C4-9434-4A190D954D08}" type="datetime1">
               <a:rPr lang="en-US" smtClean="0"/>
               <a:t>3/11/2017</a:t>
             </a:fld>
@@ -5199,7 +5162,7 @@
     </p:spTree>
     <p:extLst>
       <p:ext uri="{BB962C8B-B14F-4D97-AF65-F5344CB8AC3E}">
-        <p14:creationId xmlns:p14="http://schemas.microsoft.com/office/powerpoint/2010/main" val="1767149561"/>
+        <p14:creationId xmlns:p14="http://schemas.microsoft.com/office/powerpoint/2010/main" val="942812368"/>
       </p:ext>
     </p:extLst>
   </p:cSld>
@@ -5254,66 +5217,68 @@
           <a:lstStyle/>
           <a:p>
             <a:r>
+              <a:rPr lang="en-US" dirty="0" smtClean="0"/>
+              <a:t>Ex:</a:t>
+            </a:r>
+          </a:p>
+          <a:p>
+            <a:r>
+              <a:rPr lang="en-US" dirty="0" smtClean="0"/>
+              <a:t>function outside(x) {</a:t>
+            </a:r>
+          </a:p>
+          <a:p>
+            <a:r>
+              <a:rPr lang="en-US" dirty="0" smtClean="0"/>
+              <a:t>  function inside(y) {</a:t>
+            </a:r>
+          </a:p>
+          <a:p>
+            <a:r>
+              <a:rPr lang="en-US" dirty="0" smtClean="0"/>
+              <a:t>    return x + y;</a:t>
+            </a:r>
+          </a:p>
+          <a:p>
+            <a:r>
+              <a:rPr lang="en-US" dirty="0" smtClean="0"/>
+              <a:t>  }</a:t>
+            </a:r>
+          </a:p>
+          <a:p>
+            <a:r>
+              <a:rPr lang="en-US" dirty="0" smtClean="0"/>
+              <a:t>  return inside;</a:t>
+            </a:r>
+          </a:p>
+          <a:p>
+            <a:r>
+              <a:rPr lang="en-US" dirty="0" smtClean="0"/>
+              <a:t>}</a:t>
+            </a:r>
+          </a:p>
+          <a:p>
+            <a:r>
               <a:rPr lang="en-US" dirty="0" err="1" smtClean="0"/>
-              <a:t>EX.function</a:t>
-            </a:r>
-            <a:r>
-              <a:rPr lang="en-US" dirty="0" smtClean="0"/>
-              <a:t> A(x) {</a:t>
-            </a:r>
-          </a:p>
-          <a:p>
-            <a:r>
-              <a:rPr lang="en-US" dirty="0" smtClean="0"/>
-              <a:t>  function B(y) {</a:t>
-            </a:r>
-          </a:p>
-          <a:p>
-            <a:r>
-              <a:rPr lang="en-US" dirty="0" smtClean="0"/>
-              <a:t>    function C(z) {</a:t>
-            </a:r>
-          </a:p>
-          <a:p>
-            <a:r>
-              <a:rPr lang="en-US" dirty="0" smtClean="0"/>
-              <a:t>      console.log(x + y + z);</a:t>
-            </a:r>
-          </a:p>
-          <a:p>
-            <a:r>
-              <a:rPr lang="en-US" dirty="0" smtClean="0"/>
-              <a:t>    }</a:t>
-            </a:r>
-          </a:p>
-          <a:p>
-            <a:r>
-              <a:rPr lang="en-US" dirty="0" smtClean="0"/>
-              <a:t>    C(3);</a:t>
-            </a:r>
-          </a:p>
-          <a:p>
-            <a:r>
-              <a:rPr lang="en-US" dirty="0" smtClean="0"/>
-              <a:t>  }</a:t>
-            </a:r>
-          </a:p>
-          <a:p>
-            <a:r>
-              <a:rPr lang="en-US" dirty="0" smtClean="0"/>
-              <a:t>  B(2);</a:t>
-            </a:r>
-          </a:p>
-          <a:p>
-            <a:r>
-              <a:rPr lang="en-US" dirty="0" smtClean="0"/>
-              <a:t>}</a:t>
-            </a:r>
-          </a:p>
-          <a:p>
-            <a:r>
-              <a:rPr lang="en-US" dirty="0" smtClean="0"/>
-              <a:t>A(1); // logs 6 (1 + 2 + 3).</a:t>
+              <a:t>fn_inside</a:t>
+            </a:r>
+            <a:r>
+              <a:rPr lang="en-US" dirty="0" smtClean="0"/>
+              <a:t> = outside(3); // Think of it like: give me a function that adds 3 to whatever you give it</a:t>
+            </a:r>
+          </a:p>
+          <a:p>
+            <a:r>
+              <a:rPr lang="en-US" dirty="0" smtClean="0"/>
+              <a:t>result = </a:t>
+            </a:r>
+            <a:r>
+              <a:rPr lang="en-US" dirty="0" err="1" smtClean="0"/>
+              <a:t>fn_inside</a:t>
+            </a:r>
+            <a:r>
+              <a:rPr lang="en-US" dirty="0" smtClean="0"/>
+              <a:t>(5); // returns 8</a:t>
             </a:r>
           </a:p>
           <a:p>
@@ -5322,28 +5287,7 @@
           <a:p>
             <a:r>
               <a:rPr lang="en-US" dirty="0" smtClean="0"/>
-              <a:t>In this example, C accesses B's y and A's x. This can be done because:</a:t>
-            </a:r>
-          </a:p>
-          <a:p>
-            <a:endParaRPr lang="en-US" dirty="0" smtClean="0"/>
-          </a:p>
-          <a:p>
-            <a:r>
-              <a:rPr lang="en-US" dirty="0" smtClean="0"/>
-              <a:t>B forms a closure including A, i.e. B can access A's arguments and variables.</a:t>
-            </a:r>
-          </a:p>
-          <a:p>
-            <a:r>
-              <a:rPr lang="en-US" dirty="0" smtClean="0"/>
-              <a:t>C forms a closure including B.</a:t>
-            </a:r>
-          </a:p>
-          <a:p>
-            <a:r>
-              <a:rPr lang="en-US" dirty="0" smtClean="0"/>
-              <a:t>Because B's closure includes A, C's closure includes A, C can access both B and A's arguments and variables. In other words, C chains the scopes of B and A in that order.</a:t>
+              <a:t>result1 = outside(3)(5); // returns 8</a:t>
             </a:r>
             <a:endParaRPr lang="en-US" dirty="0"/>
           </a:p>
@@ -5383,7 +5327,7 @@
           <a:bodyPr/>
           <a:lstStyle/>
           <a:p>
-            <a:fld id="{4E13B294-B099-4490-81EB-2B3CA196618B}" type="datetime1">
+            <a:fld id="{24A4FB86-8A28-400E-8D40-4E1268A09A33}" type="datetime1">
               <a:rPr lang="en-US" smtClean="0"/>
               <a:t>3/11/2017</a:t>
             </a:fld>
@@ -5394,7 +5338,7 @@
     </p:spTree>
     <p:extLst>
       <p:ext uri="{BB962C8B-B14F-4D97-AF65-F5344CB8AC3E}">
-        <p14:creationId xmlns:p14="http://schemas.microsoft.com/office/powerpoint/2010/main" val="1955056185"/>
+        <p14:creationId xmlns:p14="http://schemas.microsoft.com/office/powerpoint/2010/main" val="1767149561"/>
       </p:ext>
     </p:extLst>
   </p:cSld>
@@ -5449,40 +5393,42 @@
           <a:lstStyle/>
           <a:p>
             <a:r>
-              <a:rPr lang="en-US" dirty="0" smtClean="0"/>
-              <a:t>Ex:</a:t>
-            </a:r>
-          </a:p>
-          <a:p>
-            <a:r>
-              <a:rPr lang="en-US" dirty="0" smtClean="0"/>
-              <a:t>function outside() {</a:t>
-            </a:r>
-          </a:p>
-          <a:p>
-            <a:r>
-              <a:rPr lang="en-US" dirty="0" smtClean="0"/>
-              <a:t>  </a:t>
-            </a:r>
-            <a:r>
               <a:rPr lang="en-US" dirty="0" err="1" smtClean="0"/>
-              <a:t>var</a:t>
-            </a:r>
-            <a:r>
-              <a:rPr lang="en-US" dirty="0" smtClean="0"/>
-              <a:t> x = 10;</a:t>
-            </a:r>
-          </a:p>
-          <a:p>
-            <a:r>
-              <a:rPr lang="en-US" dirty="0" smtClean="0"/>
-              <a:t>  function inside(x) {</a:t>
-            </a:r>
-          </a:p>
-          <a:p>
-            <a:r>
-              <a:rPr lang="en-US" dirty="0" smtClean="0"/>
-              <a:t>    return x;</a:t>
+              <a:t>EX.function</a:t>
+            </a:r>
+            <a:r>
+              <a:rPr lang="en-US" dirty="0" smtClean="0"/>
+              <a:t> A(x) {</a:t>
+            </a:r>
+          </a:p>
+          <a:p>
+            <a:r>
+              <a:rPr lang="en-US" dirty="0" smtClean="0"/>
+              <a:t>  function B(y) {</a:t>
+            </a:r>
+          </a:p>
+          <a:p>
+            <a:r>
+              <a:rPr lang="en-US" dirty="0" smtClean="0"/>
+              <a:t>    function C(z) {</a:t>
+            </a:r>
+          </a:p>
+          <a:p>
+            <a:r>
+              <a:rPr lang="en-US" dirty="0" smtClean="0"/>
+              <a:t>      console.log(x + y + z);</a:t>
+            </a:r>
+          </a:p>
+          <a:p>
+            <a:r>
+              <a:rPr lang="en-US" dirty="0" smtClean="0"/>
+              <a:t>    }</a:t>
+            </a:r>
+          </a:p>
+          <a:p>
+            <a:r>
+              <a:rPr lang="en-US" dirty="0" smtClean="0"/>
+              <a:t>    C(3);</a:t>
             </a:r>
           </a:p>
           <a:p>
@@ -5494,7 +5440,7 @@
           <a:p>
             <a:r>
               <a:rPr lang="en-US" dirty="0" smtClean="0"/>
-              <a:t>  return inside;</a:t>
+              <a:t>  B(2);</a:t>
             </a:r>
           </a:p>
           <a:p>
@@ -5506,7 +5452,37 @@
           <a:p>
             <a:r>
               <a:rPr lang="en-US" dirty="0" smtClean="0"/>
-              <a:t>result = outside()(20); // returns 20 instead of 10</a:t>
+              <a:t>A(1); // logs 6 (1 + 2 + 3).</a:t>
+            </a:r>
+          </a:p>
+          <a:p>
+            <a:endParaRPr lang="en-US" dirty="0" smtClean="0"/>
+          </a:p>
+          <a:p>
+            <a:r>
+              <a:rPr lang="en-US" dirty="0" smtClean="0"/>
+              <a:t>In this example, C accesses B's y and A's x. This can be done because:</a:t>
+            </a:r>
+          </a:p>
+          <a:p>
+            <a:endParaRPr lang="en-US" dirty="0" smtClean="0"/>
+          </a:p>
+          <a:p>
+            <a:r>
+              <a:rPr lang="en-US" dirty="0" smtClean="0"/>
+              <a:t>B forms a closure including A, i.e. B can access A's arguments and variables.</a:t>
+            </a:r>
+          </a:p>
+          <a:p>
+            <a:r>
+              <a:rPr lang="en-US" dirty="0" smtClean="0"/>
+              <a:t>C forms a closure including B.</a:t>
+            </a:r>
+          </a:p>
+          <a:p>
+            <a:r>
+              <a:rPr lang="en-US" dirty="0" smtClean="0"/>
+              <a:t>Because B's closure includes A, C's closure includes A, C can access both B and A's arguments and variables. In other words, C chains the scopes of B and A in that order.</a:t>
             </a:r>
             <a:endParaRPr lang="en-US" dirty="0"/>
           </a:p>
@@ -5546,7 +5522,7 @@
           <a:bodyPr/>
           <a:lstStyle/>
           <a:p>
-            <a:fld id="{D83E8344-54CF-410F-AC5E-87691D3A86DE}" type="datetime1">
+            <a:fld id="{4E13B294-B099-4490-81EB-2B3CA196618B}" type="datetime1">
               <a:rPr lang="en-US" smtClean="0"/>
               <a:t>3/11/2017</a:t>
             </a:fld>
@@ -5557,7 +5533,7 @@
     </p:spTree>
     <p:extLst>
       <p:ext uri="{BB962C8B-B14F-4D97-AF65-F5344CB8AC3E}">
-        <p14:creationId xmlns:p14="http://schemas.microsoft.com/office/powerpoint/2010/main" val="3676415252"/>
+        <p14:creationId xmlns:p14="http://schemas.microsoft.com/office/powerpoint/2010/main" val="1955056185"/>
       </p:ext>
     </p:extLst>
   </p:cSld>
@@ -5618,40 +5594,34 @@
           </a:p>
           <a:p>
             <a:r>
+              <a:rPr lang="en-US" dirty="0" smtClean="0"/>
+              <a:t>function outside() {</a:t>
+            </a:r>
+          </a:p>
+          <a:p>
+            <a:r>
+              <a:rPr lang="en-US" dirty="0" smtClean="0"/>
+              <a:t>  </a:t>
+            </a:r>
+            <a:r>
               <a:rPr lang="en-US" dirty="0" err="1" smtClean="0"/>
               <a:t>var</a:t>
             </a:r>
             <a:r>
               <a:rPr lang="en-US" dirty="0" smtClean="0"/>
-              <a:t> pet = function(name) {   // The outer function defines a variable called "name"</a:t>
-            </a:r>
-          </a:p>
-          <a:p>
-            <a:r>
-              <a:rPr lang="en-US" dirty="0" smtClean="0"/>
-              <a:t>  </a:t>
-            </a:r>
-            <a:r>
-              <a:rPr lang="en-US" dirty="0" err="1" smtClean="0"/>
-              <a:t>var</a:t>
-            </a:r>
-            <a:r>
-              <a:rPr lang="en-US" dirty="0" smtClean="0"/>
-              <a:t> </a:t>
-            </a:r>
-            <a:r>
-              <a:rPr lang="en-US" dirty="0" err="1" smtClean="0"/>
-              <a:t>getName</a:t>
-            </a:r>
-            <a:r>
-              <a:rPr lang="en-US" dirty="0" smtClean="0"/>
-              <a:t> = function() {</a:t>
-            </a:r>
-          </a:p>
-          <a:p>
-            <a:r>
-              <a:rPr lang="en-US" dirty="0" smtClean="0"/>
-              <a:t>    return name;             // The inner function has access to the "name" variable of the outer function</a:t>
+              <a:t> x = 10;</a:t>
+            </a:r>
+          </a:p>
+          <a:p>
+            <a:r>
+              <a:rPr lang="en-US" dirty="0" smtClean="0"/>
+              <a:t>  function inside(x) {</a:t>
+            </a:r>
+          </a:p>
+          <a:p>
+            <a:r>
+              <a:rPr lang="en-US" dirty="0" smtClean="0"/>
+              <a:t>    return x;</a:t>
             </a:r>
           </a:p>
           <a:p>
@@ -5663,15 +5633,7 @@
           <a:p>
             <a:r>
               <a:rPr lang="en-US" dirty="0" smtClean="0"/>
-              <a:t>  return </a:t>
-            </a:r>
-            <a:r>
-              <a:rPr lang="en-US" dirty="0" err="1" smtClean="0"/>
-              <a:t>getName</a:t>
-            </a:r>
-            <a:r>
-              <a:rPr lang="en-US" dirty="0" smtClean="0"/>
-              <a:t>;            // Return the inner function, thereby exposing it to outer scopes</a:t>
+              <a:t>  return inside;</a:t>
             </a:r>
           </a:p>
           <a:p>
@@ -5682,36 +5644,8 @@
           </a:p>
           <a:p>
             <a:r>
-              <a:rPr lang="en-US" dirty="0" err="1" smtClean="0"/>
-              <a:t>myPet</a:t>
-            </a:r>
-            <a:r>
-              <a:rPr lang="en-US" dirty="0" smtClean="0"/>
-              <a:t> = pet('</a:t>
-            </a:r>
-            <a:r>
-              <a:rPr lang="en-US" dirty="0" err="1" smtClean="0"/>
-              <a:t>Vivie</a:t>
-            </a:r>
-            <a:r>
-              <a:rPr lang="en-US" dirty="0" smtClean="0"/>
-              <a:t>');</a:t>
-            </a:r>
-          </a:p>
-          <a:p>
-            <a:r>
-              <a:rPr lang="en-US" dirty="0" smtClean="0"/>
-              <a:t>   </a:t>
-            </a:r>
-          </a:p>
-          <a:p>
-            <a:r>
-              <a:rPr lang="en-US" dirty="0" err="1" smtClean="0"/>
-              <a:t>myPet</a:t>
-            </a:r>
-            <a:r>
-              <a:rPr lang="en-US" dirty="0" smtClean="0"/>
-              <a:t>(); </a:t>
+              <a:rPr lang="en-US" dirty="0" smtClean="0"/>
+              <a:t>result = outside()(20); // returns 20 instead of 10</a:t>
             </a:r>
             <a:endParaRPr lang="en-US" dirty="0"/>
           </a:p>
@@ -5751,7 +5685,7 @@
           <a:bodyPr/>
           <a:lstStyle/>
           <a:p>
-            <a:fld id="{C8C12100-49BB-424D-BB8B-C0F476F8FAF7}" type="datetime1">
+            <a:fld id="{D83E8344-54CF-410F-AC5E-87691D3A86DE}" type="datetime1">
               <a:rPr lang="en-US" smtClean="0"/>
               <a:t>3/11/2017</a:t>
             </a:fld>
@@ -5762,7 +5696,7 @@
     </p:spTree>
     <p:extLst>
       <p:ext uri="{BB962C8B-B14F-4D97-AF65-F5344CB8AC3E}">
-        <p14:creationId xmlns:p14="http://schemas.microsoft.com/office/powerpoint/2010/main" val="573958149"/>
+        <p14:creationId xmlns:p14="http://schemas.microsoft.com/office/powerpoint/2010/main" val="3676415252"/>
       </p:ext>
     </p:extLst>
   </p:cSld>
@@ -5817,1467 +5751,107 @@
           <a:lstStyle/>
           <a:p>
             <a:r>
-              <a:rPr lang="en-US" b="1" dirty="0" smtClean="0"/>
-              <a:t>Note: You can call any of the methods of the String object on a string literal value—JavaScript automatically converts the string literal to a temporary String object, calls the method, then discards the temporary String object. You can also use the String. length property with a string literal.</a:t>
-            </a:r>
-          </a:p>
-          <a:p>
-            <a:endParaRPr lang="en-US" b="1" dirty="0" smtClean="0"/>
-          </a:p>
-          <a:p>
-            <a:r>
-              <a:rPr lang="en-US" b="1" dirty="0" smtClean="0"/>
-              <a:t>You should use string literals unless you specifically need to use a String object, because String objects can have counterintuitive behavior</a:t>
-            </a:r>
-          </a:p>
-          <a:p>
-            <a:endParaRPr lang="en-US" b="1" dirty="0" smtClean="0"/>
-          </a:p>
-          <a:p>
-            <a:r>
-              <a:rPr lang="en-US" b="1" dirty="0" smtClean="0"/>
-              <a:t>JavaScript</a:t>
-            </a:r>
-            <a:r>
-              <a:rPr lang="en-US" b="1" dirty="0" smtClean="0"/>
-              <a:t> String Methods:</a:t>
-            </a:r>
-          </a:p>
-          <a:p>
-            <a:r>
-              <a:rPr lang="en-US" dirty="0" smtClean="0"/>
-              <a:t>Primitive values, like "John Doe", cannot have properties or methods (because they are not objects).</a:t>
-            </a:r>
-          </a:p>
-          <a:p>
-            <a:r>
-              <a:rPr lang="en-US" dirty="0" smtClean="0"/>
-              <a:t>But with JavaScript, methods and properties are also available to primitive values, because JavaScript treats primitive values as objects when executing methods and properties</a:t>
-            </a:r>
-          </a:p>
-          <a:p>
-            <a:endParaRPr lang="en-US" dirty="0" smtClean="0"/>
-          </a:p>
-          <a:p>
-            <a:r>
-              <a:rPr lang="en-US" sz="900" b="1" i="0" kern="1200" dirty="0" smtClean="0">
-                <a:solidFill>
-                  <a:schemeClr val="tx1"/>
-                </a:solidFill>
-                <a:effectLst/>
-                <a:latin typeface="+mn-lt"/>
-                <a:ea typeface="+mn-ea"/>
-                <a:cs typeface="+mn-cs"/>
-              </a:rPr>
-              <a:t>String Length</a:t>
-            </a:r>
-          </a:p>
-          <a:p>
-            <a:r>
-              <a:rPr lang="en-US" sz="900" b="0" i="0" kern="1200" dirty="0" smtClean="0">
-                <a:solidFill>
-                  <a:schemeClr val="tx1"/>
-                </a:solidFill>
-                <a:effectLst/>
-                <a:latin typeface="+mn-lt"/>
-                <a:ea typeface="+mn-ea"/>
-                <a:cs typeface="+mn-cs"/>
-              </a:rPr>
-              <a:t>The </a:t>
-            </a:r>
-            <a:r>
-              <a:rPr lang="en-US" sz="900" b="1" i="0" kern="1200" dirty="0" smtClean="0">
-                <a:solidFill>
-                  <a:schemeClr val="tx1"/>
-                </a:solidFill>
-                <a:effectLst/>
-                <a:latin typeface="+mn-lt"/>
-                <a:ea typeface="+mn-ea"/>
-                <a:cs typeface="+mn-cs"/>
-              </a:rPr>
-              <a:t>length</a:t>
-            </a:r>
-            <a:r>
-              <a:rPr lang="en-US" sz="900" b="0" i="0" kern="1200" dirty="0" smtClean="0">
-                <a:solidFill>
-                  <a:schemeClr val="tx1"/>
-                </a:solidFill>
-                <a:effectLst/>
-                <a:latin typeface="+mn-lt"/>
-                <a:ea typeface="+mn-ea"/>
-                <a:cs typeface="+mn-cs"/>
-              </a:rPr>
-              <a:t> property returns the length of a string:</a:t>
-            </a:r>
-          </a:p>
-          <a:p>
-            <a:r>
-              <a:rPr lang="en-US" sz="900" b="0" i="0" kern="1200" dirty="0" smtClean="0">
-                <a:solidFill>
-                  <a:schemeClr val="tx1"/>
-                </a:solidFill>
-                <a:effectLst/>
-                <a:latin typeface="+mn-lt"/>
-                <a:ea typeface="+mn-ea"/>
-                <a:cs typeface="+mn-cs"/>
-              </a:rPr>
-              <a:t>Example</a:t>
-            </a:r>
-          </a:p>
-          <a:p>
-            <a:r>
-              <a:rPr lang="en-US" sz="900" b="0" i="0" kern="1200" dirty="0" err="1" smtClean="0">
-                <a:solidFill>
-                  <a:schemeClr val="tx1"/>
-                </a:solidFill>
-                <a:effectLst/>
-                <a:latin typeface="+mn-lt"/>
-                <a:ea typeface="+mn-ea"/>
-                <a:cs typeface="+mn-cs"/>
-              </a:rPr>
+              <a:rPr lang="en-US" dirty="0" smtClean="0"/>
+              <a:t>Ex:</a:t>
+            </a:r>
+          </a:p>
+          <a:p>
+            <a:r>
+              <a:rPr lang="en-US" dirty="0" err="1" smtClean="0"/>
               <a:t>var</a:t>
             </a:r>
             <a:r>
-              <a:rPr lang="en-US" sz="900" b="0" i="0" kern="1200" dirty="0" smtClean="0">
-                <a:solidFill>
-                  <a:schemeClr val="tx1"/>
-                </a:solidFill>
-                <a:effectLst/>
-                <a:latin typeface="+mn-lt"/>
-                <a:ea typeface="+mn-ea"/>
-                <a:cs typeface="+mn-cs"/>
-              </a:rPr>
-              <a:t> txt = "ABCDEFGHIJKLMNOPQRSTUVWXYZ";</a:t>
-            </a:r>
-            <a:br>
-              <a:rPr lang="en-US" sz="900" b="0" i="0" kern="1200" dirty="0" smtClean="0">
-                <a:solidFill>
-                  <a:schemeClr val="tx1"/>
-                </a:solidFill>
-                <a:effectLst/>
-                <a:latin typeface="+mn-lt"/>
-                <a:ea typeface="+mn-ea"/>
-                <a:cs typeface="+mn-cs"/>
-              </a:rPr>
-            </a:br>
-            <a:r>
-              <a:rPr lang="en-US" sz="900" b="0" i="0" kern="1200" dirty="0" err="1" smtClean="0">
-                <a:solidFill>
-                  <a:schemeClr val="tx1"/>
-                </a:solidFill>
-                <a:effectLst/>
-                <a:latin typeface="+mn-lt"/>
-                <a:ea typeface="+mn-ea"/>
-                <a:cs typeface="+mn-cs"/>
-              </a:rPr>
+              <a:rPr lang="en-US" dirty="0" smtClean="0"/>
+              <a:t> pet = function(name) {   // The outer function defines a variable called "name"</a:t>
+            </a:r>
+          </a:p>
+          <a:p>
+            <a:r>
+              <a:rPr lang="en-US" dirty="0" smtClean="0"/>
+              <a:t>  </a:t>
+            </a:r>
+            <a:r>
+              <a:rPr lang="en-US" dirty="0" err="1" smtClean="0"/>
               <a:t>var</a:t>
             </a:r>
             <a:r>
-              <a:rPr lang="en-US" sz="900" b="0" i="0" kern="1200" dirty="0" smtClean="0">
-                <a:solidFill>
-                  <a:schemeClr val="tx1"/>
-                </a:solidFill>
-                <a:effectLst/>
-                <a:latin typeface="+mn-lt"/>
-                <a:ea typeface="+mn-ea"/>
-                <a:cs typeface="+mn-cs"/>
-              </a:rPr>
-              <a:t> </a:t>
-            </a:r>
-            <a:r>
-              <a:rPr lang="en-US" sz="900" b="0" i="0" kern="1200" dirty="0" err="1" smtClean="0">
-                <a:solidFill>
-                  <a:schemeClr val="tx1"/>
-                </a:solidFill>
-                <a:effectLst/>
-                <a:latin typeface="+mn-lt"/>
-                <a:ea typeface="+mn-ea"/>
-                <a:cs typeface="+mn-cs"/>
-              </a:rPr>
-              <a:t>sln</a:t>
-            </a:r>
-            <a:r>
-              <a:rPr lang="en-US" sz="900" b="0" i="0" kern="1200" dirty="0" smtClean="0">
-                <a:solidFill>
-                  <a:schemeClr val="tx1"/>
-                </a:solidFill>
-                <a:effectLst/>
-                <a:latin typeface="+mn-lt"/>
-                <a:ea typeface="+mn-ea"/>
-                <a:cs typeface="+mn-cs"/>
-              </a:rPr>
-              <a:t> = </a:t>
-            </a:r>
-            <a:r>
-              <a:rPr lang="en-US" sz="900" b="0" i="0" kern="1200" dirty="0" err="1" smtClean="0">
-                <a:solidFill>
-                  <a:schemeClr val="tx1"/>
-                </a:solidFill>
-                <a:effectLst/>
-                <a:latin typeface="+mn-lt"/>
-                <a:ea typeface="+mn-ea"/>
-                <a:cs typeface="+mn-cs"/>
-              </a:rPr>
-              <a:t>txt.length</a:t>
-            </a:r>
-            <a:r>
-              <a:rPr lang="en-US" sz="900" b="0" i="0" kern="1200" dirty="0" smtClean="0">
-                <a:solidFill>
-                  <a:schemeClr val="tx1"/>
-                </a:solidFill>
-                <a:effectLst/>
-                <a:latin typeface="+mn-lt"/>
-                <a:ea typeface="+mn-ea"/>
-                <a:cs typeface="+mn-cs"/>
-              </a:rPr>
-              <a:t>;</a:t>
-            </a:r>
-          </a:p>
-          <a:p>
-            <a:endParaRPr lang="en-US" sz="900" b="0" i="0" kern="1200" dirty="0" smtClean="0">
-              <a:solidFill>
-                <a:schemeClr val="tx1"/>
-              </a:solidFill>
-              <a:effectLst/>
-              <a:latin typeface="+mn-lt"/>
-              <a:ea typeface="+mn-ea"/>
-              <a:cs typeface="+mn-cs"/>
-            </a:endParaRPr>
-          </a:p>
-          <a:p>
-            <a:r>
-              <a:rPr lang="en-US" sz="900" b="1" i="0" kern="1200" dirty="0" smtClean="0">
-                <a:solidFill>
-                  <a:schemeClr val="tx1"/>
-                </a:solidFill>
-                <a:effectLst/>
-                <a:latin typeface="+mn-lt"/>
-                <a:ea typeface="+mn-ea"/>
-                <a:cs typeface="+mn-cs"/>
-              </a:rPr>
-              <a:t>Finding a String in a String:</a:t>
-            </a:r>
-          </a:p>
-          <a:p>
-            <a:endParaRPr lang="en-US" sz="900" b="1" i="0" kern="1200" dirty="0" smtClean="0">
-              <a:solidFill>
-                <a:schemeClr val="tx1"/>
-              </a:solidFill>
-              <a:effectLst/>
-              <a:latin typeface="+mn-lt"/>
-              <a:ea typeface="+mn-ea"/>
-              <a:cs typeface="+mn-cs"/>
-            </a:endParaRPr>
-          </a:p>
-          <a:p>
-            <a:r>
-              <a:rPr lang="en-US" sz="900" b="0" i="0" kern="1200" dirty="0" smtClean="0">
-                <a:solidFill>
-                  <a:schemeClr val="tx1"/>
-                </a:solidFill>
-                <a:effectLst/>
-                <a:latin typeface="+mn-lt"/>
-                <a:ea typeface="+mn-ea"/>
-                <a:cs typeface="+mn-cs"/>
-              </a:rPr>
-              <a:t>The </a:t>
-            </a:r>
-            <a:r>
-              <a:rPr lang="en-US" sz="900" b="1" i="0" kern="1200" dirty="0" err="1" smtClean="0">
-                <a:solidFill>
-                  <a:schemeClr val="tx1"/>
-                </a:solidFill>
-                <a:effectLst/>
-                <a:latin typeface="+mn-lt"/>
-                <a:ea typeface="+mn-ea"/>
-                <a:cs typeface="+mn-cs"/>
-              </a:rPr>
-              <a:t>indexOf</a:t>
-            </a:r>
-            <a:r>
-              <a:rPr lang="en-US" sz="900" b="1" i="0" kern="1200" dirty="0" smtClean="0">
-                <a:solidFill>
-                  <a:schemeClr val="tx1"/>
-                </a:solidFill>
-                <a:effectLst/>
-                <a:latin typeface="+mn-lt"/>
-                <a:ea typeface="+mn-ea"/>
-                <a:cs typeface="+mn-cs"/>
-              </a:rPr>
-              <a:t>()</a:t>
-            </a:r>
-            <a:r>
-              <a:rPr lang="en-US" sz="900" b="0" i="0" kern="1200" dirty="0" smtClean="0">
-                <a:solidFill>
-                  <a:schemeClr val="tx1"/>
-                </a:solidFill>
-                <a:effectLst/>
-                <a:latin typeface="+mn-lt"/>
-                <a:ea typeface="+mn-ea"/>
-                <a:cs typeface="+mn-cs"/>
-              </a:rPr>
-              <a:t> method returns the index of (the position of) the </a:t>
-            </a:r>
-            <a:r>
-              <a:rPr lang="en-US" sz="900" b="1" i="0" kern="1200" dirty="0" smtClean="0">
-                <a:solidFill>
-                  <a:schemeClr val="tx1"/>
-                </a:solidFill>
-                <a:effectLst/>
-                <a:latin typeface="+mn-lt"/>
-                <a:ea typeface="+mn-ea"/>
-                <a:cs typeface="+mn-cs"/>
-              </a:rPr>
-              <a:t>first</a:t>
-            </a:r>
-            <a:r>
-              <a:rPr lang="en-US" sz="900" b="0" i="0" kern="1200" dirty="0" smtClean="0">
-                <a:solidFill>
-                  <a:schemeClr val="tx1"/>
-                </a:solidFill>
-                <a:effectLst/>
-                <a:latin typeface="+mn-lt"/>
-                <a:ea typeface="+mn-ea"/>
-                <a:cs typeface="+mn-cs"/>
-              </a:rPr>
-              <a:t> occurrence of a specified text in a string:</a:t>
-            </a:r>
-          </a:p>
-          <a:p>
-            <a:r>
-              <a:rPr lang="en-US" sz="900" b="0" i="0" kern="1200" dirty="0" smtClean="0">
-                <a:solidFill>
-                  <a:schemeClr val="tx1"/>
-                </a:solidFill>
-                <a:effectLst/>
-                <a:latin typeface="+mn-lt"/>
-                <a:ea typeface="+mn-ea"/>
-                <a:cs typeface="+mn-cs"/>
-              </a:rPr>
-              <a:t>Example</a:t>
-            </a:r>
-          </a:p>
-          <a:p>
-            <a:r>
-              <a:rPr lang="en-US" sz="900" b="0" i="0" kern="1200" dirty="0" err="1" smtClean="0">
-                <a:solidFill>
-                  <a:schemeClr val="tx1"/>
-                </a:solidFill>
-                <a:effectLst/>
-                <a:latin typeface="+mn-lt"/>
-                <a:ea typeface="+mn-ea"/>
-                <a:cs typeface="+mn-cs"/>
-              </a:rPr>
-              <a:t>var</a:t>
-            </a:r>
-            <a:r>
-              <a:rPr lang="en-US" sz="900" b="0" i="0" kern="1200" dirty="0" smtClean="0">
-                <a:solidFill>
-                  <a:schemeClr val="tx1"/>
-                </a:solidFill>
-                <a:effectLst/>
-                <a:latin typeface="+mn-lt"/>
-                <a:ea typeface="+mn-ea"/>
-                <a:cs typeface="+mn-cs"/>
-              </a:rPr>
-              <a:t> </a:t>
-            </a:r>
-            <a:r>
-              <a:rPr lang="en-US" sz="900" b="0" i="0" kern="1200" dirty="0" err="1" smtClean="0">
-                <a:solidFill>
-                  <a:schemeClr val="tx1"/>
-                </a:solidFill>
-                <a:effectLst/>
-                <a:latin typeface="+mn-lt"/>
-                <a:ea typeface="+mn-ea"/>
-                <a:cs typeface="+mn-cs"/>
-              </a:rPr>
-              <a:t>str</a:t>
-            </a:r>
-            <a:r>
-              <a:rPr lang="en-US" sz="900" b="0" i="0" kern="1200" dirty="0" smtClean="0">
-                <a:solidFill>
-                  <a:schemeClr val="tx1"/>
-                </a:solidFill>
-                <a:effectLst/>
-                <a:latin typeface="+mn-lt"/>
-                <a:ea typeface="+mn-ea"/>
-                <a:cs typeface="+mn-cs"/>
-              </a:rPr>
-              <a:t> = "Please locate where 'locate' occurs!";</a:t>
-            </a:r>
-            <a:br>
-              <a:rPr lang="en-US" sz="900" b="0" i="0" kern="1200" dirty="0" smtClean="0">
-                <a:solidFill>
-                  <a:schemeClr val="tx1"/>
-                </a:solidFill>
-                <a:effectLst/>
-                <a:latin typeface="+mn-lt"/>
-                <a:ea typeface="+mn-ea"/>
-                <a:cs typeface="+mn-cs"/>
-              </a:rPr>
-            </a:br>
-            <a:r>
-              <a:rPr lang="en-US" sz="900" b="0" i="0" kern="1200" dirty="0" err="1" smtClean="0">
-                <a:solidFill>
-                  <a:schemeClr val="tx1"/>
-                </a:solidFill>
-                <a:effectLst/>
-                <a:latin typeface="+mn-lt"/>
-                <a:ea typeface="+mn-ea"/>
-                <a:cs typeface="+mn-cs"/>
-              </a:rPr>
-              <a:t>var</a:t>
-            </a:r>
-            <a:r>
-              <a:rPr lang="en-US" sz="900" b="0" i="0" kern="1200" dirty="0" smtClean="0">
-                <a:solidFill>
-                  <a:schemeClr val="tx1"/>
-                </a:solidFill>
-                <a:effectLst/>
-                <a:latin typeface="+mn-lt"/>
-                <a:ea typeface="+mn-ea"/>
-                <a:cs typeface="+mn-cs"/>
-              </a:rPr>
-              <a:t> </a:t>
-            </a:r>
-            <a:r>
-              <a:rPr lang="en-US" sz="900" b="0" i="0" kern="1200" dirty="0" err="1" smtClean="0">
-                <a:solidFill>
-                  <a:schemeClr val="tx1"/>
-                </a:solidFill>
-                <a:effectLst/>
-                <a:latin typeface="+mn-lt"/>
-                <a:ea typeface="+mn-ea"/>
-                <a:cs typeface="+mn-cs"/>
-              </a:rPr>
-              <a:t>pos</a:t>
-            </a:r>
-            <a:r>
-              <a:rPr lang="en-US" sz="900" b="0" i="0" kern="1200" dirty="0" smtClean="0">
-                <a:solidFill>
-                  <a:schemeClr val="tx1"/>
-                </a:solidFill>
-                <a:effectLst/>
-                <a:latin typeface="+mn-lt"/>
-                <a:ea typeface="+mn-ea"/>
-                <a:cs typeface="+mn-cs"/>
-              </a:rPr>
-              <a:t> = </a:t>
-            </a:r>
-            <a:r>
-              <a:rPr lang="en-US" sz="900" b="0" i="0" kern="1200" dirty="0" err="1" smtClean="0">
-                <a:solidFill>
-                  <a:schemeClr val="tx1"/>
-                </a:solidFill>
-                <a:effectLst/>
-                <a:latin typeface="+mn-lt"/>
-                <a:ea typeface="+mn-ea"/>
-                <a:cs typeface="+mn-cs"/>
-              </a:rPr>
-              <a:t>str.indexOf</a:t>
-            </a:r>
-            <a:r>
-              <a:rPr lang="en-US" sz="900" b="0" i="0" kern="1200" dirty="0" smtClean="0">
-                <a:solidFill>
-                  <a:schemeClr val="tx1"/>
-                </a:solidFill>
-                <a:effectLst/>
-                <a:latin typeface="+mn-lt"/>
-                <a:ea typeface="+mn-ea"/>
-                <a:cs typeface="+mn-cs"/>
-              </a:rPr>
-              <a:t>("locate");</a:t>
-            </a:r>
-          </a:p>
-          <a:p>
-            <a:endParaRPr lang="en-US" sz="900" b="0" i="0" kern="1200" dirty="0" smtClean="0">
-              <a:solidFill>
-                <a:schemeClr val="tx1"/>
-              </a:solidFill>
-              <a:effectLst/>
-              <a:latin typeface="+mn-lt"/>
-              <a:ea typeface="+mn-ea"/>
-              <a:cs typeface="+mn-cs"/>
-            </a:endParaRPr>
-          </a:p>
-          <a:p>
-            <a:r>
-              <a:rPr lang="en-US" sz="900" b="0" i="0" kern="1200" dirty="0" smtClean="0">
-                <a:solidFill>
-                  <a:schemeClr val="tx1"/>
-                </a:solidFill>
-                <a:effectLst/>
-                <a:latin typeface="+mn-lt"/>
-                <a:ea typeface="+mn-ea"/>
-                <a:cs typeface="+mn-cs"/>
-              </a:rPr>
-              <a:t>The </a:t>
-            </a:r>
-            <a:r>
-              <a:rPr lang="en-US" sz="900" b="1" i="0" kern="1200" dirty="0" err="1" smtClean="0">
-                <a:solidFill>
-                  <a:schemeClr val="tx1"/>
-                </a:solidFill>
-                <a:effectLst/>
-                <a:latin typeface="+mn-lt"/>
-                <a:ea typeface="+mn-ea"/>
-                <a:cs typeface="+mn-cs"/>
-              </a:rPr>
-              <a:t>lastIndexOf</a:t>
-            </a:r>
-            <a:r>
-              <a:rPr lang="en-US" sz="900" b="1" i="0" kern="1200" dirty="0" smtClean="0">
-                <a:solidFill>
-                  <a:schemeClr val="tx1"/>
-                </a:solidFill>
-                <a:effectLst/>
-                <a:latin typeface="+mn-lt"/>
-                <a:ea typeface="+mn-ea"/>
-                <a:cs typeface="+mn-cs"/>
-              </a:rPr>
-              <a:t>()</a:t>
-            </a:r>
-            <a:r>
-              <a:rPr lang="en-US" sz="900" b="0" i="0" kern="1200" dirty="0" smtClean="0">
-                <a:solidFill>
-                  <a:schemeClr val="tx1"/>
-                </a:solidFill>
-                <a:effectLst/>
-                <a:latin typeface="+mn-lt"/>
-                <a:ea typeface="+mn-ea"/>
-                <a:cs typeface="+mn-cs"/>
-              </a:rPr>
-              <a:t> method returns the index of the </a:t>
-            </a:r>
-            <a:r>
-              <a:rPr lang="en-US" sz="900" b="1" i="0" kern="1200" dirty="0" smtClean="0">
-                <a:solidFill>
-                  <a:schemeClr val="tx1"/>
-                </a:solidFill>
-                <a:effectLst/>
-                <a:latin typeface="+mn-lt"/>
-                <a:ea typeface="+mn-ea"/>
-                <a:cs typeface="+mn-cs"/>
-              </a:rPr>
-              <a:t>last</a:t>
-            </a:r>
-            <a:r>
-              <a:rPr lang="en-US" sz="900" b="0" i="0" kern="1200" dirty="0" smtClean="0">
-                <a:solidFill>
-                  <a:schemeClr val="tx1"/>
-                </a:solidFill>
-                <a:effectLst/>
-                <a:latin typeface="+mn-lt"/>
-                <a:ea typeface="+mn-ea"/>
-                <a:cs typeface="+mn-cs"/>
-              </a:rPr>
-              <a:t> occurrence of a specified text in a string:</a:t>
-            </a:r>
-          </a:p>
-          <a:p>
-            <a:r>
-              <a:rPr lang="en-US" sz="900" b="0" i="0" kern="1200" dirty="0" smtClean="0">
-                <a:solidFill>
-                  <a:schemeClr val="tx1"/>
-                </a:solidFill>
-                <a:effectLst/>
-                <a:latin typeface="+mn-lt"/>
-                <a:ea typeface="+mn-ea"/>
-                <a:cs typeface="+mn-cs"/>
-              </a:rPr>
-              <a:t>Example</a:t>
-            </a:r>
-          </a:p>
-          <a:p>
-            <a:r>
-              <a:rPr lang="en-US" sz="900" b="0" i="0" kern="1200" dirty="0" err="1" smtClean="0">
-                <a:solidFill>
-                  <a:schemeClr val="tx1"/>
-                </a:solidFill>
-                <a:effectLst/>
-                <a:latin typeface="+mn-lt"/>
-                <a:ea typeface="+mn-ea"/>
-                <a:cs typeface="+mn-cs"/>
-              </a:rPr>
-              <a:t>var</a:t>
-            </a:r>
-            <a:r>
-              <a:rPr lang="en-US" sz="900" b="0" i="0" kern="1200" dirty="0" smtClean="0">
-                <a:solidFill>
-                  <a:schemeClr val="tx1"/>
-                </a:solidFill>
-                <a:effectLst/>
-                <a:latin typeface="+mn-lt"/>
-                <a:ea typeface="+mn-ea"/>
-                <a:cs typeface="+mn-cs"/>
-              </a:rPr>
-              <a:t> </a:t>
-            </a:r>
-            <a:r>
-              <a:rPr lang="en-US" sz="900" b="0" i="0" kern="1200" dirty="0" err="1" smtClean="0">
-                <a:solidFill>
-                  <a:schemeClr val="tx1"/>
-                </a:solidFill>
-                <a:effectLst/>
-                <a:latin typeface="+mn-lt"/>
-                <a:ea typeface="+mn-ea"/>
-                <a:cs typeface="+mn-cs"/>
-              </a:rPr>
-              <a:t>str</a:t>
-            </a:r>
-            <a:r>
-              <a:rPr lang="en-US" sz="900" b="0" i="0" kern="1200" dirty="0" smtClean="0">
-                <a:solidFill>
-                  <a:schemeClr val="tx1"/>
-                </a:solidFill>
-                <a:effectLst/>
-                <a:latin typeface="+mn-lt"/>
-                <a:ea typeface="+mn-ea"/>
-                <a:cs typeface="+mn-cs"/>
-              </a:rPr>
-              <a:t> = "Please locate where 'locate' occurs!";</a:t>
-            </a:r>
-            <a:br>
-              <a:rPr lang="en-US" sz="900" b="0" i="0" kern="1200" dirty="0" smtClean="0">
-                <a:solidFill>
-                  <a:schemeClr val="tx1"/>
-                </a:solidFill>
-                <a:effectLst/>
-                <a:latin typeface="+mn-lt"/>
-                <a:ea typeface="+mn-ea"/>
-                <a:cs typeface="+mn-cs"/>
-              </a:rPr>
-            </a:br>
-            <a:r>
-              <a:rPr lang="en-US" sz="900" b="0" i="0" kern="1200" dirty="0" err="1" smtClean="0">
-                <a:solidFill>
-                  <a:schemeClr val="tx1"/>
-                </a:solidFill>
-                <a:effectLst/>
-                <a:latin typeface="+mn-lt"/>
-                <a:ea typeface="+mn-ea"/>
-                <a:cs typeface="+mn-cs"/>
-              </a:rPr>
-              <a:t>var</a:t>
-            </a:r>
-            <a:r>
-              <a:rPr lang="en-US" sz="900" b="0" i="0" kern="1200" dirty="0" smtClean="0">
-                <a:solidFill>
-                  <a:schemeClr val="tx1"/>
-                </a:solidFill>
-                <a:effectLst/>
-                <a:latin typeface="+mn-lt"/>
-                <a:ea typeface="+mn-ea"/>
-                <a:cs typeface="+mn-cs"/>
-              </a:rPr>
-              <a:t> </a:t>
-            </a:r>
-            <a:r>
-              <a:rPr lang="en-US" sz="900" b="0" i="0" kern="1200" dirty="0" err="1" smtClean="0">
-                <a:solidFill>
-                  <a:schemeClr val="tx1"/>
-                </a:solidFill>
-                <a:effectLst/>
-                <a:latin typeface="+mn-lt"/>
-                <a:ea typeface="+mn-ea"/>
-                <a:cs typeface="+mn-cs"/>
-              </a:rPr>
-              <a:t>pos</a:t>
-            </a:r>
-            <a:r>
-              <a:rPr lang="en-US" sz="900" b="0" i="0" kern="1200" dirty="0" smtClean="0">
-                <a:solidFill>
-                  <a:schemeClr val="tx1"/>
-                </a:solidFill>
-                <a:effectLst/>
-                <a:latin typeface="+mn-lt"/>
-                <a:ea typeface="+mn-ea"/>
-                <a:cs typeface="+mn-cs"/>
-              </a:rPr>
-              <a:t> = </a:t>
-            </a:r>
-            <a:r>
-              <a:rPr lang="en-US" sz="900" b="0" i="0" kern="1200" dirty="0" err="1" smtClean="0">
-                <a:solidFill>
-                  <a:schemeClr val="tx1"/>
-                </a:solidFill>
-                <a:effectLst/>
-                <a:latin typeface="+mn-lt"/>
-                <a:ea typeface="+mn-ea"/>
-                <a:cs typeface="+mn-cs"/>
-              </a:rPr>
-              <a:t>str.lastIndexOf</a:t>
-            </a:r>
-            <a:r>
-              <a:rPr lang="en-US" sz="900" b="0" i="0" kern="1200" dirty="0" smtClean="0">
-                <a:solidFill>
-                  <a:schemeClr val="tx1"/>
-                </a:solidFill>
-                <a:effectLst/>
-                <a:latin typeface="+mn-lt"/>
-                <a:ea typeface="+mn-ea"/>
-                <a:cs typeface="+mn-cs"/>
-              </a:rPr>
-              <a:t>("locate");</a:t>
-            </a:r>
-          </a:p>
-          <a:p>
-            <a:endParaRPr lang="en-US" sz="900" b="0" i="0" kern="1200" dirty="0" smtClean="0">
-              <a:solidFill>
-                <a:schemeClr val="tx1"/>
-              </a:solidFill>
-              <a:effectLst/>
-              <a:latin typeface="+mn-lt"/>
-              <a:ea typeface="+mn-ea"/>
-              <a:cs typeface="+mn-cs"/>
-            </a:endParaRPr>
-          </a:p>
-          <a:p>
-            <a:r>
-              <a:rPr lang="en-US" sz="900" b="1" i="0" kern="1200" dirty="0" smtClean="0">
-                <a:solidFill>
-                  <a:schemeClr val="tx1"/>
-                </a:solidFill>
-                <a:effectLst/>
-                <a:latin typeface="+mn-lt"/>
-                <a:ea typeface="+mn-ea"/>
-                <a:cs typeface="+mn-cs"/>
-              </a:rPr>
-              <a:t>Extracting String Parts</a:t>
-            </a:r>
-          </a:p>
-          <a:p>
-            <a:r>
-              <a:rPr lang="en-US" sz="900" b="0" i="0" kern="1200" dirty="0" smtClean="0">
-                <a:solidFill>
-                  <a:schemeClr val="tx1"/>
-                </a:solidFill>
-                <a:effectLst/>
-                <a:latin typeface="+mn-lt"/>
-                <a:ea typeface="+mn-ea"/>
-                <a:cs typeface="+mn-cs"/>
-              </a:rPr>
-              <a:t>There are 3 methods for extracting a part of a string:</a:t>
-            </a:r>
-          </a:p>
-          <a:p>
-            <a:r>
-              <a:rPr lang="en-US" sz="900" b="0" i="0" kern="1200" dirty="0" smtClean="0">
-                <a:solidFill>
-                  <a:schemeClr val="tx1"/>
-                </a:solidFill>
-                <a:effectLst/>
-                <a:latin typeface="+mn-lt"/>
-                <a:ea typeface="+mn-ea"/>
-                <a:cs typeface="+mn-cs"/>
-              </a:rPr>
-              <a:t>slice(start, end)</a:t>
-            </a:r>
-          </a:p>
-          <a:p>
-            <a:r>
-              <a:rPr lang="en-US" sz="900" b="0" i="0" kern="1200" dirty="0" smtClean="0">
-                <a:solidFill>
-                  <a:schemeClr val="tx1"/>
-                </a:solidFill>
-                <a:effectLst/>
-                <a:latin typeface="+mn-lt"/>
-                <a:ea typeface="+mn-ea"/>
-                <a:cs typeface="+mn-cs"/>
-              </a:rPr>
-              <a:t>substring(start, end)</a:t>
-            </a:r>
-          </a:p>
-          <a:p>
-            <a:r>
-              <a:rPr lang="en-US" sz="900" b="0" i="0" kern="1200" dirty="0" err="1" smtClean="0">
-                <a:solidFill>
-                  <a:schemeClr val="tx1"/>
-                </a:solidFill>
-                <a:effectLst/>
-                <a:latin typeface="+mn-lt"/>
-                <a:ea typeface="+mn-ea"/>
-                <a:cs typeface="+mn-cs"/>
-              </a:rPr>
-              <a:t>substr</a:t>
-            </a:r>
-            <a:r>
-              <a:rPr lang="en-US" sz="900" b="0" i="0" kern="1200" dirty="0" smtClean="0">
-                <a:solidFill>
-                  <a:schemeClr val="tx1"/>
-                </a:solidFill>
-                <a:effectLst/>
-                <a:latin typeface="+mn-lt"/>
-                <a:ea typeface="+mn-ea"/>
-                <a:cs typeface="+mn-cs"/>
-              </a:rPr>
-              <a:t>(start, length)</a:t>
-            </a:r>
-          </a:p>
-          <a:p>
-            <a:endParaRPr lang="en-US" sz="900" b="0" i="0" kern="1200" dirty="0" smtClean="0">
-              <a:solidFill>
-                <a:schemeClr val="tx1"/>
-              </a:solidFill>
-              <a:effectLst/>
-              <a:latin typeface="+mn-lt"/>
-              <a:ea typeface="+mn-ea"/>
-              <a:cs typeface="+mn-cs"/>
-            </a:endParaRPr>
-          </a:p>
-          <a:p>
-            <a:r>
-              <a:rPr lang="en-US" sz="900" b="1" i="0" kern="1200" dirty="0" smtClean="0">
-                <a:solidFill>
-                  <a:schemeClr val="tx1"/>
-                </a:solidFill>
-                <a:effectLst/>
-                <a:latin typeface="+mn-lt"/>
-                <a:ea typeface="+mn-ea"/>
-                <a:cs typeface="+mn-cs"/>
-              </a:rPr>
-              <a:t>slice()</a:t>
-            </a:r>
-            <a:r>
-              <a:rPr lang="en-US" sz="900" b="0" i="0" kern="1200" dirty="0" smtClean="0">
-                <a:solidFill>
-                  <a:schemeClr val="tx1"/>
-                </a:solidFill>
-                <a:effectLst/>
-                <a:latin typeface="+mn-lt"/>
-                <a:ea typeface="+mn-ea"/>
-                <a:cs typeface="+mn-cs"/>
-              </a:rPr>
-              <a:t> extracts a part of a string and returns the extracted part in a new string.</a:t>
-            </a:r>
-          </a:p>
-          <a:p>
-            <a:r>
-              <a:rPr lang="en-US" sz="900" b="0" i="0" kern="1200" dirty="0" smtClean="0">
-                <a:solidFill>
-                  <a:schemeClr val="tx1"/>
-                </a:solidFill>
-                <a:effectLst/>
-                <a:latin typeface="+mn-lt"/>
-                <a:ea typeface="+mn-ea"/>
-                <a:cs typeface="+mn-cs"/>
-              </a:rPr>
-              <a:t>The method takes 2 parameters: the starting index (position), and the ending index (position).</a:t>
-            </a:r>
-          </a:p>
-          <a:p>
-            <a:r>
-              <a:rPr lang="en-US" sz="900" b="0" i="0" kern="1200" dirty="0" smtClean="0">
-                <a:solidFill>
-                  <a:schemeClr val="tx1"/>
-                </a:solidFill>
-                <a:effectLst/>
-                <a:latin typeface="+mn-lt"/>
-                <a:ea typeface="+mn-ea"/>
-                <a:cs typeface="+mn-cs"/>
-              </a:rPr>
-              <a:t>This example slices out a portion of a string from position 7 to position 13:</a:t>
-            </a:r>
-          </a:p>
-          <a:p>
-            <a:r>
-              <a:rPr lang="en-US" sz="900" b="0" i="0" kern="1200" dirty="0" smtClean="0">
-                <a:solidFill>
-                  <a:schemeClr val="tx1"/>
-                </a:solidFill>
-                <a:effectLst/>
-                <a:latin typeface="+mn-lt"/>
-                <a:ea typeface="+mn-ea"/>
-                <a:cs typeface="+mn-cs"/>
-              </a:rPr>
-              <a:t>Example</a:t>
-            </a:r>
-          </a:p>
-          <a:p>
-            <a:r>
-              <a:rPr lang="en-US" sz="900" b="0" i="0" kern="1200" dirty="0" err="1" smtClean="0">
-                <a:solidFill>
-                  <a:schemeClr val="tx1"/>
-                </a:solidFill>
-                <a:effectLst/>
-                <a:latin typeface="+mn-lt"/>
-                <a:ea typeface="+mn-ea"/>
-                <a:cs typeface="+mn-cs"/>
-              </a:rPr>
-              <a:t>var</a:t>
-            </a:r>
-            <a:r>
-              <a:rPr lang="en-US" sz="900" b="0" i="0" kern="1200" dirty="0" smtClean="0">
-                <a:solidFill>
-                  <a:schemeClr val="tx1"/>
-                </a:solidFill>
-                <a:effectLst/>
-                <a:latin typeface="+mn-lt"/>
-                <a:ea typeface="+mn-ea"/>
-                <a:cs typeface="+mn-cs"/>
-              </a:rPr>
-              <a:t> </a:t>
-            </a:r>
-            <a:r>
-              <a:rPr lang="en-US" sz="900" b="0" i="0" kern="1200" dirty="0" err="1" smtClean="0">
-                <a:solidFill>
-                  <a:schemeClr val="tx1"/>
-                </a:solidFill>
-                <a:effectLst/>
-                <a:latin typeface="+mn-lt"/>
-                <a:ea typeface="+mn-ea"/>
-                <a:cs typeface="+mn-cs"/>
-              </a:rPr>
-              <a:t>str</a:t>
-            </a:r>
-            <a:r>
-              <a:rPr lang="en-US" sz="900" b="0" i="0" kern="1200" dirty="0" smtClean="0">
-                <a:solidFill>
-                  <a:schemeClr val="tx1"/>
-                </a:solidFill>
-                <a:effectLst/>
-                <a:latin typeface="+mn-lt"/>
-                <a:ea typeface="+mn-ea"/>
-                <a:cs typeface="+mn-cs"/>
-              </a:rPr>
-              <a:t> = "Apple, Banana, Kiwi";</a:t>
-            </a:r>
-            <a:br>
-              <a:rPr lang="en-US" sz="900" b="0" i="0" kern="1200" dirty="0" smtClean="0">
-                <a:solidFill>
-                  <a:schemeClr val="tx1"/>
-                </a:solidFill>
-                <a:effectLst/>
-                <a:latin typeface="+mn-lt"/>
-                <a:ea typeface="+mn-ea"/>
-                <a:cs typeface="+mn-cs"/>
-              </a:rPr>
-            </a:br>
-            <a:r>
-              <a:rPr lang="en-US" sz="900" b="0" i="0" kern="1200" dirty="0" err="1" smtClean="0">
-                <a:solidFill>
-                  <a:schemeClr val="tx1"/>
-                </a:solidFill>
-                <a:effectLst/>
-                <a:latin typeface="+mn-lt"/>
-                <a:ea typeface="+mn-ea"/>
-                <a:cs typeface="+mn-cs"/>
-              </a:rPr>
-              <a:t>var</a:t>
-            </a:r>
-            <a:r>
-              <a:rPr lang="en-US" sz="900" b="0" i="0" kern="1200" dirty="0" smtClean="0">
-                <a:solidFill>
-                  <a:schemeClr val="tx1"/>
-                </a:solidFill>
-                <a:effectLst/>
-                <a:latin typeface="+mn-lt"/>
-                <a:ea typeface="+mn-ea"/>
-                <a:cs typeface="+mn-cs"/>
-              </a:rPr>
-              <a:t> res = </a:t>
-            </a:r>
-            <a:r>
-              <a:rPr lang="en-US" sz="900" b="0" i="0" kern="1200" dirty="0" err="1" smtClean="0">
-                <a:solidFill>
-                  <a:schemeClr val="tx1"/>
-                </a:solidFill>
-                <a:effectLst/>
-                <a:latin typeface="+mn-lt"/>
-                <a:ea typeface="+mn-ea"/>
-                <a:cs typeface="+mn-cs"/>
-              </a:rPr>
-              <a:t>str.slice</a:t>
-            </a:r>
-            <a:r>
-              <a:rPr lang="en-US" sz="900" b="0" i="0" kern="1200" dirty="0" smtClean="0">
-                <a:solidFill>
-                  <a:schemeClr val="tx1"/>
-                </a:solidFill>
-                <a:effectLst/>
-                <a:latin typeface="+mn-lt"/>
-                <a:ea typeface="+mn-ea"/>
-                <a:cs typeface="+mn-cs"/>
-              </a:rPr>
-              <a:t>(7,13);</a:t>
-            </a:r>
-          </a:p>
-          <a:p>
-            <a:r>
-              <a:rPr lang="en-US" sz="900" b="0" i="0" kern="1200" dirty="0" smtClean="0">
-                <a:solidFill>
-                  <a:schemeClr val="tx1"/>
-                </a:solidFill>
-                <a:effectLst/>
-                <a:latin typeface="+mn-lt"/>
-                <a:ea typeface="+mn-ea"/>
-                <a:cs typeface="+mn-cs"/>
-              </a:rPr>
-              <a:t>The result of res will be:</a:t>
-            </a:r>
-          </a:p>
-          <a:p>
-            <a:r>
-              <a:rPr lang="en-US" sz="900" b="0" i="0" kern="1200" dirty="0" smtClean="0">
-                <a:solidFill>
-                  <a:schemeClr val="tx1"/>
-                </a:solidFill>
-                <a:effectLst/>
-                <a:latin typeface="+mn-lt"/>
-                <a:ea typeface="+mn-ea"/>
-                <a:cs typeface="+mn-cs"/>
-              </a:rPr>
-              <a:t>Banana</a:t>
-            </a:r>
-          </a:p>
-          <a:p>
-            <a:endParaRPr lang="en-US" sz="900" b="0" i="0" kern="1200" dirty="0" smtClean="0">
-              <a:solidFill>
-                <a:schemeClr val="tx1"/>
-              </a:solidFill>
-              <a:effectLst/>
-              <a:latin typeface="+mn-lt"/>
-              <a:ea typeface="+mn-ea"/>
-              <a:cs typeface="+mn-cs"/>
-            </a:endParaRPr>
-          </a:p>
-          <a:p>
-            <a:r>
-              <a:rPr lang="en-US" sz="900" b="0" i="0" kern="1200" dirty="0" err="1" smtClean="0">
-                <a:solidFill>
-                  <a:schemeClr val="tx1"/>
-                </a:solidFill>
-                <a:effectLst/>
-                <a:latin typeface="+mn-lt"/>
-                <a:ea typeface="+mn-ea"/>
-                <a:cs typeface="+mn-cs"/>
-              </a:rPr>
-              <a:t>var</a:t>
-            </a:r>
-            <a:r>
-              <a:rPr lang="en-US" sz="900" b="0" i="0" kern="1200" dirty="0" smtClean="0">
-                <a:solidFill>
-                  <a:schemeClr val="tx1"/>
-                </a:solidFill>
-                <a:effectLst/>
-                <a:latin typeface="+mn-lt"/>
-                <a:ea typeface="+mn-ea"/>
-                <a:cs typeface="+mn-cs"/>
-              </a:rPr>
-              <a:t> </a:t>
-            </a:r>
-            <a:r>
-              <a:rPr lang="en-US" sz="900" b="0" i="0" kern="1200" dirty="0" err="1" smtClean="0">
-                <a:solidFill>
-                  <a:schemeClr val="tx1"/>
-                </a:solidFill>
-                <a:effectLst/>
-                <a:latin typeface="+mn-lt"/>
-                <a:ea typeface="+mn-ea"/>
-                <a:cs typeface="+mn-cs"/>
-              </a:rPr>
-              <a:t>str</a:t>
-            </a:r>
-            <a:r>
-              <a:rPr lang="en-US" sz="900" b="0" i="0" kern="1200" dirty="0" smtClean="0">
-                <a:solidFill>
-                  <a:schemeClr val="tx1"/>
-                </a:solidFill>
-                <a:effectLst/>
-                <a:latin typeface="+mn-lt"/>
-                <a:ea typeface="+mn-ea"/>
-                <a:cs typeface="+mn-cs"/>
-              </a:rPr>
-              <a:t> = "Apple, Banana, Kiwi";</a:t>
-            </a:r>
-            <a:r>
-              <a:rPr lang="en-US" dirty="0" smtClean="0"/>
-              <a:t/>
-            </a:r>
-            <a:br>
-              <a:rPr lang="en-US" dirty="0" smtClean="0"/>
-            </a:br>
-            <a:r>
-              <a:rPr lang="en-US" sz="900" b="0" i="0" kern="1200" dirty="0" err="1" smtClean="0">
-                <a:solidFill>
-                  <a:schemeClr val="tx1"/>
-                </a:solidFill>
-                <a:effectLst/>
-                <a:latin typeface="+mn-lt"/>
-                <a:ea typeface="+mn-ea"/>
-                <a:cs typeface="+mn-cs"/>
-              </a:rPr>
-              <a:t>var</a:t>
-            </a:r>
-            <a:r>
-              <a:rPr lang="en-US" sz="900" b="0" i="0" kern="1200" dirty="0" smtClean="0">
-                <a:solidFill>
-                  <a:schemeClr val="tx1"/>
-                </a:solidFill>
-                <a:effectLst/>
-                <a:latin typeface="+mn-lt"/>
-                <a:ea typeface="+mn-ea"/>
-                <a:cs typeface="+mn-cs"/>
-              </a:rPr>
-              <a:t> res = </a:t>
-            </a:r>
-            <a:r>
-              <a:rPr lang="en-US" sz="900" b="0" i="0" kern="1200" dirty="0" err="1" smtClean="0">
-                <a:solidFill>
-                  <a:schemeClr val="tx1"/>
-                </a:solidFill>
-                <a:effectLst/>
-                <a:latin typeface="+mn-lt"/>
-                <a:ea typeface="+mn-ea"/>
-                <a:cs typeface="+mn-cs"/>
-              </a:rPr>
-              <a:t>str.slice</a:t>
-            </a:r>
-            <a:r>
-              <a:rPr lang="en-US" sz="900" b="0" i="0" kern="1200" dirty="0" smtClean="0">
-                <a:solidFill>
-                  <a:schemeClr val="tx1"/>
-                </a:solidFill>
-                <a:effectLst/>
-                <a:latin typeface="+mn-lt"/>
-                <a:ea typeface="+mn-ea"/>
-                <a:cs typeface="+mn-cs"/>
-              </a:rPr>
-              <a:t>(-12,-6);</a:t>
-            </a:r>
-          </a:p>
-          <a:p>
-            <a:endParaRPr lang="en-US" sz="900" b="0" i="0" kern="1200" dirty="0" smtClean="0">
-              <a:solidFill>
-                <a:schemeClr val="tx1"/>
-              </a:solidFill>
-              <a:effectLst/>
-              <a:latin typeface="+mn-lt"/>
-              <a:ea typeface="+mn-ea"/>
-              <a:cs typeface="+mn-cs"/>
-            </a:endParaRPr>
-          </a:p>
-          <a:p>
-            <a:r>
-              <a:rPr lang="en-US" sz="900" b="0" i="0" kern="1200" dirty="0" smtClean="0">
-                <a:solidFill>
-                  <a:schemeClr val="tx1"/>
-                </a:solidFill>
-                <a:effectLst/>
-                <a:latin typeface="+mn-lt"/>
-                <a:ea typeface="+mn-ea"/>
-                <a:cs typeface="+mn-cs"/>
-              </a:rPr>
-              <a:t>The result of res will be:</a:t>
-            </a:r>
-          </a:p>
-          <a:p>
-            <a:r>
-              <a:rPr lang="en-US" sz="900" b="0" i="0" kern="1200" dirty="0" smtClean="0">
-                <a:solidFill>
-                  <a:schemeClr val="tx1"/>
-                </a:solidFill>
-                <a:effectLst/>
-                <a:latin typeface="+mn-lt"/>
-                <a:ea typeface="+mn-ea"/>
-                <a:cs typeface="+mn-cs"/>
-              </a:rPr>
-              <a:t>Banana</a:t>
-            </a:r>
-          </a:p>
-          <a:p>
-            <a:r>
-              <a:rPr lang="en-US" sz="900" b="0" i="0" kern="1200" dirty="0" smtClean="0">
-                <a:solidFill>
-                  <a:schemeClr val="tx1"/>
-                </a:solidFill>
-                <a:effectLst/>
-                <a:latin typeface="+mn-lt"/>
-                <a:ea typeface="+mn-ea"/>
-                <a:cs typeface="+mn-cs"/>
-              </a:rPr>
-              <a:t>The substring() Method</a:t>
-            </a:r>
-          </a:p>
-          <a:p>
-            <a:r>
-              <a:rPr lang="en-US" sz="900" b="1" i="0" kern="1200" dirty="0" smtClean="0">
-                <a:solidFill>
-                  <a:schemeClr val="tx1"/>
-                </a:solidFill>
-                <a:effectLst/>
-                <a:latin typeface="+mn-lt"/>
-                <a:ea typeface="+mn-ea"/>
-                <a:cs typeface="+mn-cs"/>
-              </a:rPr>
-              <a:t>substring()</a:t>
-            </a:r>
-            <a:r>
-              <a:rPr lang="en-US" sz="900" b="0" i="0" kern="1200" dirty="0" smtClean="0">
-                <a:solidFill>
-                  <a:schemeClr val="tx1"/>
-                </a:solidFill>
-                <a:effectLst/>
-                <a:latin typeface="+mn-lt"/>
-                <a:ea typeface="+mn-ea"/>
-                <a:cs typeface="+mn-cs"/>
-              </a:rPr>
-              <a:t> is similar to slice().</a:t>
-            </a:r>
-          </a:p>
-          <a:p>
-            <a:r>
-              <a:rPr lang="en-US" sz="900" b="0" i="0" kern="1200" dirty="0" smtClean="0">
-                <a:solidFill>
-                  <a:schemeClr val="tx1"/>
-                </a:solidFill>
-                <a:effectLst/>
-                <a:latin typeface="+mn-lt"/>
-                <a:ea typeface="+mn-ea"/>
-                <a:cs typeface="+mn-cs"/>
-              </a:rPr>
-              <a:t>The difference is that substring() cannot accept negative indexes.</a:t>
-            </a:r>
-          </a:p>
-          <a:p>
-            <a:r>
-              <a:rPr lang="en-US" sz="900" b="0" i="0" kern="1200" dirty="0" smtClean="0">
-                <a:solidFill>
-                  <a:schemeClr val="tx1"/>
-                </a:solidFill>
-                <a:effectLst/>
-                <a:latin typeface="+mn-lt"/>
-                <a:ea typeface="+mn-ea"/>
-                <a:cs typeface="+mn-cs"/>
-              </a:rPr>
-              <a:t>Example</a:t>
-            </a:r>
-          </a:p>
-          <a:p>
-            <a:r>
-              <a:rPr lang="en-US" sz="900" b="0" i="0" kern="1200" dirty="0" err="1" smtClean="0">
-                <a:solidFill>
-                  <a:schemeClr val="tx1"/>
-                </a:solidFill>
-                <a:effectLst/>
-                <a:latin typeface="+mn-lt"/>
-                <a:ea typeface="+mn-ea"/>
-                <a:cs typeface="+mn-cs"/>
-              </a:rPr>
-              <a:t>var</a:t>
-            </a:r>
-            <a:r>
-              <a:rPr lang="en-US" sz="900" b="0" i="0" kern="1200" dirty="0" smtClean="0">
-                <a:solidFill>
-                  <a:schemeClr val="tx1"/>
-                </a:solidFill>
-                <a:effectLst/>
-                <a:latin typeface="+mn-lt"/>
-                <a:ea typeface="+mn-ea"/>
-                <a:cs typeface="+mn-cs"/>
-              </a:rPr>
-              <a:t> </a:t>
-            </a:r>
-            <a:r>
-              <a:rPr lang="en-US" sz="900" b="0" i="0" kern="1200" dirty="0" err="1" smtClean="0">
-                <a:solidFill>
-                  <a:schemeClr val="tx1"/>
-                </a:solidFill>
-                <a:effectLst/>
-                <a:latin typeface="+mn-lt"/>
-                <a:ea typeface="+mn-ea"/>
-                <a:cs typeface="+mn-cs"/>
-              </a:rPr>
-              <a:t>str</a:t>
-            </a:r>
-            <a:r>
-              <a:rPr lang="en-US" sz="900" b="0" i="0" kern="1200" dirty="0" smtClean="0">
-                <a:solidFill>
-                  <a:schemeClr val="tx1"/>
-                </a:solidFill>
-                <a:effectLst/>
-                <a:latin typeface="+mn-lt"/>
-                <a:ea typeface="+mn-ea"/>
-                <a:cs typeface="+mn-cs"/>
-              </a:rPr>
-              <a:t> = "Apple, Banana, Kiwi";</a:t>
-            </a:r>
-            <a:br>
-              <a:rPr lang="en-US" sz="900" b="0" i="0" kern="1200" dirty="0" smtClean="0">
-                <a:solidFill>
-                  <a:schemeClr val="tx1"/>
-                </a:solidFill>
-                <a:effectLst/>
-                <a:latin typeface="+mn-lt"/>
-                <a:ea typeface="+mn-ea"/>
-                <a:cs typeface="+mn-cs"/>
-              </a:rPr>
-            </a:br>
-            <a:r>
-              <a:rPr lang="en-US" sz="900" b="0" i="0" kern="1200" dirty="0" err="1" smtClean="0">
-                <a:solidFill>
-                  <a:schemeClr val="tx1"/>
-                </a:solidFill>
-                <a:effectLst/>
-                <a:latin typeface="+mn-lt"/>
-                <a:ea typeface="+mn-ea"/>
-                <a:cs typeface="+mn-cs"/>
-              </a:rPr>
-              <a:t>var</a:t>
-            </a:r>
-            <a:r>
-              <a:rPr lang="en-US" sz="900" b="0" i="0" kern="1200" dirty="0" smtClean="0">
-                <a:solidFill>
-                  <a:schemeClr val="tx1"/>
-                </a:solidFill>
-                <a:effectLst/>
-                <a:latin typeface="+mn-lt"/>
-                <a:ea typeface="+mn-ea"/>
-                <a:cs typeface="+mn-cs"/>
-              </a:rPr>
-              <a:t> res = </a:t>
-            </a:r>
-            <a:r>
-              <a:rPr lang="en-US" sz="900" b="0" i="0" kern="1200" dirty="0" err="1" smtClean="0">
-                <a:solidFill>
-                  <a:schemeClr val="tx1"/>
-                </a:solidFill>
-                <a:effectLst/>
-                <a:latin typeface="+mn-lt"/>
-                <a:ea typeface="+mn-ea"/>
-                <a:cs typeface="+mn-cs"/>
-              </a:rPr>
-              <a:t>str.substring</a:t>
-            </a:r>
-            <a:r>
-              <a:rPr lang="en-US" sz="900" b="0" i="0" kern="1200" dirty="0" smtClean="0">
-                <a:solidFill>
-                  <a:schemeClr val="tx1"/>
-                </a:solidFill>
-                <a:effectLst/>
-                <a:latin typeface="+mn-lt"/>
-                <a:ea typeface="+mn-ea"/>
-                <a:cs typeface="+mn-cs"/>
-              </a:rPr>
-              <a:t>(7,13);</a:t>
-            </a:r>
-          </a:p>
-          <a:p>
-            <a:r>
-              <a:rPr lang="en-US" sz="900" b="0" i="0" kern="1200" dirty="0" smtClean="0">
-                <a:solidFill>
-                  <a:schemeClr val="tx1"/>
-                </a:solidFill>
-                <a:effectLst/>
-                <a:latin typeface="+mn-lt"/>
-                <a:ea typeface="+mn-ea"/>
-                <a:cs typeface="+mn-cs"/>
-              </a:rPr>
-              <a:t>The result of </a:t>
-            </a:r>
-            <a:r>
-              <a:rPr lang="en-US" sz="900" b="0" i="1" kern="1200" dirty="0" smtClean="0">
-                <a:solidFill>
-                  <a:schemeClr val="tx1"/>
-                </a:solidFill>
-                <a:effectLst/>
-                <a:latin typeface="+mn-lt"/>
-                <a:ea typeface="+mn-ea"/>
-                <a:cs typeface="+mn-cs"/>
-              </a:rPr>
-              <a:t>res</a:t>
-            </a:r>
-            <a:r>
-              <a:rPr lang="en-US" sz="900" b="0" i="0" kern="1200" dirty="0" smtClean="0">
-                <a:solidFill>
-                  <a:schemeClr val="tx1"/>
-                </a:solidFill>
-                <a:effectLst/>
-                <a:latin typeface="+mn-lt"/>
-                <a:ea typeface="+mn-ea"/>
-                <a:cs typeface="+mn-cs"/>
-              </a:rPr>
-              <a:t> will be:</a:t>
-            </a:r>
-          </a:p>
-          <a:p>
-            <a:r>
-              <a:rPr lang="en-US" sz="900" b="0" i="0" kern="1200" dirty="0" smtClean="0">
-                <a:solidFill>
-                  <a:schemeClr val="tx1"/>
-                </a:solidFill>
-                <a:effectLst/>
-                <a:latin typeface="+mn-lt"/>
-                <a:ea typeface="+mn-ea"/>
-                <a:cs typeface="+mn-cs"/>
-              </a:rPr>
-              <a:t>Banana</a:t>
-            </a:r>
-          </a:p>
-          <a:p>
-            <a:r>
-              <a:rPr lang="en-US" dirty="0" smtClean="0"/>
-              <a:t/>
-            </a:r>
-            <a:br>
-              <a:rPr lang="en-US" dirty="0" smtClean="0"/>
-            </a:br>
-            <a:endParaRPr lang="en-US" sz="900" b="0" i="0" kern="1200" dirty="0" smtClean="0">
-              <a:solidFill>
-                <a:schemeClr val="tx1"/>
-              </a:solidFill>
-              <a:effectLst/>
-              <a:latin typeface="+mn-lt"/>
-              <a:ea typeface="+mn-ea"/>
-              <a:cs typeface="+mn-cs"/>
-            </a:endParaRPr>
-          </a:p>
-          <a:p>
-            <a:endParaRPr lang="en-US" sz="900" b="0" i="0" kern="1200" dirty="0" smtClean="0">
-              <a:solidFill>
-                <a:schemeClr val="tx1"/>
-              </a:solidFill>
-              <a:effectLst/>
-              <a:latin typeface="+mn-lt"/>
-              <a:ea typeface="+mn-ea"/>
-              <a:cs typeface="+mn-cs"/>
-            </a:endParaRPr>
-          </a:p>
-          <a:p>
-            <a:endParaRPr lang="en-US" sz="900" b="0" i="0" kern="1200" dirty="0" smtClean="0">
-              <a:solidFill>
-                <a:schemeClr val="tx1"/>
-              </a:solidFill>
-              <a:effectLst/>
-              <a:latin typeface="+mn-lt"/>
-              <a:ea typeface="+mn-ea"/>
-              <a:cs typeface="+mn-cs"/>
-            </a:endParaRPr>
-          </a:p>
-          <a:p>
-            <a:endParaRPr lang="en-US" sz="900" b="0" i="0" kern="1200" dirty="0" smtClean="0">
-              <a:solidFill>
-                <a:schemeClr val="tx1"/>
-              </a:solidFill>
-              <a:effectLst/>
-              <a:latin typeface="+mn-lt"/>
-              <a:ea typeface="+mn-ea"/>
-              <a:cs typeface="+mn-cs"/>
-            </a:endParaRPr>
-          </a:p>
-          <a:p>
-            <a:endParaRPr lang="en-US" sz="900" b="0" i="0" kern="1200" dirty="0" smtClean="0">
-              <a:solidFill>
-                <a:schemeClr val="tx1"/>
-              </a:solidFill>
-              <a:effectLst/>
-              <a:latin typeface="+mn-lt"/>
-              <a:ea typeface="+mn-ea"/>
-              <a:cs typeface="+mn-cs"/>
-            </a:endParaRPr>
-          </a:p>
-          <a:p>
+              <a:rPr lang="en-US" dirty="0" smtClean="0"/>
+              <a:t> </a:t>
+            </a:r>
+            <a:r>
+              <a:rPr lang="en-US" dirty="0" err="1" smtClean="0"/>
+              <a:t>getName</a:t>
+            </a:r>
+            <a:r>
+              <a:rPr lang="en-US" dirty="0" smtClean="0"/>
+              <a:t> = function() {</a:t>
+            </a:r>
+          </a:p>
+          <a:p>
+            <a:r>
+              <a:rPr lang="en-US" dirty="0" smtClean="0"/>
+              <a:t>    return name;             // The inner function has access to the "name" variable of the outer function</a:t>
+            </a:r>
+          </a:p>
+          <a:p>
+            <a:r>
+              <a:rPr lang="en-US" dirty="0" smtClean="0"/>
+              <a:t>  }</a:t>
+            </a:r>
+          </a:p>
+          <a:p>
+            <a:r>
+              <a:rPr lang="en-US" dirty="0" smtClean="0"/>
+              <a:t>  return </a:t>
+            </a:r>
+            <a:r>
+              <a:rPr lang="en-US" dirty="0" err="1" smtClean="0"/>
+              <a:t>getName</a:t>
+            </a:r>
+            <a:r>
+              <a:rPr lang="en-US" dirty="0" smtClean="0"/>
+              <a:t>;            // Return the inner function, thereby exposing it to outer scopes</a:t>
+            </a:r>
+          </a:p>
+          <a:p>
+            <a:r>
+              <a:rPr lang="en-US" dirty="0" smtClean="0"/>
+              <a:t>}</a:t>
+            </a:r>
+          </a:p>
+          <a:p>
+            <a:r>
+              <a:rPr lang="en-US" dirty="0" err="1" smtClean="0"/>
+              <a:t>myPet</a:t>
+            </a:r>
+            <a:r>
+              <a:rPr lang="en-US" dirty="0" smtClean="0"/>
+              <a:t> = pet('</a:t>
+            </a:r>
+            <a:r>
+              <a:rPr lang="en-US" dirty="0" err="1" smtClean="0"/>
+              <a:t>Vivie</a:t>
+            </a:r>
+            <a:r>
+              <a:rPr lang="en-US" dirty="0" smtClean="0"/>
+              <a:t>');</a:t>
+            </a:r>
+          </a:p>
+          <a:p>
+            <a:r>
+              <a:rPr lang="en-US" dirty="0" smtClean="0"/>
+              <a:t>   </a:t>
+            </a:r>
+          </a:p>
+          <a:p>
+            <a:r>
+              <a:rPr lang="en-US" dirty="0" err="1" smtClean="0"/>
+              <a:t>myPet</a:t>
+            </a:r>
+            <a:r>
+              <a:rPr lang="en-US" dirty="0" smtClean="0"/>
+              <a:t>(); </a:t>
+            </a:r>
             <a:endParaRPr lang="en-US" dirty="0"/>
           </a:p>
         </p:txBody>
@@ -7316,7 +5890,7 @@
           <a:bodyPr/>
           <a:lstStyle/>
           <a:p>
-            <a:fld id="{2439A704-5EF5-4787-96DA-BCB67735A9D9}" type="datetime1">
+            <a:fld id="{C8C12100-49BB-424D-BB8B-C0F476F8FAF7}" type="datetime1">
               <a:rPr lang="en-US" smtClean="0"/>
               <a:t>3/11/2017</a:t>
             </a:fld>
@@ -7327,7 +5901,7 @@
     </p:spTree>
     <p:extLst>
       <p:ext uri="{BB962C8B-B14F-4D97-AF65-F5344CB8AC3E}">
-        <p14:creationId xmlns:p14="http://schemas.microsoft.com/office/powerpoint/2010/main" val="1772571147"/>
+        <p14:creationId xmlns:p14="http://schemas.microsoft.com/office/powerpoint/2010/main" val="573958149"/>
       </p:ext>
     </p:extLst>
   </p:cSld>
@@ -7382,76 +5956,112 @@
           <a:lstStyle/>
           <a:p>
             <a:r>
-              <a:rPr lang="en-US" dirty="0" smtClean="0"/>
-              <a:t>Ex.</a:t>
-            </a:r>
-          </a:p>
-          <a:p>
-            <a:r>
-              <a:rPr lang="en-US" sz="900" dirty="0" err="1" smtClean="0"/>
-              <a:t>var</a:t>
-            </a:r>
-            <a:r>
-              <a:rPr lang="en-US" sz="900" dirty="0" smtClean="0"/>
-              <a:t> </a:t>
-            </a:r>
-            <a:r>
-              <a:rPr lang="en-US" sz="900" dirty="0" err="1" smtClean="0"/>
-              <a:t>arr</a:t>
-            </a:r>
-            <a:r>
-              <a:rPr lang="en-US" sz="900" dirty="0" smtClean="0"/>
-              <a:t> = new(1,2,3);</a:t>
-            </a:r>
-          </a:p>
-          <a:p>
-            <a:r>
-              <a:rPr lang="en-US" sz="900" dirty="0" err="1" smtClean="0"/>
-              <a:t>var</a:t>
-            </a:r>
-            <a:r>
-              <a:rPr lang="en-US" sz="900" dirty="0" smtClean="0"/>
-              <a:t> </a:t>
-            </a:r>
-            <a:r>
-              <a:rPr lang="en-US" sz="900" dirty="0" err="1" smtClean="0"/>
-              <a:t>arr</a:t>
-            </a:r>
-            <a:r>
-              <a:rPr lang="en-US" sz="900" dirty="0" smtClean="0"/>
-              <a:t> = Array(1,2,3);</a:t>
-            </a:r>
-          </a:p>
-          <a:p>
-            <a:r>
-              <a:rPr lang="en-US" sz="900" dirty="0" err="1" smtClean="0"/>
-              <a:t>var</a:t>
-            </a:r>
-            <a:r>
-              <a:rPr lang="en-US" sz="900" dirty="0" smtClean="0"/>
-              <a:t> </a:t>
-            </a:r>
-            <a:r>
-              <a:rPr lang="en-US" sz="900" dirty="0" err="1" smtClean="0"/>
-              <a:t>arr</a:t>
-            </a:r>
-            <a:r>
-              <a:rPr lang="en-US" sz="900" dirty="0" smtClean="0"/>
-              <a:t> = [1,2,3];</a:t>
-            </a:r>
-          </a:p>
-          <a:p>
-            <a:endParaRPr lang="en-US" sz="900" dirty="0" smtClean="0"/>
-          </a:p>
-          <a:p>
-            <a:r>
-              <a:rPr lang="en-US" sz="900" dirty="0" smtClean="0"/>
-              <a:t>Ex-2.</a:t>
-            </a:r>
-          </a:p>
-          <a:p>
-            <a:r>
-              <a:rPr lang="en-US" sz="900" kern="1200" dirty="0" err="1" smtClean="0">
+              <a:rPr lang="en-US" b="1" dirty="0" smtClean="0"/>
+              <a:t>Note: You can call any of the methods of the String object on a string literal value—JavaScript automatically converts the string literal to a temporary String object, calls the method, then discards the temporary String object. You can also use the String. length property with a string literal.</a:t>
+            </a:r>
+          </a:p>
+          <a:p>
+            <a:endParaRPr lang="en-US" b="1" dirty="0" smtClean="0"/>
+          </a:p>
+          <a:p>
+            <a:r>
+              <a:rPr lang="en-US" b="1" dirty="0" smtClean="0"/>
+              <a:t>You should use string literals unless you specifically need to use a String object, because String objects can have counterintuitive behavior</a:t>
+            </a:r>
+          </a:p>
+          <a:p>
+            <a:endParaRPr lang="en-US" b="1" dirty="0" smtClean="0"/>
+          </a:p>
+          <a:p>
+            <a:r>
+              <a:rPr lang="en-US" b="1" dirty="0" smtClean="0"/>
+              <a:t>JavaScript String Methods:</a:t>
+            </a:r>
+          </a:p>
+          <a:p>
+            <a:r>
+              <a:rPr lang="en-US" dirty="0" smtClean="0"/>
+              <a:t>Primitive values, like "John Doe", cannot have properties or methods (because they are not objects).</a:t>
+            </a:r>
+          </a:p>
+          <a:p>
+            <a:r>
+              <a:rPr lang="en-US" dirty="0" smtClean="0"/>
+              <a:t>But with JavaScript, methods and properties are also available to primitive values, because JavaScript treats primitive values as objects when executing methods and properties</a:t>
+            </a:r>
+          </a:p>
+          <a:p>
+            <a:endParaRPr lang="en-US" dirty="0" smtClean="0"/>
+          </a:p>
+          <a:p>
+            <a:r>
+              <a:rPr lang="en-US" sz="900" b="1" i="0" kern="1200" dirty="0" smtClean="0">
+                <a:solidFill>
+                  <a:schemeClr val="tx1"/>
+                </a:solidFill>
+                <a:effectLst/>
+                <a:latin typeface="+mn-lt"/>
+                <a:ea typeface="+mn-ea"/>
+                <a:cs typeface="+mn-cs"/>
+              </a:rPr>
+              <a:t>String Length</a:t>
+            </a:r>
+          </a:p>
+          <a:p>
+            <a:r>
+              <a:rPr lang="en-US" sz="900" b="0" i="0" kern="1200" dirty="0" smtClean="0">
+                <a:solidFill>
+                  <a:schemeClr val="tx1"/>
+                </a:solidFill>
+                <a:effectLst/>
+                <a:latin typeface="+mn-lt"/>
+                <a:ea typeface="+mn-ea"/>
+                <a:cs typeface="+mn-cs"/>
+              </a:rPr>
+              <a:t>The </a:t>
+            </a:r>
+            <a:r>
+              <a:rPr lang="en-US" sz="900" b="1" i="0" kern="1200" dirty="0" smtClean="0">
+                <a:solidFill>
+                  <a:schemeClr val="tx1"/>
+                </a:solidFill>
+                <a:effectLst/>
+                <a:latin typeface="+mn-lt"/>
+                <a:ea typeface="+mn-ea"/>
+                <a:cs typeface="+mn-cs"/>
+              </a:rPr>
+              <a:t>length</a:t>
+            </a:r>
+            <a:r>
+              <a:rPr lang="en-US" sz="900" b="0" i="0" kern="1200" dirty="0" smtClean="0">
+                <a:solidFill>
+                  <a:schemeClr val="tx1"/>
+                </a:solidFill>
+                <a:effectLst/>
+                <a:latin typeface="+mn-lt"/>
+                <a:ea typeface="+mn-ea"/>
+                <a:cs typeface="+mn-cs"/>
+              </a:rPr>
+              <a:t> property returns the length of a string:</a:t>
+            </a:r>
+          </a:p>
+          <a:p>
+            <a:r>
+              <a:rPr lang="en-US" sz="900" b="0" i="0" kern="1200" dirty="0" smtClean="0">
+                <a:solidFill>
+                  <a:schemeClr val="tx1"/>
+                </a:solidFill>
+                <a:effectLst/>
+                <a:latin typeface="+mn-lt"/>
+                <a:ea typeface="+mn-ea"/>
+                <a:cs typeface="+mn-cs"/>
+              </a:rPr>
+              <a:t>Example</a:t>
+            </a:r>
+          </a:p>
+          <a:p>
+            <a:r>
+              <a:rPr lang="en-US" sz="900" b="0" i="0" kern="1200" dirty="0" err="1" smtClean="0">
                 <a:solidFill>
                   <a:schemeClr val="tx1"/>
                 </a:solidFill>
@@ -7463,19 +6073,7 @@
               <a:t>var</a:t>
             </a:r>
             <a:r>
-              <a:rPr lang="en-US" dirty="0" smtClean="0"/>
-              <a:t> </a:t>
-            </a:r>
-            <a:r>
-              <a:rPr lang="en-US" dirty="0" err="1" smtClean="0"/>
-              <a:t>myArray</a:t>
-            </a:r>
-            <a:r>
-              <a:rPr lang="en-US" dirty="0" smtClean="0"/>
-              <a:t> </a:t>
-            </a:r>
-            <a:r>
-              <a:rPr lang="en-US" sz="900" kern="1200" dirty="0" smtClean="0">
+              <a:rPr lang="en-US" sz="900" b="0" i="0" kern="1200" dirty="0" smtClean="0">
                 <a:solidFill>
                   <a:schemeClr val="tx1"/>
                 </a:solidFill>
@@ -7484,14 +6082,10 @@
                 <a:ea typeface="+mn-ea"/>
                 <a:cs typeface="+mn-cs"/>
               </a:rPr>
-              <a:t>=</a:t>
-            </a:r>
-            <a:r>
-              <a:rPr lang="en-US" dirty="0" smtClean="0"/>
-              <a:t> </a:t>
-            </a:r>
-            <a:r>
-              <a:rPr lang="en-US" sz="900" kern="1200" dirty="0" smtClean="0">
+              <a:t> txt = "ABCDEFGHIJKLMNOPQRSTUVWXYZ";</a:t>
+            </a:r>
+            <a:br>
+              <a:rPr lang="en-US" sz="900" b="0" i="0" kern="1200" dirty="0" smtClean="0">
                 <a:solidFill>
                   <a:schemeClr val="tx1"/>
                 </a:solidFill>
@@ -7500,77 +6094,9 @@
                 <a:ea typeface="+mn-ea"/>
                 <a:cs typeface="+mn-cs"/>
               </a:rPr>
-              <a:t>new</a:t>
-            </a:r>
-            <a:r>
-              <a:rPr lang="en-US" dirty="0" smtClean="0"/>
-              <a:t> </a:t>
-            </a:r>
-            <a:r>
-              <a:rPr lang="en-US" dirty="0" smtClean="0">
-                <a:effectLst/>
-              </a:rPr>
-              <a:t>Array</a:t>
-            </a:r>
-            <a:r>
-              <a:rPr lang="en-US" sz="900" kern="1200" dirty="0" smtClean="0">
-                <a:solidFill>
-                  <a:schemeClr val="tx1"/>
-                </a:solidFill>
-                <a:effectLst/>
-                <a:latin typeface="+mn-lt"/>
-                <a:ea typeface="+mn-ea"/>
-                <a:cs typeface="+mn-cs"/>
-              </a:rPr>
-              <a:t>('Hello',</a:t>
-            </a:r>
-            <a:r>
-              <a:rPr lang="en-US" dirty="0" smtClean="0"/>
-              <a:t> </a:t>
-            </a:r>
-            <a:r>
-              <a:rPr lang="en-US" dirty="0" err="1" smtClean="0"/>
-              <a:t>myVar</a:t>
-            </a:r>
-            <a:r>
-              <a:rPr lang="en-US" sz="900" kern="1200" dirty="0" smtClean="0">
-                <a:solidFill>
-                  <a:schemeClr val="tx1"/>
-                </a:solidFill>
-                <a:effectLst/>
-                <a:latin typeface="+mn-lt"/>
-                <a:ea typeface="+mn-ea"/>
-                <a:cs typeface="+mn-cs"/>
-              </a:rPr>
-              <a:t>,</a:t>
-            </a:r>
-            <a:r>
-              <a:rPr lang="en-US" dirty="0" smtClean="0"/>
-              <a:t> </a:t>
-            </a:r>
-            <a:r>
-              <a:rPr lang="en-US" sz="900" kern="1200" dirty="0" smtClean="0">
-                <a:solidFill>
-                  <a:schemeClr val="tx1"/>
-                </a:solidFill>
-                <a:effectLst/>
-                <a:latin typeface="+mn-lt"/>
-                <a:ea typeface="+mn-ea"/>
-                <a:cs typeface="+mn-cs"/>
-              </a:rPr>
-              <a:t>3.14159);</a:t>
-            </a:r>
-            <a:r>
-              <a:rPr lang="en-US" dirty="0" smtClean="0"/>
-              <a:t> </a:t>
-            </a:r>
-          </a:p>
-          <a:p>
-            <a:endParaRPr lang="en-US" dirty="0" smtClean="0"/>
-          </a:p>
-          <a:p>
-            <a:r>
-              <a:rPr lang="en-US" sz="900" kern="1200" dirty="0" err="1" smtClean="0">
+            </a:br>
+            <a:r>
+              <a:rPr lang="en-US" sz="900" b="0" i="0" kern="1200" dirty="0" err="1" smtClean="0">
                 <a:solidFill>
                   <a:schemeClr val="tx1"/>
                 </a:solidFill>
@@ -7582,19 +6108,7 @@
               <a:t>var</a:t>
             </a:r>
             <a:r>
-              <a:rPr lang="en-US" dirty="0" smtClean="0"/>
-              <a:t> </a:t>
-            </a:r>
-            <a:r>
-              <a:rPr lang="en-US" dirty="0" err="1" smtClean="0"/>
-              <a:t>myArray</a:t>
-            </a:r>
-            <a:r>
-              <a:rPr lang="en-US" dirty="0" smtClean="0"/>
-              <a:t> </a:t>
-            </a:r>
-            <a:r>
-              <a:rPr lang="en-US" sz="900" kern="1200" dirty="0" smtClean="0">
+              <a:rPr lang="en-US" sz="900" b="0" i="0" kern="1200" dirty="0" smtClean="0">
                 <a:solidFill>
                   <a:schemeClr val="tx1"/>
                 </a:solidFill>
@@ -7603,14 +6117,10 @@
                 <a:ea typeface="+mn-ea"/>
                 <a:cs typeface="+mn-cs"/>
               </a:rPr>
-              <a:t>=</a:t>
-            </a:r>
-            <a:r>
-              <a:rPr lang="en-US" dirty="0" smtClean="0"/>
-              <a:t> </a:t>
-            </a:r>
-            <a:r>
-              <a:rPr lang="en-US" sz="900" kern="1200" dirty="0" smtClean="0">
+              <a:t> </a:t>
+            </a:r>
+            <a:r>
+              <a:rPr lang="en-US" sz="900" b="0" i="0" kern="1200" dirty="0" err="1" smtClean="0">
                 <a:solidFill>
                   <a:schemeClr val="tx1"/>
                 </a:solidFill>
@@ -7619,14 +6129,10 @@
                 <a:ea typeface="+mn-ea"/>
                 <a:cs typeface="+mn-cs"/>
               </a:rPr>
-              <a:t>['Mango',</a:t>
-            </a:r>
-            <a:r>
-              <a:rPr lang="en-US" dirty="0" smtClean="0"/>
-              <a:t> </a:t>
-            </a:r>
-            <a:r>
-              <a:rPr lang="en-US" sz="900" kern="1200" dirty="0" smtClean="0">
+              <a:t>sln</a:t>
+            </a:r>
+            <a:r>
+              <a:rPr lang="en-US" sz="900" b="0" i="0" kern="1200" dirty="0" smtClean="0">
                 <a:solidFill>
                   <a:schemeClr val="tx1"/>
                 </a:solidFill>
@@ -7635,14 +6141,10 @@
                 <a:ea typeface="+mn-ea"/>
                 <a:cs typeface="+mn-cs"/>
               </a:rPr>
-              <a:t>'Apple',</a:t>
-            </a:r>
-            <a:r>
-              <a:rPr lang="en-US" dirty="0" smtClean="0"/>
-              <a:t> </a:t>
-            </a:r>
-            <a:r>
-              <a:rPr lang="en-US" sz="900" kern="1200" dirty="0" smtClean="0">
+              <a:t> = </a:t>
+            </a:r>
+            <a:r>
+              <a:rPr lang="en-US" sz="900" b="0" i="0" kern="1200" dirty="0" err="1" smtClean="0">
                 <a:solidFill>
                   <a:schemeClr val="tx1"/>
                 </a:solidFill>
@@ -7651,9 +6153,1267 @@
                 <a:ea typeface="+mn-ea"/>
                 <a:cs typeface="+mn-cs"/>
               </a:rPr>
-              <a:t>'Orange'];</a:t>
-            </a:r>
-            <a:endParaRPr lang="en-US" sz="900" dirty="0"/>
+              <a:t>txt.length</a:t>
+            </a:r>
+            <a:r>
+              <a:rPr lang="en-US" sz="900" b="0" i="0" kern="1200" dirty="0" smtClean="0">
+                <a:solidFill>
+                  <a:schemeClr val="tx1"/>
+                </a:solidFill>
+                <a:effectLst/>
+                <a:latin typeface="+mn-lt"/>
+                <a:ea typeface="+mn-ea"/>
+                <a:cs typeface="+mn-cs"/>
+              </a:rPr>
+              <a:t>;</a:t>
+            </a:r>
+          </a:p>
+          <a:p>
+            <a:endParaRPr lang="en-US" sz="900" b="0" i="0" kern="1200" dirty="0" smtClean="0">
+              <a:solidFill>
+                <a:schemeClr val="tx1"/>
+              </a:solidFill>
+              <a:effectLst/>
+              <a:latin typeface="+mn-lt"/>
+              <a:ea typeface="+mn-ea"/>
+              <a:cs typeface="+mn-cs"/>
+            </a:endParaRPr>
+          </a:p>
+          <a:p>
+            <a:r>
+              <a:rPr lang="en-US" sz="900" b="1" i="0" kern="1200" dirty="0" smtClean="0">
+                <a:solidFill>
+                  <a:schemeClr val="tx1"/>
+                </a:solidFill>
+                <a:effectLst/>
+                <a:latin typeface="+mn-lt"/>
+                <a:ea typeface="+mn-ea"/>
+                <a:cs typeface="+mn-cs"/>
+              </a:rPr>
+              <a:t>Finding a String in a String:</a:t>
+            </a:r>
+          </a:p>
+          <a:p>
+            <a:endParaRPr lang="en-US" sz="900" b="1" i="0" kern="1200" dirty="0" smtClean="0">
+              <a:solidFill>
+                <a:schemeClr val="tx1"/>
+              </a:solidFill>
+              <a:effectLst/>
+              <a:latin typeface="+mn-lt"/>
+              <a:ea typeface="+mn-ea"/>
+              <a:cs typeface="+mn-cs"/>
+            </a:endParaRPr>
+          </a:p>
+          <a:p>
+            <a:r>
+              <a:rPr lang="en-US" sz="900" b="0" i="0" kern="1200" dirty="0" smtClean="0">
+                <a:solidFill>
+                  <a:schemeClr val="tx1"/>
+                </a:solidFill>
+                <a:effectLst/>
+                <a:latin typeface="+mn-lt"/>
+                <a:ea typeface="+mn-ea"/>
+                <a:cs typeface="+mn-cs"/>
+              </a:rPr>
+              <a:t>The </a:t>
+            </a:r>
+            <a:r>
+              <a:rPr lang="en-US" sz="900" b="1" i="0" kern="1200" dirty="0" err="1" smtClean="0">
+                <a:solidFill>
+                  <a:schemeClr val="tx1"/>
+                </a:solidFill>
+                <a:effectLst/>
+                <a:latin typeface="+mn-lt"/>
+                <a:ea typeface="+mn-ea"/>
+                <a:cs typeface="+mn-cs"/>
+              </a:rPr>
+              <a:t>indexOf</a:t>
+            </a:r>
+            <a:r>
+              <a:rPr lang="en-US" sz="900" b="1" i="0" kern="1200" dirty="0" smtClean="0">
+                <a:solidFill>
+                  <a:schemeClr val="tx1"/>
+                </a:solidFill>
+                <a:effectLst/>
+                <a:latin typeface="+mn-lt"/>
+                <a:ea typeface="+mn-ea"/>
+                <a:cs typeface="+mn-cs"/>
+              </a:rPr>
+              <a:t>()</a:t>
+            </a:r>
+            <a:r>
+              <a:rPr lang="en-US" sz="900" b="0" i="0" kern="1200" dirty="0" smtClean="0">
+                <a:solidFill>
+                  <a:schemeClr val="tx1"/>
+                </a:solidFill>
+                <a:effectLst/>
+                <a:latin typeface="+mn-lt"/>
+                <a:ea typeface="+mn-ea"/>
+                <a:cs typeface="+mn-cs"/>
+              </a:rPr>
+              <a:t> method returns the index of (the position of) the </a:t>
+            </a:r>
+            <a:r>
+              <a:rPr lang="en-US" sz="900" b="1" i="0" kern="1200" dirty="0" smtClean="0">
+                <a:solidFill>
+                  <a:schemeClr val="tx1"/>
+                </a:solidFill>
+                <a:effectLst/>
+                <a:latin typeface="+mn-lt"/>
+                <a:ea typeface="+mn-ea"/>
+                <a:cs typeface="+mn-cs"/>
+              </a:rPr>
+              <a:t>first</a:t>
+            </a:r>
+            <a:r>
+              <a:rPr lang="en-US" sz="900" b="0" i="0" kern="1200" dirty="0" smtClean="0">
+                <a:solidFill>
+                  <a:schemeClr val="tx1"/>
+                </a:solidFill>
+                <a:effectLst/>
+                <a:latin typeface="+mn-lt"/>
+                <a:ea typeface="+mn-ea"/>
+                <a:cs typeface="+mn-cs"/>
+              </a:rPr>
+              <a:t> occurrence of a specified text in a string:</a:t>
+            </a:r>
+          </a:p>
+          <a:p>
+            <a:r>
+              <a:rPr lang="en-US" sz="900" b="0" i="0" kern="1200" dirty="0" smtClean="0">
+                <a:solidFill>
+                  <a:schemeClr val="tx1"/>
+                </a:solidFill>
+                <a:effectLst/>
+                <a:latin typeface="+mn-lt"/>
+                <a:ea typeface="+mn-ea"/>
+                <a:cs typeface="+mn-cs"/>
+              </a:rPr>
+              <a:t>Example</a:t>
+            </a:r>
+          </a:p>
+          <a:p>
+            <a:r>
+              <a:rPr lang="en-US" sz="900" b="0" i="0" kern="1200" dirty="0" err="1" smtClean="0">
+                <a:solidFill>
+                  <a:schemeClr val="tx1"/>
+                </a:solidFill>
+                <a:effectLst/>
+                <a:latin typeface="+mn-lt"/>
+                <a:ea typeface="+mn-ea"/>
+                <a:cs typeface="+mn-cs"/>
+              </a:rPr>
+              <a:t>var</a:t>
+            </a:r>
+            <a:r>
+              <a:rPr lang="en-US" sz="900" b="0" i="0" kern="1200" dirty="0" smtClean="0">
+                <a:solidFill>
+                  <a:schemeClr val="tx1"/>
+                </a:solidFill>
+                <a:effectLst/>
+                <a:latin typeface="+mn-lt"/>
+                <a:ea typeface="+mn-ea"/>
+                <a:cs typeface="+mn-cs"/>
+              </a:rPr>
+              <a:t> </a:t>
+            </a:r>
+            <a:r>
+              <a:rPr lang="en-US" sz="900" b="0" i="0" kern="1200" dirty="0" err="1" smtClean="0">
+                <a:solidFill>
+                  <a:schemeClr val="tx1"/>
+                </a:solidFill>
+                <a:effectLst/>
+                <a:latin typeface="+mn-lt"/>
+                <a:ea typeface="+mn-ea"/>
+                <a:cs typeface="+mn-cs"/>
+              </a:rPr>
+              <a:t>str</a:t>
+            </a:r>
+            <a:r>
+              <a:rPr lang="en-US" sz="900" b="0" i="0" kern="1200" dirty="0" smtClean="0">
+                <a:solidFill>
+                  <a:schemeClr val="tx1"/>
+                </a:solidFill>
+                <a:effectLst/>
+                <a:latin typeface="+mn-lt"/>
+                <a:ea typeface="+mn-ea"/>
+                <a:cs typeface="+mn-cs"/>
+              </a:rPr>
+              <a:t> = "Please locate where 'locate' occurs!";</a:t>
+            </a:r>
+            <a:br>
+              <a:rPr lang="en-US" sz="900" b="0" i="0" kern="1200" dirty="0" smtClean="0">
+                <a:solidFill>
+                  <a:schemeClr val="tx1"/>
+                </a:solidFill>
+                <a:effectLst/>
+                <a:latin typeface="+mn-lt"/>
+                <a:ea typeface="+mn-ea"/>
+                <a:cs typeface="+mn-cs"/>
+              </a:rPr>
+            </a:br>
+            <a:r>
+              <a:rPr lang="en-US" sz="900" b="0" i="0" kern="1200" dirty="0" err="1" smtClean="0">
+                <a:solidFill>
+                  <a:schemeClr val="tx1"/>
+                </a:solidFill>
+                <a:effectLst/>
+                <a:latin typeface="+mn-lt"/>
+                <a:ea typeface="+mn-ea"/>
+                <a:cs typeface="+mn-cs"/>
+              </a:rPr>
+              <a:t>var</a:t>
+            </a:r>
+            <a:r>
+              <a:rPr lang="en-US" sz="900" b="0" i="0" kern="1200" dirty="0" smtClean="0">
+                <a:solidFill>
+                  <a:schemeClr val="tx1"/>
+                </a:solidFill>
+                <a:effectLst/>
+                <a:latin typeface="+mn-lt"/>
+                <a:ea typeface="+mn-ea"/>
+                <a:cs typeface="+mn-cs"/>
+              </a:rPr>
+              <a:t> </a:t>
+            </a:r>
+            <a:r>
+              <a:rPr lang="en-US" sz="900" b="0" i="0" kern="1200" dirty="0" err="1" smtClean="0">
+                <a:solidFill>
+                  <a:schemeClr val="tx1"/>
+                </a:solidFill>
+                <a:effectLst/>
+                <a:latin typeface="+mn-lt"/>
+                <a:ea typeface="+mn-ea"/>
+                <a:cs typeface="+mn-cs"/>
+              </a:rPr>
+              <a:t>pos</a:t>
+            </a:r>
+            <a:r>
+              <a:rPr lang="en-US" sz="900" b="0" i="0" kern="1200" dirty="0" smtClean="0">
+                <a:solidFill>
+                  <a:schemeClr val="tx1"/>
+                </a:solidFill>
+                <a:effectLst/>
+                <a:latin typeface="+mn-lt"/>
+                <a:ea typeface="+mn-ea"/>
+                <a:cs typeface="+mn-cs"/>
+              </a:rPr>
+              <a:t> = </a:t>
+            </a:r>
+            <a:r>
+              <a:rPr lang="en-US" sz="900" b="0" i="0" kern="1200" dirty="0" err="1" smtClean="0">
+                <a:solidFill>
+                  <a:schemeClr val="tx1"/>
+                </a:solidFill>
+                <a:effectLst/>
+                <a:latin typeface="+mn-lt"/>
+                <a:ea typeface="+mn-ea"/>
+                <a:cs typeface="+mn-cs"/>
+              </a:rPr>
+              <a:t>str.indexOf</a:t>
+            </a:r>
+            <a:r>
+              <a:rPr lang="en-US" sz="900" b="0" i="0" kern="1200" dirty="0" smtClean="0">
+                <a:solidFill>
+                  <a:schemeClr val="tx1"/>
+                </a:solidFill>
+                <a:effectLst/>
+                <a:latin typeface="+mn-lt"/>
+                <a:ea typeface="+mn-ea"/>
+                <a:cs typeface="+mn-cs"/>
+              </a:rPr>
+              <a:t>("locate");</a:t>
+            </a:r>
+          </a:p>
+          <a:p>
+            <a:endParaRPr lang="en-US" sz="900" b="0" i="0" kern="1200" dirty="0" smtClean="0">
+              <a:solidFill>
+                <a:schemeClr val="tx1"/>
+              </a:solidFill>
+              <a:effectLst/>
+              <a:latin typeface="+mn-lt"/>
+              <a:ea typeface="+mn-ea"/>
+              <a:cs typeface="+mn-cs"/>
+            </a:endParaRPr>
+          </a:p>
+          <a:p>
+            <a:r>
+              <a:rPr lang="en-US" sz="900" b="0" i="0" kern="1200" dirty="0" smtClean="0">
+                <a:solidFill>
+                  <a:schemeClr val="tx1"/>
+                </a:solidFill>
+                <a:effectLst/>
+                <a:latin typeface="+mn-lt"/>
+                <a:ea typeface="+mn-ea"/>
+                <a:cs typeface="+mn-cs"/>
+              </a:rPr>
+              <a:t>The </a:t>
+            </a:r>
+            <a:r>
+              <a:rPr lang="en-US" sz="900" b="1" i="0" kern="1200" dirty="0" err="1" smtClean="0">
+                <a:solidFill>
+                  <a:schemeClr val="tx1"/>
+                </a:solidFill>
+                <a:effectLst/>
+                <a:latin typeface="+mn-lt"/>
+                <a:ea typeface="+mn-ea"/>
+                <a:cs typeface="+mn-cs"/>
+              </a:rPr>
+              <a:t>lastIndexOf</a:t>
+            </a:r>
+            <a:r>
+              <a:rPr lang="en-US" sz="900" b="1" i="0" kern="1200" dirty="0" smtClean="0">
+                <a:solidFill>
+                  <a:schemeClr val="tx1"/>
+                </a:solidFill>
+                <a:effectLst/>
+                <a:latin typeface="+mn-lt"/>
+                <a:ea typeface="+mn-ea"/>
+                <a:cs typeface="+mn-cs"/>
+              </a:rPr>
+              <a:t>()</a:t>
+            </a:r>
+            <a:r>
+              <a:rPr lang="en-US" sz="900" b="0" i="0" kern="1200" dirty="0" smtClean="0">
+                <a:solidFill>
+                  <a:schemeClr val="tx1"/>
+                </a:solidFill>
+                <a:effectLst/>
+                <a:latin typeface="+mn-lt"/>
+                <a:ea typeface="+mn-ea"/>
+                <a:cs typeface="+mn-cs"/>
+              </a:rPr>
+              <a:t> method returns the index of the </a:t>
+            </a:r>
+            <a:r>
+              <a:rPr lang="en-US" sz="900" b="1" i="0" kern="1200" dirty="0" smtClean="0">
+                <a:solidFill>
+                  <a:schemeClr val="tx1"/>
+                </a:solidFill>
+                <a:effectLst/>
+                <a:latin typeface="+mn-lt"/>
+                <a:ea typeface="+mn-ea"/>
+                <a:cs typeface="+mn-cs"/>
+              </a:rPr>
+              <a:t>last</a:t>
+            </a:r>
+            <a:r>
+              <a:rPr lang="en-US" sz="900" b="0" i="0" kern="1200" dirty="0" smtClean="0">
+                <a:solidFill>
+                  <a:schemeClr val="tx1"/>
+                </a:solidFill>
+                <a:effectLst/>
+                <a:latin typeface="+mn-lt"/>
+                <a:ea typeface="+mn-ea"/>
+                <a:cs typeface="+mn-cs"/>
+              </a:rPr>
+              <a:t> occurrence of a specified text in a string:</a:t>
+            </a:r>
+          </a:p>
+          <a:p>
+            <a:r>
+              <a:rPr lang="en-US" sz="900" b="0" i="0" kern="1200" dirty="0" smtClean="0">
+                <a:solidFill>
+                  <a:schemeClr val="tx1"/>
+                </a:solidFill>
+                <a:effectLst/>
+                <a:latin typeface="+mn-lt"/>
+                <a:ea typeface="+mn-ea"/>
+                <a:cs typeface="+mn-cs"/>
+              </a:rPr>
+              <a:t>Example</a:t>
+            </a:r>
+          </a:p>
+          <a:p>
+            <a:r>
+              <a:rPr lang="en-US" sz="900" b="0" i="0" kern="1200" dirty="0" err="1" smtClean="0">
+                <a:solidFill>
+                  <a:schemeClr val="tx1"/>
+                </a:solidFill>
+                <a:effectLst/>
+                <a:latin typeface="+mn-lt"/>
+                <a:ea typeface="+mn-ea"/>
+                <a:cs typeface="+mn-cs"/>
+              </a:rPr>
+              <a:t>var</a:t>
+            </a:r>
+            <a:r>
+              <a:rPr lang="en-US" sz="900" b="0" i="0" kern="1200" dirty="0" smtClean="0">
+                <a:solidFill>
+                  <a:schemeClr val="tx1"/>
+                </a:solidFill>
+                <a:effectLst/>
+                <a:latin typeface="+mn-lt"/>
+                <a:ea typeface="+mn-ea"/>
+                <a:cs typeface="+mn-cs"/>
+              </a:rPr>
+              <a:t> </a:t>
+            </a:r>
+            <a:r>
+              <a:rPr lang="en-US" sz="900" b="0" i="0" kern="1200" dirty="0" err="1" smtClean="0">
+                <a:solidFill>
+                  <a:schemeClr val="tx1"/>
+                </a:solidFill>
+                <a:effectLst/>
+                <a:latin typeface="+mn-lt"/>
+                <a:ea typeface="+mn-ea"/>
+                <a:cs typeface="+mn-cs"/>
+              </a:rPr>
+              <a:t>str</a:t>
+            </a:r>
+            <a:r>
+              <a:rPr lang="en-US" sz="900" b="0" i="0" kern="1200" dirty="0" smtClean="0">
+                <a:solidFill>
+                  <a:schemeClr val="tx1"/>
+                </a:solidFill>
+                <a:effectLst/>
+                <a:latin typeface="+mn-lt"/>
+                <a:ea typeface="+mn-ea"/>
+                <a:cs typeface="+mn-cs"/>
+              </a:rPr>
+              <a:t> = "Please locate where 'locate' occurs!";</a:t>
+            </a:r>
+            <a:br>
+              <a:rPr lang="en-US" sz="900" b="0" i="0" kern="1200" dirty="0" smtClean="0">
+                <a:solidFill>
+                  <a:schemeClr val="tx1"/>
+                </a:solidFill>
+                <a:effectLst/>
+                <a:latin typeface="+mn-lt"/>
+                <a:ea typeface="+mn-ea"/>
+                <a:cs typeface="+mn-cs"/>
+              </a:rPr>
+            </a:br>
+            <a:r>
+              <a:rPr lang="en-US" sz="900" b="0" i="0" kern="1200" dirty="0" err="1" smtClean="0">
+                <a:solidFill>
+                  <a:schemeClr val="tx1"/>
+                </a:solidFill>
+                <a:effectLst/>
+                <a:latin typeface="+mn-lt"/>
+                <a:ea typeface="+mn-ea"/>
+                <a:cs typeface="+mn-cs"/>
+              </a:rPr>
+              <a:t>var</a:t>
+            </a:r>
+            <a:r>
+              <a:rPr lang="en-US" sz="900" b="0" i="0" kern="1200" dirty="0" smtClean="0">
+                <a:solidFill>
+                  <a:schemeClr val="tx1"/>
+                </a:solidFill>
+                <a:effectLst/>
+                <a:latin typeface="+mn-lt"/>
+                <a:ea typeface="+mn-ea"/>
+                <a:cs typeface="+mn-cs"/>
+              </a:rPr>
+              <a:t> </a:t>
+            </a:r>
+            <a:r>
+              <a:rPr lang="en-US" sz="900" b="0" i="0" kern="1200" dirty="0" err="1" smtClean="0">
+                <a:solidFill>
+                  <a:schemeClr val="tx1"/>
+                </a:solidFill>
+                <a:effectLst/>
+                <a:latin typeface="+mn-lt"/>
+                <a:ea typeface="+mn-ea"/>
+                <a:cs typeface="+mn-cs"/>
+              </a:rPr>
+              <a:t>pos</a:t>
+            </a:r>
+            <a:r>
+              <a:rPr lang="en-US" sz="900" b="0" i="0" kern="1200" dirty="0" smtClean="0">
+                <a:solidFill>
+                  <a:schemeClr val="tx1"/>
+                </a:solidFill>
+                <a:effectLst/>
+                <a:latin typeface="+mn-lt"/>
+                <a:ea typeface="+mn-ea"/>
+                <a:cs typeface="+mn-cs"/>
+              </a:rPr>
+              <a:t> = </a:t>
+            </a:r>
+            <a:r>
+              <a:rPr lang="en-US" sz="900" b="0" i="0" kern="1200" dirty="0" err="1" smtClean="0">
+                <a:solidFill>
+                  <a:schemeClr val="tx1"/>
+                </a:solidFill>
+                <a:effectLst/>
+                <a:latin typeface="+mn-lt"/>
+                <a:ea typeface="+mn-ea"/>
+                <a:cs typeface="+mn-cs"/>
+              </a:rPr>
+              <a:t>str.lastIndexOf</a:t>
+            </a:r>
+            <a:r>
+              <a:rPr lang="en-US" sz="900" b="0" i="0" kern="1200" dirty="0" smtClean="0">
+                <a:solidFill>
+                  <a:schemeClr val="tx1"/>
+                </a:solidFill>
+                <a:effectLst/>
+                <a:latin typeface="+mn-lt"/>
+                <a:ea typeface="+mn-ea"/>
+                <a:cs typeface="+mn-cs"/>
+              </a:rPr>
+              <a:t>("locate");</a:t>
+            </a:r>
+          </a:p>
+          <a:p>
+            <a:endParaRPr lang="en-US" sz="900" b="0" i="0" kern="1200" dirty="0" smtClean="0">
+              <a:solidFill>
+                <a:schemeClr val="tx1"/>
+              </a:solidFill>
+              <a:effectLst/>
+              <a:latin typeface="+mn-lt"/>
+              <a:ea typeface="+mn-ea"/>
+              <a:cs typeface="+mn-cs"/>
+            </a:endParaRPr>
+          </a:p>
+          <a:p>
+            <a:r>
+              <a:rPr lang="en-US" sz="900" b="1" i="0" kern="1200" dirty="0" smtClean="0">
+                <a:solidFill>
+                  <a:schemeClr val="tx1"/>
+                </a:solidFill>
+                <a:effectLst/>
+                <a:latin typeface="+mn-lt"/>
+                <a:ea typeface="+mn-ea"/>
+                <a:cs typeface="+mn-cs"/>
+              </a:rPr>
+              <a:t>Extracting String Parts</a:t>
+            </a:r>
+          </a:p>
+          <a:p>
+            <a:r>
+              <a:rPr lang="en-US" sz="900" b="0" i="0" kern="1200" dirty="0" smtClean="0">
+                <a:solidFill>
+                  <a:schemeClr val="tx1"/>
+                </a:solidFill>
+                <a:effectLst/>
+                <a:latin typeface="+mn-lt"/>
+                <a:ea typeface="+mn-ea"/>
+                <a:cs typeface="+mn-cs"/>
+              </a:rPr>
+              <a:t>There are 3 methods for extracting a part of a string:</a:t>
+            </a:r>
+          </a:p>
+          <a:p>
+            <a:r>
+              <a:rPr lang="en-US" sz="900" b="0" i="0" kern="1200" dirty="0" smtClean="0">
+                <a:solidFill>
+                  <a:schemeClr val="tx1"/>
+                </a:solidFill>
+                <a:effectLst/>
+                <a:latin typeface="+mn-lt"/>
+                <a:ea typeface="+mn-ea"/>
+                <a:cs typeface="+mn-cs"/>
+              </a:rPr>
+              <a:t>slice(start, end)</a:t>
+            </a:r>
+          </a:p>
+          <a:p>
+            <a:r>
+              <a:rPr lang="en-US" sz="900" b="0" i="0" kern="1200" dirty="0" smtClean="0">
+                <a:solidFill>
+                  <a:schemeClr val="tx1"/>
+                </a:solidFill>
+                <a:effectLst/>
+                <a:latin typeface="+mn-lt"/>
+                <a:ea typeface="+mn-ea"/>
+                <a:cs typeface="+mn-cs"/>
+              </a:rPr>
+              <a:t>substring(start, end)</a:t>
+            </a:r>
+          </a:p>
+          <a:p>
+            <a:r>
+              <a:rPr lang="en-US" sz="900" b="0" i="0" kern="1200" dirty="0" err="1" smtClean="0">
+                <a:solidFill>
+                  <a:schemeClr val="tx1"/>
+                </a:solidFill>
+                <a:effectLst/>
+                <a:latin typeface="+mn-lt"/>
+                <a:ea typeface="+mn-ea"/>
+                <a:cs typeface="+mn-cs"/>
+              </a:rPr>
+              <a:t>substr</a:t>
+            </a:r>
+            <a:r>
+              <a:rPr lang="en-US" sz="900" b="0" i="0" kern="1200" dirty="0" smtClean="0">
+                <a:solidFill>
+                  <a:schemeClr val="tx1"/>
+                </a:solidFill>
+                <a:effectLst/>
+                <a:latin typeface="+mn-lt"/>
+                <a:ea typeface="+mn-ea"/>
+                <a:cs typeface="+mn-cs"/>
+              </a:rPr>
+              <a:t>(start, length)</a:t>
+            </a:r>
+          </a:p>
+          <a:p>
+            <a:endParaRPr lang="en-US" sz="900" b="0" i="0" kern="1200" dirty="0" smtClean="0">
+              <a:solidFill>
+                <a:schemeClr val="tx1"/>
+              </a:solidFill>
+              <a:effectLst/>
+              <a:latin typeface="+mn-lt"/>
+              <a:ea typeface="+mn-ea"/>
+              <a:cs typeface="+mn-cs"/>
+            </a:endParaRPr>
+          </a:p>
+          <a:p>
+            <a:r>
+              <a:rPr lang="en-US" sz="900" b="1" i="0" kern="1200" dirty="0" smtClean="0">
+                <a:solidFill>
+                  <a:schemeClr val="tx1"/>
+                </a:solidFill>
+                <a:effectLst/>
+                <a:latin typeface="+mn-lt"/>
+                <a:ea typeface="+mn-ea"/>
+                <a:cs typeface="+mn-cs"/>
+              </a:rPr>
+              <a:t>slice()</a:t>
+            </a:r>
+            <a:r>
+              <a:rPr lang="en-US" sz="900" b="0" i="0" kern="1200" dirty="0" smtClean="0">
+                <a:solidFill>
+                  <a:schemeClr val="tx1"/>
+                </a:solidFill>
+                <a:effectLst/>
+                <a:latin typeface="+mn-lt"/>
+                <a:ea typeface="+mn-ea"/>
+                <a:cs typeface="+mn-cs"/>
+              </a:rPr>
+              <a:t> extracts a part of a string and returns the extracted part in a new string.</a:t>
+            </a:r>
+          </a:p>
+          <a:p>
+            <a:r>
+              <a:rPr lang="en-US" sz="900" b="0" i="0" kern="1200" dirty="0" smtClean="0">
+                <a:solidFill>
+                  <a:schemeClr val="tx1"/>
+                </a:solidFill>
+                <a:effectLst/>
+                <a:latin typeface="+mn-lt"/>
+                <a:ea typeface="+mn-ea"/>
+                <a:cs typeface="+mn-cs"/>
+              </a:rPr>
+              <a:t>The method takes 2 parameters: the starting index (position), and the ending index (position).</a:t>
+            </a:r>
+          </a:p>
+          <a:p>
+            <a:r>
+              <a:rPr lang="en-US" sz="900" b="0" i="0" kern="1200" dirty="0" smtClean="0">
+                <a:solidFill>
+                  <a:schemeClr val="tx1"/>
+                </a:solidFill>
+                <a:effectLst/>
+                <a:latin typeface="+mn-lt"/>
+                <a:ea typeface="+mn-ea"/>
+                <a:cs typeface="+mn-cs"/>
+              </a:rPr>
+              <a:t>This example slices out a portion of a string from position 7 to position 13:</a:t>
+            </a:r>
+          </a:p>
+          <a:p>
+            <a:r>
+              <a:rPr lang="en-US" sz="900" b="0" i="0" kern="1200" dirty="0" smtClean="0">
+                <a:solidFill>
+                  <a:schemeClr val="tx1"/>
+                </a:solidFill>
+                <a:effectLst/>
+                <a:latin typeface="+mn-lt"/>
+                <a:ea typeface="+mn-ea"/>
+                <a:cs typeface="+mn-cs"/>
+              </a:rPr>
+              <a:t>Example</a:t>
+            </a:r>
+          </a:p>
+          <a:p>
+            <a:r>
+              <a:rPr lang="en-US" sz="900" b="0" i="0" kern="1200" dirty="0" err="1" smtClean="0">
+                <a:solidFill>
+                  <a:schemeClr val="tx1"/>
+                </a:solidFill>
+                <a:effectLst/>
+                <a:latin typeface="+mn-lt"/>
+                <a:ea typeface="+mn-ea"/>
+                <a:cs typeface="+mn-cs"/>
+              </a:rPr>
+              <a:t>var</a:t>
+            </a:r>
+            <a:r>
+              <a:rPr lang="en-US" sz="900" b="0" i="0" kern="1200" dirty="0" smtClean="0">
+                <a:solidFill>
+                  <a:schemeClr val="tx1"/>
+                </a:solidFill>
+                <a:effectLst/>
+                <a:latin typeface="+mn-lt"/>
+                <a:ea typeface="+mn-ea"/>
+                <a:cs typeface="+mn-cs"/>
+              </a:rPr>
+              <a:t> </a:t>
+            </a:r>
+            <a:r>
+              <a:rPr lang="en-US" sz="900" b="0" i="0" kern="1200" dirty="0" err="1" smtClean="0">
+                <a:solidFill>
+                  <a:schemeClr val="tx1"/>
+                </a:solidFill>
+                <a:effectLst/>
+                <a:latin typeface="+mn-lt"/>
+                <a:ea typeface="+mn-ea"/>
+                <a:cs typeface="+mn-cs"/>
+              </a:rPr>
+              <a:t>str</a:t>
+            </a:r>
+            <a:r>
+              <a:rPr lang="en-US" sz="900" b="0" i="0" kern="1200" dirty="0" smtClean="0">
+                <a:solidFill>
+                  <a:schemeClr val="tx1"/>
+                </a:solidFill>
+                <a:effectLst/>
+                <a:latin typeface="+mn-lt"/>
+                <a:ea typeface="+mn-ea"/>
+                <a:cs typeface="+mn-cs"/>
+              </a:rPr>
+              <a:t> = "Apple, Banana, Kiwi";</a:t>
+            </a:r>
+            <a:br>
+              <a:rPr lang="en-US" sz="900" b="0" i="0" kern="1200" dirty="0" smtClean="0">
+                <a:solidFill>
+                  <a:schemeClr val="tx1"/>
+                </a:solidFill>
+                <a:effectLst/>
+                <a:latin typeface="+mn-lt"/>
+                <a:ea typeface="+mn-ea"/>
+                <a:cs typeface="+mn-cs"/>
+              </a:rPr>
+            </a:br>
+            <a:r>
+              <a:rPr lang="en-US" sz="900" b="0" i="0" kern="1200" dirty="0" err="1" smtClean="0">
+                <a:solidFill>
+                  <a:schemeClr val="tx1"/>
+                </a:solidFill>
+                <a:effectLst/>
+                <a:latin typeface="+mn-lt"/>
+                <a:ea typeface="+mn-ea"/>
+                <a:cs typeface="+mn-cs"/>
+              </a:rPr>
+              <a:t>var</a:t>
+            </a:r>
+            <a:r>
+              <a:rPr lang="en-US" sz="900" b="0" i="0" kern="1200" dirty="0" smtClean="0">
+                <a:solidFill>
+                  <a:schemeClr val="tx1"/>
+                </a:solidFill>
+                <a:effectLst/>
+                <a:latin typeface="+mn-lt"/>
+                <a:ea typeface="+mn-ea"/>
+                <a:cs typeface="+mn-cs"/>
+              </a:rPr>
+              <a:t> res = </a:t>
+            </a:r>
+            <a:r>
+              <a:rPr lang="en-US" sz="900" b="0" i="0" kern="1200" dirty="0" err="1" smtClean="0">
+                <a:solidFill>
+                  <a:schemeClr val="tx1"/>
+                </a:solidFill>
+                <a:effectLst/>
+                <a:latin typeface="+mn-lt"/>
+                <a:ea typeface="+mn-ea"/>
+                <a:cs typeface="+mn-cs"/>
+              </a:rPr>
+              <a:t>str.slice</a:t>
+            </a:r>
+            <a:r>
+              <a:rPr lang="en-US" sz="900" b="0" i="0" kern="1200" dirty="0" smtClean="0">
+                <a:solidFill>
+                  <a:schemeClr val="tx1"/>
+                </a:solidFill>
+                <a:effectLst/>
+                <a:latin typeface="+mn-lt"/>
+                <a:ea typeface="+mn-ea"/>
+                <a:cs typeface="+mn-cs"/>
+              </a:rPr>
+              <a:t>(7,13);</a:t>
+            </a:r>
+          </a:p>
+          <a:p>
+            <a:r>
+              <a:rPr lang="en-US" sz="900" b="0" i="0" kern="1200" dirty="0" smtClean="0">
+                <a:solidFill>
+                  <a:schemeClr val="tx1"/>
+                </a:solidFill>
+                <a:effectLst/>
+                <a:latin typeface="+mn-lt"/>
+                <a:ea typeface="+mn-ea"/>
+                <a:cs typeface="+mn-cs"/>
+              </a:rPr>
+              <a:t>The result of res will be:</a:t>
+            </a:r>
+          </a:p>
+          <a:p>
+            <a:r>
+              <a:rPr lang="en-US" sz="900" b="0" i="0" kern="1200" dirty="0" smtClean="0">
+                <a:solidFill>
+                  <a:schemeClr val="tx1"/>
+                </a:solidFill>
+                <a:effectLst/>
+                <a:latin typeface="+mn-lt"/>
+                <a:ea typeface="+mn-ea"/>
+                <a:cs typeface="+mn-cs"/>
+              </a:rPr>
+              <a:t>Banana</a:t>
+            </a:r>
+          </a:p>
+          <a:p>
+            <a:endParaRPr lang="en-US" sz="900" b="0" i="0" kern="1200" dirty="0" smtClean="0">
+              <a:solidFill>
+                <a:schemeClr val="tx1"/>
+              </a:solidFill>
+              <a:effectLst/>
+              <a:latin typeface="+mn-lt"/>
+              <a:ea typeface="+mn-ea"/>
+              <a:cs typeface="+mn-cs"/>
+            </a:endParaRPr>
+          </a:p>
+          <a:p>
+            <a:r>
+              <a:rPr lang="en-US" sz="900" b="0" i="0" kern="1200" dirty="0" err="1" smtClean="0">
+                <a:solidFill>
+                  <a:schemeClr val="tx1"/>
+                </a:solidFill>
+                <a:effectLst/>
+                <a:latin typeface="+mn-lt"/>
+                <a:ea typeface="+mn-ea"/>
+                <a:cs typeface="+mn-cs"/>
+              </a:rPr>
+              <a:t>var</a:t>
+            </a:r>
+            <a:r>
+              <a:rPr lang="en-US" sz="900" b="0" i="0" kern="1200" dirty="0" smtClean="0">
+                <a:solidFill>
+                  <a:schemeClr val="tx1"/>
+                </a:solidFill>
+                <a:effectLst/>
+                <a:latin typeface="+mn-lt"/>
+                <a:ea typeface="+mn-ea"/>
+                <a:cs typeface="+mn-cs"/>
+              </a:rPr>
+              <a:t> </a:t>
+            </a:r>
+            <a:r>
+              <a:rPr lang="en-US" sz="900" b="0" i="0" kern="1200" dirty="0" err="1" smtClean="0">
+                <a:solidFill>
+                  <a:schemeClr val="tx1"/>
+                </a:solidFill>
+                <a:effectLst/>
+                <a:latin typeface="+mn-lt"/>
+                <a:ea typeface="+mn-ea"/>
+                <a:cs typeface="+mn-cs"/>
+              </a:rPr>
+              <a:t>str</a:t>
+            </a:r>
+            <a:r>
+              <a:rPr lang="en-US" sz="900" b="0" i="0" kern="1200" dirty="0" smtClean="0">
+                <a:solidFill>
+                  <a:schemeClr val="tx1"/>
+                </a:solidFill>
+                <a:effectLst/>
+                <a:latin typeface="+mn-lt"/>
+                <a:ea typeface="+mn-ea"/>
+                <a:cs typeface="+mn-cs"/>
+              </a:rPr>
+              <a:t> = "Apple, Banana, Kiwi";</a:t>
+            </a:r>
+            <a:r>
+              <a:rPr lang="en-US" dirty="0" smtClean="0"/>
+              <a:t/>
+            </a:r>
+            <a:br>
+              <a:rPr lang="en-US" dirty="0" smtClean="0"/>
+            </a:br>
+            <a:r>
+              <a:rPr lang="en-US" sz="900" b="0" i="0" kern="1200" dirty="0" err="1" smtClean="0">
+                <a:solidFill>
+                  <a:schemeClr val="tx1"/>
+                </a:solidFill>
+                <a:effectLst/>
+                <a:latin typeface="+mn-lt"/>
+                <a:ea typeface="+mn-ea"/>
+                <a:cs typeface="+mn-cs"/>
+              </a:rPr>
+              <a:t>var</a:t>
+            </a:r>
+            <a:r>
+              <a:rPr lang="en-US" sz="900" b="0" i="0" kern="1200" dirty="0" smtClean="0">
+                <a:solidFill>
+                  <a:schemeClr val="tx1"/>
+                </a:solidFill>
+                <a:effectLst/>
+                <a:latin typeface="+mn-lt"/>
+                <a:ea typeface="+mn-ea"/>
+                <a:cs typeface="+mn-cs"/>
+              </a:rPr>
+              <a:t> res = </a:t>
+            </a:r>
+            <a:r>
+              <a:rPr lang="en-US" sz="900" b="0" i="0" kern="1200" dirty="0" err="1" smtClean="0">
+                <a:solidFill>
+                  <a:schemeClr val="tx1"/>
+                </a:solidFill>
+                <a:effectLst/>
+                <a:latin typeface="+mn-lt"/>
+                <a:ea typeface="+mn-ea"/>
+                <a:cs typeface="+mn-cs"/>
+              </a:rPr>
+              <a:t>str.slice</a:t>
+            </a:r>
+            <a:r>
+              <a:rPr lang="en-US" sz="900" b="0" i="0" kern="1200" dirty="0" smtClean="0">
+                <a:solidFill>
+                  <a:schemeClr val="tx1"/>
+                </a:solidFill>
+                <a:effectLst/>
+                <a:latin typeface="+mn-lt"/>
+                <a:ea typeface="+mn-ea"/>
+                <a:cs typeface="+mn-cs"/>
+              </a:rPr>
+              <a:t>(-12,-6);</a:t>
+            </a:r>
+          </a:p>
+          <a:p>
+            <a:endParaRPr lang="en-US" sz="900" b="0" i="0" kern="1200" dirty="0" smtClean="0">
+              <a:solidFill>
+                <a:schemeClr val="tx1"/>
+              </a:solidFill>
+              <a:effectLst/>
+              <a:latin typeface="+mn-lt"/>
+              <a:ea typeface="+mn-ea"/>
+              <a:cs typeface="+mn-cs"/>
+            </a:endParaRPr>
+          </a:p>
+          <a:p>
+            <a:r>
+              <a:rPr lang="en-US" sz="900" b="0" i="0" kern="1200" dirty="0" smtClean="0">
+                <a:solidFill>
+                  <a:schemeClr val="tx1"/>
+                </a:solidFill>
+                <a:effectLst/>
+                <a:latin typeface="+mn-lt"/>
+                <a:ea typeface="+mn-ea"/>
+                <a:cs typeface="+mn-cs"/>
+              </a:rPr>
+              <a:t>The result of res will be:</a:t>
+            </a:r>
+          </a:p>
+          <a:p>
+            <a:r>
+              <a:rPr lang="en-US" sz="900" b="0" i="0" kern="1200" dirty="0" smtClean="0">
+                <a:solidFill>
+                  <a:schemeClr val="tx1"/>
+                </a:solidFill>
+                <a:effectLst/>
+                <a:latin typeface="+mn-lt"/>
+                <a:ea typeface="+mn-ea"/>
+                <a:cs typeface="+mn-cs"/>
+              </a:rPr>
+              <a:t>Banana</a:t>
+            </a:r>
+          </a:p>
+          <a:p>
+            <a:r>
+              <a:rPr lang="en-US" sz="900" b="0" i="0" kern="1200" dirty="0" smtClean="0">
+                <a:solidFill>
+                  <a:schemeClr val="tx1"/>
+                </a:solidFill>
+                <a:effectLst/>
+                <a:latin typeface="+mn-lt"/>
+                <a:ea typeface="+mn-ea"/>
+                <a:cs typeface="+mn-cs"/>
+              </a:rPr>
+              <a:t>The substring() Method</a:t>
+            </a:r>
+          </a:p>
+          <a:p>
+            <a:r>
+              <a:rPr lang="en-US" sz="900" b="1" i="0" kern="1200" dirty="0" smtClean="0">
+                <a:solidFill>
+                  <a:schemeClr val="tx1"/>
+                </a:solidFill>
+                <a:effectLst/>
+                <a:latin typeface="+mn-lt"/>
+                <a:ea typeface="+mn-ea"/>
+                <a:cs typeface="+mn-cs"/>
+              </a:rPr>
+              <a:t>substring()</a:t>
+            </a:r>
+            <a:r>
+              <a:rPr lang="en-US" sz="900" b="0" i="0" kern="1200" dirty="0" smtClean="0">
+                <a:solidFill>
+                  <a:schemeClr val="tx1"/>
+                </a:solidFill>
+                <a:effectLst/>
+                <a:latin typeface="+mn-lt"/>
+                <a:ea typeface="+mn-ea"/>
+                <a:cs typeface="+mn-cs"/>
+              </a:rPr>
+              <a:t> is similar to slice().</a:t>
+            </a:r>
+          </a:p>
+          <a:p>
+            <a:r>
+              <a:rPr lang="en-US" sz="900" b="0" i="0" kern="1200" dirty="0" smtClean="0">
+                <a:solidFill>
+                  <a:schemeClr val="tx1"/>
+                </a:solidFill>
+                <a:effectLst/>
+                <a:latin typeface="+mn-lt"/>
+                <a:ea typeface="+mn-ea"/>
+                <a:cs typeface="+mn-cs"/>
+              </a:rPr>
+              <a:t>The difference is that substring() cannot accept negative indexes.</a:t>
+            </a:r>
+          </a:p>
+          <a:p>
+            <a:r>
+              <a:rPr lang="en-US" sz="900" b="0" i="0" kern="1200" dirty="0" smtClean="0">
+                <a:solidFill>
+                  <a:schemeClr val="tx1"/>
+                </a:solidFill>
+                <a:effectLst/>
+                <a:latin typeface="+mn-lt"/>
+                <a:ea typeface="+mn-ea"/>
+                <a:cs typeface="+mn-cs"/>
+              </a:rPr>
+              <a:t>Example</a:t>
+            </a:r>
+          </a:p>
+          <a:p>
+            <a:r>
+              <a:rPr lang="en-US" sz="900" b="0" i="0" kern="1200" dirty="0" err="1" smtClean="0">
+                <a:solidFill>
+                  <a:schemeClr val="tx1"/>
+                </a:solidFill>
+                <a:effectLst/>
+                <a:latin typeface="+mn-lt"/>
+                <a:ea typeface="+mn-ea"/>
+                <a:cs typeface="+mn-cs"/>
+              </a:rPr>
+              <a:t>var</a:t>
+            </a:r>
+            <a:r>
+              <a:rPr lang="en-US" sz="900" b="0" i="0" kern="1200" dirty="0" smtClean="0">
+                <a:solidFill>
+                  <a:schemeClr val="tx1"/>
+                </a:solidFill>
+                <a:effectLst/>
+                <a:latin typeface="+mn-lt"/>
+                <a:ea typeface="+mn-ea"/>
+                <a:cs typeface="+mn-cs"/>
+              </a:rPr>
+              <a:t> </a:t>
+            </a:r>
+            <a:r>
+              <a:rPr lang="en-US" sz="900" b="0" i="0" kern="1200" dirty="0" err="1" smtClean="0">
+                <a:solidFill>
+                  <a:schemeClr val="tx1"/>
+                </a:solidFill>
+                <a:effectLst/>
+                <a:latin typeface="+mn-lt"/>
+                <a:ea typeface="+mn-ea"/>
+                <a:cs typeface="+mn-cs"/>
+              </a:rPr>
+              <a:t>str</a:t>
+            </a:r>
+            <a:r>
+              <a:rPr lang="en-US" sz="900" b="0" i="0" kern="1200" dirty="0" smtClean="0">
+                <a:solidFill>
+                  <a:schemeClr val="tx1"/>
+                </a:solidFill>
+                <a:effectLst/>
+                <a:latin typeface="+mn-lt"/>
+                <a:ea typeface="+mn-ea"/>
+                <a:cs typeface="+mn-cs"/>
+              </a:rPr>
+              <a:t> = "Apple, Banana, Kiwi";</a:t>
+            </a:r>
+            <a:br>
+              <a:rPr lang="en-US" sz="900" b="0" i="0" kern="1200" dirty="0" smtClean="0">
+                <a:solidFill>
+                  <a:schemeClr val="tx1"/>
+                </a:solidFill>
+                <a:effectLst/>
+                <a:latin typeface="+mn-lt"/>
+                <a:ea typeface="+mn-ea"/>
+                <a:cs typeface="+mn-cs"/>
+              </a:rPr>
+            </a:br>
+            <a:r>
+              <a:rPr lang="en-US" sz="900" b="0" i="0" kern="1200" dirty="0" err="1" smtClean="0">
+                <a:solidFill>
+                  <a:schemeClr val="tx1"/>
+                </a:solidFill>
+                <a:effectLst/>
+                <a:latin typeface="+mn-lt"/>
+                <a:ea typeface="+mn-ea"/>
+                <a:cs typeface="+mn-cs"/>
+              </a:rPr>
+              <a:t>var</a:t>
+            </a:r>
+            <a:r>
+              <a:rPr lang="en-US" sz="900" b="0" i="0" kern="1200" dirty="0" smtClean="0">
+                <a:solidFill>
+                  <a:schemeClr val="tx1"/>
+                </a:solidFill>
+                <a:effectLst/>
+                <a:latin typeface="+mn-lt"/>
+                <a:ea typeface="+mn-ea"/>
+                <a:cs typeface="+mn-cs"/>
+              </a:rPr>
+              <a:t> res = </a:t>
+            </a:r>
+            <a:r>
+              <a:rPr lang="en-US" sz="900" b="0" i="0" kern="1200" dirty="0" err="1" smtClean="0">
+                <a:solidFill>
+                  <a:schemeClr val="tx1"/>
+                </a:solidFill>
+                <a:effectLst/>
+                <a:latin typeface="+mn-lt"/>
+                <a:ea typeface="+mn-ea"/>
+                <a:cs typeface="+mn-cs"/>
+              </a:rPr>
+              <a:t>str.substring</a:t>
+            </a:r>
+            <a:r>
+              <a:rPr lang="en-US" sz="900" b="0" i="0" kern="1200" dirty="0" smtClean="0">
+                <a:solidFill>
+                  <a:schemeClr val="tx1"/>
+                </a:solidFill>
+                <a:effectLst/>
+                <a:latin typeface="+mn-lt"/>
+                <a:ea typeface="+mn-ea"/>
+                <a:cs typeface="+mn-cs"/>
+              </a:rPr>
+              <a:t>(7,13);</a:t>
+            </a:r>
+          </a:p>
+          <a:p>
+            <a:r>
+              <a:rPr lang="en-US" sz="900" b="0" i="0" kern="1200" dirty="0" smtClean="0">
+                <a:solidFill>
+                  <a:schemeClr val="tx1"/>
+                </a:solidFill>
+                <a:effectLst/>
+                <a:latin typeface="+mn-lt"/>
+                <a:ea typeface="+mn-ea"/>
+                <a:cs typeface="+mn-cs"/>
+              </a:rPr>
+              <a:t>The result of </a:t>
+            </a:r>
+            <a:r>
+              <a:rPr lang="en-US" sz="900" b="0" i="1" kern="1200" dirty="0" smtClean="0">
+                <a:solidFill>
+                  <a:schemeClr val="tx1"/>
+                </a:solidFill>
+                <a:effectLst/>
+                <a:latin typeface="+mn-lt"/>
+                <a:ea typeface="+mn-ea"/>
+                <a:cs typeface="+mn-cs"/>
+              </a:rPr>
+              <a:t>res</a:t>
+            </a:r>
+            <a:r>
+              <a:rPr lang="en-US" sz="900" b="0" i="0" kern="1200" dirty="0" smtClean="0">
+                <a:solidFill>
+                  <a:schemeClr val="tx1"/>
+                </a:solidFill>
+                <a:effectLst/>
+                <a:latin typeface="+mn-lt"/>
+                <a:ea typeface="+mn-ea"/>
+                <a:cs typeface="+mn-cs"/>
+              </a:rPr>
+              <a:t> will be:</a:t>
+            </a:r>
+          </a:p>
+          <a:p>
+            <a:r>
+              <a:rPr lang="en-US" sz="900" b="0" i="0" kern="1200" dirty="0" smtClean="0">
+                <a:solidFill>
+                  <a:schemeClr val="tx1"/>
+                </a:solidFill>
+                <a:effectLst/>
+                <a:latin typeface="+mn-lt"/>
+                <a:ea typeface="+mn-ea"/>
+                <a:cs typeface="+mn-cs"/>
+              </a:rPr>
+              <a:t>Banana</a:t>
+            </a:r>
+          </a:p>
+          <a:p>
+            <a:r>
+              <a:rPr lang="en-US" dirty="0" smtClean="0"/>
+              <a:t/>
+            </a:r>
+            <a:br>
+              <a:rPr lang="en-US" dirty="0" smtClean="0"/>
+            </a:br>
+            <a:endParaRPr lang="en-US" sz="900" b="0" i="0" kern="1200" dirty="0" smtClean="0">
+              <a:solidFill>
+                <a:schemeClr val="tx1"/>
+              </a:solidFill>
+              <a:effectLst/>
+              <a:latin typeface="+mn-lt"/>
+              <a:ea typeface="+mn-ea"/>
+              <a:cs typeface="+mn-cs"/>
+            </a:endParaRPr>
+          </a:p>
+          <a:p>
+            <a:endParaRPr lang="en-US" sz="900" b="0" i="0" kern="1200" dirty="0" smtClean="0">
+              <a:solidFill>
+                <a:schemeClr val="tx1"/>
+              </a:solidFill>
+              <a:effectLst/>
+              <a:latin typeface="+mn-lt"/>
+              <a:ea typeface="+mn-ea"/>
+              <a:cs typeface="+mn-cs"/>
+            </a:endParaRPr>
+          </a:p>
+          <a:p>
+            <a:endParaRPr lang="en-US" sz="900" b="0" i="0" kern="1200" dirty="0" smtClean="0">
+              <a:solidFill>
+                <a:schemeClr val="tx1"/>
+              </a:solidFill>
+              <a:effectLst/>
+              <a:latin typeface="+mn-lt"/>
+              <a:ea typeface="+mn-ea"/>
+              <a:cs typeface="+mn-cs"/>
+            </a:endParaRPr>
+          </a:p>
+          <a:p>
+            <a:endParaRPr lang="en-US" sz="900" b="0" i="0" kern="1200" dirty="0" smtClean="0">
+              <a:solidFill>
+                <a:schemeClr val="tx1"/>
+              </a:solidFill>
+              <a:effectLst/>
+              <a:latin typeface="+mn-lt"/>
+              <a:ea typeface="+mn-ea"/>
+              <a:cs typeface="+mn-cs"/>
+            </a:endParaRPr>
+          </a:p>
+          <a:p>
+            <a:endParaRPr lang="en-US" sz="900" b="0" i="0" kern="1200" dirty="0" smtClean="0">
+              <a:solidFill>
+                <a:schemeClr val="tx1"/>
+              </a:solidFill>
+              <a:effectLst/>
+              <a:latin typeface="+mn-lt"/>
+              <a:ea typeface="+mn-ea"/>
+              <a:cs typeface="+mn-cs"/>
+            </a:endParaRPr>
+          </a:p>
+          <a:p>
+            <a:endParaRPr lang="en-US" dirty="0"/>
           </a:p>
         </p:txBody>
       </p:sp>
@@ -7691,7 +7451,7 @@
           <a:bodyPr/>
           <a:lstStyle/>
           <a:p>
-            <a:fld id="{3D357578-6251-4D45-8D70-F9C82C925954}" type="datetime1">
+            <a:fld id="{2439A704-5EF5-4787-96DA-BCB67735A9D9}" type="datetime1">
               <a:rPr lang="en-US" smtClean="0"/>
               <a:t>3/11/2017</a:t>
             </a:fld>
@@ -7702,7 +7462,7 @@
     </p:spTree>
     <p:extLst>
       <p:ext uri="{BB962C8B-B14F-4D97-AF65-F5344CB8AC3E}">
-        <p14:creationId xmlns:p14="http://schemas.microsoft.com/office/powerpoint/2010/main" val="2899229042"/>
+        <p14:creationId xmlns:p14="http://schemas.microsoft.com/office/powerpoint/2010/main" val="1772571147"/>
       </p:ext>
     </p:extLst>
   </p:cSld>
@@ -7757,124 +7517,76 @@
           <a:lstStyle/>
           <a:p>
             <a:r>
-              <a:rPr lang="en-US" sz="900" b="0" i="0" kern="1200" dirty="0" smtClean="0">
-                <a:solidFill>
-                  <a:schemeClr val="tx1"/>
-                </a:solidFill>
-                <a:effectLst/>
-                <a:latin typeface="+mn-lt"/>
-                <a:ea typeface="+mn-ea"/>
-                <a:cs typeface="+mn-cs"/>
-              </a:rPr>
-              <a:t> NOTE: in the above code, </a:t>
-            </a:r>
-            <a:r>
-              <a:rPr lang="en-US" dirty="0" err="1" smtClean="0"/>
-              <a:t>arrayLength</a:t>
-            </a:r>
-            <a:r>
-              <a:rPr lang="en-US" sz="900" b="0" i="0" kern="1200" dirty="0" smtClean="0">
-                <a:solidFill>
-                  <a:schemeClr val="tx1"/>
-                </a:solidFill>
-                <a:effectLst/>
-                <a:latin typeface="+mn-lt"/>
-                <a:ea typeface="+mn-ea"/>
-                <a:cs typeface="+mn-cs"/>
-              </a:rPr>
-              <a:t> must be a </a:t>
-            </a:r>
-            <a:r>
-              <a:rPr lang="en-US" dirty="0" smtClean="0"/>
-              <a:t>Number</a:t>
-            </a:r>
-            <a:r>
-              <a:rPr lang="en-US" sz="900" b="0" i="0" kern="1200" dirty="0" smtClean="0">
-                <a:solidFill>
-                  <a:schemeClr val="tx1"/>
-                </a:solidFill>
-                <a:effectLst/>
-                <a:latin typeface="+mn-lt"/>
-                <a:ea typeface="+mn-ea"/>
-                <a:cs typeface="+mn-cs"/>
-              </a:rPr>
-              <a:t>. Otherwise, an array with a single element (the provided value) will be created. Calling </a:t>
-            </a:r>
-            <a:r>
-              <a:rPr lang="en-US" dirty="0" err="1" smtClean="0"/>
-              <a:t>arr.length</a:t>
-            </a:r>
-            <a:r>
-              <a:rPr lang="en-US" sz="900" b="0" i="0" kern="1200" dirty="0" smtClean="0">
-                <a:solidFill>
-                  <a:schemeClr val="tx1"/>
-                </a:solidFill>
-                <a:effectLst/>
-                <a:latin typeface="+mn-lt"/>
-                <a:ea typeface="+mn-ea"/>
-                <a:cs typeface="+mn-cs"/>
-              </a:rPr>
-              <a:t> will return </a:t>
-            </a:r>
-            <a:r>
-              <a:rPr lang="en-US" dirty="0" err="1" smtClean="0"/>
-              <a:t>arrayLength</a:t>
-            </a:r>
-            <a:r>
-              <a:rPr lang="en-US" sz="900" b="0" i="0" kern="1200" dirty="0" smtClean="0">
-                <a:solidFill>
-                  <a:schemeClr val="tx1"/>
-                </a:solidFill>
-                <a:effectLst/>
-                <a:latin typeface="+mn-lt"/>
-                <a:ea typeface="+mn-ea"/>
-                <a:cs typeface="+mn-cs"/>
-              </a:rPr>
-              <a:t>, but the array actually contains empty (undefined) elements. Running a </a:t>
-            </a:r>
-            <a:r>
-              <a:rPr lang="en-US" sz="900" b="0" i="0" u="none" strike="noStrike" kern="1200" dirty="0" smtClean="0">
-                <a:solidFill>
-                  <a:schemeClr val="tx1"/>
-                </a:solidFill>
-                <a:effectLst/>
-                <a:latin typeface="+mn-lt"/>
-                <a:ea typeface="+mn-ea"/>
-                <a:cs typeface="+mn-cs"/>
-                <a:hlinkClick r:id="rId3" tooltip="The for...in statement iterates over the enumerable properties of an object, in arbitrary order. For each distinct property, statements can be executed."/>
-              </a:rPr>
-              <a:t>for...in</a:t>
-            </a:r>
-            <a:r>
-              <a:rPr lang="en-US" sz="900" b="0" i="0" kern="1200" dirty="0" smtClean="0">
-                <a:solidFill>
-                  <a:schemeClr val="tx1"/>
-                </a:solidFill>
-                <a:effectLst/>
-                <a:latin typeface="+mn-lt"/>
-                <a:ea typeface="+mn-ea"/>
-                <a:cs typeface="+mn-cs"/>
-              </a:rPr>
-              <a:t> loop on the array will return none of the array's elements.</a:t>
-            </a:r>
-          </a:p>
-          <a:p>
-            <a:r>
-              <a:rPr lang="en-US" sz="900" b="0" i="0" kern="1200" dirty="0" smtClean="0">
-                <a:solidFill>
-                  <a:schemeClr val="tx1"/>
-                </a:solidFill>
-                <a:effectLst/>
-                <a:latin typeface="+mn-lt"/>
-                <a:ea typeface="+mn-ea"/>
-                <a:cs typeface="+mn-cs"/>
-              </a:rPr>
+              <a:rPr lang="en-US" dirty="0" smtClean="0"/>
               <a:t>Ex.</a:t>
             </a:r>
           </a:p>
           <a:p>
             <a:r>
-              <a:rPr lang="en-US" sz="900" b="0" i="0" kern="1200" dirty="0" err="1" smtClean="0">
+              <a:rPr lang="en-US" sz="900" dirty="0" err="1" smtClean="0"/>
+              <a:t>var</a:t>
+            </a:r>
+            <a:r>
+              <a:rPr lang="en-US" sz="900" dirty="0" smtClean="0"/>
+              <a:t> </a:t>
+            </a:r>
+            <a:r>
+              <a:rPr lang="en-US" sz="900" dirty="0" err="1" smtClean="0"/>
+              <a:t>arr</a:t>
+            </a:r>
+            <a:r>
+              <a:rPr lang="en-US" sz="900" dirty="0" smtClean="0"/>
+              <a:t> = new(1,2,3);</a:t>
+            </a:r>
+          </a:p>
+          <a:p>
+            <a:r>
+              <a:rPr lang="en-US" sz="900" dirty="0" err="1" smtClean="0"/>
+              <a:t>var</a:t>
+            </a:r>
+            <a:r>
+              <a:rPr lang="en-US" sz="900" dirty="0" smtClean="0"/>
+              <a:t> </a:t>
+            </a:r>
+            <a:r>
+              <a:rPr lang="en-US" sz="900" dirty="0" err="1" smtClean="0"/>
+              <a:t>arr</a:t>
+            </a:r>
+            <a:r>
+              <a:rPr lang="en-US" sz="900" dirty="0" smtClean="0"/>
+              <a:t> = Array(1,2,3);</a:t>
+            </a:r>
+          </a:p>
+          <a:p>
+            <a:r>
+              <a:rPr lang="en-US" sz="900" dirty="0" err="1" smtClean="0"/>
+              <a:t>var</a:t>
+            </a:r>
+            <a:r>
+              <a:rPr lang="en-US" sz="900" dirty="0" smtClean="0"/>
+              <a:t> </a:t>
+            </a:r>
+            <a:r>
+              <a:rPr lang="en-US" sz="900" dirty="0" err="1" smtClean="0"/>
+              <a:t>arr</a:t>
+            </a:r>
+            <a:r>
+              <a:rPr lang="en-US" sz="900" dirty="0" smtClean="0"/>
+              <a:t> = [1,2,3];</a:t>
+            </a:r>
+          </a:p>
+          <a:p>
+            <a:endParaRPr lang="en-US" sz="900" dirty="0" smtClean="0"/>
+          </a:p>
+          <a:p>
+            <a:r>
+              <a:rPr lang="en-US" sz="900" dirty="0" smtClean="0"/>
+              <a:t>Ex-2.</a:t>
+            </a:r>
+          </a:p>
+          <a:p>
+            <a:r>
+              <a:rPr lang="en-US" sz="900" kern="1200" dirty="0" err="1" smtClean="0">
                 <a:solidFill>
                   <a:schemeClr val="tx1"/>
                 </a:solidFill>
@@ -7886,7 +7598,19 @@
               <a:t>var</a:t>
             </a:r>
             <a:r>
-              <a:rPr lang="en-US" sz="900" b="0" i="0" kern="1200" dirty="0" smtClean="0">
+              <a:rPr lang="en-US" dirty="0" smtClean="0"/>
+              <a:t> </a:t>
+            </a:r>
+            <a:r>
+              <a:rPr lang="en-US" dirty="0" err="1" smtClean="0"/>
+              <a:t>myArray</a:t>
+            </a:r>
+            <a:r>
+              <a:rPr lang="en-US" dirty="0" smtClean="0"/>
+              <a:t> </a:t>
+            </a:r>
+            <a:r>
+              <a:rPr lang="en-US" sz="900" kern="1200" dirty="0" smtClean="0">
                 <a:solidFill>
                   <a:schemeClr val="tx1"/>
                 </a:solidFill>
@@ -7895,10 +7619,14 @@
                 <a:ea typeface="+mn-ea"/>
                 <a:cs typeface="+mn-cs"/>
               </a:rPr>
+              <a:t>=</a:t>
+            </a:r>
+            <a:r>
+              <a:rPr lang="en-US" dirty="0" smtClean="0"/>
               <a:t> </a:t>
             </a:r>
             <a:r>
-              <a:rPr lang="en-US" sz="900" b="0" i="0" kern="1200" dirty="0" err="1" smtClean="0">
+              <a:rPr lang="en-US" sz="900" kern="1200" dirty="0" smtClean="0">
                 <a:solidFill>
                   <a:schemeClr val="tx1"/>
                 </a:solidFill>
@@ -7907,10 +7635,20 @@
                 <a:ea typeface="+mn-ea"/>
                 <a:cs typeface="+mn-cs"/>
               </a:rPr>
-              <a:t>arr</a:t>
-            </a:r>
-            <a:r>
-              <a:rPr lang="en-US" sz="900" b="0" i="0" kern="1200" dirty="0" smtClean="0">
+              <a:t>new</a:t>
+            </a:r>
+            <a:r>
+              <a:rPr lang="en-US" dirty="0" smtClean="0"/>
+              <a:t> </a:t>
+            </a:r>
+            <a:r>
+              <a:rPr lang="en-US" dirty="0" smtClean="0">
+                <a:effectLst/>
+              </a:rPr>
+              <a:t>Array</a:t>
+            </a:r>
+            <a:r>
+              <a:rPr lang="en-US" sz="900" kern="1200" dirty="0" smtClean="0">
                 <a:solidFill>
                   <a:schemeClr val="tx1"/>
                 </a:solidFill>
@@ -7919,12 +7657,18 @@
                 <a:ea typeface="+mn-ea"/>
                 <a:cs typeface="+mn-cs"/>
               </a:rPr>
-              <a:t>=new Array(“ram");</a:t>
-            </a:r>
-          </a:p>
-          <a:p>
-            <a:r>
-              <a:rPr lang="en-US" sz="900" b="0" i="0" kern="1200" dirty="0" smtClean="0">
+              <a:t>('Hello',</a:t>
+            </a:r>
+            <a:r>
+              <a:rPr lang="en-US" dirty="0" smtClean="0"/>
+              <a:t> </a:t>
+            </a:r>
+            <a:r>
+              <a:rPr lang="en-US" dirty="0" err="1" smtClean="0"/>
+              <a:t>myVar</a:t>
+            </a:r>
+            <a:r>
+              <a:rPr lang="en-US" sz="900" kern="1200" dirty="0" smtClean="0">
                 <a:solidFill>
                   <a:schemeClr val="tx1"/>
                 </a:solidFill>
@@ -7933,10 +7677,14 @@
                 <a:ea typeface="+mn-ea"/>
                 <a:cs typeface="+mn-cs"/>
               </a:rPr>
-              <a:t>Console.log(</a:t>
-            </a:r>
-            <a:r>
-              <a:rPr lang="en-US" sz="900" b="0" i="0" kern="1200" dirty="0" err="1" smtClean="0">
+              <a:t>,</a:t>
+            </a:r>
+            <a:r>
+              <a:rPr lang="en-US" dirty="0" smtClean="0"/>
+              <a:t> </a:t>
+            </a:r>
+            <a:r>
+              <a:rPr lang="en-US" sz="900" kern="1200" dirty="0" smtClean="0">
                 <a:solidFill>
                   <a:schemeClr val="tx1"/>
                 </a:solidFill>
@@ -7945,35 +7693,19 @@
                 <a:ea typeface="+mn-ea"/>
                 <a:cs typeface="+mn-cs"/>
               </a:rPr>
-              <a:t>arr</a:t>
-            </a:r>
-            <a:r>
-              <a:rPr lang="en-US" sz="900" b="0" i="0" kern="1200" dirty="0" smtClean="0">
-                <a:solidFill>
-                  <a:schemeClr val="tx1"/>
-                </a:solidFill>
-                <a:effectLst/>
-                <a:latin typeface="+mn-lt"/>
-                <a:ea typeface="+mn-ea"/>
-                <a:cs typeface="+mn-cs"/>
-              </a:rPr>
-              <a:t>) // [“ram”]</a:t>
-            </a:r>
-          </a:p>
-          <a:p>
-            <a:endParaRPr lang="en-US" sz="900" b="0" i="0" kern="1200" dirty="0" smtClean="0">
-              <a:solidFill>
-                <a:schemeClr val="tx1"/>
-              </a:solidFill>
-              <a:effectLst/>
-              <a:latin typeface="+mn-lt"/>
-              <a:ea typeface="+mn-ea"/>
-              <a:cs typeface="+mn-cs"/>
-            </a:endParaRPr>
-          </a:p>
-          <a:p>
-            <a:r>
-              <a:rPr lang="en-US" sz="900" b="0" i="0" kern="1200" baseline="0" dirty="0" err="1" smtClean="0">
+              <a:t>3.14159);</a:t>
+            </a:r>
+            <a:r>
+              <a:rPr lang="en-US" dirty="0" smtClean="0"/>
+              <a:t> </a:t>
+            </a:r>
+          </a:p>
+          <a:p>
+            <a:endParaRPr lang="en-US" dirty="0" smtClean="0"/>
+          </a:p>
+          <a:p>
+            <a:r>
+              <a:rPr lang="en-US" sz="900" kern="1200" dirty="0" err="1" smtClean="0">
                 <a:solidFill>
                   <a:schemeClr val="tx1"/>
                 </a:solidFill>
@@ -7985,7 +7717,19 @@
               <a:t>var</a:t>
             </a:r>
             <a:r>
-              <a:rPr lang="en-US" sz="900" b="0" i="0" kern="1200" baseline="0" dirty="0" smtClean="0">
+              <a:rPr lang="en-US" dirty="0" smtClean="0"/>
+              <a:t> </a:t>
+            </a:r>
+            <a:r>
+              <a:rPr lang="en-US" dirty="0" err="1" smtClean="0"/>
+              <a:t>myArray</a:t>
+            </a:r>
+            <a:r>
+              <a:rPr lang="en-US" dirty="0" smtClean="0"/>
+              <a:t> </a:t>
+            </a:r>
+            <a:r>
+              <a:rPr lang="en-US" sz="900" kern="1200" dirty="0" smtClean="0">
                 <a:solidFill>
                   <a:schemeClr val="tx1"/>
                 </a:solidFill>
@@ -7994,10 +7738,14 @@
                 <a:ea typeface="+mn-ea"/>
                 <a:cs typeface="+mn-cs"/>
               </a:rPr>
+              <a:t>=</a:t>
+            </a:r>
+            <a:r>
+              <a:rPr lang="en-US" dirty="0" smtClean="0"/>
               <a:t> </a:t>
             </a:r>
             <a:r>
-              <a:rPr lang="en-US" sz="900" b="0" i="0" kern="1200" baseline="0" dirty="0" err="1" smtClean="0">
+              <a:rPr lang="en-US" sz="900" kern="1200" dirty="0" smtClean="0">
                 <a:solidFill>
                   <a:schemeClr val="tx1"/>
                 </a:solidFill>
@@ -8006,10 +7754,14 @@
                 <a:ea typeface="+mn-ea"/>
                 <a:cs typeface="+mn-cs"/>
               </a:rPr>
-              <a:t>arr</a:t>
-            </a:r>
-            <a:r>
-              <a:rPr lang="en-US" sz="900" b="0" i="0" kern="1200" baseline="0" dirty="0" smtClean="0">
+              <a:t>['Mango',</a:t>
+            </a:r>
+            <a:r>
+              <a:rPr lang="en-US" dirty="0" smtClean="0"/>
+              <a:t> </a:t>
+            </a:r>
+            <a:r>
+              <a:rPr lang="en-US" sz="900" kern="1200" dirty="0" smtClean="0">
                 <a:solidFill>
                   <a:schemeClr val="tx1"/>
                 </a:solidFill>
@@ -8018,12 +7770,14 @@
                 <a:ea typeface="+mn-ea"/>
                 <a:cs typeface="+mn-cs"/>
               </a:rPr>
-              <a:t>=new Array(5);</a:t>
-            </a:r>
-          </a:p>
-          <a:p>
-            <a:r>
-              <a:rPr lang="en-US" sz="900" b="0" i="0" kern="1200" dirty="0" smtClean="0">
+              <a:t>'Apple',</a:t>
+            </a:r>
+            <a:r>
+              <a:rPr lang="en-US" dirty="0" smtClean="0"/>
+              <a:t> </a:t>
+            </a:r>
+            <a:r>
+              <a:rPr lang="en-US" sz="900" kern="1200" dirty="0" smtClean="0">
                 <a:solidFill>
                   <a:schemeClr val="tx1"/>
                 </a:solidFill>
@@ -8032,117 +7786,9 @@
                 <a:ea typeface="+mn-ea"/>
                 <a:cs typeface="+mn-cs"/>
               </a:rPr>
-              <a:t>console.log(</a:t>
-            </a:r>
-            <a:r>
-              <a:rPr lang="en-US" sz="900" b="0" i="0" kern="1200" dirty="0" err="1" smtClean="0">
-                <a:solidFill>
-                  <a:schemeClr val="tx1"/>
-                </a:solidFill>
-                <a:effectLst/>
-                <a:latin typeface="+mn-lt"/>
-                <a:ea typeface="+mn-ea"/>
-                <a:cs typeface="+mn-cs"/>
-              </a:rPr>
-              <a:t>arr</a:t>
-            </a:r>
-            <a:r>
-              <a:rPr lang="en-US" sz="900" b="0" i="0" kern="1200" dirty="0" smtClean="0">
-                <a:solidFill>
-                  <a:schemeClr val="tx1"/>
-                </a:solidFill>
-                <a:effectLst/>
-                <a:latin typeface="+mn-lt"/>
-                <a:ea typeface="+mn-ea"/>
-                <a:cs typeface="+mn-cs"/>
-              </a:rPr>
-              <a:t>)//[]</a:t>
-            </a:r>
-          </a:p>
-          <a:p>
-            <a:r>
-              <a:rPr lang="en-US" sz="900" b="0" i="0" kern="1200" dirty="0" smtClean="0">
-                <a:solidFill>
-                  <a:schemeClr val="tx1"/>
-                </a:solidFill>
-                <a:effectLst/>
-                <a:latin typeface="+mn-lt"/>
-                <a:ea typeface="+mn-ea"/>
-                <a:cs typeface="+mn-cs"/>
-              </a:rPr>
-              <a:t>console.log(</a:t>
-            </a:r>
-            <a:r>
-              <a:rPr lang="en-US" sz="900" b="0" i="0" kern="1200" dirty="0" err="1" smtClean="0">
-                <a:solidFill>
-                  <a:schemeClr val="tx1"/>
-                </a:solidFill>
-                <a:effectLst/>
-                <a:latin typeface="+mn-lt"/>
-                <a:ea typeface="+mn-ea"/>
-                <a:cs typeface="+mn-cs"/>
-              </a:rPr>
-              <a:t>arr.length</a:t>
-            </a:r>
-            <a:r>
-              <a:rPr lang="en-US" sz="900" b="0" i="0" kern="1200" dirty="0" smtClean="0">
-                <a:solidFill>
-                  <a:schemeClr val="tx1"/>
-                </a:solidFill>
-                <a:effectLst/>
-                <a:latin typeface="+mn-lt"/>
-                <a:ea typeface="+mn-ea"/>
-                <a:cs typeface="+mn-cs"/>
-              </a:rPr>
-              <a:t>)//5</a:t>
-            </a:r>
-          </a:p>
-          <a:p>
-            <a:endParaRPr lang="en-US" sz="900" b="0" i="0" kern="1200" dirty="0" smtClean="0">
-              <a:solidFill>
-                <a:schemeClr val="tx1"/>
-              </a:solidFill>
-              <a:effectLst/>
-              <a:latin typeface="+mn-lt"/>
-              <a:ea typeface="+mn-ea"/>
-              <a:cs typeface="+mn-cs"/>
-            </a:endParaRPr>
-          </a:p>
-          <a:p>
-            <a:endParaRPr lang="en-US" sz="900" b="0" i="0" kern="1200" dirty="0" smtClean="0">
-              <a:solidFill>
-                <a:schemeClr val="tx1"/>
-              </a:solidFill>
-              <a:effectLst/>
-              <a:latin typeface="+mn-lt"/>
-              <a:ea typeface="+mn-ea"/>
-              <a:cs typeface="+mn-cs"/>
-            </a:endParaRPr>
-          </a:p>
-          <a:p>
-            <a:endParaRPr lang="en-US" sz="900" b="0" i="0" kern="1200" dirty="0" smtClean="0">
-              <a:solidFill>
-                <a:schemeClr val="tx1"/>
-              </a:solidFill>
-              <a:effectLst/>
-              <a:latin typeface="+mn-lt"/>
-              <a:ea typeface="+mn-ea"/>
-              <a:cs typeface="+mn-cs"/>
-            </a:endParaRPr>
-          </a:p>
-          <a:p>
-            <a:endParaRPr lang="en-US" sz="900" b="0" i="0" kern="1200" dirty="0" smtClean="0">
-              <a:solidFill>
-                <a:schemeClr val="tx1"/>
-              </a:solidFill>
-              <a:effectLst/>
-              <a:latin typeface="+mn-lt"/>
-              <a:ea typeface="+mn-ea"/>
-              <a:cs typeface="+mn-cs"/>
-            </a:endParaRPr>
-          </a:p>
-          <a:p>
-            <a:endParaRPr lang="en-US" dirty="0"/>
+              <a:t>'Orange'];</a:t>
+            </a:r>
+            <a:endParaRPr lang="en-US" sz="900" dirty="0"/>
           </a:p>
         </p:txBody>
       </p:sp>
@@ -8180,7 +7826,7 @@
           <a:bodyPr/>
           <a:lstStyle/>
           <a:p>
-            <a:fld id="{4C0640C5-4227-4910-A621-D0E12189A96D}" type="datetime1">
+            <a:fld id="{3D357578-6251-4D45-8D70-F9C82C925954}" type="datetime1">
               <a:rPr lang="en-US" smtClean="0"/>
               <a:t>3/11/2017</a:t>
             </a:fld>
@@ -8191,7 +7837,7 @@
     </p:spTree>
     <p:extLst>
       <p:ext uri="{BB962C8B-B14F-4D97-AF65-F5344CB8AC3E}">
-        <p14:creationId xmlns:p14="http://schemas.microsoft.com/office/powerpoint/2010/main" val="3403945836"/>
+        <p14:creationId xmlns:p14="http://schemas.microsoft.com/office/powerpoint/2010/main" val="2899229042"/>
       </p:ext>
     </p:extLst>
   </p:cSld>
@@ -8246,18 +7892,6 @@
           <a:lstStyle/>
           <a:p>
             <a:r>
-              <a:rPr lang="en-US" sz="900" b="1" i="0" kern="1200" dirty="0" smtClean="0">
-                <a:solidFill>
-                  <a:schemeClr val="tx1"/>
-                </a:solidFill>
-                <a:effectLst/>
-                <a:latin typeface="+mn-lt"/>
-                <a:ea typeface="+mn-ea"/>
-                <a:cs typeface="+mn-cs"/>
-              </a:rPr>
-              <a:t>Note :</a:t>
-            </a:r>
-            <a:r>
               <a:rPr lang="en-US" sz="900" b="0" i="0" kern="1200" dirty="0" smtClean="0">
                 <a:solidFill>
                   <a:schemeClr val="tx1"/>
@@ -8267,70 +7901,382 @@
                 <a:ea typeface="+mn-ea"/>
                 <a:cs typeface="+mn-cs"/>
               </a:rPr>
-              <a:t> if you supply a non-integer value to the array operator in the code above, a property will be created in the object representing the array, instead of an array element.</a:t>
-            </a:r>
-          </a:p>
-          <a:p>
-            <a:r>
-              <a:rPr lang="en-US" dirty="0" smtClean="0"/>
-              <a:t>Ex.</a:t>
-            </a:r>
-          </a:p>
-          <a:p>
+              <a:t> NOTE: in the above code, </a:t>
+            </a:r>
             <a:r>
               <a:rPr lang="en-US" dirty="0" err="1" smtClean="0"/>
-              <a:t>var</a:t>
-            </a:r>
-            <a:r>
-              <a:rPr lang="en-US" dirty="0" smtClean="0"/>
-              <a:t> </a:t>
-            </a:r>
-            <a:r>
-              <a:rPr lang="en-US" dirty="0" err="1" smtClean="0"/>
-              <a:t>arr</a:t>
-            </a:r>
-            <a:r>
-              <a:rPr lang="en-US" dirty="0" smtClean="0"/>
-              <a:t> = [];</a:t>
-            </a:r>
-          </a:p>
-          <a:p>
-            <a:r>
-              <a:rPr lang="en-US" dirty="0" err="1" smtClean="0"/>
-              <a:t>arr</a:t>
-            </a:r>
-            <a:r>
-              <a:rPr lang="en-US" dirty="0" smtClean="0"/>
-              <a:t>[3.4] = 'Oranges';</a:t>
-            </a:r>
-          </a:p>
-          <a:p>
-            <a:r>
-              <a:rPr lang="en-US" dirty="0" smtClean="0"/>
-              <a:t>console.log(</a:t>
+              <a:t>arrayLength</a:t>
+            </a:r>
+            <a:r>
+              <a:rPr lang="en-US" sz="900" b="0" i="0" kern="1200" dirty="0" smtClean="0">
+                <a:solidFill>
+                  <a:schemeClr val="tx1"/>
+                </a:solidFill>
+                <a:effectLst/>
+                <a:latin typeface="+mn-lt"/>
+                <a:ea typeface="+mn-ea"/>
+                <a:cs typeface="+mn-cs"/>
+              </a:rPr>
+              <a:t> must be a </a:t>
+            </a:r>
+            <a:r>
+              <a:rPr lang="en-US" dirty="0" smtClean="0"/>
+              <a:t>Number</a:t>
+            </a:r>
+            <a:r>
+              <a:rPr lang="en-US" sz="900" b="0" i="0" kern="1200" dirty="0" smtClean="0">
+                <a:solidFill>
+                  <a:schemeClr val="tx1"/>
+                </a:solidFill>
+                <a:effectLst/>
+                <a:latin typeface="+mn-lt"/>
+                <a:ea typeface="+mn-ea"/>
+                <a:cs typeface="+mn-cs"/>
+              </a:rPr>
+              <a:t>. Otherwise, an array with a single element (the provided value) will be created. Calling </a:t>
             </a:r>
             <a:r>
               <a:rPr lang="en-US" dirty="0" err="1" smtClean="0"/>
               <a:t>arr.length</a:t>
             </a:r>
             <a:r>
-              <a:rPr lang="en-US" dirty="0" smtClean="0"/>
-              <a:t>);                // 0</a:t>
-            </a:r>
-          </a:p>
-          <a:p>
-            <a:r>
-              <a:rPr lang="en-US" dirty="0" smtClean="0"/>
+              <a:rPr lang="en-US" sz="900" b="0" i="0" kern="1200" dirty="0" smtClean="0">
+                <a:solidFill>
+                  <a:schemeClr val="tx1"/>
+                </a:solidFill>
+                <a:effectLst/>
+                <a:latin typeface="+mn-lt"/>
+                <a:ea typeface="+mn-ea"/>
+                <a:cs typeface="+mn-cs"/>
+              </a:rPr>
+              <a:t> will return </a:t>
+            </a:r>
+            <a:r>
+              <a:rPr lang="en-US" dirty="0" err="1" smtClean="0"/>
+              <a:t>arrayLength</a:t>
+            </a:r>
+            <a:r>
+              <a:rPr lang="en-US" sz="900" b="0" i="0" kern="1200" dirty="0" smtClean="0">
+                <a:solidFill>
+                  <a:schemeClr val="tx1"/>
+                </a:solidFill>
+                <a:effectLst/>
+                <a:latin typeface="+mn-lt"/>
+                <a:ea typeface="+mn-ea"/>
+                <a:cs typeface="+mn-cs"/>
+              </a:rPr>
+              <a:t>, but the array actually contains empty (undefined) elements. Running a </a:t>
+            </a:r>
+            <a:r>
+              <a:rPr lang="en-US" sz="900" b="0" i="0" u="none" strike="noStrike" kern="1200" dirty="0" smtClean="0">
+                <a:solidFill>
+                  <a:schemeClr val="tx1"/>
+                </a:solidFill>
+                <a:effectLst/>
+                <a:latin typeface="+mn-lt"/>
+                <a:ea typeface="+mn-ea"/>
+                <a:cs typeface="+mn-cs"/>
+                <a:hlinkClick r:id="rId3" tooltip="The for...in statement iterates over the enumerable properties of an object, in arbitrary order. For each distinct property, statements can be executed."/>
+              </a:rPr>
+              <a:t>for...in</a:t>
+            </a:r>
+            <a:r>
+              <a:rPr lang="en-US" sz="900" b="0" i="0" kern="1200" dirty="0" smtClean="0">
+                <a:solidFill>
+                  <a:schemeClr val="tx1"/>
+                </a:solidFill>
+                <a:effectLst/>
+                <a:latin typeface="+mn-lt"/>
+                <a:ea typeface="+mn-ea"/>
+                <a:cs typeface="+mn-cs"/>
+              </a:rPr>
+              <a:t> loop on the array will return none of the array's elements.</a:t>
+            </a:r>
+          </a:p>
+          <a:p>
+            <a:r>
+              <a:rPr lang="en-US" sz="900" b="0" i="0" kern="1200" dirty="0" smtClean="0">
+                <a:solidFill>
+                  <a:schemeClr val="tx1"/>
+                </a:solidFill>
+                <a:effectLst/>
+                <a:latin typeface="+mn-lt"/>
+                <a:ea typeface="+mn-ea"/>
+                <a:cs typeface="+mn-cs"/>
+              </a:rPr>
+              <a:t>Ex.</a:t>
+            </a:r>
+          </a:p>
+          <a:p>
+            <a:r>
+              <a:rPr lang="en-US" sz="900" b="0" i="0" kern="1200" dirty="0" err="1" smtClean="0">
+                <a:solidFill>
+                  <a:schemeClr val="tx1"/>
+                </a:solidFill>
+                <a:effectLst/>
+                <a:latin typeface="+mn-lt"/>
+                <a:ea typeface="+mn-ea"/>
+                <a:cs typeface="+mn-cs"/>
+              </a:rPr>
+              <a:t>var</a:t>
+            </a:r>
+            <a:r>
+              <a:rPr lang="en-US" sz="900" b="0" i="0" kern="1200" dirty="0" smtClean="0">
+                <a:solidFill>
+                  <a:schemeClr val="tx1"/>
+                </a:solidFill>
+                <a:effectLst/>
+                <a:latin typeface="+mn-lt"/>
+                <a:ea typeface="+mn-ea"/>
+                <a:cs typeface="+mn-cs"/>
+              </a:rPr>
+              <a:t> </a:t>
+            </a:r>
+            <a:r>
+              <a:rPr lang="en-US" sz="900" b="0" i="0" kern="1200" dirty="0" err="1" smtClean="0">
+                <a:solidFill>
+                  <a:schemeClr val="tx1"/>
+                </a:solidFill>
+                <a:effectLst/>
+                <a:latin typeface="+mn-lt"/>
+                <a:ea typeface="+mn-ea"/>
+                <a:cs typeface="+mn-cs"/>
+              </a:rPr>
+              <a:t>arr</a:t>
+            </a:r>
+            <a:r>
+              <a:rPr lang="en-US" sz="900" b="0" i="0" kern="1200" dirty="0" smtClean="0">
+                <a:solidFill>
+                  <a:schemeClr val="tx1"/>
+                </a:solidFill>
+                <a:effectLst/>
+                <a:latin typeface="+mn-lt"/>
+                <a:ea typeface="+mn-ea"/>
+                <a:cs typeface="+mn-cs"/>
+              </a:rPr>
+              <a:t>=new Array(“ram");</a:t>
+            </a:r>
+          </a:p>
+          <a:p>
+            <a:r>
+              <a:rPr lang="en-US" sz="900" b="0" i="0" kern="1200" dirty="0" smtClean="0">
+                <a:solidFill>
+                  <a:schemeClr val="tx1"/>
+                </a:solidFill>
+                <a:effectLst/>
+                <a:latin typeface="+mn-lt"/>
+                <a:ea typeface="+mn-ea"/>
+                <a:cs typeface="+mn-cs"/>
+              </a:rPr>
+              <a:t>Console.log(</a:t>
+            </a:r>
+            <a:r>
+              <a:rPr lang="en-US" sz="900" b="0" i="0" kern="1200" dirty="0" err="1" smtClean="0">
+                <a:solidFill>
+                  <a:schemeClr val="tx1"/>
+                </a:solidFill>
+                <a:effectLst/>
+                <a:latin typeface="+mn-lt"/>
+                <a:ea typeface="+mn-ea"/>
+                <a:cs typeface="+mn-cs"/>
+              </a:rPr>
+              <a:t>arr</a:t>
+            </a:r>
+            <a:r>
+              <a:rPr lang="en-US" sz="900" b="0" i="0" kern="1200" dirty="0" smtClean="0">
+                <a:solidFill>
+                  <a:schemeClr val="tx1"/>
+                </a:solidFill>
+                <a:effectLst/>
+                <a:latin typeface="+mn-lt"/>
+                <a:ea typeface="+mn-ea"/>
+                <a:cs typeface="+mn-cs"/>
+              </a:rPr>
+              <a:t>) // [“ram”]</a:t>
+            </a:r>
+          </a:p>
+          <a:p>
+            <a:endParaRPr lang="en-US" sz="900" b="0" i="0" kern="1200" dirty="0" smtClean="0">
+              <a:solidFill>
+                <a:schemeClr val="tx1"/>
+              </a:solidFill>
+              <a:effectLst/>
+              <a:latin typeface="+mn-lt"/>
+              <a:ea typeface="+mn-ea"/>
+              <a:cs typeface="+mn-cs"/>
+            </a:endParaRPr>
+          </a:p>
+          <a:p>
+            <a:r>
+              <a:rPr lang="en-US" sz="900" b="0" i="0" kern="1200" baseline="0" dirty="0" err="1" smtClean="0">
+                <a:solidFill>
+                  <a:schemeClr val="tx1"/>
+                </a:solidFill>
+                <a:effectLst/>
+                <a:latin typeface="+mn-lt"/>
+                <a:ea typeface="+mn-ea"/>
+                <a:cs typeface="+mn-cs"/>
+              </a:rPr>
+              <a:t>var</a:t>
+            </a:r>
+            <a:r>
+              <a:rPr lang="en-US" sz="900" b="0" i="0" kern="1200" baseline="0" dirty="0" smtClean="0">
+                <a:solidFill>
+                  <a:schemeClr val="tx1"/>
+                </a:solidFill>
+                <a:effectLst/>
+                <a:latin typeface="+mn-lt"/>
+                <a:ea typeface="+mn-ea"/>
+                <a:cs typeface="+mn-cs"/>
+              </a:rPr>
+              <a:t> </a:t>
+            </a:r>
+            <a:r>
+              <a:rPr lang="en-US" sz="900" b="0" i="0" kern="1200" baseline="0" dirty="0" err="1" smtClean="0">
+                <a:solidFill>
+                  <a:schemeClr val="tx1"/>
+                </a:solidFill>
+                <a:effectLst/>
+                <a:latin typeface="+mn-lt"/>
+                <a:ea typeface="+mn-ea"/>
+                <a:cs typeface="+mn-cs"/>
+              </a:rPr>
+              <a:t>arr</a:t>
+            </a:r>
+            <a:r>
+              <a:rPr lang="en-US" sz="900" b="0" i="0" kern="1200" baseline="0" dirty="0" smtClean="0">
+                <a:solidFill>
+                  <a:schemeClr val="tx1"/>
+                </a:solidFill>
+                <a:effectLst/>
+                <a:latin typeface="+mn-lt"/>
+                <a:ea typeface="+mn-ea"/>
+                <a:cs typeface="+mn-cs"/>
+              </a:rPr>
+              <a:t>=new Array(5);</a:t>
+            </a:r>
+          </a:p>
+          <a:p>
+            <a:r>
+              <a:rPr lang="en-US" sz="900" b="0" i="0" kern="1200" dirty="0" smtClean="0">
+                <a:solidFill>
+                  <a:schemeClr val="tx1"/>
+                </a:solidFill>
+                <a:effectLst/>
+                <a:latin typeface="+mn-lt"/>
+                <a:ea typeface="+mn-ea"/>
+                <a:cs typeface="+mn-cs"/>
+              </a:rPr>
               <a:t>console.log(</a:t>
             </a:r>
             <a:r>
-              <a:rPr lang="en-US" dirty="0" err="1" smtClean="0"/>
-              <a:t>arr.hasOwnProperty</a:t>
-            </a:r>
-            <a:r>
-              <a:rPr lang="en-US" dirty="0" smtClean="0"/>
-              <a:t>(3.4));   // true</a:t>
-            </a:r>
+              <a:rPr lang="en-US" sz="900" b="0" i="0" kern="1200" dirty="0" err="1" smtClean="0">
+                <a:solidFill>
+                  <a:schemeClr val="tx1"/>
+                </a:solidFill>
+                <a:effectLst/>
+                <a:latin typeface="+mn-lt"/>
+                <a:ea typeface="+mn-ea"/>
+                <a:cs typeface="+mn-cs"/>
+              </a:rPr>
+              <a:t>arr</a:t>
+            </a:r>
+            <a:r>
+              <a:rPr lang="en-US" sz="900" b="0" i="0" kern="1200" dirty="0" smtClean="0">
+                <a:solidFill>
+                  <a:schemeClr val="tx1"/>
+                </a:solidFill>
+                <a:effectLst/>
+                <a:latin typeface="+mn-lt"/>
+                <a:ea typeface="+mn-ea"/>
+                <a:cs typeface="+mn-cs"/>
+              </a:rPr>
+              <a:t>)//[]</a:t>
+            </a:r>
+          </a:p>
+          <a:p>
+            <a:r>
+              <a:rPr lang="en-US" sz="900" b="0" i="0" kern="1200" dirty="0" smtClean="0">
+                <a:solidFill>
+                  <a:schemeClr val="tx1"/>
+                </a:solidFill>
+                <a:effectLst/>
+                <a:latin typeface="+mn-lt"/>
+                <a:ea typeface="+mn-ea"/>
+                <a:cs typeface="+mn-cs"/>
+              </a:rPr>
+              <a:t>console.log(</a:t>
+            </a:r>
+            <a:r>
+              <a:rPr lang="en-US" sz="900" b="0" i="0" kern="1200" dirty="0" err="1" smtClean="0">
+                <a:solidFill>
+                  <a:schemeClr val="tx1"/>
+                </a:solidFill>
+                <a:effectLst/>
+                <a:latin typeface="+mn-lt"/>
+                <a:ea typeface="+mn-ea"/>
+                <a:cs typeface="+mn-cs"/>
+              </a:rPr>
+              <a:t>arr.length</a:t>
+            </a:r>
+            <a:r>
+              <a:rPr lang="en-US" sz="900" b="0" i="0" kern="1200" dirty="0" smtClean="0">
+                <a:solidFill>
+                  <a:schemeClr val="tx1"/>
+                </a:solidFill>
+                <a:effectLst/>
+                <a:latin typeface="+mn-lt"/>
+                <a:ea typeface="+mn-ea"/>
+                <a:cs typeface="+mn-cs"/>
+              </a:rPr>
+              <a:t>)//5</a:t>
+            </a:r>
+          </a:p>
+          <a:p>
+            <a:endParaRPr lang="en-US" sz="900" b="0" i="0" kern="1200" dirty="0" smtClean="0">
+              <a:solidFill>
+                <a:schemeClr val="tx1"/>
+              </a:solidFill>
+              <a:effectLst/>
+              <a:latin typeface="+mn-lt"/>
+              <a:ea typeface="+mn-ea"/>
+              <a:cs typeface="+mn-cs"/>
+            </a:endParaRPr>
+          </a:p>
+          <a:p>
+            <a:endParaRPr lang="en-US" sz="900" b="0" i="0" kern="1200" dirty="0" smtClean="0">
+              <a:solidFill>
+                <a:schemeClr val="tx1"/>
+              </a:solidFill>
+              <a:effectLst/>
+              <a:latin typeface="+mn-lt"/>
+              <a:ea typeface="+mn-ea"/>
+              <a:cs typeface="+mn-cs"/>
+            </a:endParaRPr>
+          </a:p>
+          <a:p>
+            <a:endParaRPr lang="en-US" sz="900" b="0" i="0" kern="1200" dirty="0" smtClean="0">
+              <a:solidFill>
+                <a:schemeClr val="tx1"/>
+              </a:solidFill>
+              <a:effectLst/>
+              <a:latin typeface="+mn-lt"/>
+              <a:ea typeface="+mn-ea"/>
+              <a:cs typeface="+mn-cs"/>
+            </a:endParaRPr>
+          </a:p>
+          <a:p>
+            <a:endParaRPr lang="en-US" sz="900" b="0" i="0" kern="1200" dirty="0" smtClean="0">
+              <a:solidFill>
+                <a:schemeClr val="tx1"/>
+              </a:solidFill>
+              <a:effectLst/>
+              <a:latin typeface="+mn-lt"/>
+              <a:ea typeface="+mn-ea"/>
+              <a:cs typeface="+mn-cs"/>
+            </a:endParaRPr>
+          </a:p>
+          <a:p>
             <a:endParaRPr lang="en-US" dirty="0"/>
           </a:p>
         </p:txBody>
@@ -8369,7 +8315,7 @@
           <a:bodyPr/>
           <a:lstStyle/>
           <a:p>
-            <a:fld id="{C6A00571-200D-4735-8F89-B96DCFC00969}" type="datetime1">
+            <a:fld id="{4C0640C5-4227-4910-A621-D0E12189A96D}" type="datetime1">
               <a:rPr lang="en-US" smtClean="0"/>
               <a:t>3/11/2017</a:t>
             </a:fld>
@@ -8380,7 +8326,7 @@
     </p:spTree>
     <p:extLst>
       <p:ext uri="{BB962C8B-B14F-4D97-AF65-F5344CB8AC3E}">
-        <p14:creationId xmlns:p14="http://schemas.microsoft.com/office/powerpoint/2010/main" val="698544009"/>
+        <p14:creationId xmlns:p14="http://schemas.microsoft.com/office/powerpoint/2010/main" val="3403945836"/>
       </p:ext>
     </p:extLst>
   </p:cSld>
@@ -8435,6 +8381,18 @@
           <a:lstStyle/>
           <a:p>
             <a:r>
+              <a:rPr lang="en-US" sz="900" b="1" i="0" kern="1200" dirty="0" smtClean="0">
+                <a:solidFill>
+                  <a:schemeClr val="tx1"/>
+                </a:solidFill>
+                <a:effectLst/>
+                <a:latin typeface="+mn-lt"/>
+                <a:ea typeface="+mn-ea"/>
+                <a:cs typeface="+mn-cs"/>
+              </a:rPr>
+              <a:t>Note :</a:t>
+            </a:r>
+            <a:r>
               <a:rPr lang="en-US" sz="900" b="0" i="0" kern="1200" dirty="0" smtClean="0">
                 <a:solidFill>
                   <a:schemeClr val="tx1"/>
@@ -8444,487 +8402,70 @@
                 <a:ea typeface="+mn-ea"/>
                 <a:cs typeface="+mn-cs"/>
               </a:rPr>
-              <a:t>1.JavaScript Array indexes are 0-based: they start at 0, not 1. This means that the </a:t>
-            </a:r>
-            <a:r>
-              <a:rPr lang="en-US" dirty="0" smtClean="0"/>
-              <a:t>length</a:t>
-            </a:r>
-            <a:r>
-              <a:rPr lang="en-US" sz="900" b="0" i="0" kern="1200" dirty="0" smtClean="0">
-                <a:solidFill>
-                  <a:schemeClr val="tx1"/>
-                </a:solidFill>
-                <a:effectLst/>
-                <a:latin typeface="+mn-lt"/>
-                <a:ea typeface="+mn-ea"/>
-                <a:cs typeface="+mn-cs"/>
-              </a:rPr>
-              <a:t> property will be one more than the highest index stored in the array</a:t>
-            </a:r>
-          </a:p>
-          <a:p>
-            <a:r>
-              <a:rPr lang="en-US" sz="900" b="0" i="0" kern="1200" dirty="0" smtClean="0">
-                <a:solidFill>
-                  <a:schemeClr val="tx1"/>
-                </a:solidFill>
-                <a:effectLst/>
-                <a:latin typeface="+mn-lt"/>
-                <a:ea typeface="+mn-ea"/>
-                <a:cs typeface="+mn-cs"/>
-              </a:rPr>
+              <a:t> if you supply a non-integer value to the array operator in the code above, a property will be created in the object representing the array, instead of an array element.</a:t>
+            </a:r>
+          </a:p>
+          <a:p>
+            <a:r>
+              <a:rPr lang="en-US" dirty="0" smtClean="0"/>
               <a:t>Ex.</a:t>
             </a:r>
           </a:p>
           <a:p>
             <a:r>
-              <a:rPr lang="en-US" sz="900" kern="1200" dirty="0" err="1" smtClean="0">
-                <a:solidFill>
-                  <a:schemeClr val="tx1"/>
-                </a:solidFill>
-                <a:effectLst/>
-                <a:latin typeface="+mn-lt"/>
-                <a:ea typeface="+mn-ea"/>
-                <a:cs typeface="+mn-cs"/>
-              </a:rPr>
+              <a:rPr lang="en-US" dirty="0" err="1" smtClean="0"/>
               <a:t>var</a:t>
             </a:r>
             <a:r>
               <a:rPr lang="en-US" dirty="0" smtClean="0"/>
-              <a:t> cats </a:t>
-            </a:r>
-            <a:r>
-              <a:rPr lang="en-US" sz="900" kern="1200" dirty="0" smtClean="0">
-                <a:solidFill>
-                  <a:schemeClr val="tx1"/>
-                </a:solidFill>
-                <a:effectLst/>
-                <a:latin typeface="+mn-lt"/>
-                <a:ea typeface="+mn-ea"/>
-                <a:cs typeface="+mn-cs"/>
-              </a:rPr>
-              <a:t>=</a:t>
-            </a:r>
-            <a:r>
-              <a:rPr lang="en-US" dirty="0" smtClean="0"/>
               <a:t> </a:t>
             </a:r>
             <a:r>
-              <a:rPr lang="en-US" sz="900" kern="1200" dirty="0" smtClean="0">
-                <a:solidFill>
-                  <a:schemeClr val="tx1"/>
-                </a:solidFill>
-                <a:effectLst/>
-                <a:latin typeface="+mn-lt"/>
-                <a:ea typeface="+mn-ea"/>
-                <a:cs typeface="+mn-cs"/>
-              </a:rPr>
-              <a:t>[];</a:t>
-            </a:r>
-            <a:r>
-              <a:rPr lang="en-US" dirty="0" smtClean="0"/>
-              <a:t> </a:t>
-            </a:r>
-          </a:p>
-          <a:p>
-            <a:r>
-              <a:rPr lang="en-US" dirty="0" smtClean="0"/>
-              <a:t>cats</a:t>
-            </a:r>
-            <a:r>
-              <a:rPr lang="en-US" sz="900" kern="1200" dirty="0" smtClean="0">
-                <a:solidFill>
-                  <a:schemeClr val="tx1"/>
-                </a:solidFill>
-                <a:effectLst/>
-                <a:latin typeface="+mn-lt"/>
-                <a:ea typeface="+mn-ea"/>
-                <a:cs typeface="+mn-cs"/>
-              </a:rPr>
-              <a:t>[30]</a:t>
-            </a:r>
-            <a:r>
-              <a:rPr lang="en-US" dirty="0" smtClean="0"/>
-              <a:t> </a:t>
-            </a:r>
-            <a:r>
-              <a:rPr lang="en-US" sz="900" kern="1200" dirty="0" smtClean="0">
-                <a:solidFill>
-                  <a:schemeClr val="tx1"/>
-                </a:solidFill>
-                <a:effectLst/>
-                <a:latin typeface="+mn-lt"/>
-                <a:ea typeface="+mn-ea"/>
-                <a:cs typeface="+mn-cs"/>
-              </a:rPr>
-              <a:t>=</a:t>
-            </a:r>
-            <a:r>
-              <a:rPr lang="en-US" dirty="0" smtClean="0"/>
-              <a:t> </a:t>
-            </a:r>
-            <a:r>
-              <a:rPr lang="en-US" sz="900" kern="1200" dirty="0" smtClean="0">
-                <a:solidFill>
-                  <a:schemeClr val="tx1"/>
-                </a:solidFill>
-                <a:effectLst/>
-                <a:latin typeface="+mn-lt"/>
-                <a:ea typeface="+mn-ea"/>
-                <a:cs typeface="+mn-cs"/>
-              </a:rPr>
-              <a:t>['Dusty'];</a:t>
-            </a:r>
-          </a:p>
-          <a:p>
-            <a:r>
-              <a:rPr lang="en-US" dirty="0" smtClean="0"/>
-              <a:t>console</a:t>
-            </a:r>
-            <a:r>
-              <a:rPr lang="en-US" sz="900" kern="1200" dirty="0" smtClean="0">
-                <a:solidFill>
-                  <a:schemeClr val="tx1"/>
-                </a:solidFill>
-                <a:effectLst/>
-                <a:latin typeface="+mn-lt"/>
-                <a:ea typeface="+mn-ea"/>
-                <a:cs typeface="+mn-cs"/>
-              </a:rPr>
-              <a:t>.log(</a:t>
-            </a:r>
-            <a:r>
               <a:rPr lang="en-US" dirty="0" err="1" smtClean="0"/>
-              <a:t>cats</a:t>
-            </a:r>
-            <a:r>
-              <a:rPr lang="en-US" sz="900" kern="1200" dirty="0" err="1" smtClean="0">
-                <a:solidFill>
-                  <a:schemeClr val="tx1"/>
-                </a:solidFill>
-                <a:effectLst/>
-                <a:latin typeface="+mn-lt"/>
-                <a:ea typeface="+mn-ea"/>
-                <a:cs typeface="+mn-cs"/>
-              </a:rPr>
-              <a:t>.</a:t>
-            </a:r>
+              <a:t>arr</a:t>
+            </a:r>
+            <a:r>
+              <a:rPr lang="en-US" dirty="0" smtClean="0"/>
+              <a:t> = [];</a:t>
+            </a:r>
+          </a:p>
+          <a:p>
             <a:r>
               <a:rPr lang="en-US" dirty="0" err="1" smtClean="0"/>
-              <a:t>length</a:t>
-            </a:r>
-            <a:r>
-              <a:rPr lang="en-US" sz="900" kern="1200" dirty="0" smtClean="0">
-                <a:solidFill>
-                  <a:schemeClr val="tx1"/>
-                </a:solidFill>
-                <a:effectLst/>
-                <a:latin typeface="+mn-lt"/>
-                <a:ea typeface="+mn-ea"/>
-                <a:cs typeface="+mn-cs"/>
-              </a:rPr>
-              <a:t>);</a:t>
-            </a:r>
-            <a:r>
-              <a:rPr lang="en-US" dirty="0" smtClean="0"/>
-              <a:t> </a:t>
-            </a:r>
-            <a:r>
-              <a:rPr lang="en-US" sz="900" kern="1200" dirty="0" smtClean="0">
-                <a:solidFill>
-                  <a:schemeClr val="tx1"/>
-                </a:solidFill>
-                <a:effectLst/>
-                <a:latin typeface="+mn-lt"/>
-                <a:ea typeface="+mn-ea"/>
-                <a:cs typeface="+mn-cs"/>
-              </a:rPr>
-              <a:t>// 31</a:t>
-            </a:r>
-          </a:p>
-          <a:p>
-            <a:endParaRPr lang="en-US" sz="900" kern="1200" dirty="0" smtClean="0">
-              <a:solidFill>
-                <a:schemeClr val="tx1"/>
-              </a:solidFill>
-              <a:effectLst/>
-              <a:latin typeface="+mn-lt"/>
-              <a:ea typeface="+mn-ea"/>
-              <a:cs typeface="+mn-cs"/>
-            </a:endParaRPr>
-          </a:p>
-          <a:p>
-            <a:r>
-              <a:rPr lang="en-US" sz="900" kern="1200" dirty="0" smtClean="0">
-                <a:solidFill>
-                  <a:schemeClr val="tx1"/>
-                </a:solidFill>
-                <a:effectLst/>
-                <a:latin typeface="+mn-lt"/>
-                <a:ea typeface="+mn-ea"/>
-                <a:cs typeface="+mn-cs"/>
-              </a:rPr>
-              <a:t>2.</a:t>
-            </a:r>
-            <a:r>
-              <a:rPr lang="en-US" sz="900" b="0" i="0" kern="1200" dirty="0" smtClean="0">
-                <a:solidFill>
-                  <a:schemeClr val="tx1"/>
-                </a:solidFill>
-                <a:effectLst/>
-                <a:latin typeface="+mn-lt"/>
-                <a:ea typeface="+mn-ea"/>
-                <a:cs typeface="+mn-cs"/>
-              </a:rPr>
-              <a:t> You can also assign to the </a:t>
-            </a:r>
-            <a:r>
-              <a:rPr lang="en-US" dirty="0" smtClean="0"/>
-              <a:t>length</a:t>
-            </a:r>
-            <a:r>
-              <a:rPr lang="en-US" sz="900" b="0" i="0" kern="1200" dirty="0" smtClean="0">
-                <a:solidFill>
-                  <a:schemeClr val="tx1"/>
-                </a:solidFill>
-                <a:effectLst/>
-                <a:latin typeface="+mn-lt"/>
-                <a:ea typeface="+mn-ea"/>
-                <a:cs typeface="+mn-cs"/>
-              </a:rPr>
-              <a:t> property. Writing a value that is shorter than the number of stored items truncates the array; writing 0 empties it entirely:</a:t>
-            </a:r>
-          </a:p>
-          <a:p>
-            <a:endParaRPr lang="en-US" sz="900" b="0" i="0" kern="1200" dirty="0" smtClean="0">
-              <a:solidFill>
-                <a:schemeClr val="tx1"/>
-              </a:solidFill>
-              <a:effectLst/>
-              <a:latin typeface="+mn-lt"/>
-              <a:ea typeface="+mn-ea"/>
-              <a:cs typeface="+mn-cs"/>
-            </a:endParaRPr>
-          </a:p>
-          <a:p>
-            <a:r>
-              <a:rPr lang="en-US" sz="900" kern="1200" dirty="0" err="1" smtClean="0">
-                <a:solidFill>
-                  <a:schemeClr val="tx1"/>
-                </a:solidFill>
-                <a:effectLst/>
-                <a:latin typeface="+mn-lt"/>
-                <a:ea typeface="+mn-ea"/>
-                <a:cs typeface="+mn-cs"/>
-              </a:rPr>
-              <a:t>var</a:t>
-            </a:r>
-            <a:r>
-              <a:rPr lang="en-US" sz="900" kern="1200" dirty="0" smtClean="0">
-                <a:solidFill>
-                  <a:schemeClr val="tx1"/>
-                </a:solidFill>
-                <a:effectLst/>
-                <a:latin typeface="+mn-lt"/>
-                <a:ea typeface="+mn-ea"/>
-                <a:cs typeface="+mn-cs"/>
-              </a:rPr>
-              <a:t> cats = ['Dusty', 'Misty', 'Twiggy'];</a:t>
-            </a:r>
-          </a:p>
-          <a:p>
-            <a:r>
-              <a:rPr lang="en-US" sz="900" kern="1200" dirty="0" smtClean="0">
-                <a:solidFill>
-                  <a:schemeClr val="tx1"/>
-                </a:solidFill>
-                <a:effectLst/>
-                <a:latin typeface="+mn-lt"/>
-                <a:ea typeface="+mn-ea"/>
-                <a:cs typeface="+mn-cs"/>
-              </a:rPr>
+              <a:t>arr</a:t>
+            </a:r>
+            <a:r>
+              <a:rPr lang="en-US" dirty="0" smtClean="0"/>
+              <a:t>[3.4] = 'Oranges';</a:t>
+            </a:r>
+          </a:p>
+          <a:p>
+            <a:r>
+              <a:rPr lang="en-US" dirty="0" smtClean="0"/>
               <a:t>console.log(</a:t>
             </a:r>
             <a:r>
-              <a:rPr lang="en-US" sz="900" kern="1200" dirty="0" err="1" smtClean="0">
-                <a:solidFill>
-                  <a:schemeClr val="tx1"/>
-                </a:solidFill>
-                <a:effectLst/>
-                <a:latin typeface="+mn-lt"/>
-                <a:ea typeface="+mn-ea"/>
-                <a:cs typeface="+mn-cs"/>
-              </a:rPr>
-              <a:t>cats.length</a:t>
-            </a:r>
-            <a:r>
-              <a:rPr lang="en-US" sz="900" kern="1200" dirty="0" smtClean="0">
-                <a:solidFill>
-                  <a:schemeClr val="tx1"/>
-                </a:solidFill>
-                <a:effectLst/>
-                <a:latin typeface="+mn-lt"/>
-                <a:ea typeface="+mn-ea"/>
-                <a:cs typeface="+mn-cs"/>
-              </a:rPr>
-              <a:t>); // 3</a:t>
-            </a:r>
-          </a:p>
-          <a:p>
-            <a:endParaRPr lang="en-US" sz="900" kern="1200" dirty="0" smtClean="0">
-              <a:solidFill>
-                <a:schemeClr val="tx1"/>
-              </a:solidFill>
-              <a:effectLst/>
-              <a:latin typeface="+mn-lt"/>
-              <a:ea typeface="+mn-ea"/>
-              <a:cs typeface="+mn-cs"/>
-            </a:endParaRPr>
-          </a:p>
-          <a:p>
-            <a:r>
-              <a:rPr lang="en-US" sz="900" kern="1200" dirty="0" err="1" smtClean="0">
-                <a:solidFill>
-                  <a:schemeClr val="tx1"/>
-                </a:solidFill>
-                <a:effectLst/>
-                <a:latin typeface="+mn-lt"/>
-                <a:ea typeface="+mn-ea"/>
-                <a:cs typeface="+mn-cs"/>
-              </a:rPr>
-              <a:t>cats.length</a:t>
-            </a:r>
-            <a:r>
-              <a:rPr lang="en-US" sz="900" kern="1200" dirty="0" smtClean="0">
-                <a:solidFill>
-                  <a:schemeClr val="tx1"/>
-                </a:solidFill>
-                <a:effectLst/>
-                <a:latin typeface="+mn-lt"/>
-                <a:ea typeface="+mn-ea"/>
-                <a:cs typeface="+mn-cs"/>
-              </a:rPr>
-              <a:t> = 2;</a:t>
-            </a:r>
-          </a:p>
-          <a:p>
-            <a:r>
-              <a:rPr lang="en-US" sz="900" kern="1200" dirty="0" smtClean="0">
-                <a:solidFill>
-                  <a:schemeClr val="tx1"/>
-                </a:solidFill>
-                <a:effectLst/>
-                <a:latin typeface="+mn-lt"/>
-                <a:ea typeface="+mn-ea"/>
-                <a:cs typeface="+mn-cs"/>
-              </a:rPr>
-              <a:t>console.log(cats); // logs "Dusty, Misty" - Twiggy has been removed</a:t>
-            </a:r>
-          </a:p>
-          <a:p>
-            <a:endParaRPr lang="en-US" sz="900" kern="1200" dirty="0" smtClean="0">
-              <a:solidFill>
-                <a:schemeClr val="tx1"/>
-              </a:solidFill>
-              <a:effectLst/>
-              <a:latin typeface="+mn-lt"/>
-              <a:ea typeface="+mn-ea"/>
-              <a:cs typeface="+mn-cs"/>
-            </a:endParaRPr>
-          </a:p>
-          <a:p>
-            <a:r>
-              <a:rPr lang="en-US" sz="900" kern="1200" dirty="0" err="1" smtClean="0">
-                <a:solidFill>
-                  <a:schemeClr val="tx1"/>
-                </a:solidFill>
-                <a:effectLst/>
-                <a:latin typeface="+mn-lt"/>
-                <a:ea typeface="+mn-ea"/>
-                <a:cs typeface="+mn-cs"/>
-              </a:rPr>
-              <a:t>cats.length</a:t>
-            </a:r>
-            <a:r>
-              <a:rPr lang="en-US" sz="900" kern="1200" dirty="0" smtClean="0">
-                <a:solidFill>
-                  <a:schemeClr val="tx1"/>
-                </a:solidFill>
-                <a:effectLst/>
-                <a:latin typeface="+mn-lt"/>
-                <a:ea typeface="+mn-ea"/>
-                <a:cs typeface="+mn-cs"/>
-              </a:rPr>
-              <a:t> = 0;</a:t>
-            </a:r>
-          </a:p>
-          <a:p>
-            <a:r>
-              <a:rPr lang="en-US" sz="900" kern="1200" dirty="0" smtClean="0">
-                <a:solidFill>
-                  <a:schemeClr val="tx1"/>
-                </a:solidFill>
-                <a:effectLst/>
-                <a:latin typeface="+mn-lt"/>
-                <a:ea typeface="+mn-ea"/>
-                <a:cs typeface="+mn-cs"/>
-              </a:rPr>
-              <a:t>console.log(cats); // logs nothing; the cats array is empty</a:t>
-            </a:r>
-          </a:p>
-          <a:p>
-            <a:endParaRPr lang="en-US" sz="900" kern="1200" dirty="0" smtClean="0">
-              <a:solidFill>
-                <a:schemeClr val="tx1"/>
-              </a:solidFill>
-              <a:effectLst/>
-              <a:latin typeface="+mn-lt"/>
-              <a:ea typeface="+mn-ea"/>
-              <a:cs typeface="+mn-cs"/>
-            </a:endParaRPr>
-          </a:p>
-          <a:p>
-            <a:r>
-              <a:rPr lang="en-US" sz="900" kern="1200" dirty="0" err="1" smtClean="0">
-                <a:solidFill>
-                  <a:schemeClr val="tx1"/>
-                </a:solidFill>
-                <a:effectLst/>
-                <a:latin typeface="+mn-lt"/>
-                <a:ea typeface="+mn-ea"/>
-                <a:cs typeface="+mn-cs"/>
-              </a:rPr>
-              <a:t>cats.length</a:t>
-            </a:r>
-            <a:r>
-              <a:rPr lang="en-US" sz="900" kern="1200" dirty="0" smtClean="0">
-                <a:solidFill>
-                  <a:schemeClr val="tx1"/>
-                </a:solidFill>
-                <a:effectLst/>
-                <a:latin typeface="+mn-lt"/>
-                <a:ea typeface="+mn-ea"/>
-                <a:cs typeface="+mn-cs"/>
-              </a:rPr>
-              <a:t> = 3;</a:t>
-            </a:r>
-          </a:p>
-          <a:p>
-            <a:r>
-              <a:rPr lang="en-US" sz="900" kern="1200" dirty="0" smtClean="0">
-                <a:solidFill>
-                  <a:schemeClr val="tx1"/>
-                </a:solidFill>
-                <a:effectLst/>
-                <a:latin typeface="+mn-lt"/>
-                <a:ea typeface="+mn-ea"/>
-                <a:cs typeface="+mn-cs"/>
-              </a:rPr>
-              <a:t>console.log(cats); // [undefined, undefined, undefined]</a:t>
-            </a:r>
-          </a:p>
-          <a:p>
+              <a:rPr lang="en-US" dirty="0" err="1" smtClean="0"/>
+              <a:t>arr.length</a:t>
+            </a:r>
+            <a:r>
+              <a:rPr lang="en-US" dirty="0" smtClean="0"/>
+              <a:t>);                // 0</a:t>
+            </a:r>
+          </a:p>
+          <a:p>
+            <a:r>
+              <a:rPr lang="en-US" dirty="0" smtClean="0"/>
+              <a:t>console.log(</a:t>
+            </a:r>
+            <a:r>
+              <a:rPr lang="en-US" dirty="0" err="1" smtClean="0"/>
+              <a:t>arr.hasOwnProperty</a:t>
+            </a:r>
+            <a:r>
+              <a:rPr lang="en-US" dirty="0" smtClean="0"/>
+              <a:t>(3.4));   // true</a:t>
+            </a:r>
             <a:endParaRPr lang="en-US" dirty="0"/>
           </a:p>
         </p:txBody>
@@ -8963,7 +8504,7 @@
           <a:bodyPr/>
           <a:lstStyle/>
           <a:p>
-            <a:fld id="{C1476493-40AA-4037-896A-2891E7F7157B}" type="datetime1">
+            <a:fld id="{C6A00571-200D-4735-8F89-B96DCFC00969}" type="datetime1">
               <a:rPr lang="en-US" smtClean="0"/>
               <a:t>3/11/2017</a:t>
             </a:fld>
@@ -8974,7 +8515,7 @@
     </p:spTree>
     <p:extLst>
       <p:ext uri="{BB962C8B-B14F-4D97-AF65-F5344CB8AC3E}">
-        <p14:creationId xmlns:p14="http://schemas.microsoft.com/office/powerpoint/2010/main" val="2600920933"/>
+        <p14:creationId xmlns:p14="http://schemas.microsoft.com/office/powerpoint/2010/main" val="698544009"/>
       </p:ext>
     </p:extLst>
   </p:cSld>
@@ -9222,135 +8763,6 @@
           <a:lstStyle/>
           <a:p>
             <a:r>
-              <a:rPr lang="en-US" dirty="0" smtClean="0"/>
-              <a:t>Ex.</a:t>
-            </a:r>
-          </a:p>
-          <a:p>
-            <a:r>
-              <a:rPr lang="en-US" dirty="0" err="1" smtClean="0"/>
-              <a:t>var</a:t>
-            </a:r>
-            <a:r>
-              <a:rPr lang="en-US" dirty="0" smtClean="0"/>
-              <a:t> colors = ['red', 'green', 'blue'];</a:t>
-            </a:r>
-          </a:p>
-          <a:p>
-            <a:r>
-              <a:rPr lang="en-US" dirty="0" smtClean="0"/>
-              <a:t>for (</a:t>
-            </a:r>
-            <a:r>
-              <a:rPr lang="en-US" dirty="0" err="1" smtClean="0"/>
-              <a:t>var</a:t>
-            </a:r>
-            <a:r>
-              <a:rPr lang="en-US" dirty="0" smtClean="0"/>
-              <a:t> </a:t>
-            </a:r>
-            <a:r>
-              <a:rPr lang="en-US" dirty="0" err="1" smtClean="0"/>
-              <a:t>i</a:t>
-            </a:r>
-            <a:r>
-              <a:rPr lang="en-US" dirty="0" smtClean="0"/>
-              <a:t> = 0; </a:t>
-            </a:r>
-            <a:r>
-              <a:rPr lang="en-US" dirty="0" err="1" smtClean="0"/>
-              <a:t>i</a:t>
-            </a:r>
-            <a:r>
-              <a:rPr lang="en-US" dirty="0" smtClean="0"/>
-              <a:t> &lt; </a:t>
-            </a:r>
-            <a:r>
-              <a:rPr lang="en-US" dirty="0" err="1" smtClean="0"/>
-              <a:t>colors.length</a:t>
-            </a:r>
-            <a:r>
-              <a:rPr lang="en-US" dirty="0" smtClean="0"/>
-              <a:t>; </a:t>
-            </a:r>
-            <a:r>
-              <a:rPr lang="en-US" dirty="0" err="1" smtClean="0"/>
-              <a:t>i</a:t>
-            </a:r>
-            <a:r>
-              <a:rPr lang="en-US" dirty="0" smtClean="0"/>
-              <a:t>++) {</a:t>
-            </a:r>
-          </a:p>
-          <a:p>
-            <a:r>
-              <a:rPr lang="en-US" dirty="0" smtClean="0"/>
-              <a:t>  console.log(colors[</a:t>
-            </a:r>
-            <a:r>
-              <a:rPr lang="en-US" dirty="0" err="1" smtClean="0"/>
-              <a:t>i</a:t>
-            </a:r>
-            <a:r>
-              <a:rPr lang="en-US" dirty="0" smtClean="0"/>
-              <a:t>]);</a:t>
-            </a:r>
-          </a:p>
-          <a:p>
-            <a:r>
-              <a:rPr lang="en-US" dirty="0" smtClean="0"/>
-              <a:t>}</a:t>
-            </a:r>
-          </a:p>
-          <a:p>
-            <a:endParaRPr lang="en-US" dirty="0" smtClean="0"/>
-          </a:p>
-          <a:p>
-            <a:r>
-              <a:rPr lang="en-US" dirty="0" smtClean="0"/>
-              <a:t>Ex.2</a:t>
-            </a:r>
-          </a:p>
-          <a:p>
-            <a:r>
-              <a:rPr lang="en-US" dirty="0" err="1" smtClean="0"/>
-              <a:t>var</a:t>
-            </a:r>
-            <a:r>
-              <a:rPr lang="en-US" dirty="0" smtClean="0"/>
-              <a:t> colors = ['red', 'green', 'blue'];</a:t>
-            </a:r>
-          </a:p>
-          <a:p>
-            <a:r>
-              <a:rPr lang="en-US" dirty="0" err="1" smtClean="0"/>
-              <a:t>colors.forEach</a:t>
-            </a:r>
-            <a:r>
-              <a:rPr lang="en-US" dirty="0" smtClean="0"/>
-              <a:t>(function(color) {</a:t>
-            </a:r>
-          </a:p>
-          <a:p>
-            <a:r>
-              <a:rPr lang="en-US" dirty="0" smtClean="0"/>
-              <a:t>  console.log(color);</a:t>
-            </a:r>
-          </a:p>
-          <a:p>
-            <a:r>
-              <a:rPr lang="en-US" dirty="0" smtClean="0"/>
-              <a:t>});</a:t>
-            </a:r>
-          </a:p>
-          <a:p>
-            <a:r>
-              <a:rPr lang="en-US" dirty="0" smtClean="0"/>
-              <a:t>NOTE:</a:t>
-            </a:r>
-          </a:p>
-          <a:p>
-            <a:r>
               <a:rPr lang="en-US" sz="900" b="0" i="0" kern="1200" dirty="0" smtClean="0">
                 <a:solidFill>
                   <a:schemeClr val="tx1"/>
@@ -9360,11 +8772,11 @@
                 <a:ea typeface="+mn-ea"/>
                 <a:cs typeface="+mn-cs"/>
               </a:rPr>
-              <a:t>Note that the elements of array omitted when the array is defined are not listed when iterating by </a:t>
-            </a:r>
-            <a:r>
-              <a:rPr lang="en-US" dirty="0" err="1" smtClean="0"/>
-              <a:t>forEach</a:t>
+              <a:t>1.JavaScript Array indexes are 0-based: they start at 0, not 1. This means that the </a:t>
+            </a:r>
+            <a:r>
+              <a:rPr lang="en-US" dirty="0" smtClean="0"/>
+              <a:t>length</a:t>
             </a:r>
             <a:r>
               <a:rPr lang="en-US" sz="900" b="0" i="0" kern="1200" dirty="0" smtClean="0">
@@ -9376,23 +8788,7 @@
                 <a:ea typeface="+mn-ea"/>
                 <a:cs typeface="+mn-cs"/>
               </a:rPr>
-              <a:t>, but are listed when </a:t>
-            </a:r>
-            <a:r>
-              <a:rPr lang="en-US" dirty="0" smtClean="0"/>
-              <a:t>undefined</a:t>
-            </a:r>
-            <a:r>
-              <a:rPr lang="en-US" sz="900" b="0" i="0" kern="1200" dirty="0" smtClean="0">
-                <a:solidFill>
-                  <a:schemeClr val="tx1"/>
-                </a:solidFill>
-                <a:effectLst/>
-                <a:latin typeface="+mn-lt"/>
-                <a:ea typeface="+mn-ea"/>
-                <a:cs typeface="+mn-cs"/>
-              </a:rPr>
-              <a:t> has been manually assigned to the element:</a:t>
+              <a:t> property will be one more than the highest index stored in the array</a:t>
             </a:r>
           </a:p>
           <a:p>
@@ -9411,102 +8807,194 @@
           </a:p>
           <a:p>
             <a:r>
+              <a:rPr lang="en-US" sz="900" kern="1200" dirty="0" err="1" smtClean="0">
+                <a:solidFill>
+                  <a:schemeClr val="tx1"/>
+                </a:solidFill>
+                <a:effectLst/>
+                <a:latin typeface="+mn-lt"/>
+                <a:ea typeface="+mn-ea"/>
+                <a:cs typeface="+mn-cs"/>
+              </a:rPr>
+              <a:t>var</a:t>
+            </a:r>
+            <a:r>
+              <a:rPr lang="en-US" dirty="0" smtClean="0"/>
+              <a:t> cats </a:t>
+            </a:r>
+            <a:r>
+              <a:rPr lang="en-US" sz="900" kern="1200" dirty="0" smtClean="0">
+                <a:solidFill>
+                  <a:schemeClr val="tx1"/>
+                </a:solidFill>
+                <a:effectLst/>
+                <a:latin typeface="+mn-lt"/>
+                <a:ea typeface="+mn-ea"/>
+                <a:cs typeface="+mn-cs"/>
+              </a:rPr>
+              <a:t>=</a:t>
+            </a:r>
+            <a:r>
+              <a:rPr lang="en-US" dirty="0" smtClean="0"/>
+              <a:t> </a:t>
+            </a:r>
+            <a:r>
+              <a:rPr lang="en-US" sz="900" kern="1200" dirty="0" smtClean="0">
+                <a:solidFill>
+                  <a:schemeClr val="tx1"/>
+                </a:solidFill>
+                <a:effectLst/>
+                <a:latin typeface="+mn-lt"/>
+                <a:ea typeface="+mn-ea"/>
+                <a:cs typeface="+mn-cs"/>
+              </a:rPr>
+              <a:t>[];</a:t>
+            </a:r>
+            <a:r>
+              <a:rPr lang="en-US" dirty="0" smtClean="0"/>
+              <a:t> </a:t>
+            </a:r>
+          </a:p>
+          <a:p>
+            <a:r>
+              <a:rPr lang="en-US" dirty="0" smtClean="0"/>
+              <a:t>cats</a:t>
+            </a:r>
+            <a:r>
+              <a:rPr lang="en-US" sz="900" kern="1200" dirty="0" smtClean="0">
+                <a:solidFill>
+                  <a:schemeClr val="tx1"/>
+                </a:solidFill>
+                <a:effectLst/>
+                <a:latin typeface="+mn-lt"/>
+                <a:ea typeface="+mn-ea"/>
+                <a:cs typeface="+mn-cs"/>
+              </a:rPr>
+              <a:t>[30]</a:t>
+            </a:r>
+            <a:r>
+              <a:rPr lang="en-US" dirty="0" smtClean="0"/>
+              <a:t> </a:t>
+            </a:r>
+            <a:r>
+              <a:rPr lang="en-US" sz="900" kern="1200" dirty="0" smtClean="0">
+                <a:solidFill>
+                  <a:schemeClr val="tx1"/>
+                </a:solidFill>
+                <a:effectLst/>
+                <a:latin typeface="+mn-lt"/>
+                <a:ea typeface="+mn-ea"/>
+                <a:cs typeface="+mn-cs"/>
+              </a:rPr>
+              <a:t>=</a:t>
+            </a:r>
+            <a:r>
+              <a:rPr lang="en-US" dirty="0" smtClean="0"/>
+              <a:t> </a:t>
+            </a:r>
+            <a:r>
+              <a:rPr lang="en-US" sz="900" kern="1200" dirty="0" smtClean="0">
+                <a:solidFill>
+                  <a:schemeClr val="tx1"/>
+                </a:solidFill>
+                <a:effectLst/>
+                <a:latin typeface="+mn-lt"/>
+                <a:ea typeface="+mn-ea"/>
+                <a:cs typeface="+mn-cs"/>
+              </a:rPr>
+              <a:t>['Dusty'];</a:t>
+            </a:r>
+          </a:p>
+          <a:p>
+            <a:r>
+              <a:rPr lang="en-US" dirty="0" smtClean="0"/>
+              <a:t>console</a:t>
+            </a:r>
+            <a:r>
+              <a:rPr lang="en-US" sz="900" kern="1200" dirty="0" smtClean="0">
+                <a:solidFill>
+                  <a:schemeClr val="tx1"/>
+                </a:solidFill>
+                <a:effectLst/>
+                <a:latin typeface="+mn-lt"/>
+                <a:ea typeface="+mn-ea"/>
+                <a:cs typeface="+mn-cs"/>
+              </a:rPr>
+              <a:t>.log(</a:t>
+            </a:r>
+            <a:r>
               <a:rPr lang="en-US" dirty="0" err="1" smtClean="0"/>
-              <a:t>var</a:t>
-            </a:r>
-            <a:r>
-              <a:rPr lang="en-US" dirty="0" smtClean="0"/>
-              <a:t> array = ['first', 'second', , 'fourth'];</a:t>
-            </a:r>
-          </a:p>
-          <a:p>
-            <a:endParaRPr lang="en-US" dirty="0" smtClean="0"/>
-          </a:p>
-          <a:p>
-            <a:r>
-              <a:rPr lang="en-US" dirty="0" smtClean="0"/>
-              <a:t>// returns ['first', 'second', 'fourth'];</a:t>
-            </a:r>
-          </a:p>
-          <a:p>
+              <a:t>cats</a:t>
+            </a:r>
+            <a:r>
+              <a:rPr lang="en-US" sz="900" kern="1200" dirty="0" err="1" smtClean="0">
+                <a:solidFill>
+                  <a:schemeClr val="tx1"/>
+                </a:solidFill>
+                <a:effectLst/>
+                <a:latin typeface="+mn-lt"/>
+                <a:ea typeface="+mn-ea"/>
+                <a:cs typeface="+mn-cs"/>
+              </a:rPr>
+              <a:t>.</a:t>
+            </a:r>
             <a:r>
               <a:rPr lang="en-US" dirty="0" err="1" smtClean="0"/>
-              <a:t>array.forEach</a:t>
-            </a:r>
-            <a:r>
-              <a:rPr lang="en-US" dirty="0" smtClean="0"/>
-              <a:t>(function(element) {</a:t>
-            </a:r>
-          </a:p>
-          <a:p>
-            <a:r>
-              <a:rPr lang="en-US" dirty="0" smtClean="0"/>
-              <a:t>  console.log(element);</a:t>
-            </a:r>
-          </a:p>
-          <a:p>
-            <a:r>
-              <a:rPr lang="en-US" dirty="0" smtClean="0"/>
-              <a:t>})</a:t>
-            </a:r>
-          </a:p>
-          <a:p>
-            <a:endParaRPr lang="en-US" dirty="0" smtClean="0"/>
-          </a:p>
-          <a:p>
-            <a:r>
-              <a:rPr lang="en-US" dirty="0" smtClean="0"/>
-              <a:t>if (array[2] === undefined) { console.log('array[2] is undefined'); } // true</a:t>
-            </a:r>
-          </a:p>
-          <a:p>
-            <a:endParaRPr lang="en-US" dirty="0" smtClean="0"/>
-          </a:p>
-          <a:p>
-            <a:r>
-              <a:rPr lang="en-US" dirty="0" err="1" smtClean="0"/>
-              <a:t>var</a:t>
-            </a:r>
-            <a:r>
-              <a:rPr lang="en-US" dirty="0" smtClean="0"/>
-              <a:t> array = ['first', 'second', undefined, 'fourth'];</a:t>
-            </a:r>
-          </a:p>
-          <a:p>
-            <a:endParaRPr lang="en-US" dirty="0" smtClean="0"/>
-          </a:p>
-          <a:p>
-            <a:r>
-              <a:rPr lang="en-US" dirty="0" smtClean="0"/>
-              <a:t>// returns ['first', 'second', undefined, 'fourth'];</a:t>
-            </a:r>
-          </a:p>
-          <a:p>
-            <a:r>
-              <a:rPr lang="en-US" dirty="0" err="1" smtClean="0"/>
-              <a:t>array.forEach</a:t>
-            </a:r>
-            <a:r>
-              <a:rPr lang="en-US" dirty="0" smtClean="0"/>
-              <a:t>(function(element) {</a:t>
-            </a:r>
-          </a:p>
-          <a:p>
-            <a:r>
-              <a:rPr lang="en-US" dirty="0" smtClean="0"/>
-              <a:t>  console.log(element);</a:t>
-            </a:r>
-          </a:p>
-          <a:p>
-            <a:r>
-              <a:rPr lang="en-US" dirty="0" smtClean="0"/>
-              <a:t>})</a:t>
-            </a:r>
-          </a:p>
-          <a:p>
-            <a:endParaRPr lang="en-US" dirty="0" smtClean="0"/>
-          </a:p>
-          <a:p>
+              <a:t>length</a:t>
+            </a:r>
+            <a:r>
+              <a:rPr lang="en-US" sz="900" kern="1200" dirty="0" smtClean="0">
+                <a:solidFill>
+                  <a:schemeClr val="tx1"/>
+                </a:solidFill>
+                <a:effectLst/>
+                <a:latin typeface="+mn-lt"/>
+                <a:ea typeface="+mn-ea"/>
+                <a:cs typeface="+mn-cs"/>
+              </a:rPr>
+              <a:t>);</a:t>
+            </a:r>
+            <a:r>
+              <a:rPr lang="en-US" dirty="0" smtClean="0"/>
+              <a:t> </a:t>
+            </a:r>
+            <a:r>
+              <a:rPr lang="en-US" sz="900" kern="1200" dirty="0" smtClean="0">
+                <a:solidFill>
+                  <a:schemeClr val="tx1"/>
+                </a:solidFill>
+                <a:effectLst/>
+                <a:latin typeface="+mn-lt"/>
+                <a:ea typeface="+mn-ea"/>
+                <a:cs typeface="+mn-cs"/>
+              </a:rPr>
+              <a:t>// 31</a:t>
+            </a:r>
+          </a:p>
+          <a:p>
+            <a:endParaRPr lang="en-US" sz="900" kern="1200" dirty="0" smtClean="0">
+              <a:solidFill>
+                <a:schemeClr val="tx1"/>
+              </a:solidFill>
+              <a:effectLst/>
+              <a:latin typeface="+mn-lt"/>
+              <a:ea typeface="+mn-ea"/>
+              <a:cs typeface="+mn-cs"/>
+            </a:endParaRPr>
+          </a:p>
+          <a:p>
+            <a:r>
+              <a:rPr lang="en-US" sz="900" kern="1200" dirty="0" smtClean="0">
+                <a:solidFill>
+                  <a:schemeClr val="tx1"/>
+                </a:solidFill>
+                <a:effectLst/>
+                <a:latin typeface="+mn-lt"/>
+                <a:ea typeface="+mn-ea"/>
+                <a:cs typeface="+mn-cs"/>
+              </a:rPr>
+              <a:t>2.</a:t>
+            </a:r>
             <a:r>
               <a:rPr lang="en-US" sz="900" b="0" i="0" kern="1200" dirty="0" smtClean="0">
                 <a:solidFill>
@@ -9517,20 +9005,11 @@
                 <a:ea typeface="+mn-ea"/>
                 <a:cs typeface="+mn-cs"/>
               </a:rPr>
-              <a:t>Since JavaScript elements are saved as standard object properties, it is not advisable to iterate through JavaScript arrays using </a:t>
-            </a:r>
-            <a:r>
-              <a:rPr lang="en-US" sz="900" b="0" i="0" u="none" strike="noStrike" kern="1200" dirty="0" smtClean="0">
-                <a:solidFill>
-                  <a:schemeClr val="tx1"/>
-                </a:solidFill>
-                <a:effectLst/>
-                <a:latin typeface="+mn-lt"/>
-                <a:ea typeface="+mn-ea"/>
-                <a:cs typeface="+mn-cs"/>
-                <a:hlinkClick r:id="rId3" tooltip="The for...in statement iterates over the enumerable properties of an object, in arbitrary order. For each distinct property, statements can be executed."/>
-              </a:rPr>
-              <a:t>for...in</a:t>
+              <a:t> You can also assign to the </a:t>
+            </a:r>
+            <a:r>
+              <a:rPr lang="en-US" dirty="0" smtClean="0"/>
+              <a:t>length</a:t>
             </a:r>
             <a:r>
               <a:rPr lang="en-US" sz="900" b="0" i="0" kern="1200" dirty="0" smtClean="0">
@@ -9542,9 +9021,236 @@
                 <a:ea typeface="+mn-ea"/>
                 <a:cs typeface="+mn-cs"/>
               </a:rPr>
-              <a:t> loops because normal elements and all enumerable properties will be listed.</a:t>
-            </a:r>
-            <a:endParaRPr lang="en-US" dirty="0" smtClean="0"/>
+              <a:t> property. Writing a value that is shorter than the number of stored items truncates the array; writing 0 empties it entirely:</a:t>
+            </a:r>
+          </a:p>
+          <a:p>
+            <a:endParaRPr lang="en-US" sz="900" b="0" i="0" kern="1200" dirty="0" smtClean="0">
+              <a:solidFill>
+                <a:schemeClr val="tx1"/>
+              </a:solidFill>
+              <a:effectLst/>
+              <a:latin typeface="+mn-lt"/>
+              <a:ea typeface="+mn-ea"/>
+              <a:cs typeface="+mn-cs"/>
+            </a:endParaRPr>
+          </a:p>
+          <a:p>
+            <a:r>
+              <a:rPr lang="en-US" sz="900" kern="1200" dirty="0" err="1" smtClean="0">
+                <a:solidFill>
+                  <a:schemeClr val="tx1"/>
+                </a:solidFill>
+                <a:effectLst/>
+                <a:latin typeface="+mn-lt"/>
+                <a:ea typeface="+mn-ea"/>
+                <a:cs typeface="+mn-cs"/>
+              </a:rPr>
+              <a:t>var</a:t>
+            </a:r>
+            <a:r>
+              <a:rPr lang="en-US" sz="900" kern="1200" dirty="0" smtClean="0">
+                <a:solidFill>
+                  <a:schemeClr val="tx1"/>
+                </a:solidFill>
+                <a:effectLst/>
+                <a:latin typeface="+mn-lt"/>
+                <a:ea typeface="+mn-ea"/>
+                <a:cs typeface="+mn-cs"/>
+              </a:rPr>
+              <a:t> cats = ['Dusty', 'Misty', 'Twiggy'];</a:t>
+            </a:r>
+          </a:p>
+          <a:p>
+            <a:r>
+              <a:rPr lang="en-US" sz="900" kern="1200" dirty="0" smtClean="0">
+                <a:solidFill>
+                  <a:schemeClr val="tx1"/>
+                </a:solidFill>
+                <a:effectLst/>
+                <a:latin typeface="+mn-lt"/>
+                <a:ea typeface="+mn-ea"/>
+                <a:cs typeface="+mn-cs"/>
+              </a:rPr>
+              <a:t>console.log(</a:t>
+            </a:r>
+            <a:r>
+              <a:rPr lang="en-US" sz="900" kern="1200" dirty="0" err="1" smtClean="0">
+                <a:solidFill>
+                  <a:schemeClr val="tx1"/>
+                </a:solidFill>
+                <a:effectLst/>
+                <a:latin typeface="+mn-lt"/>
+                <a:ea typeface="+mn-ea"/>
+                <a:cs typeface="+mn-cs"/>
+              </a:rPr>
+              <a:t>cats.length</a:t>
+            </a:r>
+            <a:r>
+              <a:rPr lang="en-US" sz="900" kern="1200" dirty="0" smtClean="0">
+                <a:solidFill>
+                  <a:schemeClr val="tx1"/>
+                </a:solidFill>
+                <a:effectLst/>
+                <a:latin typeface="+mn-lt"/>
+                <a:ea typeface="+mn-ea"/>
+                <a:cs typeface="+mn-cs"/>
+              </a:rPr>
+              <a:t>); // 3</a:t>
+            </a:r>
+          </a:p>
+          <a:p>
+            <a:endParaRPr lang="en-US" sz="900" kern="1200" dirty="0" smtClean="0">
+              <a:solidFill>
+                <a:schemeClr val="tx1"/>
+              </a:solidFill>
+              <a:effectLst/>
+              <a:latin typeface="+mn-lt"/>
+              <a:ea typeface="+mn-ea"/>
+              <a:cs typeface="+mn-cs"/>
+            </a:endParaRPr>
+          </a:p>
+          <a:p>
+            <a:r>
+              <a:rPr lang="en-US" sz="900" kern="1200" dirty="0" err="1" smtClean="0">
+                <a:solidFill>
+                  <a:schemeClr val="tx1"/>
+                </a:solidFill>
+                <a:effectLst/>
+                <a:latin typeface="+mn-lt"/>
+                <a:ea typeface="+mn-ea"/>
+                <a:cs typeface="+mn-cs"/>
+              </a:rPr>
+              <a:t>cats.length</a:t>
+            </a:r>
+            <a:r>
+              <a:rPr lang="en-US" sz="900" kern="1200" dirty="0" smtClean="0">
+                <a:solidFill>
+                  <a:schemeClr val="tx1"/>
+                </a:solidFill>
+                <a:effectLst/>
+                <a:latin typeface="+mn-lt"/>
+                <a:ea typeface="+mn-ea"/>
+                <a:cs typeface="+mn-cs"/>
+              </a:rPr>
+              <a:t> = 2;</a:t>
+            </a:r>
+          </a:p>
+          <a:p>
+            <a:r>
+              <a:rPr lang="en-US" sz="900" kern="1200" dirty="0" smtClean="0">
+                <a:solidFill>
+                  <a:schemeClr val="tx1"/>
+                </a:solidFill>
+                <a:effectLst/>
+                <a:latin typeface="+mn-lt"/>
+                <a:ea typeface="+mn-ea"/>
+                <a:cs typeface="+mn-cs"/>
+              </a:rPr>
+              <a:t>console.log(cats); // logs "Dusty, Misty" - Twiggy has been removed</a:t>
+            </a:r>
+          </a:p>
+          <a:p>
+            <a:endParaRPr lang="en-US" sz="900" kern="1200" dirty="0" smtClean="0">
+              <a:solidFill>
+                <a:schemeClr val="tx1"/>
+              </a:solidFill>
+              <a:effectLst/>
+              <a:latin typeface="+mn-lt"/>
+              <a:ea typeface="+mn-ea"/>
+              <a:cs typeface="+mn-cs"/>
+            </a:endParaRPr>
+          </a:p>
+          <a:p>
+            <a:r>
+              <a:rPr lang="en-US" sz="900" kern="1200" dirty="0" err="1" smtClean="0">
+                <a:solidFill>
+                  <a:schemeClr val="tx1"/>
+                </a:solidFill>
+                <a:effectLst/>
+                <a:latin typeface="+mn-lt"/>
+                <a:ea typeface="+mn-ea"/>
+                <a:cs typeface="+mn-cs"/>
+              </a:rPr>
+              <a:t>cats.length</a:t>
+            </a:r>
+            <a:r>
+              <a:rPr lang="en-US" sz="900" kern="1200" dirty="0" smtClean="0">
+                <a:solidFill>
+                  <a:schemeClr val="tx1"/>
+                </a:solidFill>
+                <a:effectLst/>
+                <a:latin typeface="+mn-lt"/>
+                <a:ea typeface="+mn-ea"/>
+                <a:cs typeface="+mn-cs"/>
+              </a:rPr>
+              <a:t> = 0;</a:t>
+            </a:r>
+          </a:p>
+          <a:p>
+            <a:r>
+              <a:rPr lang="en-US" sz="900" kern="1200" dirty="0" smtClean="0">
+                <a:solidFill>
+                  <a:schemeClr val="tx1"/>
+                </a:solidFill>
+                <a:effectLst/>
+                <a:latin typeface="+mn-lt"/>
+                <a:ea typeface="+mn-ea"/>
+                <a:cs typeface="+mn-cs"/>
+              </a:rPr>
+              <a:t>console.log(cats); // logs nothing; the cats array is empty</a:t>
+            </a:r>
+          </a:p>
+          <a:p>
+            <a:endParaRPr lang="en-US" sz="900" kern="1200" dirty="0" smtClean="0">
+              <a:solidFill>
+                <a:schemeClr val="tx1"/>
+              </a:solidFill>
+              <a:effectLst/>
+              <a:latin typeface="+mn-lt"/>
+              <a:ea typeface="+mn-ea"/>
+              <a:cs typeface="+mn-cs"/>
+            </a:endParaRPr>
+          </a:p>
+          <a:p>
+            <a:r>
+              <a:rPr lang="en-US" sz="900" kern="1200" dirty="0" err="1" smtClean="0">
+                <a:solidFill>
+                  <a:schemeClr val="tx1"/>
+                </a:solidFill>
+                <a:effectLst/>
+                <a:latin typeface="+mn-lt"/>
+                <a:ea typeface="+mn-ea"/>
+                <a:cs typeface="+mn-cs"/>
+              </a:rPr>
+              <a:t>cats.length</a:t>
+            </a:r>
+            <a:r>
+              <a:rPr lang="en-US" sz="900" kern="1200" dirty="0" smtClean="0">
+                <a:solidFill>
+                  <a:schemeClr val="tx1"/>
+                </a:solidFill>
+                <a:effectLst/>
+                <a:latin typeface="+mn-lt"/>
+                <a:ea typeface="+mn-ea"/>
+                <a:cs typeface="+mn-cs"/>
+              </a:rPr>
+              <a:t> = 3;</a:t>
+            </a:r>
+          </a:p>
+          <a:p>
+            <a:r>
+              <a:rPr lang="en-US" sz="900" kern="1200" dirty="0" smtClean="0">
+                <a:solidFill>
+                  <a:schemeClr val="tx1"/>
+                </a:solidFill>
+                <a:effectLst/>
+                <a:latin typeface="+mn-lt"/>
+                <a:ea typeface="+mn-ea"/>
+                <a:cs typeface="+mn-cs"/>
+              </a:rPr>
+              <a:t>console.log(cats); // [undefined, undefined, undefined]</a:t>
+            </a:r>
           </a:p>
           <a:p>
             <a:endParaRPr lang="en-US" dirty="0"/>
@@ -9585,7 +9291,7 @@
           <a:bodyPr/>
           <a:lstStyle/>
           <a:p>
-            <a:fld id="{E41A8034-39BE-48C3-A71B-A262B61F060D}" type="datetime1">
+            <a:fld id="{C1476493-40AA-4037-896A-2891E7F7157B}" type="datetime1">
               <a:rPr lang="en-US" smtClean="0"/>
               <a:t>3/11/2017</a:t>
             </a:fld>
@@ -9596,7 +9302,7 @@
     </p:spTree>
     <p:extLst>
       <p:ext uri="{BB962C8B-B14F-4D97-AF65-F5344CB8AC3E}">
-        <p14:creationId xmlns:p14="http://schemas.microsoft.com/office/powerpoint/2010/main" val="1502021684"/>
+        <p14:creationId xmlns:p14="http://schemas.microsoft.com/office/powerpoint/2010/main" val="2600920933"/>
       </p:ext>
     </p:extLst>
   </p:cSld>
@@ -9652,7 +9358,7 @@
           <a:p>
             <a:r>
               <a:rPr lang="en-US" dirty="0" smtClean="0"/>
-              <a:t>ex.1</a:t>
+              <a:t>Ex.</a:t>
             </a:r>
           </a:p>
           <a:p>
@@ -9662,42 +9368,82 @@
             </a:r>
             <a:r>
               <a:rPr lang="en-US" dirty="0" smtClean="0"/>
-              <a:t> a = ['a', 'b', 'c'];</a:t>
-            </a:r>
-          </a:p>
-          <a:p>
-            <a:r>
-              <a:rPr lang="en-US" dirty="0" err="1" smtClean="0"/>
-              <a:t>a.forEach</a:t>
-            </a:r>
-            <a:r>
-              <a:rPr lang="en-US" dirty="0" smtClean="0"/>
-              <a:t>(function(element) { console.log(element); }); </a:t>
-            </a:r>
-          </a:p>
-          <a:p>
-            <a:r>
-              <a:rPr lang="en-US" dirty="0" smtClean="0"/>
-              <a:t>// logs each item in turn</a:t>
-            </a:r>
-          </a:p>
-          <a:p>
-            <a:endParaRPr lang="en-US" dirty="0" smtClean="0"/>
-          </a:p>
-          <a:p>
-            <a:r>
-              <a:rPr lang="en-US" dirty="0" smtClean="0"/>
-              <a:t>ex.2</a:t>
-            </a:r>
-          </a:p>
-          <a:p>
+              <a:t> colors = ['red', 'green', 'blue'];</a:t>
+            </a:r>
+          </a:p>
+          <a:p>
+            <a:r>
+              <a:rPr lang="en-US" dirty="0" smtClean="0"/>
+              <a:t>for (</a:t>
+            </a:r>
             <a:r>
               <a:rPr lang="en-US" dirty="0" err="1" smtClean="0"/>
               <a:t>var</a:t>
             </a:r>
             <a:r>
               <a:rPr lang="en-US" dirty="0" smtClean="0"/>
-              <a:t> a1 = ['a', 'b', 'c'];</a:t>
+              <a:t> </a:t>
+            </a:r>
+            <a:r>
+              <a:rPr lang="en-US" dirty="0" err="1" smtClean="0"/>
+              <a:t>i</a:t>
+            </a:r>
+            <a:r>
+              <a:rPr lang="en-US" dirty="0" smtClean="0"/>
+              <a:t> = 0; </a:t>
+            </a:r>
+            <a:r>
+              <a:rPr lang="en-US" dirty="0" err="1" smtClean="0"/>
+              <a:t>i</a:t>
+            </a:r>
+            <a:r>
+              <a:rPr lang="en-US" dirty="0" smtClean="0"/>
+              <a:t> &lt; </a:t>
+            </a:r>
+            <a:r>
+              <a:rPr lang="en-US" dirty="0" err="1" smtClean="0"/>
+              <a:t>colors.length</a:t>
+            </a:r>
+            <a:r>
+              <a:rPr lang="en-US" dirty="0" smtClean="0"/>
+              <a:t>; </a:t>
+            </a:r>
+            <a:r>
+              <a:rPr lang="en-US" dirty="0" err="1" smtClean="0"/>
+              <a:t>i</a:t>
+            </a:r>
+            <a:r>
+              <a:rPr lang="en-US" dirty="0" smtClean="0"/>
+              <a:t>++) {</a:t>
+            </a:r>
+          </a:p>
+          <a:p>
+            <a:r>
+              <a:rPr lang="en-US" dirty="0" smtClean="0"/>
+              <a:t>  console.log(colors[</a:t>
+            </a:r>
+            <a:r>
+              <a:rPr lang="en-US" dirty="0" err="1" smtClean="0"/>
+              <a:t>i</a:t>
+            </a:r>
+            <a:r>
+              <a:rPr lang="en-US" dirty="0" smtClean="0"/>
+              <a:t>]);</a:t>
+            </a:r>
+          </a:p>
+          <a:p>
+            <a:r>
+              <a:rPr lang="en-US" dirty="0" smtClean="0"/>
+              <a:t>}</a:t>
+            </a:r>
+          </a:p>
+          <a:p>
+            <a:endParaRPr lang="en-US" dirty="0" smtClean="0"/>
+          </a:p>
+          <a:p>
+            <a:r>
+              <a:rPr lang="en-US" dirty="0" smtClean="0"/>
+              <a:t>Ex.2</a:t>
             </a:r>
           </a:p>
           <a:p>
@@ -9707,27 +9453,95 @@
             </a:r>
             <a:r>
               <a:rPr lang="en-US" dirty="0" smtClean="0"/>
-              <a:t> a2 = a1.map(function(item) { return </a:t>
-            </a:r>
+              <a:t> colors = ['red', 'green', 'blue'];</a:t>
+            </a:r>
+          </a:p>
+          <a:p>
             <a:r>
               <a:rPr lang="en-US" dirty="0" err="1" smtClean="0"/>
-              <a:t>item.toUpperCase</a:t>
-            </a:r>
-            <a:r>
-              <a:rPr lang="en-US" dirty="0" smtClean="0"/>
-              <a:t>(); });</a:t>
-            </a:r>
-          </a:p>
-          <a:p>
-            <a:r>
-              <a:rPr lang="en-US" dirty="0" smtClean="0"/>
-              <a:t>console.log(a2); // logs ['A', 'B', 'C']</a:t>
-            </a:r>
-          </a:p>
-          <a:p>
-            <a:r>
-              <a:rPr lang="en-US" dirty="0" smtClean="0"/>
-              <a:t>ex.3</a:t>
+              <a:t>colors.forEach</a:t>
+            </a:r>
+            <a:r>
+              <a:rPr lang="en-US" dirty="0" smtClean="0"/>
+              <a:t>(function(color) {</a:t>
+            </a:r>
+          </a:p>
+          <a:p>
+            <a:r>
+              <a:rPr lang="en-US" dirty="0" smtClean="0"/>
+              <a:t>  console.log(color);</a:t>
+            </a:r>
+          </a:p>
+          <a:p>
+            <a:r>
+              <a:rPr lang="en-US" dirty="0" smtClean="0"/>
+              <a:t>});</a:t>
+            </a:r>
+          </a:p>
+          <a:p>
+            <a:r>
+              <a:rPr lang="en-US" dirty="0" smtClean="0"/>
+              <a:t>NOTE:</a:t>
+            </a:r>
+          </a:p>
+          <a:p>
+            <a:r>
+              <a:rPr lang="en-US" sz="900" b="0" i="0" kern="1200" dirty="0" smtClean="0">
+                <a:solidFill>
+                  <a:schemeClr val="tx1"/>
+                </a:solidFill>
+                <a:effectLst/>
+                <a:latin typeface="+mn-lt"/>
+                <a:ea typeface="+mn-ea"/>
+                <a:cs typeface="+mn-cs"/>
+              </a:rPr>
+              <a:t>Note that the elements of array omitted when the array is defined are not listed when iterating by </a:t>
+            </a:r>
+            <a:r>
+              <a:rPr lang="en-US" dirty="0" err="1" smtClean="0"/>
+              <a:t>forEach</a:t>
+            </a:r>
+            <a:r>
+              <a:rPr lang="en-US" sz="900" b="0" i="0" kern="1200" dirty="0" smtClean="0">
+                <a:solidFill>
+                  <a:schemeClr val="tx1"/>
+                </a:solidFill>
+                <a:effectLst/>
+                <a:latin typeface="+mn-lt"/>
+                <a:ea typeface="+mn-ea"/>
+                <a:cs typeface="+mn-cs"/>
+              </a:rPr>
+              <a:t>, but are listed when </a:t>
+            </a:r>
+            <a:r>
+              <a:rPr lang="en-US" dirty="0" smtClean="0"/>
+              <a:t>undefined</a:t>
+            </a:r>
+            <a:r>
+              <a:rPr lang="en-US" sz="900" b="0" i="0" kern="1200" dirty="0" smtClean="0">
+                <a:solidFill>
+                  <a:schemeClr val="tx1"/>
+                </a:solidFill>
+                <a:effectLst/>
+                <a:latin typeface="+mn-lt"/>
+                <a:ea typeface="+mn-ea"/>
+                <a:cs typeface="+mn-cs"/>
+              </a:rPr>
+              <a:t> has been manually assigned to the element:</a:t>
+            </a:r>
+          </a:p>
+          <a:p>
+            <a:r>
+              <a:rPr lang="en-US" sz="900" b="0" i="0" kern="1200" dirty="0" smtClean="0">
+                <a:solidFill>
+                  <a:schemeClr val="tx1"/>
+                </a:solidFill>
+                <a:effectLst/>
+                <a:latin typeface="+mn-lt"/>
+                <a:ea typeface="+mn-ea"/>
+                <a:cs typeface="+mn-cs"/>
+              </a:rPr>
+              <a:t>Ex.</a:t>
             </a:r>
           </a:p>
           <a:p>
@@ -9737,8 +9551,51 @@
             </a:r>
             <a:r>
               <a:rPr lang="en-US" dirty="0" smtClean="0"/>
-              <a:t> a1 = ['a', 10, 'b', 20, 'c', 30];</a:t>
-            </a:r>
+              <a:t> array = ['first', 'second', , 'fourth'];</a:t>
+            </a:r>
+          </a:p>
+          <a:p>
+            <a:endParaRPr lang="en-US" dirty="0" smtClean="0"/>
+          </a:p>
+          <a:p>
+            <a:r>
+              <a:rPr lang="en-US" dirty="0" smtClean="0"/>
+              <a:t>// returns ['first', 'second', 'fourth'];</a:t>
+            </a:r>
+          </a:p>
+          <a:p>
+            <a:r>
+              <a:rPr lang="en-US" dirty="0" err="1" smtClean="0"/>
+              <a:t>array.forEach</a:t>
+            </a:r>
+            <a:r>
+              <a:rPr lang="en-US" dirty="0" smtClean="0"/>
+              <a:t>(function(element) {</a:t>
+            </a:r>
+          </a:p>
+          <a:p>
+            <a:r>
+              <a:rPr lang="en-US" dirty="0" smtClean="0"/>
+              <a:t>  console.log(element);</a:t>
+            </a:r>
+          </a:p>
+          <a:p>
+            <a:r>
+              <a:rPr lang="en-US" dirty="0" smtClean="0"/>
+              <a:t>})</a:t>
+            </a:r>
+          </a:p>
+          <a:p>
+            <a:endParaRPr lang="en-US" dirty="0" smtClean="0"/>
+          </a:p>
+          <a:p>
+            <a:r>
+              <a:rPr lang="en-US" dirty="0" smtClean="0"/>
+              <a:t>if (array[2] === undefined) { console.log('array[2] is undefined'); } // true</a:t>
+            </a:r>
+          </a:p>
+          <a:p>
+            <a:endParaRPr lang="en-US" dirty="0" smtClean="0"/>
           </a:p>
           <a:p>
             <a:r>
@@ -9747,21 +9604,38 @@
             </a:r>
             <a:r>
               <a:rPr lang="en-US" dirty="0" smtClean="0"/>
-              <a:t> a2 = a1.filter(function(item) { return </a:t>
-            </a:r>
+              <a:t> array = ['first', 'second', undefined, 'fourth'];</a:t>
+            </a:r>
+          </a:p>
+          <a:p>
+            <a:endParaRPr lang="en-US" dirty="0" smtClean="0"/>
+          </a:p>
+          <a:p>
+            <a:r>
+              <a:rPr lang="en-US" dirty="0" smtClean="0"/>
+              <a:t>// returns ['first', 'second', undefined, 'fourth'];</a:t>
+            </a:r>
+          </a:p>
+          <a:p>
             <a:r>
               <a:rPr lang="en-US" dirty="0" err="1" smtClean="0"/>
-              <a:t>typeof</a:t>
-            </a:r>
-            <a:r>
-              <a:rPr lang="en-US" dirty="0" smtClean="0"/>
-              <a:t> item === 'number'; });</a:t>
-            </a:r>
-          </a:p>
-          <a:p>
-            <a:r>
-              <a:rPr lang="en-US" dirty="0" smtClean="0"/>
-              <a:t>console.log(a2); // logs [10, 20, 30]</a:t>
+              <a:t>array.forEach</a:t>
+            </a:r>
+            <a:r>
+              <a:rPr lang="en-US" dirty="0" smtClean="0"/>
+              <a:t>(function(element) {</a:t>
+            </a:r>
+          </a:p>
+          <a:p>
+            <a:r>
+              <a:rPr lang="en-US" dirty="0" smtClean="0"/>
+              <a:t>  console.log(element);</a:t>
+            </a:r>
+          </a:p>
+          <a:p>
+            <a:r>
+              <a:rPr lang="en-US" dirty="0" smtClean="0"/>
+              <a:t>})</a:t>
             </a:r>
           </a:p>
           <a:p>
@@ -9769,252 +9643,45 @@
           </a:p>
           <a:p>
             <a:r>
-              <a:rPr lang="en-US" dirty="0" smtClean="0"/>
-              <a:t>ex-4.</a:t>
-            </a:r>
-          </a:p>
-          <a:p>
-            <a:r>
-              <a:rPr lang="en-US" dirty="0" smtClean="0"/>
-              <a:t>function </a:t>
-            </a:r>
-            <a:r>
-              <a:rPr lang="en-US" dirty="0" err="1" smtClean="0"/>
-              <a:t>isNumber</a:t>
-            </a:r>
-            <a:r>
-              <a:rPr lang="en-US" dirty="0" smtClean="0"/>
-              <a:t>(value) {</a:t>
-            </a:r>
-          </a:p>
-          <a:p>
-            <a:r>
-              <a:rPr lang="en-US" dirty="0" smtClean="0"/>
-              <a:t>  return </a:t>
-            </a:r>
-            <a:r>
-              <a:rPr lang="en-US" dirty="0" err="1" smtClean="0"/>
-              <a:t>typeof</a:t>
-            </a:r>
-            <a:r>
-              <a:rPr lang="en-US" dirty="0" smtClean="0"/>
-              <a:t> value === 'number';</a:t>
-            </a:r>
-          </a:p>
-          <a:p>
-            <a:r>
-              <a:rPr lang="en-US" dirty="0" smtClean="0"/>
-              <a:t>}</a:t>
-            </a:r>
-          </a:p>
-          <a:p>
-            <a:r>
-              <a:rPr lang="en-US" dirty="0" err="1" smtClean="0"/>
-              <a:t>var</a:t>
-            </a:r>
-            <a:r>
-              <a:rPr lang="en-US" dirty="0" smtClean="0"/>
-              <a:t> a1 = [1, 2, 3];</a:t>
-            </a:r>
-          </a:p>
-          <a:p>
-            <a:r>
-              <a:rPr lang="en-US" dirty="0" smtClean="0"/>
-              <a:t>console.log(a1.every(</a:t>
-            </a:r>
-            <a:r>
-              <a:rPr lang="en-US" dirty="0" err="1" smtClean="0"/>
-              <a:t>isNumber</a:t>
-            </a:r>
-            <a:r>
-              <a:rPr lang="en-US" dirty="0" smtClean="0"/>
-              <a:t>)); // logs true</a:t>
-            </a:r>
-          </a:p>
-          <a:p>
-            <a:r>
-              <a:rPr lang="en-US" dirty="0" err="1" smtClean="0"/>
-              <a:t>var</a:t>
-            </a:r>
-            <a:r>
-              <a:rPr lang="en-US" dirty="0" smtClean="0"/>
-              <a:t> a2 = [1, '2', 3];</a:t>
-            </a:r>
-          </a:p>
-          <a:p>
-            <a:r>
-              <a:rPr lang="en-US" dirty="0" smtClean="0"/>
-              <a:t>console.log(a2.every(</a:t>
-            </a:r>
-            <a:r>
-              <a:rPr lang="en-US" dirty="0" err="1" smtClean="0"/>
-              <a:t>isNumber</a:t>
-            </a:r>
-            <a:r>
-              <a:rPr lang="en-US" dirty="0" smtClean="0"/>
-              <a:t>)); // logs false</a:t>
-            </a:r>
-          </a:p>
-          <a:p>
+              <a:rPr lang="en-US" sz="900" b="0" i="0" kern="1200" dirty="0" smtClean="0">
+                <a:solidFill>
+                  <a:schemeClr val="tx1"/>
+                </a:solidFill>
+                <a:effectLst/>
+                <a:latin typeface="+mn-lt"/>
+                <a:ea typeface="+mn-ea"/>
+                <a:cs typeface="+mn-cs"/>
+              </a:rPr>
+              <a:t>Since JavaScript elements are saved as standard object properties, it is not advisable to iterate through JavaScript arrays using </a:t>
+            </a:r>
+            <a:r>
+              <a:rPr lang="en-US" sz="900" b="0" i="0" u="none" strike="noStrike" kern="1200" dirty="0" smtClean="0">
+                <a:solidFill>
+                  <a:schemeClr val="tx1"/>
+                </a:solidFill>
+                <a:effectLst/>
+                <a:latin typeface="+mn-lt"/>
+                <a:ea typeface="+mn-ea"/>
+                <a:cs typeface="+mn-cs"/>
+                <a:hlinkClick r:id="rId3" tooltip="The for...in statement iterates over the enumerable properties of an object, in arbitrary order. For each distinct property, statements can be executed."/>
+              </a:rPr>
+              <a:t>for...in</a:t>
+            </a:r>
+            <a:r>
+              <a:rPr lang="en-US" sz="900" b="0" i="0" kern="1200" dirty="0" smtClean="0">
+                <a:solidFill>
+                  <a:schemeClr val="tx1"/>
+                </a:solidFill>
+                <a:effectLst/>
+                <a:latin typeface="+mn-lt"/>
+                <a:ea typeface="+mn-ea"/>
+                <a:cs typeface="+mn-cs"/>
+              </a:rPr>
+              <a:t> loops because normal elements and all enumerable properties will be listed.</a:t>
+            </a:r>
             <a:endParaRPr lang="en-US" dirty="0" smtClean="0"/>
           </a:p>
           <a:p>
-            <a:r>
-              <a:rPr lang="en-US" dirty="0" smtClean="0"/>
-              <a:t>ex-5</a:t>
-            </a:r>
-          </a:p>
-          <a:p>
-            <a:endParaRPr lang="en-US" dirty="0" smtClean="0"/>
-          </a:p>
-          <a:p>
-            <a:r>
-              <a:rPr lang="en-US" dirty="0" smtClean="0"/>
-              <a:t>function </a:t>
-            </a:r>
-            <a:r>
-              <a:rPr lang="en-US" dirty="0" err="1" smtClean="0"/>
-              <a:t>isNumber</a:t>
-            </a:r>
-            <a:r>
-              <a:rPr lang="en-US" dirty="0" smtClean="0"/>
-              <a:t>(value) {</a:t>
-            </a:r>
-          </a:p>
-          <a:p>
-            <a:r>
-              <a:rPr lang="en-US" dirty="0" smtClean="0"/>
-              <a:t>  return </a:t>
-            </a:r>
-            <a:r>
-              <a:rPr lang="en-US" dirty="0" err="1" smtClean="0"/>
-              <a:t>typeof</a:t>
-            </a:r>
-            <a:r>
-              <a:rPr lang="en-US" dirty="0" smtClean="0"/>
-              <a:t> value === 'number';</a:t>
-            </a:r>
-          </a:p>
-          <a:p>
-            <a:r>
-              <a:rPr lang="en-US" dirty="0" smtClean="0"/>
-              <a:t>}</a:t>
-            </a:r>
-          </a:p>
-          <a:p>
-            <a:r>
-              <a:rPr lang="en-US" dirty="0" err="1" smtClean="0"/>
-              <a:t>var</a:t>
-            </a:r>
-            <a:r>
-              <a:rPr lang="en-US" dirty="0" smtClean="0"/>
-              <a:t> a1 = [1, 2, 3];</a:t>
-            </a:r>
-          </a:p>
-          <a:p>
-            <a:r>
-              <a:rPr lang="en-US" dirty="0" smtClean="0"/>
-              <a:t>console.log(a1.some(</a:t>
-            </a:r>
-            <a:r>
-              <a:rPr lang="en-US" dirty="0" err="1" smtClean="0"/>
-              <a:t>isNumber</a:t>
-            </a:r>
-            <a:r>
-              <a:rPr lang="en-US" dirty="0" smtClean="0"/>
-              <a:t>)); // logs true</a:t>
-            </a:r>
-          </a:p>
-          <a:p>
-            <a:r>
-              <a:rPr lang="en-US" dirty="0" err="1" smtClean="0"/>
-              <a:t>var</a:t>
-            </a:r>
-            <a:r>
-              <a:rPr lang="en-US" dirty="0" smtClean="0"/>
-              <a:t> a2 = [1, '2', 3];</a:t>
-            </a:r>
-          </a:p>
-          <a:p>
-            <a:r>
-              <a:rPr lang="en-US" dirty="0" smtClean="0"/>
-              <a:t>console.log(a2.some(</a:t>
-            </a:r>
-            <a:r>
-              <a:rPr lang="en-US" dirty="0" err="1" smtClean="0"/>
-              <a:t>isNumber</a:t>
-            </a:r>
-            <a:r>
-              <a:rPr lang="en-US" dirty="0" smtClean="0"/>
-              <a:t>)); // logs true</a:t>
-            </a:r>
-          </a:p>
-          <a:p>
-            <a:r>
-              <a:rPr lang="en-US" dirty="0" err="1" smtClean="0"/>
-              <a:t>var</a:t>
-            </a:r>
-            <a:r>
-              <a:rPr lang="en-US" dirty="0" smtClean="0"/>
-              <a:t> a3 = ['1', '2', '3'];</a:t>
-            </a:r>
-          </a:p>
-          <a:p>
-            <a:r>
-              <a:rPr lang="en-US" dirty="0" smtClean="0"/>
-              <a:t>console.log(a3.some(</a:t>
-            </a:r>
-            <a:r>
-              <a:rPr lang="en-US" dirty="0" err="1" smtClean="0"/>
-              <a:t>isNumber</a:t>
-            </a:r>
-            <a:r>
-              <a:rPr lang="en-US" dirty="0" smtClean="0"/>
-              <a:t>)); // logs false</a:t>
-            </a:r>
-          </a:p>
-          <a:p>
-            <a:endParaRPr lang="en-US" dirty="0" smtClean="0"/>
-          </a:p>
-          <a:p>
-            <a:r>
-              <a:rPr lang="en-US" dirty="0" smtClean="0"/>
-              <a:t>ex.6</a:t>
-            </a:r>
-          </a:p>
-          <a:p>
-            <a:r>
-              <a:rPr lang="en-US" dirty="0" err="1" smtClean="0"/>
-              <a:t>var</a:t>
-            </a:r>
-            <a:r>
-              <a:rPr lang="en-US" dirty="0" smtClean="0"/>
-              <a:t> a = [10, 20, 30];</a:t>
-            </a:r>
-          </a:p>
-          <a:p>
-            <a:r>
-              <a:rPr lang="en-US" dirty="0" err="1" smtClean="0"/>
-              <a:t>var</a:t>
-            </a:r>
-            <a:r>
-              <a:rPr lang="en-US" dirty="0" smtClean="0"/>
-              <a:t> total = </a:t>
-            </a:r>
-            <a:r>
-              <a:rPr lang="en-US" dirty="0" err="1" smtClean="0"/>
-              <a:t>a.reduce</a:t>
-            </a:r>
-            <a:r>
-              <a:rPr lang="en-US" dirty="0" smtClean="0"/>
-              <a:t>(function(first, second) { return first + second; }, 0);</a:t>
-            </a:r>
-          </a:p>
-          <a:p>
-            <a:r>
-              <a:rPr lang="en-US" dirty="0" smtClean="0"/>
-              <a:t>console.log(total) // Prints 60</a:t>
-            </a:r>
             <a:endParaRPr lang="en-US" dirty="0"/>
           </a:p>
         </p:txBody>
@@ -10053,7 +9720,7 @@
           <a:bodyPr/>
           <a:lstStyle/>
           <a:p>
-            <a:fld id="{C5BD5C2D-A268-4F39-AA06-2FA9539C8034}" type="datetime1">
+            <a:fld id="{E41A8034-39BE-48C3-A71B-A262B61F060D}" type="datetime1">
               <a:rPr lang="en-US" smtClean="0"/>
               <a:t>3/11/2017</a:t>
             </a:fld>
@@ -10064,7 +9731,7 @@
     </p:spTree>
     <p:extLst>
       <p:ext uri="{BB962C8B-B14F-4D97-AF65-F5344CB8AC3E}">
-        <p14:creationId xmlns:p14="http://schemas.microsoft.com/office/powerpoint/2010/main" val="565030357"/>
+        <p14:creationId xmlns:p14="http://schemas.microsoft.com/office/powerpoint/2010/main" val="1502021684"/>
       </p:ext>
     </p:extLst>
   </p:cSld>
@@ -10120,7 +9787,7 @@
           <a:p>
             <a:r>
               <a:rPr lang="en-US" dirty="0" smtClean="0"/>
-              <a:t>Ex.</a:t>
+              <a:t>ex.1</a:t>
             </a:r>
           </a:p>
           <a:p>
@@ -10130,93 +9797,143 @@
             </a:r>
             <a:r>
               <a:rPr lang="en-US" dirty="0" smtClean="0"/>
-              <a:t> a = new Array(4);</a:t>
-            </a:r>
-          </a:p>
-          <a:p>
-            <a:r>
-              <a:rPr lang="en-US" dirty="0" smtClean="0"/>
-              <a:t>for (</a:t>
-            </a:r>
+              <a:t> a = ['a', 'b', 'c'];</a:t>
+            </a:r>
+          </a:p>
+          <a:p>
             <a:r>
               <a:rPr lang="en-US" dirty="0" err="1" smtClean="0"/>
-              <a:t>i</a:t>
-            </a:r>
-            <a:r>
-              <a:rPr lang="en-US" dirty="0" smtClean="0"/>
-              <a:t> = 0; </a:t>
-            </a:r>
+              <a:t>a.forEach</a:t>
+            </a:r>
+            <a:r>
+              <a:rPr lang="en-US" dirty="0" smtClean="0"/>
+              <a:t>(function(element) { console.log(element); }); </a:t>
+            </a:r>
+          </a:p>
+          <a:p>
+            <a:r>
+              <a:rPr lang="en-US" dirty="0" smtClean="0"/>
+              <a:t>// logs each item in turn</a:t>
+            </a:r>
+          </a:p>
+          <a:p>
+            <a:endParaRPr lang="en-US" dirty="0" smtClean="0"/>
+          </a:p>
+          <a:p>
+            <a:r>
+              <a:rPr lang="en-US" dirty="0" smtClean="0"/>
+              <a:t>ex.2</a:t>
+            </a:r>
+          </a:p>
+          <a:p>
             <a:r>
               <a:rPr lang="en-US" dirty="0" err="1" smtClean="0"/>
-              <a:t>i</a:t>
-            </a:r>
-            <a:r>
-              <a:rPr lang="en-US" dirty="0" smtClean="0"/>
-              <a:t> &lt; 4; </a:t>
-            </a:r>
+              <a:t>var</a:t>
+            </a:r>
+            <a:r>
+              <a:rPr lang="en-US" dirty="0" smtClean="0"/>
+              <a:t> a1 = ['a', 'b', 'c'];</a:t>
+            </a:r>
+          </a:p>
+          <a:p>
             <a:r>
               <a:rPr lang="en-US" dirty="0" err="1" smtClean="0"/>
-              <a:t>i</a:t>
-            </a:r>
-            <a:r>
-              <a:rPr lang="en-US" dirty="0" smtClean="0"/>
-              <a:t>++) {</a:t>
-            </a:r>
-          </a:p>
-          <a:p>
-            <a:r>
-              <a:rPr lang="en-US" dirty="0" smtClean="0"/>
-              <a:t>  a[</a:t>
+              <a:t>var</a:t>
+            </a:r>
+            <a:r>
+              <a:rPr lang="en-US" dirty="0" smtClean="0"/>
+              <a:t> a2 = a1.map(function(item) { return </a:t>
             </a:r>
             <a:r>
               <a:rPr lang="en-US" dirty="0" err="1" smtClean="0"/>
-              <a:t>i</a:t>
-            </a:r>
-            <a:r>
-              <a:rPr lang="en-US" dirty="0" smtClean="0"/>
-              <a:t>] = new Array(4);</a:t>
-            </a:r>
-          </a:p>
-          <a:p>
-            <a:r>
-              <a:rPr lang="en-US" dirty="0" smtClean="0"/>
-              <a:t>  for (j = 0; j &lt; 4; </a:t>
-            </a:r>
+              <a:t>item.toUpperCase</a:t>
+            </a:r>
+            <a:r>
+              <a:rPr lang="en-US" dirty="0" smtClean="0"/>
+              <a:t>(); });</a:t>
+            </a:r>
+          </a:p>
+          <a:p>
+            <a:r>
+              <a:rPr lang="en-US" dirty="0" smtClean="0"/>
+              <a:t>console.log(a2); // logs ['A', 'B', 'C']</a:t>
+            </a:r>
+          </a:p>
+          <a:p>
+            <a:r>
+              <a:rPr lang="en-US" dirty="0" smtClean="0"/>
+              <a:t>ex.3</a:t>
+            </a:r>
+          </a:p>
+          <a:p>
             <a:r>
               <a:rPr lang="en-US" dirty="0" err="1" smtClean="0"/>
-              <a:t>j++</a:t>
-            </a:r>
-            <a:r>
-              <a:rPr lang="en-US" dirty="0" smtClean="0"/>
-              <a:t>) {</a:t>
-            </a:r>
-          </a:p>
-          <a:p>
-            <a:r>
-              <a:rPr lang="en-US" dirty="0" smtClean="0"/>
-              <a:t>    a[</a:t>
-            </a:r>
+              <a:t>var</a:t>
+            </a:r>
+            <a:r>
+              <a:rPr lang="en-US" dirty="0" smtClean="0"/>
+              <a:t> a1 = ['a', 10, 'b', 20, 'c', 30];</a:t>
+            </a:r>
+          </a:p>
+          <a:p>
             <a:r>
               <a:rPr lang="en-US" dirty="0" err="1" smtClean="0"/>
-              <a:t>i</a:t>
-            </a:r>
-            <a:r>
-              <a:rPr lang="en-US" dirty="0" smtClean="0"/>
-              <a:t>][j] = '[' + </a:t>
+              <a:t>var</a:t>
+            </a:r>
+            <a:r>
+              <a:rPr lang="en-US" dirty="0" smtClean="0"/>
+              <a:t> a2 = a1.filter(function(item) { return </a:t>
             </a:r>
             <a:r>
               <a:rPr lang="en-US" dirty="0" err="1" smtClean="0"/>
-              <a:t>i</a:t>
-            </a:r>
-            <a:r>
-              <a:rPr lang="en-US" dirty="0" smtClean="0"/>
-              <a:t> + ', ' + j + ']';</a:t>
-            </a:r>
-          </a:p>
-          <a:p>
-            <a:r>
-              <a:rPr lang="en-US" dirty="0" smtClean="0"/>
-              <a:t>  }</a:t>
+              <a:t>typeof</a:t>
+            </a:r>
+            <a:r>
+              <a:rPr lang="en-US" dirty="0" smtClean="0"/>
+              <a:t> item === 'number'; });</a:t>
+            </a:r>
+          </a:p>
+          <a:p>
+            <a:r>
+              <a:rPr lang="en-US" dirty="0" smtClean="0"/>
+              <a:t>console.log(a2); // logs [10, 20, 30]</a:t>
+            </a:r>
+          </a:p>
+          <a:p>
+            <a:endParaRPr lang="en-US" dirty="0" smtClean="0"/>
+          </a:p>
+          <a:p>
+            <a:r>
+              <a:rPr lang="en-US" dirty="0" smtClean="0"/>
+              <a:t>ex-4.</a:t>
+            </a:r>
+          </a:p>
+          <a:p>
+            <a:r>
+              <a:rPr lang="en-US" dirty="0" smtClean="0"/>
+              <a:t>function </a:t>
+            </a:r>
+            <a:r>
+              <a:rPr lang="en-US" dirty="0" err="1" smtClean="0"/>
+              <a:t>isNumber</a:t>
+            </a:r>
+            <a:r>
+              <a:rPr lang="en-US" dirty="0" smtClean="0"/>
+              <a:t>(value) {</a:t>
+            </a:r>
+          </a:p>
+          <a:p>
+            <a:r>
+              <a:rPr lang="en-US" dirty="0" smtClean="0"/>
+              <a:t>  return </a:t>
+            </a:r>
+            <a:r>
+              <a:rPr lang="en-US" dirty="0" err="1" smtClean="0"/>
+              <a:t>typeof</a:t>
+            </a:r>
+            <a:r>
+              <a:rPr lang="en-US" dirty="0" smtClean="0"/>
+              <a:t> value === 'number';</a:t>
             </a:r>
           </a:p>
           <a:p>
@@ -10227,27 +9944,213 @@
           </a:p>
           <a:p>
             <a:r>
-              <a:rPr lang="en-US" dirty="0" smtClean="0"/>
-              <a:t>Row 0: [0, 0] [0, 1] [0, 2] [0, 3]</a:t>
-            </a:r>
-          </a:p>
-          <a:p>
-            <a:r>
-              <a:rPr lang="en-US" dirty="0" smtClean="0"/>
-              <a:t>Row 1: [1, 0] [1, 1] [1, 2] [1, 3]</a:t>
-            </a:r>
-          </a:p>
-          <a:p>
-            <a:r>
-              <a:rPr lang="en-US" dirty="0" smtClean="0"/>
-              <a:t>Row 2: [2, 0] [2, 1] [2, 2] [2, 3]</a:t>
-            </a:r>
-          </a:p>
-          <a:p>
-            <a:r>
-              <a:rPr lang="en-US" dirty="0" smtClean="0"/>
-              <a:t>Row 3: [3, 0] [3, 1] [3, 2] [3, 3]</a:t>
-            </a:r>
+              <a:rPr lang="en-US" dirty="0" err="1" smtClean="0"/>
+              <a:t>var</a:t>
+            </a:r>
+            <a:r>
+              <a:rPr lang="en-US" dirty="0" smtClean="0"/>
+              <a:t> a1 = [1, 2, 3];</a:t>
+            </a:r>
+          </a:p>
+          <a:p>
+            <a:r>
+              <a:rPr lang="en-US" dirty="0" smtClean="0"/>
+              <a:t>console.log(a1.every(</a:t>
+            </a:r>
+            <a:r>
+              <a:rPr lang="en-US" dirty="0" err="1" smtClean="0"/>
+              <a:t>isNumber</a:t>
+            </a:r>
+            <a:r>
+              <a:rPr lang="en-US" dirty="0" smtClean="0"/>
+              <a:t>)); // logs true</a:t>
+            </a:r>
+          </a:p>
+          <a:p>
+            <a:r>
+              <a:rPr lang="en-US" dirty="0" err="1" smtClean="0"/>
+              <a:t>var</a:t>
+            </a:r>
+            <a:r>
+              <a:rPr lang="en-US" dirty="0" smtClean="0"/>
+              <a:t> a2 = [1, '2', 3];</a:t>
+            </a:r>
+          </a:p>
+          <a:p>
+            <a:r>
+              <a:rPr lang="en-US" dirty="0" smtClean="0"/>
+              <a:t>console.log(a2.every(</a:t>
+            </a:r>
+            <a:r>
+              <a:rPr lang="en-US" dirty="0" err="1" smtClean="0"/>
+              <a:t>isNumber</a:t>
+            </a:r>
+            <a:r>
+              <a:rPr lang="en-US" dirty="0" smtClean="0"/>
+              <a:t>)); // logs false</a:t>
+            </a:r>
+          </a:p>
+          <a:p>
+            <a:endParaRPr lang="en-US" dirty="0" smtClean="0"/>
+          </a:p>
+          <a:p>
+            <a:r>
+              <a:rPr lang="en-US" dirty="0" smtClean="0"/>
+              <a:t>ex-5</a:t>
+            </a:r>
+          </a:p>
+          <a:p>
+            <a:endParaRPr lang="en-US" dirty="0" smtClean="0"/>
+          </a:p>
+          <a:p>
+            <a:r>
+              <a:rPr lang="en-US" dirty="0" smtClean="0"/>
+              <a:t>function </a:t>
+            </a:r>
+            <a:r>
+              <a:rPr lang="en-US" dirty="0" err="1" smtClean="0"/>
+              <a:t>isNumber</a:t>
+            </a:r>
+            <a:r>
+              <a:rPr lang="en-US" dirty="0" smtClean="0"/>
+              <a:t>(value) {</a:t>
+            </a:r>
+          </a:p>
+          <a:p>
+            <a:r>
+              <a:rPr lang="en-US" dirty="0" smtClean="0"/>
+              <a:t>  return </a:t>
+            </a:r>
+            <a:r>
+              <a:rPr lang="en-US" dirty="0" err="1" smtClean="0"/>
+              <a:t>typeof</a:t>
+            </a:r>
+            <a:r>
+              <a:rPr lang="en-US" dirty="0" smtClean="0"/>
+              <a:t> value === 'number';</a:t>
+            </a:r>
+          </a:p>
+          <a:p>
+            <a:r>
+              <a:rPr lang="en-US" dirty="0" smtClean="0"/>
+              <a:t>}</a:t>
+            </a:r>
+          </a:p>
+          <a:p>
+            <a:r>
+              <a:rPr lang="en-US" dirty="0" err="1" smtClean="0"/>
+              <a:t>var</a:t>
+            </a:r>
+            <a:r>
+              <a:rPr lang="en-US" dirty="0" smtClean="0"/>
+              <a:t> a1 = [1, 2, 3];</a:t>
+            </a:r>
+          </a:p>
+          <a:p>
+            <a:r>
+              <a:rPr lang="en-US" dirty="0" smtClean="0"/>
+              <a:t>console.log(a1.some(</a:t>
+            </a:r>
+            <a:r>
+              <a:rPr lang="en-US" dirty="0" err="1" smtClean="0"/>
+              <a:t>isNumber</a:t>
+            </a:r>
+            <a:r>
+              <a:rPr lang="en-US" dirty="0" smtClean="0"/>
+              <a:t>)); // logs true</a:t>
+            </a:r>
+          </a:p>
+          <a:p>
+            <a:r>
+              <a:rPr lang="en-US" dirty="0" err="1" smtClean="0"/>
+              <a:t>var</a:t>
+            </a:r>
+            <a:r>
+              <a:rPr lang="en-US" dirty="0" smtClean="0"/>
+              <a:t> a2 = [1, '2', 3];</a:t>
+            </a:r>
+          </a:p>
+          <a:p>
+            <a:r>
+              <a:rPr lang="en-US" dirty="0" smtClean="0"/>
+              <a:t>console.log(a2.some(</a:t>
+            </a:r>
+            <a:r>
+              <a:rPr lang="en-US" dirty="0" err="1" smtClean="0"/>
+              <a:t>isNumber</a:t>
+            </a:r>
+            <a:r>
+              <a:rPr lang="en-US" dirty="0" smtClean="0"/>
+              <a:t>)); // logs true</a:t>
+            </a:r>
+          </a:p>
+          <a:p>
+            <a:r>
+              <a:rPr lang="en-US" dirty="0" err="1" smtClean="0"/>
+              <a:t>var</a:t>
+            </a:r>
+            <a:r>
+              <a:rPr lang="en-US" dirty="0" smtClean="0"/>
+              <a:t> a3 = ['1', '2', '3'];</a:t>
+            </a:r>
+          </a:p>
+          <a:p>
+            <a:r>
+              <a:rPr lang="en-US" dirty="0" smtClean="0"/>
+              <a:t>console.log(a3.some(</a:t>
+            </a:r>
+            <a:r>
+              <a:rPr lang="en-US" dirty="0" err="1" smtClean="0"/>
+              <a:t>isNumber</a:t>
+            </a:r>
+            <a:r>
+              <a:rPr lang="en-US" dirty="0" smtClean="0"/>
+              <a:t>)); // logs false</a:t>
+            </a:r>
+          </a:p>
+          <a:p>
+            <a:endParaRPr lang="en-US" dirty="0" smtClean="0"/>
+          </a:p>
+          <a:p>
+            <a:r>
+              <a:rPr lang="en-US" dirty="0" smtClean="0"/>
+              <a:t>ex.6</a:t>
+            </a:r>
+          </a:p>
+          <a:p>
+            <a:r>
+              <a:rPr lang="en-US" dirty="0" err="1" smtClean="0"/>
+              <a:t>var</a:t>
+            </a:r>
+            <a:r>
+              <a:rPr lang="en-US" dirty="0" smtClean="0"/>
+              <a:t> a = [10, 20, 30];</a:t>
+            </a:r>
+          </a:p>
+          <a:p>
+            <a:r>
+              <a:rPr lang="en-US" dirty="0" err="1" smtClean="0"/>
+              <a:t>var</a:t>
+            </a:r>
+            <a:r>
+              <a:rPr lang="en-US" dirty="0" smtClean="0"/>
+              <a:t> total = </a:t>
+            </a:r>
+            <a:r>
+              <a:rPr lang="en-US" dirty="0" err="1" smtClean="0"/>
+              <a:t>a.reduce</a:t>
+            </a:r>
+            <a:r>
+              <a:rPr lang="en-US" dirty="0" smtClean="0"/>
+              <a:t>(function(first, second) { return first + second; }, 0);</a:t>
+            </a:r>
+          </a:p>
+          <a:p>
+            <a:r>
+              <a:rPr lang="en-US" dirty="0" smtClean="0"/>
+              <a:t>console.log(total) // Prints 60</a:t>
+            </a:r>
+            <a:endParaRPr lang="en-US" dirty="0"/>
           </a:p>
         </p:txBody>
       </p:sp>
@@ -10285,7 +10188,7 @@
           <a:bodyPr/>
           <a:lstStyle/>
           <a:p>
-            <a:fld id="{65022479-3D91-4BD2-A079-8C97A99A6716}" type="datetime1">
+            <a:fld id="{C5BD5C2D-A268-4F39-AA06-2FA9539C8034}" type="datetime1">
               <a:rPr lang="en-US" smtClean="0"/>
               <a:t>3/11/2017</a:t>
             </a:fld>
@@ -10296,7 +10199,7 @@
     </p:spTree>
     <p:extLst>
       <p:ext uri="{BB962C8B-B14F-4D97-AF65-F5344CB8AC3E}">
-        <p14:creationId xmlns:p14="http://schemas.microsoft.com/office/powerpoint/2010/main" val="2706080893"/>
+        <p14:creationId xmlns:p14="http://schemas.microsoft.com/office/powerpoint/2010/main" val="565030357"/>
       </p:ext>
     </p:extLst>
   </p:cSld>
@@ -10351,340 +10254,135 @@
           <a:lstStyle/>
           <a:p>
             <a:r>
+              <a:rPr lang="en-US" dirty="0" smtClean="0"/>
+              <a:t>Ex.</a:t>
+            </a:r>
+          </a:p>
+          <a:p>
+            <a:r>
               <a:rPr lang="en-US" dirty="0" err="1" smtClean="0"/>
-              <a:t>Eg</a:t>
-            </a:r>
-            <a:r>
-              <a:rPr lang="en-US" dirty="0" smtClean="0"/>
-              <a:t>.</a:t>
-            </a:r>
-            <a:r>
-              <a:rPr lang="en-US" sz="900" kern="1200" dirty="0" smtClean="0">
-                <a:solidFill>
-                  <a:schemeClr val="tx1"/>
-                </a:solidFill>
-                <a:effectLst/>
-                <a:latin typeface="+mn-lt"/>
-                <a:ea typeface="+mn-ea"/>
-                <a:cs typeface="+mn-cs"/>
-              </a:rPr>
-              <a:t> </a:t>
-            </a:r>
-            <a:r>
-              <a:rPr lang="en-US" sz="900" kern="1200" dirty="0" err="1" smtClean="0">
-                <a:solidFill>
-                  <a:schemeClr val="tx1"/>
-                </a:solidFill>
-                <a:effectLst/>
-                <a:latin typeface="+mn-lt"/>
-                <a:ea typeface="+mn-ea"/>
-                <a:cs typeface="+mn-cs"/>
-              </a:rPr>
               <a:t>var</a:t>
             </a:r>
             <a:r>
-              <a:rPr lang="en-US" dirty="0" smtClean="0">
-                <a:effectLst/>
-              </a:rPr>
-              <a:t> </a:t>
-            </a:r>
-            <a:r>
-              <a:rPr lang="en-US" dirty="0" err="1" smtClean="0">
-                <a:effectLst/>
-              </a:rPr>
-              <a:t>ageGroup</a:t>
-            </a:r>
-            <a:r>
-              <a:rPr lang="en-US" dirty="0" smtClean="0">
-                <a:effectLst/>
-              </a:rPr>
-              <a:t> </a:t>
-            </a:r>
-            <a:r>
-              <a:rPr lang="en-US" sz="900" kern="1200" dirty="0" smtClean="0">
-                <a:solidFill>
-                  <a:schemeClr val="tx1"/>
-                </a:solidFill>
-                <a:effectLst/>
-                <a:latin typeface="+mn-lt"/>
-                <a:ea typeface="+mn-ea"/>
-                <a:cs typeface="+mn-cs"/>
-              </a:rPr>
-              <a:t>=</a:t>
-            </a:r>
-            <a:r>
-              <a:rPr lang="en-US" dirty="0" smtClean="0">
-                <a:effectLst/>
-              </a:rPr>
-              <a:t> {</a:t>
-            </a:r>
-            <a:r>
-              <a:rPr lang="en-US" sz="900" kern="1200" dirty="0" smtClean="0">
-                <a:solidFill>
-                  <a:schemeClr val="tx1"/>
-                </a:solidFill>
-                <a:effectLst/>
-                <a:latin typeface="+mn-lt"/>
-                <a:ea typeface="+mn-ea"/>
-                <a:cs typeface="+mn-cs"/>
-              </a:rPr>
-              <a:t>30</a:t>
-            </a:r>
-            <a:r>
-              <a:rPr lang="en-US" dirty="0" smtClean="0">
-                <a:effectLst/>
-              </a:rPr>
-              <a:t>: </a:t>
-            </a:r>
-            <a:r>
-              <a:rPr lang="en-US" sz="900" kern="1200" dirty="0" smtClean="0">
-                <a:solidFill>
-                  <a:schemeClr val="tx1"/>
-                </a:solidFill>
-                <a:effectLst/>
-                <a:latin typeface="+mn-lt"/>
-                <a:ea typeface="+mn-ea"/>
-                <a:cs typeface="+mn-cs"/>
-              </a:rPr>
-              <a:t>"Children"</a:t>
-            </a:r>
-            <a:r>
-              <a:rPr lang="en-US" dirty="0" smtClean="0">
-                <a:effectLst/>
-              </a:rPr>
-              <a:t>, </a:t>
-            </a:r>
-            <a:r>
-              <a:rPr lang="en-US" sz="900" kern="1200" dirty="0" smtClean="0">
-                <a:solidFill>
-                  <a:schemeClr val="tx1"/>
-                </a:solidFill>
-                <a:effectLst/>
-                <a:latin typeface="+mn-lt"/>
-                <a:ea typeface="+mn-ea"/>
-                <a:cs typeface="+mn-cs"/>
-              </a:rPr>
-              <a:t>100</a:t>
-            </a:r>
-            <a:r>
-              <a:rPr lang="en-US" dirty="0" smtClean="0">
-                <a:effectLst/>
-              </a:rPr>
-              <a:t>:</a:t>
-            </a:r>
-            <a:r>
-              <a:rPr lang="en-US" sz="900" kern="1200" dirty="0" smtClean="0">
-                <a:solidFill>
-                  <a:schemeClr val="tx1"/>
-                </a:solidFill>
-                <a:effectLst/>
-                <a:latin typeface="+mn-lt"/>
-                <a:ea typeface="+mn-ea"/>
-                <a:cs typeface="+mn-cs"/>
-              </a:rPr>
-              <a:t>"Very Old"</a:t>
-            </a:r>
-            <a:r>
-              <a:rPr lang="en-US" dirty="0" smtClean="0">
-                <a:effectLst/>
-              </a:rPr>
-              <a:t>};</a:t>
-            </a:r>
-          </a:p>
-          <a:p>
-            <a:r>
-              <a:rPr lang="en-US" dirty="0" smtClean="0">
-                <a:effectLst/>
-              </a:rPr>
-              <a:t>  console.</a:t>
-            </a:r>
-            <a:r>
-              <a:rPr lang="en-US" sz="900" kern="1200" dirty="0" smtClean="0">
-                <a:solidFill>
-                  <a:schemeClr val="tx1"/>
-                </a:solidFill>
-                <a:effectLst/>
-                <a:latin typeface="+mn-lt"/>
-                <a:ea typeface="+mn-ea"/>
-                <a:cs typeface="+mn-cs"/>
-              </a:rPr>
-              <a:t>log</a:t>
-            </a:r>
-            <a:r>
-              <a:rPr lang="en-US" dirty="0" smtClean="0">
-                <a:effectLst/>
-              </a:rPr>
-              <a:t>(ageGroup.</a:t>
-            </a:r>
-            <a:r>
-              <a:rPr lang="en-US" sz="900" kern="1200" dirty="0" smtClean="0">
-                <a:solidFill>
-                  <a:schemeClr val="tx1"/>
-                </a:solidFill>
-                <a:effectLst/>
-                <a:latin typeface="+mn-lt"/>
-                <a:ea typeface="+mn-ea"/>
-                <a:cs typeface="+mn-cs"/>
-              </a:rPr>
-              <a:t>30</a:t>
-            </a:r>
-            <a:r>
-              <a:rPr lang="en-US" dirty="0" smtClean="0">
-                <a:effectLst/>
-              </a:rPr>
-              <a:t>) </a:t>
-            </a:r>
-            <a:r>
-              <a:rPr lang="en-US" sz="900" kern="1200" dirty="0" smtClean="0">
-                <a:solidFill>
-                  <a:schemeClr val="tx1"/>
-                </a:solidFill>
-                <a:effectLst/>
-                <a:latin typeface="+mn-lt"/>
-                <a:ea typeface="+mn-ea"/>
-                <a:cs typeface="+mn-cs"/>
-              </a:rPr>
-              <a:t>// This will throw an error</a:t>
-            </a:r>
-            <a:r>
-              <a:rPr lang="en-US" dirty="0" smtClean="0">
-                <a:effectLst/>
-              </a:rPr>
-              <a:t>​​</a:t>
-            </a:r>
-            <a:r>
-              <a:rPr lang="en-US" sz="900" kern="1200" dirty="0" smtClean="0">
-                <a:solidFill>
-                  <a:schemeClr val="tx1"/>
-                </a:solidFill>
-                <a:effectLst/>
-                <a:latin typeface="+mn-lt"/>
-                <a:ea typeface="+mn-ea"/>
-                <a:cs typeface="+mn-cs"/>
-              </a:rPr>
-              <a:t>//</a:t>
-            </a:r>
-          </a:p>
-          <a:p>
-            <a:r>
-              <a:rPr lang="en-US" sz="900" kern="1200" dirty="0" smtClean="0">
-                <a:solidFill>
-                  <a:schemeClr val="tx1"/>
-                </a:solidFill>
-                <a:effectLst/>
-                <a:latin typeface="+mn-lt"/>
-                <a:ea typeface="+mn-ea"/>
-                <a:cs typeface="+mn-cs"/>
-              </a:rPr>
-              <a:t> This is how you will access the value of the property 30, to get value </a:t>
-            </a:r>
-          </a:p>
-          <a:p>
-            <a:r>
-              <a:rPr lang="en-US" sz="900" kern="1200" dirty="0" smtClean="0">
-                <a:solidFill>
-                  <a:schemeClr val="tx1"/>
-                </a:solidFill>
-                <a:effectLst/>
-                <a:latin typeface="+mn-lt"/>
-                <a:ea typeface="+mn-ea"/>
-                <a:cs typeface="+mn-cs"/>
-              </a:rPr>
-              <a:t> "Children"</a:t>
-            </a:r>
-            <a:r>
-              <a:rPr lang="en-US" dirty="0" smtClean="0">
-                <a:effectLst/>
-              </a:rPr>
-              <a:t>​</a:t>
-            </a:r>
-          </a:p>
-          <a:p>
-            <a:r>
-              <a:rPr lang="en-US" dirty="0" smtClean="0">
-                <a:effectLst/>
-              </a:rPr>
-              <a:t> console.</a:t>
-            </a:r>
-            <a:r>
-              <a:rPr lang="en-US" sz="900" kern="1200" dirty="0" smtClean="0">
-                <a:solidFill>
-                  <a:schemeClr val="tx1"/>
-                </a:solidFill>
-                <a:effectLst/>
-                <a:latin typeface="+mn-lt"/>
-                <a:ea typeface="+mn-ea"/>
-                <a:cs typeface="+mn-cs"/>
-              </a:rPr>
-              <a:t>log</a:t>
-            </a:r>
-            <a:r>
-              <a:rPr lang="en-US" dirty="0" smtClean="0">
-                <a:effectLst/>
-              </a:rPr>
-              <a:t>(</a:t>
-            </a:r>
-            <a:r>
-              <a:rPr lang="en-US" dirty="0" err="1" smtClean="0">
-                <a:effectLst/>
-              </a:rPr>
-              <a:t>ageGroup</a:t>
-            </a:r>
-            <a:r>
-              <a:rPr lang="en-US" dirty="0" smtClean="0">
-                <a:effectLst/>
-              </a:rPr>
-              <a:t>[</a:t>
-            </a:r>
-            <a:r>
-              <a:rPr lang="en-US" sz="900" kern="1200" dirty="0" smtClean="0">
-                <a:solidFill>
-                  <a:schemeClr val="tx1"/>
-                </a:solidFill>
-                <a:effectLst/>
-                <a:latin typeface="+mn-lt"/>
-                <a:ea typeface="+mn-ea"/>
-                <a:cs typeface="+mn-cs"/>
-              </a:rPr>
-              <a:t>"30"</a:t>
-            </a:r>
-            <a:r>
-              <a:rPr lang="en-US" dirty="0" smtClean="0">
-                <a:effectLst/>
-              </a:rPr>
-              <a:t>]); </a:t>
-            </a:r>
-            <a:r>
-              <a:rPr lang="en-US" sz="900" kern="1200" dirty="0" smtClean="0">
-                <a:solidFill>
-                  <a:schemeClr val="tx1"/>
-                </a:solidFill>
-                <a:effectLst/>
-                <a:latin typeface="+mn-lt"/>
-                <a:ea typeface="+mn-ea"/>
-                <a:cs typeface="+mn-cs"/>
-              </a:rPr>
-              <a:t>// Children</a:t>
-            </a:r>
-            <a:r>
-              <a:rPr lang="en-US" dirty="0" smtClean="0">
-                <a:effectLst/>
-              </a:rPr>
-              <a:t>​​​</a:t>
-            </a:r>
-            <a:r>
-              <a:rPr lang="en-US" sz="900" kern="1200" dirty="0" smtClean="0">
-                <a:solidFill>
-                  <a:schemeClr val="tx1"/>
-                </a:solidFill>
-                <a:effectLst/>
-                <a:latin typeface="+mn-lt"/>
-                <a:ea typeface="+mn-ea"/>
-                <a:cs typeface="+mn-cs"/>
-              </a:rPr>
-              <a:t>//It is best to avoid using numbers as property names.</a:t>
-            </a:r>
-            <a:endParaRPr lang="en-US" dirty="0"/>
+              <a:rPr lang="en-US" dirty="0" smtClean="0"/>
+              <a:t> a = new Array(4);</a:t>
+            </a:r>
+          </a:p>
+          <a:p>
+            <a:r>
+              <a:rPr lang="en-US" dirty="0" smtClean="0"/>
+              <a:t>for (</a:t>
+            </a:r>
+            <a:r>
+              <a:rPr lang="en-US" dirty="0" err="1" smtClean="0"/>
+              <a:t>i</a:t>
+            </a:r>
+            <a:r>
+              <a:rPr lang="en-US" dirty="0" smtClean="0"/>
+              <a:t> = 0; </a:t>
+            </a:r>
+            <a:r>
+              <a:rPr lang="en-US" dirty="0" err="1" smtClean="0"/>
+              <a:t>i</a:t>
+            </a:r>
+            <a:r>
+              <a:rPr lang="en-US" dirty="0" smtClean="0"/>
+              <a:t> &lt; 4; </a:t>
+            </a:r>
+            <a:r>
+              <a:rPr lang="en-US" dirty="0" err="1" smtClean="0"/>
+              <a:t>i</a:t>
+            </a:r>
+            <a:r>
+              <a:rPr lang="en-US" dirty="0" smtClean="0"/>
+              <a:t>++) {</a:t>
+            </a:r>
+          </a:p>
+          <a:p>
+            <a:r>
+              <a:rPr lang="en-US" dirty="0" smtClean="0"/>
+              <a:t>  a[</a:t>
+            </a:r>
+            <a:r>
+              <a:rPr lang="en-US" dirty="0" err="1" smtClean="0"/>
+              <a:t>i</a:t>
+            </a:r>
+            <a:r>
+              <a:rPr lang="en-US" dirty="0" smtClean="0"/>
+              <a:t>] = new Array(4);</a:t>
+            </a:r>
+          </a:p>
+          <a:p>
+            <a:r>
+              <a:rPr lang="en-US" dirty="0" smtClean="0"/>
+              <a:t>  for (j = 0; j &lt; 4; </a:t>
+            </a:r>
+            <a:r>
+              <a:rPr lang="en-US" dirty="0" err="1" smtClean="0"/>
+              <a:t>j++</a:t>
+            </a:r>
+            <a:r>
+              <a:rPr lang="en-US" dirty="0" smtClean="0"/>
+              <a:t>) {</a:t>
+            </a:r>
+          </a:p>
+          <a:p>
+            <a:r>
+              <a:rPr lang="en-US" dirty="0" smtClean="0"/>
+              <a:t>    a[</a:t>
+            </a:r>
+            <a:r>
+              <a:rPr lang="en-US" dirty="0" err="1" smtClean="0"/>
+              <a:t>i</a:t>
+            </a:r>
+            <a:r>
+              <a:rPr lang="en-US" dirty="0" smtClean="0"/>
+              <a:t>][j] = '[' + </a:t>
+            </a:r>
+            <a:r>
+              <a:rPr lang="en-US" dirty="0" err="1" smtClean="0"/>
+              <a:t>i</a:t>
+            </a:r>
+            <a:r>
+              <a:rPr lang="en-US" dirty="0" smtClean="0"/>
+              <a:t> + ', ' + j + ']';</a:t>
+            </a:r>
+          </a:p>
+          <a:p>
+            <a:r>
+              <a:rPr lang="en-US" dirty="0" smtClean="0"/>
+              <a:t>  }</a:t>
+            </a:r>
+          </a:p>
+          <a:p>
+            <a:r>
+              <a:rPr lang="en-US" dirty="0" smtClean="0"/>
+              <a:t>}</a:t>
+            </a:r>
+          </a:p>
+          <a:p>
+            <a:r>
+              <a:rPr lang="en-US" dirty="0" smtClean="0"/>
+              <a:t>Row 0: [0, 0] [0, 1] [0, 2] [0, 3]</a:t>
+            </a:r>
+          </a:p>
+          <a:p>
+            <a:r>
+              <a:rPr lang="en-US" dirty="0" smtClean="0"/>
+              <a:t>Row 1: [1, 0] [1, 1] [1, 2] [1, 3]</a:t>
+            </a:r>
+          </a:p>
+          <a:p>
+            <a:r>
+              <a:rPr lang="en-US" dirty="0" smtClean="0"/>
+              <a:t>Row 2: [2, 0] [2, 1] [2, 2] [2, 3]</a:t>
+            </a:r>
+          </a:p>
+          <a:p>
+            <a:r>
+              <a:rPr lang="en-US" dirty="0" smtClean="0"/>
+              <a:t>Row 3: [3, 0] [3, 1] [3, 2] [3, 3]</a:t>
+            </a:r>
           </a:p>
         </p:txBody>
       </p:sp>
@@ -10722,7 +10420,7 @@
           <a:bodyPr/>
           <a:lstStyle/>
           <a:p>
-            <a:fld id="{0D8A1A91-930A-4EEE-9073-3015D72BEBEB}" type="datetime1">
+            <a:fld id="{65022479-3D91-4BD2-A079-8C97A99A6716}" type="datetime1">
               <a:rPr lang="en-US" smtClean="0"/>
               <a:t>3/11/2017</a:t>
             </a:fld>
@@ -10733,7 +10431,7 @@
     </p:spTree>
     <p:extLst>
       <p:ext uri="{BB962C8B-B14F-4D97-AF65-F5344CB8AC3E}">
-        <p14:creationId xmlns:p14="http://schemas.microsoft.com/office/powerpoint/2010/main" val="1638157680"/>
+        <p14:creationId xmlns:p14="http://schemas.microsoft.com/office/powerpoint/2010/main" val="2706080893"/>
       </p:ext>
     </p:extLst>
   </p:cSld>
@@ -10787,6 +10485,340 @@
           <a:bodyPr/>
           <a:lstStyle/>
           <a:p>
+            <a:r>
+              <a:rPr lang="en-US" dirty="0" err="1" smtClean="0"/>
+              <a:t>Eg</a:t>
+            </a:r>
+            <a:r>
+              <a:rPr lang="en-US" dirty="0" smtClean="0"/>
+              <a:t>.</a:t>
+            </a:r>
+            <a:r>
+              <a:rPr lang="en-US" sz="900" kern="1200" dirty="0" smtClean="0">
+                <a:solidFill>
+                  <a:schemeClr val="tx1"/>
+                </a:solidFill>
+                <a:effectLst/>
+                <a:latin typeface="+mn-lt"/>
+                <a:ea typeface="+mn-ea"/>
+                <a:cs typeface="+mn-cs"/>
+              </a:rPr>
+              <a:t> </a:t>
+            </a:r>
+            <a:r>
+              <a:rPr lang="en-US" sz="900" kern="1200" dirty="0" err="1" smtClean="0">
+                <a:solidFill>
+                  <a:schemeClr val="tx1"/>
+                </a:solidFill>
+                <a:effectLst/>
+                <a:latin typeface="+mn-lt"/>
+                <a:ea typeface="+mn-ea"/>
+                <a:cs typeface="+mn-cs"/>
+              </a:rPr>
+              <a:t>var</a:t>
+            </a:r>
+            <a:r>
+              <a:rPr lang="en-US" dirty="0" smtClean="0">
+                <a:effectLst/>
+              </a:rPr>
+              <a:t> </a:t>
+            </a:r>
+            <a:r>
+              <a:rPr lang="en-US" dirty="0" err="1" smtClean="0">
+                <a:effectLst/>
+              </a:rPr>
+              <a:t>ageGroup</a:t>
+            </a:r>
+            <a:r>
+              <a:rPr lang="en-US" dirty="0" smtClean="0">
+                <a:effectLst/>
+              </a:rPr>
+              <a:t> </a:t>
+            </a:r>
+            <a:r>
+              <a:rPr lang="en-US" sz="900" kern="1200" dirty="0" smtClean="0">
+                <a:solidFill>
+                  <a:schemeClr val="tx1"/>
+                </a:solidFill>
+                <a:effectLst/>
+                <a:latin typeface="+mn-lt"/>
+                <a:ea typeface="+mn-ea"/>
+                <a:cs typeface="+mn-cs"/>
+              </a:rPr>
+              <a:t>=</a:t>
+            </a:r>
+            <a:r>
+              <a:rPr lang="en-US" dirty="0" smtClean="0">
+                <a:effectLst/>
+              </a:rPr>
+              <a:t> {</a:t>
+            </a:r>
+            <a:r>
+              <a:rPr lang="en-US" sz="900" kern="1200" dirty="0" smtClean="0">
+                <a:solidFill>
+                  <a:schemeClr val="tx1"/>
+                </a:solidFill>
+                <a:effectLst/>
+                <a:latin typeface="+mn-lt"/>
+                <a:ea typeface="+mn-ea"/>
+                <a:cs typeface="+mn-cs"/>
+              </a:rPr>
+              <a:t>30</a:t>
+            </a:r>
+            <a:r>
+              <a:rPr lang="en-US" dirty="0" smtClean="0">
+                <a:effectLst/>
+              </a:rPr>
+              <a:t>: </a:t>
+            </a:r>
+            <a:r>
+              <a:rPr lang="en-US" sz="900" kern="1200" dirty="0" smtClean="0">
+                <a:solidFill>
+                  <a:schemeClr val="tx1"/>
+                </a:solidFill>
+                <a:effectLst/>
+                <a:latin typeface="+mn-lt"/>
+                <a:ea typeface="+mn-ea"/>
+                <a:cs typeface="+mn-cs"/>
+              </a:rPr>
+              <a:t>"Children"</a:t>
+            </a:r>
+            <a:r>
+              <a:rPr lang="en-US" dirty="0" smtClean="0">
+                <a:effectLst/>
+              </a:rPr>
+              <a:t>, </a:t>
+            </a:r>
+            <a:r>
+              <a:rPr lang="en-US" sz="900" kern="1200" dirty="0" smtClean="0">
+                <a:solidFill>
+                  <a:schemeClr val="tx1"/>
+                </a:solidFill>
+                <a:effectLst/>
+                <a:latin typeface="+mn-lt"/>
+                <a:ea typeface="+mn-ea"/>
+                <a:cs typeface="+mn-cs"/>
+              </a:rPr>
+              <a:t>100</a:t>
+            </a:r>
+            <a:r>
+              <a:rPr lang="en-US" dirty="0" smtClean="0">
+                <a:effectLst/>
+              </a:rPr>
+              <a:t>:</a:t>
+            </a:r>
+            <a:r>
+              <a:rPr lang="en-US" sz="900" kern="1200" dirty="0" smtClean="0">
+                <a:solidFill>
+                  <a:schemeClr val="tx1"/>
+                </a:solidFill>
+                <a:effectLst/>
+                <a:latin typeface="+mn-lt"/>
+                <a:ea typeface="+mn-ea"/>
+                <a:cs typeface="+mn-cs"/>
+              </a:rPr>
+              <a:t>"Very Old"</a:t>
+            </a:r>
+            <a:r>
+              <a:rPr lang="en-US" dirty="0" smtClean="0">
+                <a:effectLst/>
+              </a:rPr>
+              <a:t>};</a:t>
+            </a:r>
+          </a:p>
+          <a:p>
+            <a:r>
+              <a:rPr lang="en-US" dirty="0" smtClean="0">
+                <a:effectLst/>
+              </a:rPr>
+              <a:t>  console.</a:t>
+            </a:r>
+            <a:r>
+              <a:rPr lang="en-US" sz="900" kern="1200" dirty="0" smtClean="0">
+                <a:solidFill>
+                  <a:schemeClr val="tx1"/>
+                </a:solidFill>
+                <a:effectLst/>
+                <a:latin typeface="+mn-lt"/>
+                <a:ea typeface="+mn-ea"/>
+                <a:cs typeface="+mn-cs"/>
+              </a:rPr>
+              <a:t>log</a:t>
+            </a:r>
+            <a:r>
+              <a:rPr lang="en-US" dirty="0" smtClean="0">
+                <a:effectLst/>
+              </a:rPr>
+              <a:t>(ageGroup.</a:t>
+            </a:r>
+            <a:r>
+              <a:rPr lang="en-US" sz="900" kern="1200" dirty="0" smtClean="0">
+                <a:solidFill>
+                  <a:schemeClr val="tx1"/>
+                </a:solidFill>
+                <a:effectLst/>
+                <a:latin typeface="+mn-lt"/>
+                <a:ea typeface="+mn-ea"/>
+                <a:cs typeface="+mn-cs"/>
+              </a:rPr>
+              <a:t>30</a:t>
+            </a:r>
+            <a:r>
+              <a:rPr lang="en-US" dirty="0" smtClean="0">
+                <a:effectLst/>
+              </a:rPr>
+              <a:t>) </a:t>
+            </a:r>
+            <a:r>
+              <a:rPr lang="en-US" sz="900" kern="1200" dirty="0" smtClean="0">
+                <a:solidFill>
+                  <a:schemeClr val="tx1"/>
+                </a:solidFill>
+                <a:effectLst/>
+                <a:latin typeface="+mn-lt"/>
+                <a:ea typeface="+mn-ea"/>
+                <a:cs typeface="+mn-cs"/>
+              </a:rPr>
+              <a:t>// This will throw an error</a:t>
+            </a:r>
+            <a:r>
+              <a:rPr lang="en-US" dirty="0" smtClean="0">
+                <a:effectLst/>
+              </a:rPr>
+              <a:t>​​</a:t>
+            </a:r>
+            <a:r>
+              <a:rPr lang="en-US" sz="900" kern="1200" dirty="0" smtClean="0">
+                <a:solidFill>
+                  <a:schemeClr val="tx1"/>
+                </a:solidFill>
+                <a:effectLst/>
+                <a:latin typeface="+mn-lt"/>
+                <a:ea typeface="+mn-ea"/>
+                <a:cs typeface="+mn-cs"/>
+              </a:rPr>
+              <a:t>//</a:t>
+            </a:r>
+          </a:p>
+          <a:p>
+            <a:r>
+              <a:rPr lang="en-US" sz="900" kern="1200" dirty="0" smtClean="0">
+                <a:solidFill>
+                  <a:schemeClr val="tx1"/>
+                </a:solidFill>
+                <a:effectLst/>
+                <a:latin typeface="+mn-lt"/>
+                <a:ea typeface="+mn-ea"/>
+                <a:cs typeface="+mn-cs"/>
+              </a:rPr>
+              <a:t> This is how you will access the value of the property 30, to get value </a:t>
+            </a:r>
+          </a:p>
+          <a:p>
+            <a:r>
+              <a:rPr lang="en-US" sz="900" kern="1200" dirty="0" smtClean="0">
+                <a:solidFill>
+                  <a:schemeClr val="tx1"/>
+                </a:solidFill>
+                <a:effectLst/>
+                <a:latin typeface="+mn-lt"/>
+                <a:ea typeface="+mn-ea"/>
+                <a:cs typeface="+mn-cs"/>
+              </a:rPr>
+              <a:t> "Children"</a:t>
+            </a:r>
+            <a:r>
+              <a:rPr lang="en-US" dirty="0" smtClean="0">
+                <a:effectLst/>
+              </a:rPr>
+              <a:t>​</a:t>
+            </a:r>
+          </a:p>
+          <a:p>
+            <a:r>
+              <a:rPr lang="en-US" dirty="0" smtClean="0">
+                <a:effectLst/>
+              </a:rPr>
+              <a:t> console.</a:t>
+            </a:r>
+            <a:r>
+              <a:rPr lang="en-US" sz="900" kern="1200" dirty="0" smtClean="0">
+                <a:solidFill>
+                  <a:schemeClr val="tx1"/>
+                </a:solidFill>
+                <a:effectLst/>
+                <a:latin typeface="+mn-lt"/>
+                <a:ea typeface="+mn-ea"/>
+                <a:cs typeface="+mn-cs"/>
+              </a:rPr>
+              <a:t>log</a:t>
+            </a:r>
+            <a:r>
+              <a:rPr lang="en-US" dirty="0" smtClean="0">
+                <a:effectLst/>
+              </a:rPr>
+              <a:t>(</a:t>
+            </a:r>
+            <a:r>
+              <a:rPr lang="en-US" dirty="0" err="1" smtClean="0">
+                <a:effectLst/>
+              </a:rPr>
+              <a:t>ageGroup</a:t>
+            </a:r>
+            <a:r>
+              <a:rPr lang="en-US" dirty="0" smtClean="0">
+                <a:effectLst/>
+              </a:rPr>
+              <a:t>[</a:t>
+            </a:r>
+            <a:r>
+              <a:rPr lang="en-US" sz="900" kern="1200" dirty="0" smtClean="0">
+                <a:solidFill>
+                  <a:schemeClr val="tx1"/>
+                </a:solidFill>
+                <a:effectLst/>
+                <a:latin typeface="+mn-lt"/>
+                <a:ea typeface="+mn-ea"/>
+                <a:cs typeface="+mn-cs"/>
+              </a:rPr>
+              <a:t>"30"</a:t>
+            </a:r>
+            <a:r>
+              <a:rPr lang="en-US" dirty="0" smtClean="0">
+                <a:effectLst/>
+              </a:rPr>
+              <a:t>]); </a:t>
+            </a:r>
+            <a:r>
+              <a:rPr lang="en-US" sz="900" kern="1200" dirty="0" smtClean="0">
+                <a:solidFill>
+                  <a:schemeClr val="tx1"/>
+                </a:solidFill>
+                <a:effectLst/>
+                <a:latin typeface="+mn-lt"/>
+                <a:ea typeface="+mn-ea"/>
+                <a:cs typeface="+mn-cs"/>
+              </a:rPr>
+              <a:t>// Children</a:t>
+            </a:r>
+            <a:r>
+              <a:rPr lang="en-US" dirty="0" smtClean="0">
+                <a:effectLst/>
+              </a:rPr>
+              <a:t>​​​</a:t>
+            </a:r>
+            <a:r>
+              <a:rPr lang="en-US" sz="900" kern="1200" dirty="0" smtClean="0">
+                <a:solidFill>
+                  <a:schemeClr val="tx1"/>
+                </a:solidFill>
+                <a:effectLst/>
+                <a:latin typeface="+mn-lt"/>
+                <a:ea typeface="+mn-ea"/>
+                <a:cs typeface="+mn-cs"/>
+              </a:rPr>
+              <a:t>//It is best to avoid using numbers as property names.</a:t>
+            </a:r>
             <a:endParaRPr lang="en-US" dirty="0"/>
           </a:p>
         </p:txBody>
@@ -10825,6 +10857,109 @@
           <a:bodyPr/>
           <a:lstStyle/>
           <a:p>
+            <a:fld id="{0D8A1A91-930A-4EEE-9073-3015D72BEBEB}" type="datetime1">
+              <a:rPr lang="en-US" smtClean="0"/>
+              <a:t>3/11/2017</a:t>
+            </a:fld>
+            <a:endParaRPr lang="en-US" dirty="0"/>
+          </a:p>
+        </p:txBody>
+      </p:sp>
+    </p:spTree>
+    <p:extLst>
+      <p:ext uri="{BB962C8B-B14F-4D97-AF65-F5344CB8AC3E}">
+        <p14:creationId xmlns:p14="http://schemas.microsoft.com/office/powerpoint/2010/main" val="1638157680"/>
+      </p:ext>
+    </p:extLst>
+  </p:cSld>
+  <p:clrMapOvr>
+    <a:masterClrMapping/>
+  </p:clrMapOvr>
+</p:notes>
+</file>
+
+<file path=ppt/notesSlides/notesSlide45.xml><?xml version="1.0" encoding="utf-8"?>
+<p:notes xmlns:a="http://schemas.openxmlformats.org/drawingml/2006/main" xmlns:r="http://schemas.openxmlformats.org/officeDocument/2006/relationships" xmlns:p="http://schemas.openxmlformats.org/presentationml/2006/main">
+  <p:cSld>
+    <p:spTree>
+      <p:nvGrpSpPr>
+        <p:cNvPr id="1" name=""/>
+        <p:cNvGrpSpPr/>
+        <p:nvPr/>
+      </p:nvGrpSpPr>
+      <p:grpSpPr>
+        <a:xfrm>
+          <a:off x="0" y="0"/>
+          <a:ext cx="0" cy="0"/>
+          <a:chOff x="0" y="0"/>
+          <a:chExt cx="0" cy="0"/>
+        </a:xfrm>
+      </p:grpSpPr>
+      <p:sp>
+        <p:nvSpPr>
+          <p:cNvPr id="2" name="Slide Image Placeholder 1"/>
+          <p:cNvSpPr>
+            <a:spLocks noGrp="1" noRot="1" noChangeAspect="1"/>
+          </p:cNvSpPr>
+          <p:nvPr>
+            <p:ph type="sldImg"/>
+          </p:nvPr>
+        </p:nvSpPr>
+        <p:spPr/>
+      </p:sp>
+      <p:sp>
+        <p:nvSpPr>
+          <p:cNvPr id="3" name="Notes Placeholder 2"/>
+          <p:cNvSpPr>
+            <a:spLocks noGrp="1"/>
+          </p:cNvSpPr>
+          <p:nvPr>
+            <p:ph type="body" idx="1"/>
+          </p:nvPr>
+        </p:nvSpPr>
+        <p:spPr/>
+        <p:txBody>
+          <a:bodyPr/>
+          <a:lstStyle/>
+          <a:p>
+            <a:endParaRPr lang="en-US" dirty="0"/>
+          </a:p>
+        </p:txBody>
+      </p:sp>
+      <p:sp>
+        <p:nvSpPr>
+          <p:cNvPr id="4" name="Header Placeholder 3"/>
+          <p:cNvSpPr>
+            <a:spLocks noGrp="1"/>
+          </p:cNvSpPr>
+          <p:nvPr>
+            <p:ph type="hdr" sz="quarter" idx="10"/>
+          </p:nvPr>
+        </p:nvSpPr>
+        <p:spPr/>
+        <p:txBody>
+          <a:bodyPr/>
+          <a:lstStyle/>
+          <a:p>
+            <a:endParaRPr lang="en-US" dirty="0"/>
+          </a:p>
+        </p:txBody>
+      </p:sp>
+      <p:sp>
+        <p:nvSpPr>
+          <p:cNvPr id="5" name="Date Placeholder 4"/>
+          <p:cNvSpPr>
+            <a:spLocks noGrp="1"/>
+          </p:cNvSpPr>
+          <p:nvPr>
+            <p:ph type="dt" idx="11"/>
+          </p:nvPr>
+        </p:nvSpPr>
+        <p:spPr/>
+        <p:txBody>
+          <a:bodyPr/>
+          <a:lstStyle/>
+          <a:p>
             <a:fld id="{5D151330-263A-42FA-B9C1-012FF6CA88C3}" type="datetime1">
               <a:rPr lang="en-US" smtClean="0"/>
               <a:t>3/11/2017</a:t>
@@ -10846,7 +10981,7 @@
 </p:notes>
 </file>
 
-<file path=ppt/notesSlides/notesSlide45.xml><?xml version="1.0" encoding="utf-8"?>
+<file path=ppt/notesSlides/notesSlide46.xml><?xml version="1.0" encoding="utf-8"?>
 <p:notes xmlns:a="http://schemas.openxmlformats.org/drawingml/2006/main" xmlns:r="http://schemas.openxmlformats.org/officeDocument/2006/relationships" xmlns:p="http://schemas.openxmlformats.org/presentationml/2006/main">
   <p:cSld>
     <p:spTree>
@@ -27246,11 +27381,11 @@
           <a:p>
             <a:r>
               <a:rPr lang="en-US" dirty="0" smtClean="0"/>
-              <a:t>append(1</a:t>
+              <a:t>append(1); </a:t>
             </a:r>
             <a:r>
               <a:rPr lang="en-US" dirty="0"/>
-              <a:t>); //[1]</a:t>
+              <a:t>//[1]</a:t>
             </a:r>
           </a:p>
           <a:p>
@@ -27792,7 +27927,6 @@
               <a:rPr lang="en-US" dirty="0"/>
               <a:t>JavaScript function</a:t>
             </a:r>
-            <a:endParaRPr lang="en-US" dirty="0"/>
           </a:p>
         </p:txBody>
       </p:sp>
@@ -27836,7 +27970,15 @@
           <a:p>
             <a:r>
               <a:rPr lang="en-US" dirty="0"/>
-              <a:t>function f([x, y] = [1, 2], {z: z} = {z: 3}) { </a:t>
+              <a:t>function f([x, y] = [1, 2], {z: </a:t>
+            </a:r>
+            <a:r>
+              <a:rPr lang="en-US" dirty="0" smtClean="0"/>
+              <a:t>c} </a:t>
+            </a:r>
+            <a:r>
+              <a:rPr lang="en-US" dirty="0"/>
+              <a:t>= {z: 3}) { </a:t>
             </a:r>
           </a:p>
           <a:p>
@@ -29911,7 +30053,6 @@
               <a:rPr lang="en-US" dirty="0"/>
               <a:t>Variables defined inside a function cannot be accessed from anywhere outside the function, because the variable is defined only in the scope of the function. However, a function can access all variables and functions defined inside the scope in which it is defined. In other words, a function defined in the global scope can access all variables defined in the global scope. A function defined inside another function can also access all variables defined in its parent function and any other variable to which the parent function has access.</a:t>
             </a:r>
-            <a:endParaRPr lang="en-US" dirty="0"/>
           </a:p>
         </p:txBody>
       </p:sp>
@@ -30873,7 +31014,6 @@
               <a:rPr lang="en-US" dirty="0"/>
               <a:t> s; // Returns 'object'</a:t>
             </a:r>
-            <a:endParaRPr lang="en-US" dirty="0"/>
           </a:p>
           <a:p>
             <a:endParaRPr lang="en-US" dirty="0"/>
@@ -31103,7 +31243,6 @@
               <a:rPr lang="en-US" sz="2400" dirty="0"/>
               <a:t>];</a:t>
             </a:r>
-            <a:endParaRPr lang="en-US" sz="2400" dirty="0"/>
           </a:p>
           <a:p>
             <a:pPr marL="342900" indent="-342900">

--- a/doc/javascript.pptx
+++ b/doc/javascript.pptx
@@ -5,10 +5,10 @@
     <p:sldMasterId id="2147483666" r:id="rId1"/>
   </p:sldMasterIdLst>
   <p:notesMasterIdLst>
-    <p:notesMasterId r:id="rId91"/>
+    <p:notesMasterId r:id="rId93"/>
   </p:notesMasterIdLst>
   <p:handoutMasterIdLst>
-    <p:handoutMasterId r:id="rId92"/>
+    <p:handoutMasterId r:id="rId94"/>
   </p:handoutMasterIdLst>
   <p:sldIdLst>
     <p:sldId id="807" r:id="rId2"/>
@@ -100,6 +100,8 @@
     <p:sldId id="832" r:id="rId88"/>
     <p:sldId id="833" r:id="rId89"/>
     <p:sldId id="834" r:id="rId90"/>
+    <p:sldId id="912" r:id="rId91"/>
+    <p:sldId id="913" r:id="rId92"/>
   </p:sldIdLst>
   <p:sldSz cx="9144000" cy="5143500" type="screen16x9"/>
   <p:notesSz cx="6858000" cy="9144000"/>
@@ -292,6 +294,8 @@
             <p14:sldId id="832"/>
             <p14:sldId id="833"/>
             <p14:sldId id="834"/>
+            <p14:sldId id="912"/>
+            <p14:sldId id="913"/>
           </p14:sldIdLst>
         </p14:section>
       </p14:sectionLst>
@@ -419,7 +423,7 @@
             <a:fld id="{3ECA0D7F-01C5-4910-AF79-94801A394A7D}" type="datetimeFigureOut">
               <a:rPr lang="en-US" smtClean="0"/>
               <a:pPr/>
-              <a:t>3/11/2017</a:t>
+              <a:t>3/26/2017</a:t>
             </a:fld>
             <a:endParaRPr lang="en-US" dirty="0"/>
           </a:p>
@@ -591,7 +595,7 @@
             <a:fld id="{297A7E1B-F2FC-4D6E-A456-9244AEED2FF0}" type="datetimeFigureOut">
               <a:rPr lang="en-US" smtClean="0"/>
               <a:pPr/>
-              <a:t>3/11/2017</a:t>
+              <a:t>3/26/2017</a:t>
             </a:fld>
             <a:endParaRPr lang="en-US" dirty="0"/>
           </a:p>
@@ -911,7 +915,7 @@
           <a:p>
             <a:fld id="{BEC881CA-388F-473B-8DF8-607EFFE8DD34}" type="datetime1">
               <a:rPr lang="en-US" smtClean="0"/>
-              <a:t>3/11/2017</a:t>
+              <a:t>3/26/2017</a:t>
             </a:fld>
             <a:endParaRPr lang="en-US" dirty="0"/>
           </a:p>
@@ -1033,7 +1037,7 @@
           <a:p>
             <a:fld id="{B5129EEF-9BD5-4694-88A0-2326148DEA8D}" type="datetime1">
               <a:rPr lang="en-US" smtClean="0"/>
-              <a:t>3/11/2017</a:t>
+              <a:t>3/26/2017</a:t>
             </a:fld>
             <a:endParaRPr lang="en-US" dirty="0"/>
           </a:p>
@@ -1136,7 +1140,7 @@
           <a:p>
             <a:fld id="{CE98C1B1-DA79-4873-A676-B10C552DC4E6}" type="datetime1">
               <a:rPr lang="en-US" smtClean="0"/>
-              <a:t>3/11/2017</a:t>
+              <a:t>3/26/2017</a:t>
             </a:fld>
             <a:endParaRPr lang="en-US" dirty="0"/>
           </a:p>
@@ -1673,7 +1677,7 @@
           <a:p>
             <a:fld id="{E579E49E-920E-44C1-8C61-63C5A39DFF35}" type="datetime1">
               <a:rPr lang="en-US" smtClean="0"/>
-              <a:t>3/11/2017</a:t>
+              <a:t>3/26/2017</a:t>
             </a:fld>
             <a:endParaRPr lang="en-US" dirty="0"/>
           </a:p>
@@ -1912,7 +1916,7 @@
           <a:p>
             <a:fld id="{10FA1E36-83C4-4421-AB49-7040BD34C279}" type="datetime1">
               <a:rPr lang="en-US" smtClean="0"/>
-              <a:t>3/11/2017</a:t>
+              <a:t>3/26/2017</a:t>
             </a:fld>
             <a:endParaRPr lang="en-US" dirty="0"/>
           </a:p>
@@ -2196,7 +2200,7 @@
           <a:p>
             <a:fld id="{EF9F799D-368C-42DB-A392-1FD2E97F01BA}" type="datetime1">
               <a:rPr lang="en-US" smtClean="0"/>
-              <a:t>3/11/2017</a:t>
+              <a:t>3/26/2017</a:t>
             </a:fld>
             <a:endParaRPr lang="en-US" dirty="0"/>
           </a:p>
@@ -2313,7 +2317,7 @@
           <a:p>
             <a:fld id="{367B41A0-E22B-4D89-BA31-12583C2F8DCD}" type="datetime1">
               <a:rPr lang="en-US" smtClean="0"/>
-              <a:t>3/11/2017</a:t>
+              <a:t>3/26/2017</a:t>
             </a:fld>
             <a:endParaRPr lang="en-US" dirty="0"/>
           </a:p>
@@ -2416,7 +2420,7 @@
           <a:p>
             <a:fld id="{74E9A8A5-A106-4476-9B9D-825212298E31}" type="datetime1">
               <a:rPr lang="en-US" smtClean="0"/>
-              <a:t>3/11/2017</a:t>
+              <a:t>3/26/2017</a:t>
             </a:fld>
             <a:endParaRPr lang="en-US" dirty="0"/>
           </a:p>
@@ -2519,7 +2523,7 @@
           <a:p>
             <a:fld id="{98418866-D822-4968-9BDE-D13A063A85FB}" type="datetime1">
               <a:rPr lang="en-US" smtClean="0"/>
-              <a:t>3/11/2017</a:t>
+              <a:t>3/26/2017</a:t>
             </a:fld>
             <a:endParaRPr lang="en-US" dirty="0"/>
           </a:p>
@@ -2622,7 +2626,7 @@
           <a:p>
             <a:fld id="{37F9DDEE-E49C-479B-AE3A-7BF021E0290B}" type="datetime1">
               <a:rPr lang="en-US" smtClean="0"/>
-              <a:t>3/11/2017</a:t>
+              <a:t>3/26/2017</a:t>
             </a:fld>
             <a:endParaRPr lang="en-US" dirty="0"/>
           </a:p>
@@ -2725,7 +2729,7 @@
           <a:p>
             <a:fld id="{F1D18602-1CA8-4779-887C-0B037454BD60}" type="datetime1">
               <a:rPr lang="en-US" smtClean="0"/>
-              <a:t>3/11/2017</a:t>
+              <a:t>3/26/2017</a:t>
             </a:fld>
             <a:endParaRPr lang="en-US" dirty="0"/>
           </a:p>
@@ -2825,7 +2829,7 @@
           <a:p>
             <a:fld id="{3C87468F-1E1E-4BD7-A12A-6F5DC360DAF8}" type="datetime1">
               <a:rPr lang="en-US" smtClean="0"/>
-              <a:t>3/11/2017</a:t>
+              <a:t>3/26/2017</a:t>
             </a:fld>
             <a:endParaRPr lang="en-US" dirty="0"/>
           </a:p>
@@ -3138,7 +3142,7 @@
           <a:p>
             <a:fld id="{0CF69FE7-12C4-4D97-ACE2-2FB966199B85}" type="datetime1">
               <a:rPr lang="en-US" smtClean="0"/>
-              <a:t>3/11/2017</a:t>
+              <a:t>3/26/2017</a:t>
             </a:fld>
             <a:endParaRPr lang="en-US" dirty="0"/>
           </a:p>
@@ -3269,7 +3273,7 @@
           <a:p>
             <a:fld id="{5F8B7E4C-C2BE-4B9E-B2E7-6B2915B970AA}" type="datetime1">
               <a:rPr lang="en-US" smtClean="0"/>
-              <a:t>3/11/2017</a:t>
+              <a:t>3/26/2017</a:t>
             </a:fld>
             <a:endParaRPr lang="en-US" dirty="0"/>
           </a:p>
@@ -3372,7 +3376,7 @@
           <a:p>
             <a:fld id="{5ABDCCE0-980C-42C5-8CA7-315D555900B8}" type="datetime1">
               <a:rPr lang="en-US" smtClean="0"/>
-              <a:t>3/11/2017</a:t>
+              <a:t>3/26/2017</a:t>
             </a:fld>
             <a:endParaRPr lang="en-US" dirty="0"/>
           </a:p>
@@ -3511,7 +3515,7 @@
           <a:p>
             <a:fld id="{3B2A951B-47BF-4821-AB09-DD2FFBFCEA4D}" type="datetime1">
               <a:rPr lang="en-US" smtClean="0"/>
-              <a:t>3/11/2017</a:t>
+              <a:t>3/26/2017</a:t>
             </a:fld>
             <a:endParaRPr lang="en-US" dirty="0"/>
           </a:p>
@@ -3840,7 +3844,7 @@
           <a:p>
             <a:fld id="{31D7DC25-EC0B-474D-9D61-45DDFA45A58D}" type="datetime1">
               <a:rPr lang="en-US" smtClean="0"/>
-              <a:t>3/11/2017</a:t>
+              <a:t>3/26/2017</a:t>
             </a:fld>
             <a:endParaRPr lang="en-US" dirty="0"/>
           </a:p>
@@ -3979,7 +3983,7 @@
           <a:p>
             <a:fld id="{6FFF2B87-8C84-456B-A9BE-E1C5333D99BC}" type="datetime1">
               <a:rPr lang="en-US" smtClean="0"/>
-              <a:t>3/11/2017</a:t>
+              <a:t>3/26/2017</a:t>
             </a:fld>
             <a:endParaRPr lang="en-US" dirty="0"/>
           </a:p>
@@ -4166,7 +4170,7 @@
           <a:p>
             <a:fld id="{CA55A900-54F0-40A3-9F0D-43568435D162}" type="datetime1">
               <a:rPr lang="en-US" smtClean="0"/>
-              <a:t>3/11/2017</a:t>
+              <a:t>3/26/2017</a:t>
             </a:fld>
             <a:endParaRPr lang="en-US" dirty="0"/>
           </a:p>
@@ -4275,7 +4279,7 @@
           <a:p>
             <a:fld id="{064E18A4-4F6D-4236-90C9-5E6C744E2017}" type="datetime1">
               <a:rPr lang="en-US" smtClean="0"/>
-              <a:t>3/11/2017</a:t>
+              <a:t>3/26/2017</a:t>
             </a:fld>
             <a:endParaRPr lang="en-US" dirty="0"/>
           </a:p>
@@ -4378,7 +4382,7 @@
           <a:p>
             <a:fld id="{C3FAEBC4-3756-4713-91E9-1BF650C22184}" type="datetime1">
               <a:rPr lang="en-US" smtClean="0"/>
-              <a:t>3/11/2017</a:t>
+              <a:t>3/26/2017</a:t>
             </a:fld>
             <a:endParaRPr lang="en-US" dirty="0"/>
           </a:p>
@@ -4657,7 +4661,7 @@
           <a:p>
             <a:fld id="{61AD9736-5B29-49D5-B31A-75D2DCFFC399}" type="datetime1">
               <a:rPr lang="en-US" smtClean="0"/>
-              <a:t>3/11/2017</a:t>
+              <a:t>3/26/2017</a:t>
             </a:fld>
             <a:endParaRPr lang="en-US" dirty="0"/>
           </a:p>
@@ -4760,7 +4764,7 @@
           <a:p>
             <a:fld id="{11196C29-405C-47C9-A315-C5C88657765A}" type="datetime1">
               <a:rPr lang="en-US" smtClean="0"/>
-              <a:t>3/11/2017</a:t>
+              <a:t>3/26/2017</a:t>
             </a:fld>
             <a:endParaRPr lang="en-US" dirty="0"/>
           </a:p>
@@ -4947,7 +4951,7 @@
           <a:p>
             <a:fld id="{33364D99-4C0A-4DA3-80E4-D2BA17C91B7B}" type="datetime1">
               <a:rPr lang="en-US" smtClean="0"/>
-              <a:t>3/11/2017</a:t>
+              <a:t>3/26/2017</a:t>
             </a:fld>
             <a:endParaRPr lang="en-US" dirty="0"/>
           </a:p>
@@ -5153,7 +5157,7 @@
           <a:p>
             <a:fld id="{0D9FD35E-37F2-48C4-9434-4A190D954D08}" type="datetime1">
               <a:rPr lang="en-US" smtClean="0"/>
-              <a:t>3/11/2017</a:t>
+              <a:t>3/26/2017</a:t>
             </a:fld>
             <a:endParaRPr lang="en-US" dirty="0"/>
           </a:p>
@@ -5329,7 +5333,7 @@
           <a:p>
             <a:fld id="{24A4FB86-8A28-400E-8D40-4E1268A09A33}" type="datetime1">
               <a:rPr lang="en-US" smtClean="0"/>
-              <a:t>3/11/2017</a:t>
+              <a:t>3/26/2017</a:t>
             </a:fld>
             <a:endParaRPr lang="en-US" dirty="0"/>
           </a:p>
@@ -5524,7 +5528,7 @@
           <a:p>
             <a:fld id="{4E13B294-B099-4490-81EB-2B3CA196618B}" type="datetime1">
               <a:rPr lang="en-US" smtClean="0"/>
-              <a:t>3/11/2017</a:t>
+              <a:t>3/26/2017</a:t>
             </a:fld>
             <a:endParaRPr lang="en-US" dirty="0"/>
           </a:p>
@@ -5687,7 +5691,7 @@
           <a:p>
             <a:fld id="{D83E8344-54CF-410F-AC5E-87691D3A86DE}" type="datetime1">
               <a:rPr lang="en-US" smtClean="0"/>
-              <a:t>3/11/2017</a:t>
+              <a:t>3/26/2017</a:t>
             </a:fld>
             <a:endParaRPr lang="en-US" dirty="0"/>
           </a:p>
@@ -5892,7 +5896,7 @@
           <a:p>
             <a:fld id="{C8C12100-49BB-424D-BB8B-C0F476F8FAF7}" type="datetime1">
               <a:rPr lang="en-US" smtClean="0"/>
-              <a:t>3/11/2017</a:t>
+              <a:t>3/26/2017</a:t>
             </a:fld>
             <a:endParaRPr lang="en-US" dirty="0"/>
           </a:p>
@@ -7453,7 +7457,7 @@
           <a:p>
             <a:fld id="{2439A704-5EF5-4787-96DA-BCB67735A9D9}" type="datetime1">
               <a:rPr lang="en-US" smtClean="0"/>
-              <a:t>3/11/2017</a:t>
+              <a:t>3/26/2017</a:t>
             </a:fld>
             <a:endParaRPr lang="en-US" dirty="0"/>
           </a:p>
@@ -7828,7 +7832,7 @@
           <a:p>
             <a:fld id="{3D357578-6251-4D45-8D70-F9C82C925954}" type="datetime1">
               <a:rPr lang="en-US" smtClean="0"/>
-              <a:t>3/11/2017</a:t>
+              <a:t>3/26/2017</a:t>
             </a:fld>
             <a:endParaRPr lang="en-US" dirty="0"/>
           </a:p>
@@ -8317,7 +8321,7 @@
           <a:p>
             <a:fld id="{4C0640C5-4227-4910-A621-D0E12189A96D}" type="datetime1">
               <a:rPr lang="en-US" smtClean="0"/>
-              <a:t>3/11/2017</a:t>
+              <a:t>3/26/2017</a:t>
             </a:fld>
             <a:endParaRPr lang="en-US" dirty="0"/>
           </a:p>
@@ -8506,7 +8510,7 @@
           <a:p>
             <a:fld id="{C6A00571-200D-4735-8F89-B96DCFC00969}" type="datetime1">
               <a:rPr lang="en-US" smtClean="0"/>
-              <a:t>3/11/2017</a:t>
+              <a:t>3/26/2017</a:t>
             </a:fld>
             <a:endParaRPr lang="en-US" dirty="0"/>
           </a:p>
@@ -8699,7 +8703,7 @@
           <a:p>
             <a:fld id="{D395629C-A4AB-41FE-A350-119C96B2F23A}" type="datetime1">
               <a:rPr lang="en-US" smtClean="0"/>
-              <a:t>3/11/2017</a:t>
+              <a:t>3/26/2017</a:t>
             </a:fld>
             <a:endParaRPr lang="en-US" dirty="0"/>
           </a:p>
@@ -9293,7 +9297,7 @@
           <a:p>
             <a:fld id="{C1476493-40AA-4037-896A-2891E7F7157B}" type="datetime1">
               <a:rPr lang="en-US" smtClean="0"/>
-              <a:t>3/11/2017</a:t>
+              <a:t>3/26/2017</a:t>
             </a:fld>
             <a:endParaRPr lang="en-US" dirty="0"/>
           </a:p>
@@ -9722,7 +9726,7 @@
           <a:p>
             <a:fld id="{E41A8034-39BE-48C3-A71B-A262B61F060D}" type="datetime1">
               <a:rPr lang="en-US" smtClean="0"/>
-              <a:t>3/11/2017</a:t>
+              <a:t>3/26/2017</a:t>
             </a:fld>
             <a:endParaRPr lang="en-US" dirty="0"/>
           </a:p>
@@ -10190,7 +10194,7 @@
           <a:p>
             <a:fld id="{C5BD5C2D-A268-4F39-AA06-2FA9539C8034}" type="datetime1">
               <a:rPr lang="en-US" smtClean="0"/>
-              <a:t>3/11/2017</a:t>
+              <a:t>3/26/2017</a:t>
             </a:fld>
             <a:endParaRPr lang="en-US" dirty="0"/>
           </a:p>
@@ -10422,7 +10426,7 @@
           <a:p>
             <a:fld id="{65022479-3D91-4BD2-A079-8C97A99A6716}" type="datetime1">
               <a:rPr lang="en-US" smtClean="0"/>
-              <a:t>3/11/2017</a:t>
+              <a:t>3/26/2017</a:t>
             </a:fld>
             <a:endParaRPr lang="en-US" dirty="0"/>
           </a:p>
@@ -10859,7 +10863,7 @@
           <a:p>
             <a:fld id="{0D8A1A91-930A-4EEE-9073-3015D72BEBEB}" type="datetime1">
               <a:rPr lang="en-US" smtClean="0"/>
-              <a:t>3/11/2017</a:t>
+              <a:t>3/26/2017</a:t>
             </a:fld>
             <a:endParaRPr lang="en-US" dirty="0"/>
           </a:p>
@@ -10962,7 +10966,7 @@
           <a:p>
             <a:fld id="{5D151330-263A-42FA-B9C1-012FF6CA88C3}" type="datetime1">
               <a:rPr lang="en-US" smtClean="0"/>
-              <a:t>3/11/2017</a:t>
+              <a:t>3/26/2017</a:t>
             </a:fld>
             <a:endParaRPr lang="en-US" dirty="0"/>
           </a:p>
@@ -11563,7 +11567,7 @@
           <a:p>
             <a:fld id="{DC31D70B-C340-4654-A37B-046665E56161}" type="datetime1">
               <a:rPr lang="en-US" smtClean="0"/>
-              <a:t>3/11/2017</a:t>
+              <a:t>3/26/2017</a:t>
             </a:fld>
             <a:endParaRPr lang="en-US" dirty="0"/>
           </a:p>
@@ -11573,6 +11577,109 @@
     <p:extLst>
       <p:ext uri="{BB962C8B-B14F-4D97-AF65-F5344CB8AC3E}">
         <p14:creationId xmlns:p14="http://schemas.microsoft.com/office/powerpoint/2010/main" val="3907789602"/>
+      </p:ext>
+    </p:extLst>
+  </p:cSld>
+  <p:clrMapOvr>
+    <a:masterClrMapping/>
+  </p:clrMapOvr>
+</p:notes>
+</file>
+
+<file path=ppt/notesSlides/notesSlide47.xml><?xml version="1.0" encoding="utf-8"?>
+<p:notes xmlns:a="http://schemas.openxmlformats.org/drawingml/2006/main" xmlns:r="http://schemas.openxmlformats.org/officeDocument/2006/relationships" xmlns:p="http://schemas.openxmlformats.org/presentationml/2006/main">
+  <p:cSld>
+    <p:spTree>
+      <p:nvGrpSpPr>
+        <p:cNvPr id="1" name=""/>
+        <p:cNvGrpSpPr/>
+        <p:nvPr/>
+      </p:nvGrpSpPr>
+      <p:grpSpPr>
+        <a:xfrm>
+          <a:off x="0" y="0"/>
+          <a:ext cx="0" cy="0"/>
+          <a:chOff x="0" y="0"/>
+          <a:chExt cx="0" cy="0"/>
+        </a:xfrm>
+      </p:grpSpPr>
+      <p:sp>
+        <p:nvSpPr>
+          <p:cNvPr id="2" name="Slide Image Placeholder 1"/>
+          <p:cNvSpPr>
+            <a:spLocks noGrp="1" noRot="1" noChangeAspect="1"/>
+          </p:cNvSpPr>
+          <p:nvPr>
+            <p:ph type="sldImg"/>
+          </p:nvPr>
+        </p:nvSpPr>
+        <p:spPr/>
+      </p:sp>
+      <p:sp>
+        <p:nvSpPr>
+          <p:cNvPr id="3" name="Notes Placeholder 2"/>
+          <p:cNvSpPr>
+            <a:spLocks noGrp="1"/>
+          </p:cNvSpPr>
+          <p:nvPr>
+            <p:ph type="body" idx="1"/>
+          </p:nvPr>
+        </p:nvSpPr>
+        <p:spPr/>
+        <p:txBody>
+          <a:bodyPr/>
+          <a:lstStyle/>
+          <a:p>
+            <a:endParaRPr lang="en-US" dirty="0"/>
+          </a:p>
+        </p:txBody>
+      </p:sp>
+      <p:sp>
+        <p:nvSpPr>
+          <p:cNvPr id="4" name="Header Placeholder 3"/>
+          <p:cNvSpPr>
+            <a:spLocks noGrp="1"/>
+          </p:cNvSpPr>
+          <p:nvPr>
+            <p:ph type="hdr" sz="quarter" idx="10"/>
+          </p:nvPr>
+        </p:nvSpPr>
+        <p:spPr/>
+        <p:txBody>
+          <a:bodyPr/>
+          <a:lstStyle/>
+          <a:p>
+            <a:endParaRPr lang="en-US" dirty="0"/>
+          </a:p>
+        </p:txBody>
+      </p:sp>
+      <p:sp>
+        <p:nvSpPr>
+          <p:cNvPr id="5" name="Date Placeholder 4"/>
+          <p:cNvSpPr>
+            <a:spLocks noGrp="1"/>
+          </p:cNvSpPr>
+          <p:nvPr>
+            <p:ph type="dt" idx="11"/>
+          </p:nvPr>
+        </p:nvSpPr>
+        <p:spPr/>
+        <p:txBody>
+          <a:bodyPr/>
+          <a:lstStyle/>
+          <a:p>
+            <a:fld id="{2BAD372E-0828-495E-8A40-060AEEEE3F30}" type="datetime1">
+              <a:rPr lang="en-US" smtClean="0"/>
+              <a:t>3/26/2017</a:t>
+            </a:fld>
+            <a:endParaRPr lang="en-US" dirty="0"/>
+          </a:p>
+        </p:txBody>
+      </p:sp>
+    </p:spTree>
+    <p:extLst>
+      <p:ext uri="{BB962C8B-B14F-4D97-AF65-F5344CB8AC3E}">
+        <p14:creationId xmlns:p14="http://schemas.microsoft.com/office/powerpoint/2010/main" val="2809086004"/>
       </p:ext>
     </p:extLst>
   </p:cSld>
@@ -12279,7 +12386,7 @@
           <a:p>
             <a:fld id="{EF8DD735-987B-4CC7-BA1F-FDDF5CB97D5C}" type="datetime1">
               <a:rPr lang="en-US" smtClean="0"/>
-              <a:t>3/11/2017</a:t>
+              <a:t>3/26/2017</a:t>
             </a:fld>
             <a:endParaRPr lang="en-US" dirty="0"/>
           </a:p>
@@ -13820,7 +13927,7 @@
           <a:p>
             <a:fld id="{61291C54-0261-4846-88E6-56CABC42E2F8}" type="datetime1">
               <a:rPr lang="en-US" smtClean="0"/>
-              <a:t>3/11/2017</a:t>
+              <a:t>3/26/2017</a:t>
             </a:fld>
             <a:endParaRPr lang="en-US" dirty="0"/>
           </a:p>
@@ -14007,7 +14114,7 @@
           <a:p>
             <a:fld id="{4B550F5F-7282-4699-9F64-9E60162AA877}" type="datetime1">
               <a:rPr lang="en-US" smtClean="0"/>
-              <a:t>3/11/2017</a:t>
+              <a:t>3/26/2017</a:t>
             </a:fld>
             <a:endParaRPr lang="en-US" dirty="0"/>
           </a:p>
@@ -14107,7 +14214,7 @@
           <a:p>
             <a:fld id="{B94DF958-546C-413C-A4BB-C50F006423A4}" type="datetime1">
               <a:rPr lang="en-US" smtClean="0"/>
-              <a:t>3/11/2017</a:t>
+              <a:t>3/26/2017</a:t>
             </a:fld>
             <a:endParaRPr lang="en-US" dirty="0"/>
           </a:p>
@@ -14240,7 +14347,7 @@
           <a:p>
             <a:fld id="{E10F1410-AC63-4B3D-BDB6-F3A85B05547F}" type="datetime1">
               <a:rPr lang="en-US" smtClean="0"/>
-              <a:t>3/11/2017</a:t>
+              <a:t>3/26/2017</a:t>
             </a:fld>
             <a:endParaRPr lang="en-US" dirty="0"/>
           </a:p>
@@ -39129,6 +39236,275 @@
 </p:sld>
 </file>
 
+<file path=ppt/slides/slide90.xml><?xml version="1.0" encoding="utf-8"?>
+<p:sld xmlns:a="http://schemas.openxmlformats.org/drawingml/2006/main" xmlns:r="http://schemas.openxmlformats.org/officeDocument/2006/relationships" xmlns:p="http://schemas.openxmlformats.org/presentationml/2006/main">
+  <p:cSld>
+    <p:spTree>
+      <p:nvGrpSpPr>
+        <p:cNvPr id="1" name=""/>
+        <p:cNvGrpSpPr/>
+        <p:nvPr/>
+      </p:nvGrpSpPr>
+      <p:grpSpPr>
+        <a:xfrm>
+          <a:off x="0" y="0"/>
+          <a:ext cx="0" cy="0"/>
+          <a:chOff x="0" y="0"/>
+          <a:chExt cx="0" cy="0"/>
+        </a:xfrm>
+      </p:grpSpPr>
+      <p:sp>
+        <p:nvSpPr>
+          <p:cNvPr id="2" name="Title 1"/>
+          <p:cNvSpPr>
+            <a:spLocks noGrp="1"/>
+          </p:cNvSpPr>
+          <p:nvPr>
+            <p:ph type="title"/>
+          </p:nvPr>
+        </p:nvSpPr>
+        <p:spPr/>
+        <p:txBody>
+          <a:bodyPr/>
+          <a:lstStyle/>
+          <a:p>
+            <a:r>
+              <a:rPr lang="en-US" dirty="0" smtClean="0"/>
+              <a:t>DATE</a:t>
+            </a:r>
+            <a:endParaRPr lang="en-US" dirty="0"/>
+          </a:p>
+        </p:txBody>
+      </p:sp>
+      <p:sp>
+        <p:nvSpPr>
+          <p:cNvPr id="3" name="Content Placeholder 2"/>
+          <p:cNvSpPr>
+            <a:spLocks noGrp="1"/>
+          </p:cNvSpPr>
+          <p:nvPr>
+            <p:ph sz="quarter" idx="14"/>
+          </p:nvPr>
+        </p:nvSpPr>
+        <p:spPr>
+          <a:xfrm>
+            <a:off x="291714" y="1182291"/>
+            <a:ext cx="8577649" cy="2375009"/>
+          </a:xfrm>
+        </p:spPr>
+        <p:txBody>
+          <a:bodyPr/>
+          <a:lstStyle/>
+          <a:p>
+            <a:r>
+              <a:rPr lang="en-US" dirty="0"/>
+              <a:t>JavaScript does not have a date data type. However, you can use the Date object and its methods to work with dates and times in your applications. The Date object has a large number of methods for setting, getting, and manipulating dates. It does not have any properties</a:t>
+            </a:r>
+            <a:r>
+              <a:rPr lang="en-US" dirty="0" smtClean="0"/>
+              <a:t>.</a:t>
+            </a:r>
+            <a:endParaRPr lang="en-US" dirty="0"/>
+          </a:p>
+          <a:p>
+            <a:r>
+              <a:rPr lang="en-US" dirty="0"/>
+              <a:t>JavaScript handles dates similarly to Java. The two languages have many of the same date methods, and both languages store dates as the number of milliseconds since January 1, 1970, 00:00:00.</a:t>
+            </a:r>
+          </a:p>
+        </p:txBody>
+      </p:sp>
+    </p:spTree>
+    <p:extLst>
+      <p:ext uri="{BB962C8B-B14F-4D97-AF65-F5344CB8AC3E}">
+        <p14:creationId xmlns:p14="http://schemas.microsoft.com/office/powerpoint/2010/main" val="4168895800"/>
+      </p:ext>
+    </p:extLst>
+  </p:cSld>
+  <p:clrMapOvr>
+    <a:masterClrMapping/>
+  </p:clrMapOvr>
+  <mc:AlternateContent xmlns:mc="http://schemas.openxmlformats.org/markup-compatibility/2006" xmlns:p14="http://schemas.microsoft.com/office/powerpoint/2010/main">
+    <mc:Choice Requires="p14">
+      <p:transition spd="med" p14:dur="700">
+        <p:fade/>
+      </p:transition>
+    </mc:Choice>
+    <mc:Fallback xmlns="">
+      <p:transition spd="med">
+        <p:fade/>
+      </p:transition>
+    </mc:Fallback>
+  </mc:AlternateContent>
+  <p:timing>
+    <p:tnLst>
+      <p:par>
+        <p:cTn id="1" dur="indefinite" restart="never" nodeType="tmRoot"/>
+      </p:par>
+    </p:tnLst>
+  </p:timing>
+</p:sld>
+</file>
+
+<file path=ppt/slides/slide91.xml><?xml version="1.0" encoding="utf-8"?>
+<p:sld xmlns:a="http://schemas.openxmlformats.org/drawingml/2006/main" xmlns:r="http://schemas.openxmlformats.org/officeDocument/2006/relationships" xmlns:p="http://schemas.openxmlformats.org/presentationml/2006/main">
+  <p:cSld>
+    <p:spTree>
+      <p:nvGrpSpPr>
+        <p:cNvPr id="1" name=""/>
+        <p:cNvGrpSpPr/>
+        <p:nvPr/>
+      </p:nvGrpSpPr>
+      <p:grpSpPr>
+        <a:xfrm>
+          <a:off x="0" y="0"/>
+          <a:ext cx="0" cy="0"/>
+          <a:chOff x="0" y="0"/>
+          <a:chExt cx="0" cy="0"/>
+        </a:xfrm>
+      </p:grpSpPr>
+      <p:sp>
+        <p:nvSpPr>
+          <p:cNvPr id="2" name="Title 1"/>
+          <p:cNvSpPr>
+            <a:spLocks noGrp="1"/>
+          </p:cNvSpPr>
+          <p:nvPr>
+            <p:ph type="title"/>
+          </p:nvPr>
+        </p:nvSpPr>
+        <p:spPr/>
+        <p:txBody>
+          <a:bodyPr/>
+          <a:lstStyle/>
+          <a:p>
+            <a:endParaRPr lang="en-US"/>
+          </a:p>
+        </p:txBody>
+      </p:sp>
+      <p:sp>
+        <p:nvSpPr>
+          <p:cNvPr id="3" name="Content Placeholder 2"/>
+          <p:cNvSpPr>
+            <a:spLocks noGrp="1"/>
+          </p:cNvSpPr>
+          <p:nvPr>
+            <p:ph sz="quarter" idx="14"/>
+          </p:nvPr>
+        </p:nvSpPr>
+        <p:spPr>
+          <a:xfrm>
+            <a:off x="291714" y="770335"/>
+            <a:ext cx="8577649" cy="4373165"/>
+          </a:xfrm>
+        </p:spPr>
+        <p:txBody>
+          <a:bodyPr/>
+          <a:lstStyle/>
+          <a:p>
+            <a:r>
+              <a:rPr lang="en-US" dirty="0"/>
+              <a:t>Calling Date without the new keyword returns a string representing the current date and time</a:t>
+            </a:r>
+            <a:r>
+              <a:rPr lang="en-US" dirty="0" smtClean="0"/>
+              <a:t>.</a:t>
+            </a:r>
+            <a:endParaRPr lang="en-US" dirty="0"/>
+          </a:p>
+          <a:p>
+            <a:r>
+              <a:rPr lang="en-US" dirty="0"/>
+              <a:t>The parameters in the preceding syntax can be any of the following</a:t>
+            </a:r>
+            <a:r>
+              <a:rPr lang="en-US" dirty="0" smtClean="0"/>
+              <a:t>:</a:t>
+            </a:r>
+            <a:endParaRPr lang="en-US" dirty="0"/>
+          </a:p>
+          <a:p>
+            <a:r>
+              <a:rPr lang="en-US" dirty="0"/>
+              <a:t>Nothing: creates today's date and time. For example, today = new Date();.</a:t>
+            </a:r>
+          </a:p>
+          <a:p>
+            <a:r>
+              <a:rPr lang="en-US" dirty="0"/>
+              <a:t>A string representing a date in the following form: "Month day, year hours:minutes:seconds." For example, </a:t>
+            </a:r>
+            <a:r>
+              <a:rPr lang="en-US" dirty="0" err="1"/>
+              <a:t>var</a:t>
+            </a:r>
+            <a:r>
+              <a:rPr lang="en-US" dirty="0"/>
+              <a:t> Xmas95 = new Date("December 25, 1995 13:30:00"). If you omit hours, minutes, or seconds, the value will be set to zero.</a:t>
+            </a:r>
+          </a:p>
+          <a:p>
+            <a:r>
+              <a:rPr lang="en-US" dirty="0"/>
+              <a:t>A set of integer values for year, month, and day. For example, </a:t>
+            </a:r>
+            <a:r>
+              <a:rPr lang="en-US" dirty="0" err="1"/>
+              <a:t>var</a:t>
+            </a:r>
+            <a:r>
+              <a:rPr lang="en-US" dirty="0"/>
+              <a:t> Xmas95 = new Date(1995, 11, 25).</a:t>
+            </a:r>
+          </a:p>
+          <a:p>
+            <a:r>
+              <a:rPr lang="en-US" dirty="0"/>
+              <a:t>A set of integer values for year, month, day, hour, minute, and seconds. For example, </a:t>
+            </a:r>
+            <a:r>
+              <a:rPr lang="en-US" dirty="0" err="1"/>
+              <a:t>var</a:t>
+            </a:r>
+            <a:r>
+              <a:rPr lang="en-US" dirty="0"/>
+              <a:t> Xmas95 = new Date(1995, 11, 25, 9, 30, 0);.</a:t>
+            </a:r>
+          </a:p>
+        </p:txBody>
+      </p:sp>
+    </p:spTree>
+    <p:extLst>
+      <p:ext uri="{BB962C8B-B14F-4D97-AF65-F5344CB8AC3E}">
+        <p14:creationId xmlns:p14="http://schemas.microsoft.com/office/powerpoint/2010/main" val="1095557790"/>
+      </p:ext>
+    </p:extLst>
+  </p:cSld>
+  <p:clrMapOvr>
+    <a:masterClrMapping/>
+  </p:clrMapOvr>
+  <mc:AlternateContent xmlns:mc="http://schemas.openxmlformats.org/markup-compatibility/2006" xmlns:p14="http://schemas.microsoft.com/office/powerpoint/2010/main">
+    <mc:Choice Requires="p14">
+      <p:transition spd="med" p14:dur="700">
+        <p:fade/>
+      </p:transition>
+    </mc:Choice>
+    <mc:Fallback xmlns="">
+      <p:transition spd="med">
+        <p:fade/>
+      </p:transition>
+    </mc:Fallback>
+  </mc:AlternateContent>
+  <p:timing>
+    <p:tnLst>
+      <p:par>
+        <p:cTn id="1" dur="indefinite" restart="never" nodeType="tmRoot"/>
+      </p:par>
+    </p:tnLst>
+  </p:timing>
+</p:sld>
+</file>
+
 <file path=ppt/theme/theme1.xml><?xml version="1.0" encoding="utf-8"?>
 <a:theme xmlns:a="http://schemas.openxmlformats.org/drawingml/2006/main" name="VCE Template White 16x9_v08">
   <a:themeElements>

--- a/doc/javascript.pptx
+++ b/doc/javascript.pptx
@@ -5,10 +5,10 @@
     <p:sldMasterId id="2147483666" r:id="rId1"/>
   </p:sldMasterIdLst>
   <p:notesMasterIdLst>
-    <p:notesMasterId r:id="rId93"/>
+    <p:notesMasterId r:id="rId98"/>
   </p:notesMasterIdLst>
   <p:handoutMasterIdLst>
-    <p:handoutMasterId r:id="rId94"/>
+    <p:handoutMasterId r:id="rId99"/>
   </p:handoutMasterIdLst>
   <p:sldIdLst>
     <p:sldId id="807" r:id="rId2"/>
@@ -102,6 +102,11 @@
     <p:sldId id="834" r:id="rId90"/>
     <p:sldId id="912" r:id="rId91"/>
     <p:sldId id="913" r:id="rId92"/>
+    <p:sldId id="914" r:id="rId93"/>
+    <p:sldId id="915" r:id="rId94"/>
+    <p:sldId id="916" r:id="rId95"/>
+    <p:sldId id="917" r:id="rId96"/>
+    <p:sldId id="918" r:id="rId97"/>
   </p:sldIdLst>
   <p:sldSz cx="9144000" cy="5143500" type="screen16x9"/>
   <p:notesSz cx="6858000" cy="9144000"/>
@@ -296,6 +301,11 @@
             <p14:sldId id="834"/>
             <p14:sldId id="912"/>
             <p14:sldId id="913"/>
+            <p14:sldId id="914"/>
+            <p14:sldId id="915"/>
+            <p14:sldId id="916"/>
+            <p14:sldId id="917"/>
+            <p14:sldId id="918"/>
           </p14:sldIdLst>
         </p14:section>
       </p14:sectionLst>
@@ -423,7 +433,7 @@
             <a:fld id="{3ECA0D7F-01C5-4910-AF79-94801A394A7D}" type="datetimeFigureOut">
               <a:rPr lang="en-US" smtClean="0"/>
               <a:pPr/>
-              <a:t>3/26/2017</a:t>
+              <a:t>4/9/2017</a:t>
             </a:fld>
             <a:endParaRPr lang="en-US" dirty="0"/>
           </a:p>
@@ -595,7 +605,7 @@
             <a:fld id="{297A7E1B-F2FC-4D6E-A456-9244AEED2FF0}" type="datetimeFigureOut">
               <a:rPr lang="en-US" smtClean="0"/>
               <a:pPr/>
-              <a:t>3/26/2017</a:t>
+              <a:t>4/9/2017</a:t>
             </a:fld>
             <a:endParaRPr lang="en-US" dirty="0"/>
           </a:p>
@@ -915,7 +925,7 @@
           <a:p>
             <a:fld id="{BEC881CA-388F-473B-8DF8-607EFFE8DD34}" type="datetime1">
               <a:rPr lang="en-US" smtClean="0"/>
-              <a:t>3/26/2017</a:t>
+              <a:t>4/9/2017</a:t>
             </a:fld>
             <a:endParaRPr lang="en-US" dirty="0"/>
           </a:p>
@@ -1037,7 +1047,7 @@
           <a:p>
             <a:fld id="{B5129EEF-9BD5-4694-88A0-2326148DEA8D}" type="datetime1">
               <a:rPr lang="en-US" smtClean="0"/>
-              <a:t>3/26/2017</a:t>
+              <a:t>4/9/2017</a:t>
             </a:fld>
             <a:endParaRPr lang="en-US" dirty="0"/>
           </a:p>
@@ -1140,7 +1150,7 @@
           <a:p>
             <a:fld id="{CE98C1B1-DA79-4873-A676-B10C552DC4E6}" type="datetime1">
               <a:rPr lang="en-US" smtClean="0"/>
-              <a:t>3/26/2017</a:t>
+              <a:t>4/9/2017</a:t>
             </a:fld>
             <a:endParaRPr lang="en-US" dirty="0"/>
           </a:p>
@@ -1677,7 +1687,7 @@
           <a:p>
             <a:fld id="{E579E49E-920E-44C1-8C61-63C5A39DFF35}" type="datetime1">
               <a:rPr lang="en-US" smtClean="0"/>
-              <a:t>3/26/2017</a:t>
+              <a:t>4/9/2017</a:t>
             </a:fld>
             <a:endParaRPr lang="en-US" dirty="0"/>
           </a:p>
@@ -1916,7 +1926,7 @@
           <a:p>
             <a:fld id="{10FA1E36-83C4-4421-AB49-7040BD34C279}" type="datetime1">
               <a:rPr lang="en-US" smtClean="0"/>
-              <a:t>3/26/2017</a:t>
+              <a:t>4/9/2017</a:t>
             </a:fld>
             <a:endParaRPr lang="en-US" dirty="0"/>
           </a:p>
@@ -2200,7 +2210,7 @@
           <a:p>
             <a:fld id="{EF9F799D-368C-42DB-A392-1FD2E97F01BA}" type="datetime1">
               <a:rPr lang="en-US" smtClean="0"/>
-              <a:t>3/26/2017</a:t>
+              <a:t>4/9/2017</a:t>
             </a:fld>
             <a:endParaRPr lang="en-US" dirty="0"/>
           </a:p>
@@ -2317,7 +2327,7 @@
           <a:p>
             <a:fld id="{367B41A0-E22B-4D89-BA31-12583C2F8DCD}" type="datetime1">
               <a:rPr lang="en-US" smtClean="0"/>
-              <a:t>3/26/2017</a:t>
+              <a:t>4/9/2017</a:t>
             </a:fld>
             <a:endParaRPr lang="en-US" dirty="0"/>
           </a:p>
@@ -2420,7 +2430,7 @@
           <a:p>
             <a:fld id="{74E9A8A5-A106-4476-9B9D-825212298E31}" type="datetime1">
               <a:rPr lang="en-US" smtClean="0"/>
-              <a:t>3/26/2017</a:t>
+              <a:t>4/9/2017</a:t>
             </a:fld>
             <a:endParaRPr lang="en-US" dirty="0"/>
           </a:p>
@@ -2523,7 +2533,7 @@
           <a:p>
             <a:fld id="{98418866-D822-4968-9BDE-D13A063A85FB}" type="datetime1">
               <a:rPr lang="en-US" smtClean="0"/>
-              <a:t>3/26/2017</a:t>
+              <a:t>4/9/2017</a:t>
             </a:fld>
             <a:endParaRPr lang="en-US" dirty="0"/>
           </a:p>
@@ -2626,7 +2636,7 @@
           <a:p>
             <a:fld id="{37F9DDEE-E49C-479B-AE3A-7BF021E0290B}" type="datetime1">
               <a:rPr lang="en-US" smtClean="0"/>
-              <a:t>3/26/2017</a:t>
+              <a:t>4/9/2017</a:t>
             </a:fld>
             <a:endParaRPr lang="en-US" dirty="0"/>
           </a:p>
@@ -2729,7 +2739,7 @@
           <a:p>
             <a:fld id="{F1D18602-1CA8-4779-887C-0B037454BD60}" type="datetime1">
               <a:rPr lang="en-US" smtClean="0"/>
-              <a:t>3/26/2017</a:t>
+              <a:t>4/9/2017</a:t>
             </a:fld>
             <a:endParaRPr lang="en-US" dirty="0"/>
           </a:p>
@@ -2829,7 +2839,7 @@
           <a:p>
             <a:fld id="{3C87468F-1E1E-4BD7-A12A-6F5DC360DAF8}" type="datetime1">
               <a:rPr lang="en-US" smtClean="0"/>
-              <a:t>3/26/2017</a:t>
+              <a:t>4/9/2017</a:t>
             </a:fld>
             <a:endParaRPr lang="en-US" dirty="0"/>
           </a:p>
@@ -3142,7 +3152,7 @@
           <a:p>
             <a:fld id="{0CF69FE7-12C4-4D97-ACE2-2FB966199B85}" type="datetime1">
               <a:rPr lang="en-US" smtClean="0"/>
-              <a:t>3/26/2017</a:t>
+              <a:t>4/9/2017</a:t>
             </a:fld>
             <a:endParaRPr lang="en-US" dirty="0"/>
           </a:p>
@@ -3273,7 +3283,7 @@
           <a:p>
             <a:fld id="{5F8B7E4C-C2BE-4B9E-B2E7-6B2915B970AA}" type="datetime1">
               <a:rPr lang="en-US" smtClean="0"/>
-              <a:t>3/26/2017</a:t>
+              <a:t>4/9/2017</a:t>
             </a:fld>
             <a:endParaRPr lang="en-US" dirty="0"/>
           </a:p>
@@ -3376,7 +3386,7 @@
           <a:p>
             <a:fld id="{5ABDCCE0-980C-42C5-8CA7-315D555900B8}" type="datetime1">
               <a:rPr lang="en-US" smtClean="0"/>
-              <a:t>3/26/2017</a:t>
+              <a:t>4/9/2017</a:t>
             </a:fld>
             <a:endParaRPr lang="en-US" dirty="0"/>
           </a:p>
@@ -3515,7 +3525,7 @@
           <a:p>
             <a:fld id="{3B2A951B-47BF-4821-AB09-DD2FFBFCEA4D}" type="datetime1">
               <a:rPr lang="en-US" smtClean="0"/>
-              <a:t>3/26/2017</a:t>
+              <a:t>4/9/2017</a:t>
             </a:fld>
             <a:endParaRPr lang="en-US" dirty="0"/>
           </a:p>
@@ -3844,7 +3854,7 @@
           <a:p>
             <a:fld id="{31D7DC25-EC0B-474D-9D61-45DDFA45A58D}" type="datetime1">
               <a:rPr lang="en-US" smtClean="0"/>
-              <a:t>3/26/2017</a:t>
+              <a:t>4/9/2017</a:t>
             </a:fld>
             <a:endParaRPr lang="en-US" dirty="0"/>
           </a:p>
@@ -3983,7 +3993,7 @@
           <a:p>
             <a:fld id="{6FFF2B87-8C84-456B-A9BE-E1C5333D99BC}" type="datetime1">
               <a:rPr lang="en-US" smtClean="0"/>
-              <a:t>3/26/2017</a:t>
+              <a:t>4/9/2017</a:t>
             </a:fld>
             <a:endParaRPr lang="en-US" dirty="0"/>
           </a:p>
@@ -4170,7 +4180,7 @@
           <a:p>
             <a:fld id="{CA55A900-54F0-40A3-9F0D-43568435D162}" type="datetime1">
               <a:rPr lang="en-US" smtClean="0"/>
-              <a:t>3/26/2017</a:t>
+              <a:t>4/9/2017</a:t>
             </a:fld>
             <a:endParaRPr lang="en-US" dirty="0"/>
           </a:p>
@@ -4279,7 +4289,7 @@
           <a:p>
             <a:fld id="{064E18A4-4F6D-4236-90C9-5E6C744E2017}" type="datetime1">
               <a:rPr lang="en-US" smtClean="0"/>
-              <a:t>3/26/2017</a:t>
+              <a:t>4/9/2017</a:t>
             </a:fld>
             <a:endParaRPr lang="en-US" dirty="0"/>
           </a:p>
@@ -4382,7 +4392,7 @@
           <a:p>
             <a:fld id="{C3FAEBC4-3756-4713-91E9-1BF650C22184}" type="datetime1">
               <a:rPr lang="en-US" smtClean="0"/>
-              <a:t>3/26/2017</a:t>
+              <a:t>4/9/2017</a:t>
             </a:fld>
             <a:endParaRPr lang="en-US" dirty="0"/>
           </a:p>
@@ -4661,7 +4671,7 @@
           <a:p>
             <a:fld id="{61AD9736-5B29-49D5-B31A-75D2DCFFC399}" type="datetime1">
               <a:rPr lang="en-US" smtClean="0"/>
-              <a:t>3/26/2017</a:t>
+              <a:t>4/9/2017</a:t>
             </a:fld>
             <a:endParaRPr lang="en-US" dirty="0"/>
           </a:p>
@@ -4764,7 +4774,7 @@
           <a:p>
             <a:fld id="{11196C29-405C-47C9-A315-C5C88657765A}" type="datetime1">
               <a:rPr lang="en-US" smtClean="0"/>
-              <a:t>3/26/2017</a:t>
+              <a:t>4/9/2017</a:t>
             </a:fld>
             <a:endParaRPr lang="en-US" dirty="0"/>
           </a:p>
@@ -4951,7 +4961,7 @@
           <a:p>
             <a:fld id="{33364D99-4C0A-4DA3-80E4-D2BA17C91B7B}" type="datetime1">
               <a:rPr lang="en-US" smtClean="0"/>
-              <a:t>3/26/2017</a:t>
+              <a:t>4/9/2017</a:t>
             </a:fld>
             <a:endParaRPr lang="en-US" dirty="0"/>
           </a:p>
@@ -5157,7 +5167,7 @@
           <a:p>
             <a:fld id="{0D9FD35E-37F2-48C4-9434-4A190D954D08}" type="datetime1">
               <a:rPr lang="en-US" smtClean="0"/>
-              <a:t>3/26/2017</a:t>
+              <a:t>4/9/2017</a:t>
             </a:fld>
             <a:endParaRPr lang="en-US" dirty="0"/>
           </a:p>
@@ -5333,7 +5343,7 @@
           <a:p>
             <a:fld id="{24A4FB86-8A28-400E-8D40-4E1268A09A33}" type="datetime1">
               <a:rPr lang="en-US" smtClean="0"/>
-              <a:t>3/26/2017</a:t>
+              <a:t>4/9/2017</a:t>
             </a:fld>
             <a:endParaRPr lang="en-US" dirty="0"/>
           </a:p>
@@ -5528,7 +5538,7 @@
           <a:p>
             <a:fld id="{4E13B294-B099-4490-81EB-2B3CA196618B}" type="datetime1">
               <a:rPr lang="en-US" smtClean="0"/>
-              <a:t>3/26/2017</a:t>
+              <a:t>4/9/2017</a:t>
             </a:fld>
             <a:endParaRPr lang="en-US" dirty="0"/>
           </a:p>
@@ -5691,7 +5701,7 @@
           <a:p>
             <a:fld id="{D83E8344-54CF-410F-AC5E-87691D3A86DE}" type="datetime1">
               <a:rPr lang="en-US" smtClean="0"/>
-              <a:t>3/26/2017</a:t>
+              <a:t>4/9/2017</a:t>
             </a:fld>
             <a:endParaRPr lang="en-US" dirty="0"/>
           </a:p>
@@ -5896,7 +5906,7 @@
           <a:p>
             <a:fld id="{C8C12100-49BB-424D-BB8B-C0F476F8FAF7}" type="datetime1">
               <a:rPr lang="en-US" smtClean="0"/>
-              <a:t>3/26/2017</a:t>
+              <a:t>4/9/2017</a:t>
             </a:fld>
             <a:endParaRPr lang="en-US" dirty="0"/>
           </a:p>
@@ -7457,7 +7467,7 @@
           <a:p>
             <a:fld id="{2439A704-5EF5-4787-96DA-BCB67735A9D9}" type="datetime1">
               <a:rPr lang="en-US" smtClean="0"/>
-              <a:t>3/26/2017</a:t>
+              <a:t>4/9/2017</a:t>
             </a:fld>
             <a:endParaRPr lang="en-US" dirty="0"/>
           </a:p>
@@ -7832,7 +7842,7 @@
           <a:p>
             <a:fld id="{3D357578-6251-4D45-8D70-F9C82C925954}" type="datetime1">
               <a:rPr lang="en-US" smtClean="0"/>
-              <a:t>3/26/2017</a:t>
+              <a:t>4/9/2017</a:t>
             </a:fld>
             <a:endParaRPr lang="en-US" dirty="0"/>
           </a:p>
@@ -8321,7 +8331,7 @@
           <a:p>
             <a:fld id="{4C0640C5-4227-4910-A621-D0E12189A96D}" type="datetime1">
               <a:rPr lang="en-US" smtClean="0"/>
-              <a:t>3/26/2017</a:t>
+              <a:t>4/9/2017</a:t>
             </a:fld>
             <a:endParaRPr lang="en-US" dirty="0"/>
           </a:p>
@@ -8510,7 +8520,7 @@
           <a:p>
             <a:fld id="{C6A00571-200D-4735-8F89-B96DCFC00969}" type="datetime1">
               <a:rPr lang="en-US" smtClean="0"/>
-              <a:t>3/26/2017</a:t>
+              <a:t>4/9/2017</a:t>
             </a:fld>
             <a:endParaRPr lang="en-US" dirty="0"/>
           </a:p>
@@ -8703,7 +8713,7 @@
           <a:p>
             <a:fld id="{D395629C-A4AB-41FE-A350-119C96B2F23A}" type="datetime1">
               <a:rPr lang="en-US" smtClean="0"/>
-              <a:t>3/26/2017</a:t>
+              <a:t>4/9/2017</a:t>
             </a:fld>
             <a:endParaRPr lang="en-US" dirty="0"/>
           </a:p>
@@ -9297,7 +9307,7 @@
           <a:p>
             <a:fld id="{C1476493-40AA-4037-896A-2891E7F7157B}" type="datetime1">
               <a:rPr lang="en-US" smtClean="0"/>
-              <a:t>3/26/2017</a:t>
+              <a:t>4/9/2017</a:t>
             </a:fld>
             <a:endParaRPr lang="en-US" dirty="0"/>
           </a:p>
@@ -9726,7 +9736,7 @@
           <a:p>
             <a:fld id="{E41A8034-39BE-48C3-A71B-A262B61F060D}" type="datetime1">
               <a:rPr lang="en-US" smtClean="0"/>
-              <a:t>3/26/2017</a:t>
+              <a:t>4/9/2017</a:t>
             </a:fld>
             <a:endParaRPr lang="en-US" dirty="0"/>
           </a:p>
@@ -10194,7 +10204,7 @@
           <a:p>
             <a:fld id="{C5BD5C2D-A268-4F39-AA06-2FA9539C8034}" type="datetime1">
               <a:rPr lang="en-US" smtClean="0"/>
-              <a:t>3/26/2017</a:t>
+              <a:t>4/9/2017</a:t>
             </a:fld>
             <a:endParaRPr lang="en-US" dirty="0"/>
           </a:p>
@@ -10426,7 +10436,7 @@
           <a:p>
             <a:fld id="{65022479-3D91-4BD2-A079-8C97A99A6716}" type="datetime1">
               <a:rPr lang="en-US" smtClean="0"/>
-              <a:t>3/26/2017</a:t>
+              <a:t>4/9/2017</a:t>
             </a:fld>
             <a:endParaRPr lang="en-US" dirty="0"/>
           </a:p>
@@ -10863,7 +10873,7 @@
           <a:p>
             <a:fld id="{0D8A1A91-930A-4EEE-9073-3015D72BEBEB}" type="datetime1">
               <a:rPr lang="en-US" smtClean="0"/>
-              <a:t>3/26/2017</a:t>
+              <a:t>4/9/2017</a:t>
             </a:fld>
             <a:endParaRPr lang="en-US" dirty="0"/>
           </a:p>
@@ -10966,7 +10976,7 @@
           <a:p>
             <a:fld id="{5D151330-263A-42FA-B9C1-012FF6CA88C3}" type="datetime1">
               <a:rPr lang="en-US" smtClean="0"/>
-              <a:t>3/26/2017</a:t>
+              <a:t>4/9/2017</a:t>
             </a:fld>
             <a:endParaRPr lang="en-US" dirty="0"/>
           </a:p>
@@ -11567,7 +11577,7 @@
           <a:p>
             <a:fld id="{DC31D70B-C340-4654-A37B-046665E56161}" type="datetime1">
               <a:rPr lang="en-US" smtClean="0"/>
-              <a:t>3/26/2017</a:t>
+              <a:t>4/9/2017</a:t>
             </a:fld>
             <a:endParaRPr lang="en-US" dirty="0"/>
           </a:p>
@@ -11670,7 +11680,7 @@
           <a:p>
             <a:fld id="{2BAD372E-0828-495E-8A40-060AEEEE3F30}" type="datetime1">
               <a:rPr lang="en-US" smtClean="0"/>
-              <a:t>3/26/2017</a:t>
+              <a:t>4/9/2017</a:t>
             </a:fld>
             <a:endParaRPr lang="en-US" dirty="0"/>
           </a:p>
@@ -11680,6 +11690,212 @@
     <p:extLst>
       <p:ext uri="{BB962C8B-B14F-4D97-AF65-F5344CB8AC3E}">
         <p14:creationId xmlns:p14="http://schemas.microsoft.com/office/powerpoint/2010/main" val="2809086004"/>
+      </p:ext>
+    </p:extLst>
+  </p:cSld>
+  <p:clrMapOvr>
+    <a:masterClrMapping/>
+  </p:clrMapOvr>
+</p:notes>
+</file>
+
+<file path=ppt/notesSlides/notesSlide48.xml><?xml version="1.0" encoding="utf-8"?>
+<p:notes xmlns:a="http://schemas.openxmlformats.org/drawingml/2006/main" xmlns:r="http://schemas.openxmlformats.org/officeDocument/2006/relationships" xmlns:p="http://schemas.openxmlformats.org/presentationml/2006/main">
+  <p:cSld>
+    <p:spTree>
+      <p:nvGrpSpPr>
+        <p:cNvPr id="1" name=""/>
+        <p:cNvGrpSpPr/>
+        <p:nvPr/>
+      </p:nvGrpSpPr>
+      <p:grpSpPr>
+        <a:xfrm>
+          <a:off x="0" y="0"/>
+          <a:ext cx="0" cy="0"/>
+          <a:chOff x="0" y="0"/>
+          <a:chExt cx="0" cy="0"/>
+        </a:xfrm>
+      </p:grpSpPr>
+      <p:sp>
+        <p:nvSpPr>
+          <p:cNvPr id="2" name="Slide Image Placeholder 1"/>
+          <p:cNvSpPr>
+            <a:spLocks noGrp="1" noRot="1" noChangeAspect="1"/>
+          </p:cNvSpPr>
+          <p:nvPr>
+            <p:ph type="sldImg"/>
+          </p:nvPr>
+        </p:nvSpPr>
+        <p:spPr/>
+      </p:sp>
+      <p:sp>
+        <p:nvSpPr>
+          <p:cNvPr id="3" name="Notes Placeholder 2"/>
+          <p:cNvSpPr>
+            <a:spLocks noGrp="1"/>
+          </p:cNvSpPr>
+          <p:nvPr>
+            <p:ph type="body" idx="1"/>
+          </p:nvPr>
+        </p:nvSpPr>
+        <p:spPr/>
+        <p:txBody>
+          <a:bodyPr/>
+          <a:lstStyle/>
+          <a:p>
+            <a:endParaRPr lang="en-US" dirty="0"/>
+          </a:p>
+        </p:txBody>
+      </p:sp>
+      <p:sp>
+        <p:nvSpPr>
+          <p:cNvPr id="4" name="Header Placeholder 3"/>
+          <p:cNvSpPr>
+            <a:spLocks noGrp="1"/>
+          </p:cNvSpPr>
+          <p:nvPr>
+            <p:ph type="hdr" sz="quarter" idx="10"/>
+          </p:nvPr>
+        </p:nvSpPr>
+        <p:spPr/>
+        <p:txBody>
+          <a:bodyPr/>
+          <a:lstStyle/>
+          <a:p>
+            <a:endParaRPr lang="en-US" dirty="0"/>
+          </a:p>
+        </p:txBody>
+      </p:sp>
+      <p:sp>
+        <p:nvSpPr>
+          <p:cNvPr id="5" name="Date Placeholder 4"/>
+          <p:cNvSpPr>
+            <a:spLocks noGrp="1"/>
+          </p:cNvSpPr>
+          <p:nvPr>
+            <p:ph type="dt" idx="11"/>
+          </p:nvPr>
+        </p:nvSpPr>
+        <p:spPr/>
+        <p:txBody>
+          <a:bodyPr/>
+          <a:lstStyle/>
+          <a:p>
+            <a:fld id="{567EB109-7DC2-49CD-B236-5B4856812A72}" type="datetime1">
+              <a:rPr lang="en-US" smtClean="0"/>
+              <a:t>4/9/2017</a:t>
+            </a:fld>
+            <a:endParaRPr lang="en-US" dirty="0"/>
+          </a:p>
+        </p:txBody>
+      </p:sp>
+    </p:spTree>
+    <p:extLst>
+      <p:ext uri="{BB962C8B-B14F-4D97-AF65-F5344CB8AC3E}">
+        <p14:creationId xmlns:p14="http://schemas.microsoft.com/office/powerpoint/2010/main" val="768601736"/>
+      </p:ext>
+    </p:extLst>
+  </p:cSld>
+  <p:clrMapOvr>
+    <a:masterClrMapping/>
+  </p:clrMapOvr>
+</p:notes>
+</file>
+
+<file path=ppt/notesSlides/notesSlide49.xml><?xml version="1.0" encoding="utf-8"?>
+<p:notes xmlns:a="http://schemas.openxmlformats.org/drawingml/2006/main" xmlns:r="http://schemas.openxmlformats.org/officeDocument/2006/relationships" xmlns:p="http://schemas.openxmlformats.org/presentationml/2006/main">
+  <p:cSld>
+    <p:spTree>
+      <p:nvGrpSpPr>
+        <p:cNvPr id="1" name=""/>
+        <p:cNvGrpSpPr/>
+        <p:nvPr/>
+      </p:nvGrpSpPr>
+      <p:grpSpPr>
+        <a:xfrm>
+          <a:off x="0" y="0"/>
+          <a:ext cx="0" cy="0"/>
+          <a:chOff x="0" y="0"/>
+          <a:chExt cx="0" cy="0"/>
+        </a:xfrm>
+      </p:grpSpPr>
+      <p:sp>
+        <p:nvSpPr>
+          <p:cNvPr id="2" name="Slide Image Placeholder 1"/>
+          <p:cNvSpPr>
+            <a:spLocks noGrp="1" noRot="1" noChangeAspect="1"/>
+          </p:cNvSpPr>
+          <p:nvPr>
+            <p:ph type="sldImg"/>
+          </p:nvPr>
+        </p:nvSpPr>
+        <p:spPr/>
+      </p:sp>
+      <p:sp>
+        <p:nvSpPr>
+          <p:cNvPr id="3" name="Notes Placeholder 2"/>
+          <p:cNvSpPr>
+            <a:spLocks noGrp="1"/>
+          </p:cNvSpPr>
+          <p:nvPr>
+            <p:ph type="body" idx="1"/>
+          </p:nvPr>
+        </p:nvSpPr>
+        <p:spPr/>
+        <p:txBody>
+          <a:bodyPr/>
+          <a:lstStyle/>
+          <a:p>
+            <a:endParaRPr lang="en-US" dirty="0"/>
+          </a:p>
+        </p:txBody>
+      </p:sp>
+      <p:sp>
+        <p:nvSpPr>
+          <p:cNvPr id="4" name="Header Placeholder 3"/>
+          <p:cNvSpPr>
+            <a:spLocks noGrp="1"/>
+          </p:cNvSpPr>
+          <p:nvPr>
+            <p:ph type="hdr" sz="quarter" idx="10"/>
+          </p:nvPr>
+        </p:nvSpPr>
+        <p:spPr/>
+        <p:txBody>
+          <a:bodyPr/>
+          <a:lstStyle/>
+          <a:p>
+            <a:endParaRPr lang="en-US" dirty="0"/>
+          </a:p>
+        </p:txBody>
+      </p:sp>
+      <p:sp>
+        <p:nvSpPr>
+          <p:cNvPr id="5" name="Date Placeholder 4"/>
+          <p:cNvSpPr>
+            <a:spLocks noGrp="1"/>
+          </p:cNvSpPr>
+          <p:nvPr>
+            <p:ph type="dt" idx="11"/>
+          </p:nvPr>
+        </p:nvSpPr>
+        <p:spPr/>
+        <p:txBody>
+          <a:bodyPr/>
+          <a:lstStyle/>
+          <a:p>
+            <a:fld id="{585B70D4-4B1C-4EB7-AF2E-B8B10773E585}" type="datetime1">
+              <a:rPr lang="en-US" smtClean="0"/>
+              <a:t>4/9/2017</a:t>
+            </a:fld>
+            <a:endParaRPr lang="en-US" dirty="0"/>
+          </a:p>
+        </p:txBody>
+      </p:sp>
+    </p:spTree>
+    <p:extLst>
+      <p:ext uri="{BB962C8B-B14F-4D97-AF65-F5344CB8AC3E}">
+        <p14:creationId xmlns:p14="http://schemas.microsoft.com/office/powerpoint/2010/main" val="2181726083"/>
       </p:ext>
     </p:extLst>
   </p:cSld>
@@ -12386,7 +12602,7 @@
           <a:p>
             <a:fld id="{EF8DD735-987B-4CC7-BA1F-FDDF5CB97D5C}" type="datetime1">
               <a:rPr lang="en-US" smtClean="0"/>
-              <a:t>3/26/2017</a:t>
+              <a:t>4/9/2017</a:t>
             </a:fld>
             <a:endParaRPr lang="en-US" dirty="0"/>
           </a:p>
@@ -12396,6 +12612,240 @@
     <p:extLst>
       <p:ext uri="{BB962C8B-B14F-4D97-AF65-F5344CB8AC3E}">
         <p14:creationId xmlns:p14="http://schemas.microsoft.com/office/powerpoint/2010/main" val="3363364934"/>
+      </p:ext>
+    </p:extLst>
+  </p:cSld>
+  <p:clrMapOvr>
+    <a:masterClrMapping/>
+  </p:clrMapOvr>
+</p:notes>
+</file>
+
+<file path=ppt/notesSlides/notesSlide50.xml><?xml version="1.0" encoding="utf-8"?>
+<p:notes xmlns:a="http://schemas.openxmlformats.org/drawingml/2006/main" xmlns:r="http://schemas.openxmlformats.org/officeDocument/2006/relationships" xmlns:p="http://schemas.openxmlformats.org/presentationml/2006/main">
+  <p:cSld>
+    <p:spTree>
+      <p:nvGrpSpPr>
+        <p:cNvPr id="1" name=""/>
+        <p:cNvGrpSpPr/>
+        <p:nvPr/>
+      </p:nvGrpSpPr>
+      <p:grpSpPr>
+        <a:xfrm>
+          <a:off x="0" y="0"/>
+          <a:ext cx="0" cy="0"/>
+          <a:chOff x="0" y="0"/>
+          <a:chExt cx="0" cy="0"/>
+        </a:xfrm>
+      </p:grpSpPr>
+      <p:sp>
+        <p:nvSpPr>
+          <p:cNvPr id="2" name="Slide Image Placeholder 1"/>
+          <p:cNvSpPr>
+            <a:spLocks noGrp="1" noRot="1" noChangeAspect="1"/>
+          </p:cNvSpPr>
+          <p:nvPr>
+            <p:ph type="sldImg"/>
+          </p:nvPr>
+        </p:nvSpPr>
+        <p:spPr/>
+      </p:sp>
+      <p:sp>
+        <p:nvSpPr>
+          <p:cNvPr id="3" name="Notes Placeholder 2"/>
+          <p:cNvSpPr>
+            <a:spLocks noGrp="1"/>
+          </p:cNvSpPr>
+          <p:nvPr>
+            <p:ph type="body" idx="1"/>
+          </p:nvPr>
+        </p:nvSpPr>
+        <p:spPr/>
+        <p:txBody>
+          <a:bodyPr/>
+          <a:lstStyle/>
+          <a:p>
+            <a:r>
+              <a:rPr lang="en-US" dirty="0" err="1" smtClean="0"/>
+              <a:t>Note:</a:t>
+            </a:r>
+            <a:r>
+              <a:rPr lang="en-US" sz="900" b="0" i="0" kern="1200" dirty="0" err="1" smtClean="0">
+                <a:solidFill>
+                  <a:schemeClr val="tx1"/>
+                </a:solidFill>
+                <a:effectLst/>
+                <a:latin typeface="+mn-lt"/>
+                <a:ea typeface="+mn-ea"/>
+                <a:cs typeface="+mn-cs"/>
+              </a:rPr>
+              <a:t>Get</a:t>
+            </a:r>
+            <a:r>
+              <a:rPr lang="en-US" sz="900" b="0" i="0" kern="1200" dirty="0" smtClean="0">
+                <a:solidFill>
+                  <a:schemeClr val="tx1"/>
+                </a:solidFill>
+                <a:effectLst/>
+                <a:latin typeface="+mn-lt"/>
+                <a:ea typeface="+mn-ea"/>
+                <a:cs typeface="+mn-cs"/>
+              </a:rPr>
+              <a:t> methods are used for getting a part of a date. Here are the most common (alphabetically):</a:t>
+            </a:r>
+            <a:endParaRPr lang="en-US" dirty="0"/>
+          </a:p>
+        </p:txBody>
+      </p:sp>
+      <p:sp>
+        <p:nvSpPr>
+          <p:cNvPr id="4" name="Header Placeholder 3"/>
+          <p:cNvSpPr>
+            <a:spLocks noGrp="1"/>
+          </p:cNvSpPr>
+          <p:nvPr>
+            <p:ph type="hdr" sz="quarter" idx="10"/>
+          </p:nvPr>
+        </p:nvSpPr>
+        <p:spPr/>
+        <p:txBody>
+          <a:bodyPr/>
+          <a:lstStyle/>
+          <a:p>
+            <a:endParaRPr lang="en-US" dirty="0"/>
+          </a:p>
+        </p:txBody>
+      </p:sp>
+      <p:sp>
+        <p:nvSpPr>
+          <p:cNvPr id="5" name="Date Placeholder 4"/>
+          <p:cNvSpPr>
+            <a:spLocks noGrp="1"/>
+          </p:cNvSpPr>
+          <p:nvPr>
+            <p:ph type="dt" idx="11"/>
+          </p:nvPr>
+        </p:nvSpPr>
+        <p:spPr/>
+        <p:txBody>
+          <a:bodyPr/>
+          <a:lstStyle/>
+          <a:p>
+            <a:fld id="{904ADFF7-E322-497A-9333-32D5DCD85DFC}" type="datetime1">
+              <a:rPr lang="en-US" smtClean="0"/>
+              <a:t>4/9/2017</a:t>
+            </a:fld>
+            <a:endParaRPr lang="en-US" dirty="0"/>
+          </a:p>
+        </p:txBody>
+      </p:sp>
+    </p:spTree>
+    <p:extLst>
+      <p:ext uri="{BB962C8B-B14F-4D97-AF65-F5344CB8AC3E}">
+        <p14:creationId xmlns:p14="http://schemas.microsoft.com/office/powerpoint/2010/main" val="2010562070"/>
+      </p:ext>
+    </p:extLst>
+  </p:cSld>
+  <p:clrMapOvr>
+    <a:masterClrMapping/>
+  </p:clrMapOvr>
+</p:notes>
+</file>
+
+<file path=ppt/notesSlides/notesSlide51.xml><?xml version="1.0" encoding="utf-8"?>
+<p:notes xmlns:a="http://schemas.openxmlformats.org/drawingml/2006/main" xmlns:r="http://schemas.openxmlformats.org/officeDocument/2006/relationships" xmlns:p="http://schemas.openxmlformats.org/presentationml/2006/main">
+  <p:cSld>
+    <p:spTree>
+      <p:nvGrpSpPr>
+        <p:cNvPr id="1" name=""/>
+        <p:cNvGrpSpPr/>
+        <p:nvPr/>
+      </p:nvGrpSpPr>
+      <p:grpSpPr>
+        <a:xfrm>
+          <a:off x="0" y="0"/>
+          <a:ext cx="0" cy="0"/>
+          <a:chOff x="0" y="0"/>
+          <a:chExt cx="0" cy="0"/>
+        </a:xfrm>
+      </p:grpSpPr>
+      <p:sp>
+        <p:nvSpPr>
+          <p:cNvPr id="2" name="Slide Image Placeholder 1"/>
+          <p:cNvSpPr>
+            <a:spLocks noGrp="1" noRot="1" noChangeAspect="1"/>
+          </p:cNvSpPr>
+          <p:nvPr>
+            <p:ph type="sldImg"/>
+          </p:nvPr>
+        </p:nvSpPr>
+        <p:spPr/>
+      </p:sp>
+      <p:sp>
+        <p:nvSpPr>
+          <p:cNvPr id="3" name="Notes Placeholder 2"/>
+          <p:cNvSpPr>
+            <a:spLocks noGrp="1"/>
+          </p:cNvSpPr>
+          <p:nvPr>
+            <p:ph type="body" idx="1"/>
+          </p:nvPr>
+        </p:nvSpPr>
+        <p:spPr/>
+        <p:txBody>
+          <a:bodyPr/>
+          <a:lstStyle/>
+          <a:p>
+            <a:endParaRPr lang="en-US" dirty="0"/>
+          </a:p>
+        </p:txBody>
+      </p:sp>
+      <p:sp>
+        <p:nvSpPr>
+          <p:cNvPr id="4" name="Header Placeholder 3"/>
+          <p:cNvSpPr>
+            <a:spLocks noGrp="1"/>
+          </p:cNvSpPr>
+          <p:nvPr>
+            <p:ph type="hdr" sz="quarter" idx="10"/>
+          </p:nvPr>
+        </p:nvSpPr>
+        <p:spPr/>
+        <p:txBody>
+          <a:bodyPr/>
+          <a:lstStyle/>
+          <a:p>
+            <a:endParaRPr lang="en-US" dirty="0"/>
+          </a:p>
+        </p:txBody>
+      </p:sp>
+      <p:sp>
+        <p:nvSpPr>
+          <p:cNvPr id="5" name="Date Placeholder 4"/>
+          <p:cNvSpPr>
+            <a:spLocks noGrp="1"/>
+          </p:cNvSpPr>
+          <p:nvPr>
+            <p:ph type="dt" idx="11"/>
+          </p:nvPr>
+        </p:nvSpPr>
+        <p:spPr/>
+        <p:txBody>
+          <a:bodyPr/>
+          <a:lstStyle/>
+          <a:p>
+            <a:fld id="{4379EDF8-6A72-4466-8802-3AF6F4C2B33D}" type="datetime1">
+              <a:rPr lang="en-US" smtClean="0"/>
+              <a:t>4/9/2017</a:t>
+            </a:fld>
+            <a:endParaRPr lang="en-US" dirty="0"/>
+          </a:p>
+        </p:txBody>
+      </p:sp>
+    </p:spTree>
+    <p:extLst>
+      <p:ext uri="{BB962C8B-B14F-4D97-AF65-F5344CB8AC3E}">
+        <p14:creationId xmlns:p14="http://schemas.microsoft.com/office/powerpoint/2010/main" val="715700553"/>
       </p:ext>
     </p:extLst>
   </p:cSld>
@@ -13927,7 +14377,7 @@
           <a:p>
             <a:fld id="{61291C54-0261-4846-88E6-56CABC42E2F8}" type="datetime1">
               <a:rPr lang="en-US" smtClean="0"/>
-              <a:t>3/26/2017</a:t>
+              <a:t>4/9/2017</a:t>
             </a:fld>
             <a:endParaRPr lang="en-US" dirty="0"/>
           </a:p>
@@ -14114,7 +14564,7 @@
           <a:p>
             <a:fld id="{4B550F5F-7282-4699-9F64-9E60162AA877}" type="datetime1">
               <a:rPr lang="en-US" smtClean="0"/>
-              <a:t>3/26/2017</a:t>
+              <a:t>4/9/2017</a:t>
             </a:fld>
             <a:endParaRPr lang="en-US" dirty="0"/>
           </a:p>
@@ -14214,7 +14664,7 @@
           <a:p>
             <a:fld id="{B94DF958-546C-413C-A4BB-C50F006423A4}" type="datetime1">
               <a:rPr lang="en-US" smtClean="0"/>
-              <a:t>3/26/2017</a:t>
+              <a:t>4/9/2017</a:t>
             </a:fld>
             <a:endParaRPr lang="en-US" dirty="0"/>
           </a:p>
@@ -14347,7 +14797,7 @@
           <a:p>
             <a:fld id="{E10F1410-AC63-4B3D-BDB6-F3A85B05547F}" type="datetime1">
               <a:rPr lang="en-US" smtClean="0"/>
-              <a:t>3/26/2017</a:t>
+              <a:t>4/9/2017</a:t>
             </a:fld>
             <a:endParaRPr lang="en-US" dirty="0"/>
           </a:p>
@@ -39378,7 +39828,11 @@
           <a:bodyPr/>
           <a:lstStyle/>
           <a:p>
-            <a:endParaRPr lang="en-US"/>
+            <a:r>
+              <a:rPr lang="en-US" dirty="0"/>
+              <a:t>DATE</a:t>
+            </a:r>
+            <a:endParaRPr lang="en-US" dirty="0"/>
           </a:p>
         </p:txBody>
       </p:sp>
@@ -39477,6 +39931,5177 @@
     <p:extLst>
       <p:ext uri="{BB962C8B-B14F-4D97-AF65-F5344CB8AC3E}">
         <p14:creationId xmlns:p14="http://schemas.microsoft.com/office/powerpoint/2010/main" val="1095557790"/>
+      </p:ext>
+    </p:extLst>
+  </p:cSld>
+  <p:clrMapOvr>
+    <a:masterClrMapping/>
+  </p:clrMapOvr>
+  <mc:AlternateContent xmlns:mc="http://schemas.openxmlformats.org/markup-compatibility/2006" xmlns:p14="http://schemas.microsoft.com/office/powerpoint/2010/main">
+    <mc:Choice Requires="p14">
+      <p:transition spd="med" p14:dur="700">
+        <p:fade/>
+      </p:transition>
+    </mc:Choice>
+    <mc:Fallback xmlns="">
+      <p:transition spd="med">
+        <p:fade/>
+      </p:transition>
+    </mc:Fallback>
+  </mc:AlternateContent>
+  <p:timing>
+    <p:tnLst>
+      <p:par>
+        <p:cTn id="1" dur="indefinite" restart="never" nodeType="tmRoot"/>
+      </p:par>
+    </p:tnLst>
+  </p:timing>
+</p:sld>
+</file>
+
+<file path=ppt/slides/slide92.xml><?xml version="1.0" encoding="utf-8"?>
+<p:sld xmlns:a="http://schemas.openxmlformats.org/drawingml/2006/main" xmlns:r="http://schemas.openxmlformats.org/officeDocument/2006/relationships" xmlns:p="http://schemas.openxmlformats.org/presentationml/2006/main">
+  <p:cSld>
+    <p:spTree>
+      <p:nvGrpSpPr>
+        <p:cNvPr id="1" name=""/>
+        <p:cNvGrpSpPr/>
+        <p:nvPr/>
+      </p:nvGrpSpPr>
+      <p:grpSpPr>
+        <a:xfrm>
+          <a:off x="0" y="0"/>
+          <a:ext cx="0" cy="0"/>
+          <a:chOff x="0" y="0"/>
+          <a:chExt cx="0" cy="0"/>
+        </a:xfrm>
+      </p:grpSpPr>
+      <p:sp>
+        <p:nvSpPr>
+          <p:cNvPr id="2" name="Title 1"/>
+          <p:cNvSpPr>
+            <a:spLocks noGrp="1"/>
+          </p:cNvSpPr>
+          <p:nvPr>
+            <p:ph type="title"/>
+          </p:nvPr>
+        </p:nvSpPr>
+        <p:spPr/>
+        <p:txBody>
+          <a:bodyPr/>
+          <a:lstStyle/>
+          <a:p>
+            <a:r>
+              <a:rPr lang="en-US" dirty="0" smtClean="0"/>
+              <a:t>Date</a:t>
+            </a:r>
+            <a:endParaRPr lang="en-US" dirty="0"/>
+          </a:p>
+        </p:txBody>
+      </p:sp>
+      <p:sp>
+        <p:nvSpPr>
+          <p:cNvPr id="3" name="Content Placeholder 2"/>
+          <p:cNvSpPr>
+            <a:spLocks noGrp="1"/>
+          </p:cNvSpPr>
+          <p:nvPr>
+            <p:ph sz="quarter" idx="14"/>
+          </p:nvPr>
+        </p:nvSpPr>
+        <p:spPr>
+          <a:xfrm>
+            <a:off x="291714" y="1182291"/>
+            <a:ext cx="8577649" cy="2067233"/>
+          </a:xfrm>
+        </p:spPr>
+        <p:txBody>
+          <a:bodyPr/>
+          <a:lstStyle/>
+          <a:p>
+            <a:r>
+              <a:rPr lang="en-US" dirty="0"/>
+              <a:t>There are four ways of instantiating a date:</a:t>
+            </a:r>
+            <a:endParaRPr lang="en-US" dirty="0" smtClean="0"/>
+          </a:p>
+          <a:p>
+            <a:r>
+              <a:rPr lang="en-US" dirty="0" err="1" smtClean="0"/>
+              <a:t>var</a:t>
+            </a:r>
+            <a:r>
+              <a:rPr lang="en-US" dirty="0"/>
+              <a:t> d = new Date();</a:t>
+            </a:r>
+            <a:br>
+              <a:rPr lang="en-US" dirty="0"/>
+            </a:br>
+            <a:r>
+              <a:rPr lang="en-US" dirty="0" err="1"/>
+              <a:t>var</a:t>
+            </a:r>
+            <a:r>
+              <a:rPr lang="en-US" dirty="0"/>
+              <a:t> d = new Date(</a:t>
+            </a:r>
+            <a:r>
+              <a:rPr lang="en-US" i="1" dirty="0"/>
+              <a:t>milliseconds</a:t>
+            </a:r>
+            <a:r>
+              <a:rPr lang="en-US" dirty="0"/>
+              <a:t>);</a:t>
+            </a:r>
+            <a:br>
+              <a:rPr lang="en-US" dirty="0"/>
+            </a:br>
+            <a:r>
+              <a:rPr lang="en-US" dirty="0" err="1"/>
+              <a:t>var</a:t>
+            </a:r>
+            <a:r>
+              <a:rPr lang="en-US" dirty="0"/>
+              <a:t> d = new Date(</a:t>
+            </a:r>
+            <a:r>
+              <a:rPr lang="en-US" i="1" dirty="0" err="1"/>
+              <a:t>dateString</a:t>
+            </a:r>
+            <a:r>
+              <a:rPr lang="en-US" dirty="0"/>
+              <a:t>);</a:t>
+            </a:r>
+            <a:br>
+              <a:rPr lang="en-US" dirty="0"/>
+            </a:br>
+            <a:r>
+              <a:rPr lang="en-US" dirty="0" err="1"/>
+              <a:t>var</a:t>
+            </a:r>
+            <a:r>
+              <a:rPr lang="en-US" dirty="0"/>
+              <a:t> d = new Date(</a:t>
+            </a:r>
+            <a:r>
+              <a:rPr lang="en-US" i="1" dirty="0"/>
+              <a:t>year</a:t>
+            </a:r>
+            <a:r>
+              <a:rPr lang="en-US" dirty="0"/>
+              <a:t>, </a:t>
+            </a:r>
+            <a:r>
+              <a:rPr lang="en-US" i="1" dirty="0"/>
+              <a:t>month</a:t>
+            </a:r>
+            <a:r>
+              <a:rPr lang="en-US" dirty="0"/>
+              <a:t>, </a:t>
+            </a:r>
+            <a:r>
+              <a:rPr lang="en-US" i="1" dirty="0"/>
+              <a:t>day</a:t>
+            </a:r>
+            <a:r>
+              <a:rPr lang="en-US" dirty="0"/>
+              <a:t>, </a:t>
+            </a:r>
+            <a:r>
+              <a:rPr lang="en-US" i="1" dirty="0"/>
+              <a:t>hours</a:t>
+            </a:r>
+            <a:r>
+              <a:rPr lang="en-US" dirty="0"/>
+              <a:t>, </a:t>
+            </a:r>
+            <a:r>
+              <a:rPr lang="en-US" i="1" dirty="0"/>
+              <a:t>minutes</a:t>
+            </a:r>
+            <a:r>
+              <a:rPr lang="en-US" dirty="0"/>
+              <a:t>, </a:t>
+            </a:r>
+            <a:r>
+              <a:rPr lang="en-US" i="1" dirty="0"/>
+              <a:t>seconds</a:t>
+            </a:r>
+            <a:r>
+              <a:rPr lang="en-US" dirty="0"/>
+              <a:t>, </a:t>
+            </a:r>
+            <a:r>
+              <a:rPr lang="en-US" i="1" dirty="0"/>
+              <a:t>milliseconds</a:t>
+            </a:r>
+            <a:r>
+              <a:rPr lang="en-US" dirty="0"/>
+              <a:t>);</a:t>
+            </a:r>
+          </a:p>
+        </p:txBody>
+      </p:sp>
+    </p:spTree>
+    <p:extLst>
+      <p:ext uri="{BB962C8B-B14F-4D97-AF65-F5344CB8AC3E}">
+        <p14:creationId xmlns:p14="http://schemas.microsoft.com/office/powerpoint/2010/main" val="3056950561"/>
+      </p:ext>
+    </p:extLst>
+  </p:cSld>
+  <p:clrMapOvr>
+    <a:masterClrMapping/>
+  </p:clrMapOvr>
+  <mc:AlternateContent xmlns:mc="http://schemas.openxmlformats.org/markup-compatibility/2006" xmlns:p14="http://schemas.microsoft.com/office/powerpoint/2010/main">
+    <mc:Choice Requires="p14">
+      <p:transition spd="med" p14:dur="700">
+        <p:fade/>
+      </p:transition>
+    </mc:Choice>
+    <mc:Fallback xmlns="">
+      <p:transition spd="med">
+        <p:fade/>
+      </p:transition>
+    </mc:Fallback>
+  </mc:AlternateContent>
+  <p:timing>
+    <p:tnLst>
+      <p:par>
+        <p:cTn id="1" dur="indefinite" restart="never" nodeType="tmRoot"/>
+      </p:par>
+    </p:tnLst>
+  </p:timing>
+</p:sld>
+</file>
+
+<file path=ppt/slides/slide93.xml><?xml version="1.0" encoding="utf-8"?>
+<p:sld xmlns:a="http://schemas.openxmlformats.org/drawingml/2006/main" xmlns:r="http://schemas.openxmlformats.org/officeDocument/2006/relationships" xmlns:p="http://schemas.openxmlformats.org/presentationml/2006/main">
+  <p:cSld>
+    <p:spTree>
+      <p:nvGrpSpPr>
+        <p:cNvPr id="1" name=""/>
+        <p:cNvGrpSpPr/>
+        <p:nvPr/>
+      </p:nvGrpSpPr>
+      <p:grpSpPr>
+        <a:xfrm>
+          <a:off x="0" y="0"/>
+          <a:ext cx="0" cy="0"/>
+          <a:chOff x="0" y="0"/>
+          <a:chExt cx="0" cy="0"/>
+        </a:xfrm>
+      </p:grpSpPr>
+      <p:sp>
+        <p:nvSpPr>
+          <p:cNvPr id="2" name="Title 1"/>
+          <p:cNvSpPr>
+            <a:spLocks noGrp="1"/>
+          </p:cNvSpPr>
+          <p:nvPr>
+            <p:ph type="title"/>
+          </p:nvPr>
+        </p:nvSpPr>
+        <p:spPr/>
+        <p:txBody>
+          <a:bodyPr/>
+          <a:lstStyle/>
+          <a:p>
+            <a:r>
+              <a:rPr lang="en-US" b="0" dirty="0"/>
+              <a:t>JavaScript Date Methods</a:t>
+            </a:r>
+            <a:br>
+              <a:rPr lang="en-US" b="0" dirty="0"/>
+            </a:br>
+            <a:endParaRPr lang="en-US" dirty="0"/>
+          </a:p>
+        </p:txBody>
+      </p:sp>
+      <p:sp>
+        <p:nvSpPr>
+          <p:cNvPr id="3" name="Content Placeholder 2"/>
+          <p:cNvSpPr>
+            <a:spLocks noGrp="1"/>
+          </p:cNvSpPr>
+          <p:nvPr>
+            <p:ph sz="quarter" idx="14"/>
+          </p:nvPr>
+        </p:nvSpPr>
+        <p:spPr>
+          <a:xfrm>
+            <a:off x="291714" y="1182291"/>
+            <a:ext cx="8577649" cy="2759730"/>
+          </a:xfrm>
+        </p:spPr>
+        <p:txBody>
+          <a:bodyPr/>
+          <a:lstStyle/>
+          <a:p>
+            <a:r>
+              <a:rPr lang="en-US" dirty="0"/>
+              <a:t>Date methods let you get and set date values (years, months, days, hours, minutes, seconds, milliseconds</a:t>
+            </a:r>
+            <a:r>
+              <a:rPr lang="en-US" dirty="0" smtClean="0"/>
+              <a:t>)</a:t>
+            </a:r>
+          </a:p>
+          <a:p>
+            <a:r>
+              <a:rPr lang="en-US" dirty="0"/>
+              <a:t>Date Get Methods</a:t>
+            </a:r>
+          </a:p>
+          <a:p>
+            <a:r>
+              <a:rPr lang="en-US" dirty="0"/>
+              <a:t>Get methods are used for getting a part of a date. Here are the most </a:t>
+            </a:r>
+            <a:r>
+              <a:rPr lang="en-US" dirty="0" smtClean="0"/>
+              <a:t>common </a:t>
+            </a:r>
+            <a:r>
+              <a:rPr lang="en-US" dirty="0"/>
+              <a:t>(alphabetically):</a:t>
+            </a:r>
+          </a:p>
+          <a:p>
+            <a:endParaRPr lang="en-US" dirty="0" smtClean="0"/>
+          </a:p>
+          <a:p>
+            <a:endParaRPr lang="en-US" dirty="0"/>
+          </a:p>
+        </p:txBody>
+      </p:sp>
+      <p:graphicFrame>
+        <p:nvGraphicFramePr>
+          <p:cNvPr id="4" name="Table 3"/>
+          <p:cNvGraphicFramePr>
+            <a:graphicFrameLocks noGrp="1"/>
+          </p:cNvGraphicFramePr>
+          <p:nvPr>
+            <p:extLst>
+              <p:ext uri="{D42A27DB-BD31-4B8C-83A1-F6EECF244321}">
+                <p14:modId xmlns:p14="http://schemas.microsoft.com/office/powerpoint/2010/main" val="1605950007"/>
+              </p:ext>
+            </p:extLst>
+          </p:nvPr>
+        </p:nvGraphicFramePr>
+        <p:xfrm>
+          <a:off x="733529" y="3084842"/>
+          <a:ext cx="6029012" cy="2942860"/>
+        </p:xfrm>
+        <a:graphic>
+          <a:graphicData uri="http://schemas.openxmlformats.org/drawingml/2006/table">
+            <a:tbl>
+              <a:tblPr/>
+              <a:tblGrid>
+                <a:gridCol w="3014506"/>
+                <a:gridCol w="3014506"/>
+              </a:tblGrid>
+              <a:tr h="250029">
+                <a:tc>
+                  <a:txBody>
+                    <a:bodyPr/>
+                    <a:lstStyle/>
+                    <a:p>
+                      <a:pPr algn="l" fontAlgn="t"/>
+                      <a:r>
+                        <a:rPr lang="en-US" sz="1400" dirty="0">
+                          <a:effectLst/>
+                        </a:rPr>
+                        <a:t>Method</a:t>
+                      </a:r>
+                    </a:p>
+                  </a:txBody>
+                  <a:tcPr marL="50446" marR="25223" marT="25223" marB="25223">
+                    <a:lnL w="7620" cap="flat" cmpd="sng" algn="ctr">
+                      <a:solidFill>
+                        <a:srgbClr val="CCCCCC"/>
+                      </a:solidFill>
+                      <a:prstDash val="solid"/>
+                      <a:round/>
+                      <a:headEnd type="none" w="med" len="med"/>
+                      <a:tailEnd type="none" w="med" len="med"/>
+                    </a:lnL>
+                    <a:lnR w="7620" cap="flat" cmpd="sng" algn="ctr">
+                      <a:solidFill>
+                        <a:srgbClr val="CCCCCC"/>
+                      </a:solidFill>
+                      <a:prstDash val="solid"/>
+                      <a:round/>
+                      <a:headEnd type="none" w="med" len="med"/>
+                      <a:tailEnd type="none" w="med" len="med"/>
+                    </a:lnR>
+                    <a:lnT w="7620" cap="flat" cmpd="sng" algn="ctr">
+                      <a:solidFill>
+                        <a:srgbClr val="CCCCCC"/>
+                      </a:solidFill>
+                      <a:prstDash val="solid"/>
+                      <a:round/>
+                      <a:headEnd type="none" w="med" len="med"/>
+                      <a:tailEnd type="none" w="med" len="med"/>
+                    </a:lnT>
+                    <a:lnB w="7620" cap="flat" cmpd="sng" algn="ctr">
+                      <a:solidFill>
+                        <a:srgbClr val="CCCCCC"/>
+                      </a:solidFill>
+                      <a:prstDash val="solid"/>
+                      <a:round/>
+                      <a:headEnd type="none" w="med" len="med"/>
+                      <a:tailEnd type="none" w="med" len="med"/>
+                    </a:lnB>
+                    <a:solidFill>
+                      <a:srgbClr val="FFFFFF"/>
+                    </a:solidFill>
+                  </a:tcPr>
+                </a:tc>
+                <a:tc>
+                  <a:txBody>
+                    <a:bodyPr/>
+                    <a:lstStyle/>
+                    <a:p>
+                      <a:pPr algn="l" fontAlgn="t"/>
+                      <a:r>
+                        <a:rPr lang="en-US" sz="1400">
+                          <a:effectLst/>
+                        </a:rPr>
+                        <a:t>Description</a:t>
+                      </a:r>
+                    </a:p>
+                  </a:txBody>
+                  <a:tcPr marL="25223" marR="25223" marT="25223" marB="25223">
+                    <a:lnL w="7620" cap="flat" cmpd="sng" algn="ctr">
+                      <a:solidFill>
+                        <a:srgbClr val="CCCCCC"/>
+                      </a:solidFill>
+                      <a:prstDash val="solid"/>
+                      <a:round/>
+                      <a:headEnd type="none" w="med" len="med"/>
+                      <a:tailEnd type="none" w="med" len="med"/>
+                    </a:lnL>
+                    <a:lnR w="7620" cap="flat" cmpd="sng" algn="ctr">
+                      <a:solidFill>
+                        <a:srgbClr val="CCCCCC"/>
+                      </a:solidFill>
+                      <a:prstDash val="solid"/>
+                      <a:round/>
+                      <a:headEnd type="none" w="med" len="med"/>
+                      <a:tailEnd type="none" w="med" len="med"/>
+                    </a:lnR>
+                    <a:lnT w="7620" cap="flat" cmpd="sng" algn="ctr">
+                      <a:solidFill>
+                        <a:srgbClr val="CCCCCC"/>
+                      </a:solidFill>
+                      <a:prstDash val="solid"/>
+                      <a:round/>
+                      <a:headEnd type="none" w="med" len="med"/>
+                      <a:tailEnd type="none" w="med" len="med"/>
+                    </a:lnT>
+                    <a:lnB w="7620" cap="flat" cmpd="sng" algn="ctr">
+                      <a:solidFill>
+                        <a:srgbClr val="CCCCCC"/>
+                      </a:solidFill>
+                      <a:prstDash val="solid"/>
+                      <a:round/>
+                      <a:headEnd type="none" w="med" len="med"/>
+                      <a:tailEnd type="none" w="med" len="med"/>
+                    </a:lnB>
+                    <a:solidFill>
+                      <a:srgbClr val="FFFFFF"/>
+                    </a:solidFill>
+                  </a:tcPr>
+                </a:tc>
+              </a:tr>
+              <a:tr h="207022">
+                <a:tc>
+                  <a:txBody>
+                    <a:bodyPr/>
+                    <a:lstStyle/>
+                    <a:p>
+                      <a:pPr algn="l" fontAlgn="t"/>
+                      <a:r>
+                        <a:rPr lang="en-US" sz="1400">
+                          <a:effectLst/>
+                        </a:rPr>
+                        <a:t>getDate()</a:t>
+                      </a:r>
+                    </a:p>
+                  </a:txBody>
+                  <a:tcPr marL="50446" marR="25223" marT="25223" marB="25223">
+                    <a:lnL w="7620" cap="flat" cmpd="sng" algn="ctr">
+                      <a:solidFill>
+                        <a:srgbClr val="CCCCCC"/>
+                      </a:solidFill>
+                      <a:prstDash val="solid"/>
+                      <a:round/>
+                      <a:headEnd type="none" w="med" len="med"/>
+                      <a:tailEnd type="none" w="med" len="med"/>
+                    </a:lnL>
+                    <a:lnR w="7620" cap="flat" cmpd="sng" algn="ctr">
+                      <a:solidFill>
+                        <a:srgbClr val="CCCCCC"/>
+                      </a:solidFill>
+                      <a:prstDash val="solid"/>
+                      <a:round/>
+                      <a:headEnd type="none" w="med" len="med"/>
+                      <a:tailEnd type="none" w="med" len="med"/>
+                    </a:lnR>
+                    <a:lnT w="7620" cap="flat" cmpd="sng" algn="ctr">
+                      <a:solidFill>
+                        <a:srgbClr val="CCCCCC"/>
+                      </a:solidFill>
+                      <a:prstDash val="solid"/>
+                      <a:round/>
+                      <a:headEnd type="none" w="med" len="med"/>
+                      <a:tailEnd type="none" w="med" len="med"/>
+                    </a:lnT>
+                    <a:lnB w="7620" cap="flat" cmpd="sng" algn="ctr">
+                      <a:solidFill>
+                        <a:srgbClr val="CCCCCC"/>
+                      </a:solidFill>
+                      <a:prstDash val="solid"/>
+                      <a:round/>
+                      <a:headEnd type="none" w="med" len="med"/>
+                      <a:tailEnd type="none" w="med" len="med"/>
+                    </a:lnB>
+                    <a:solidFill>
+                      <a:srgbClr val="F1F1F1"/>
+                    </a:solidFill>
+                  </a:tcPr>
+                </a:tc>
+                <a:tc>
+                  <a:txBody>
+                    <a:bodyPr/>
+                    <a:lstStyle/>
+                    <a:p>
+                      <a:pPr algn="l" fontAlgn="t"/>
+                      <a:r>
+                        <a:rPr lang="en-US" sz="1400">
+                          <a:effectLst/>
+                        </a:rPr>
+                        <a:t>Get the day as a number (1-31)</a:t>
+                      </a:r>
+                    </a:p>
+                  </a:txBody>
+                  <a:tcPr marL="25223" marR="25223" marT="25223" marB="25223">
+                    <a:lnL w="7620" cap="flat" cmpd="sng" algn="ctr">
+                      <a:solidFill>
+                        <a:srgbClr val="CCCCCC"/>
+                      </a:solidFill>
+                      <a:prstDash val="solid"/>
+                      <a:round/>
+                      <a:headEnd type="none" w="med" len="med"/>
+                      <a:tailEnd type="none" w="med" len="med"/>
+                    </a:lnL>
+                    <a:lnR w="7620" cap="flat" cmpd="sng" algn="ctr">
+                      <a:solidFill>
+                        <a:srgbClr val="CCCCCC"/>
+                      </a:solidFill>
+                      <a:prstDash val="solid"/>
+                      <a:round/>
+                      <a:headEnd type="none" w="med" len="med"/>
+                      <a:tailEnd type="none" w="med" len="med"/>
+                    </a:lnR>
+                    <a:lnT w="7620" cap="flat" cmpd="sng" algn="ctr">
+                      <a:solidFill>
+                        <a:srgbClr val="CCCCCC"/>
+                      </a:solidFill>
+                      <a:prstDash val="solid"/>
+                      <a:round/>
+                      <a:headEnd type="none" w="med" len="med"/>
+                      <a:tailEnd type="none" w="med" len="med"/>
+                    </a:lnT>
+                    <a:lnB w="7620" cap="flat" cmpd="sng" algn="ctr">
+                      <a:solidFill>
+                        <a:srgbClr val="CCCCCC"/>
+                      </a:solidFill>
+                      <a:prstDash val="solid"/>
+                      <a:round/>
+                      <a:headEnd type="none" w="med" len="med"/>
+                      <a:tailEnd type="none" w="med" len="med"/>
+                    </a:lnB>
+                    <a:solidFill>
+                      <a:srgbClr val="F1F1F1"/>
+                    </a:solidFill>
+                  </a:tcPr>
+                </a:tc>
+              </a:tr>
+              <a:tr h="207022">
+                <a:tc>
+                  <a:txBody>
+                    <a:bodyPr/>
+                    <a:lstStyle/>
+                    <a:p>
+                      <a:pPr algn="l" fontAlgn="t"/>
+                      <a:r>
+                        <a:rPr lang="en-US" sz="2000" dirty="0" err="1">
+                          <a:effectLst/>
+                        </a:rPr>
+                        <a:t>getDay</a:t>
+                      </a:r>
+                      <a:r>
+                        <a:rPr lang="en-US" sz="1400" dirty="0">
+                          <a:effectLst/>
+                        </a:rPr>
+                        <a:t>()</a:t>
+                      </a:r>
+                    </a:p>
+                  </a:txBody>
+                  <a:tcPr marL="50446" marR="25223" marT="25223" marB="25223">
+                    <a:lnL w="7620" cap="flat" cmpd="sng" algn="ctr">
+                      <a:solidFill>
+                        <a:srgbClr val="CCCCCC"/>
+                      </a:solidFill>
+                      <a:prstDash val="solid"/>
+                      <a:round/>
+                      <a:headEnd type="none" w="med" len="med"/>
+                      <a:tailEnd type="none" w="med" len="med"/>
+                    </a:lnL>
+                    <a:lnR w="7620" cap="flat" cmpd="sng" algn="ctr">
+                      <a:solidFill>
+                        <a:srgbClr val="CCCCCC"/>
+                      </a:solidFill>
+                      <a:prstDash val="solid"/>
+                      <a:round/>
+                      <a:headEnd type="none" w="med" len="med"/>
+                      <a:tailEnd type="none" w="med" len="med"/>
+                    </a:lnR>
+                    <a:lnT w="7620" cap="flat" cmpd="sng" algn="ctr">
+                      <a:solidFill>
+                        <a:srgbClr val="CCCCCC"/>
+                      </a:solidFill>
+                      <a:prstDash val="solid"/>
+                      <a:round/>
+                      <a:headEnd type="none" w="med" len="med"/>
+                      <a:tailEnd type="none" w="med" len="med"/>
+                    </a:lnT>
+                    <a:lnB w="7620" cap="flat" cmpd="sng" algn="ctr">
+                      <a:solidFill>
+                        <a:srgbClr val="CCCCCC"/>
+                      </a:solidFill>
+                      <a:prstDash val="solid"/>
+                      <a:round/>
+                      <a:headEnd type="none" w="med" len="med"/>
+                      <a:tailEnd type="none" w="med" len="med"/>
+                    </a:lnB>
+                    <a:solidFill>
+                      <a:srgbClr val="FFFFFF"/>
+                    </a:solidFill>
+                  </a:tcPr>
+                </a:tc>
+                <a:tc>
+                  <a:txBody>
+                    <a:bodyPr/>
+                    <a:lstStyle/>
+                    <a:p>
+                      <a:pPr algn="l" fontAlgn="t"/>
+                      <a:r>
+                        <a:rPr lang="en-US" sz="1400">
+                          <a:effectLst/>
+                        </a:rPr>
+                        <a:t>Get the weekday as a number (0-6)</a:t>
+                      </a:r>
+                    </a:p>
+                  </a:txBody>
+                  <a:tcPr marL="25223" marR="25223" marT="25223" marB="25223">
+                    <a:lnL w="7620" cap="flat" cmpd="sng" algn="ctr">
+                      <a:solidFill>
+                        <a:srgbClr val="CCCCCC"/>
+                      </a:solidFill>
+                      <a:prstDash val="solid"/>
+                      <a:round/>
+                      <a:headEnd type="none" w="med" len="med"/>
+                      <a:tailEnd type="none" w="med" len="med"/>
+                    </a:lnL>
+                    <a:lnR w="7620" cap="flat" cmpd="sng" algn="ctr">
+                      <a:solidFill>
+                        <a:srgbClr val="CCCCCC"/>
+                      </a:solidFill>
+                      <a:prstDash val="solid"/>
+                      <a:round/>
+                      <a:headEnd type="none" w="med" len="med"/>
+                      <a:tailEnd type="none" w="med" len="med"/>
+                    </a:lnR>
+                    <a:lnT w="7620" cap="flat" cmpd="sng" algn="ctr">
+                      <a:solidFill>
+                        <a:srgbClr val="CCCCCC"/>
+                      </a:solidFill>
+                      <a:prstDash val="solid"/>
+                      <a:round/>
+                      <a:headEnd type="none" w="med" len="med"/>
+                      <a:tailEnd type="none" w="med" len="med"/>
+                    </a:lnT>
+                    <a:lnB w="7620" cap="flat" cmpd="sng" algn="ctr">
+                      <a:solidFill>
+                        <a:srgbClr val="CCCCCC"/>
+                      </a:solidFill>
+                      <a:prstDash val="solid"/>
+                      <a:round/>
+                      <a:headEnd type="none" w="med" len="med"/>
+                      <a:tailEnd type="none" w="med" len="med"/>
+                    </a:lnB>
+                    <a:solidFill>
+                      <a:srgbClr val="FFFFFF"/>
+                    </a:solidFill>
+                  </a:tcPr>
+                </a:tc>
+              </a:tr>
+              <a:tr h="207022">
+                <a:tc>
+                  <a:txBody>
+                    <a:bodyPr/>
+                    <a:lstStyle/>
+                    <a:p>
+                      <a:pPr algn="l" fontAlgn="t"/>
+                      <a:r>
+                        <a:rPr lang="en-US" sz="1400">
+                          <a:effectLst/>
+                        </a:rPr>
+                        <a:t>getFullYear()</a:t>
+                      </a:r>
+                    </a:p>
+                  </a:txBody>
+                  <a:tcPr marL="50446" marR="25223" marT="25223" marB="25223">
+                    <a:lnL w="7620" cap="flat" cmpd="sng" algn="ctr">
+                      <a:solidFill>
+                        <a:srgbClr val="CCCCCC"/>
+                      </a:solidFill>
+                      <a:prstDash val="solid"/>
+                      <a:round/>
+                      <a:headEnd type="none" w="med" len="med"/>
+                      <a:tailEnd type="none" w="med" len="med"/>
+                    </a:lnL>
+                    <a:lnR w="7620" cap="flat" cmpd="sng" algn="ctr">
+                      <a:solidFill>
+                        <a:srgbClr val="CCCCCC"/>
+                      </a:solidFill>
+                      <a:prstDash val="solid"/>
+                      <a:round/>
+                      <a:headEnd type="none" w="med" len="med"/>
+                      <a:tailEnd type="none" w="med" len="med"/>
+                    </a:lnR>
+                    <a:lnT w="7620" cap="flat" cmpd="sng" algn="ctr">
+                      <a:solidFill>
+                        <a:srgbClr val="CCCCCC"/>
+                      </a:solidFill>
+                      <a:prstDash val="solid"/>
+                      <a:round/>
+                      <a:headEnd type="none" w="med" len="med"/>
+                      <a:tailEnd type="none" w="med" len="med"/>
+                    </a:lnT>
+                    <a:lnB w="7620" cap="flat" cmpd="sng" algn="ctr">
+                      <a:solidFill>
+                        <a:srgbClr val="CCCCCC"/>
+                      </a:solidFill>
+                      <a:prstDash val="solid"/>
+                      <a:round/>
+                      <a:headEnd type="none" w="med" len="med"/>
+                      <a:tailEnd type="none" w="med" len="med"/>
+                    </a:lnB>
+                    <a:solidFill>
+                      <a:srgbClr val="F1F1F1"/>
+                    </a:solidFill>
+                  </a:tcPr>
+                </a:tc>
+                <a:tc>
+                  <a:txBody>
+                    <a:bodyPr/>
+                    <a:lstStyle/>
+                    <a:p>
+                      <a:pPr algn="l" fontAlgn="t"/>
+                      <a:r>
+                        <a:rPr lang="en-US" sz="1400">
+                          <a:effectLst/>
+                        </a:rPr>
+                        <a:t>Get the four digit year (yyyy)</a:t>
+                      </a:r>
+                    </a:p>
+                  </a:txBody>
+                  <a:tcPr marL="25223" marR="25223" marT="25223" marB="25223">
+                    <a:lnL w="7620" cap="flat" cmpd="sng" algn="ctr">
+                      <a:solidFill>
+                        <a:srgbClr val="CCCCCC"/>
+                      </a:solidFill>
+                      <a:prstDash val="solid"/>
+                      <a:round/>
+                      <a:headEnd type="none" w="med" len="med"/>
+                      <a:tailEnd type="none" w="med" len="med"/>
+                    </a:lnL>
+                    <a:lnR w="7620" cap="flat" cmpd="sng" algn="ctr">
+                      <a:solidFill>
+                        <a:srgbClr val="CCCCCC"/>
+                      </a:solidFill>
+                      <a:prstDash val="solid"/>
+                      <a:round/>
+                      <a:headEnd type="none" w="med" len="med"/>
+                      <a:tailEnd type="none" w="med" len="med"/>
+                    </a:lnR>
+                    <a:lnT w="7620" cap="flat" cmpd="sng" algn="ctr">
+                      <a:solidFill>
+                        <a:srgbClr val="CCCCCC"/>
+                      </a:solidFill>
+                      <a:prstDash val="solid"/>
+                      <a:round/>
+                      <a:headEnd type="none" w="med" len="med"/>
+                      <a:tailEnd type="none" w="med" len="med"/>
+                    </a:lnT>
+                    <a:lnB w="7620" cap="flat" cmpd="sng" algn="ctr">
+                      <a:solidFill>
+                        <a:srgbClr val="CCCCCC"/>
+                      </a:solidFill>
+                      <a:prstDash val="solid"/>
+                      <a:round/>
+                      <a:headEnd type="none" w="med" len="med"/>
+                      <a:tailEnd type="none" w="med" len="med"/>
+                    </a:lnB>
+                    <a:solidFill>
+                      <a:srgbClr val="F1F1F1"/>
+                    </a:solidFill>
+                  </a:tcPr>
+                </a:tc>
+              </a:tr>
+              <a:tr h="207022">
+                <a:tc>
+                  <a:txBody>
+                    <a:bodyPr/>
+                    <a:lstStyle/>
+                    <a:p>
+                      <a:pPr algn="l" fontAlgn="t"/>
+                      <a:r>
+                        <a:rPr lang="en-US" sz="1400">
+                          <a:effectLst/>
+                        </a:rPr>
+                        <a:t>getHours()</a:t>
+                      </a:r>
+                    </a:p>
+                  </a:txBody>
+                  <a:tcPr marL="50446" marR="25223" marT="25223" marB="25223">
+                    <a:lnL w="7620" cap="flat" cmpd="sng" algn="ctr">
+                      <a:solidFill>
+                        <a:srgbClr val="CCCCCC"/>
+                      </a:solidFill>
+                      <a:prstDash val="solid"/>
+                      <a:round/>
+                      <a:headEnd type="none" w="med" len="med"/>
+                      <a:tailEnd type="none" w="med" len="med"/>
+                    </a:lnL>
+                    <a:lnR w="7620" cap="flat" cmpd="sng" algn="ctr">
+                      <a:solidFill>
+                        <a:srgbClr val="CCCCCC"/>
+                      </a:solidFill>
+                      <a:prstDash val="solid"/>
+                      <a:round/>
+                      <a:headEnd type="none" w="med" len="med"/>
+                      <a:tailEnd type="none" w="med" len="med"/>
+                    </a:lnR>
+                    <a:lnT w="7620" cap="flat" cmpd="sng" algn="ctr">
+                      <a:solidFill>
+                        <a:srgbClr val="CCCCCC"/>
+                      </a:solidFill>
+                      <a:prstDash val="solid"/>
+                      <a:round/>
+                      <a:headEnd type="none" w="med" len="med"/>
+                      <a:tailEnd type="none" w="med" len="med"/>
+                    </a:lnT>
+                    <a:lnB w="7620" cap="flat" cmpd="sng" algn="ctr">
+                      <a:solidFill>
+                        <a:srgbClr val="CCCCCC"/>
+                      </a:solidFill>
+                      <a:prstDash val="solid"/>
+                      <a:round/>
+                      <a:headEnd type="none" w="med" len="med"/>
+                      <a:tailEnd type="none" w="med" len="med"/>
+                    </a:lnB>
+                    <a:solidFill>
+                      <a:srgbClr val="FFFFFF"/>
+                    </a:solidFill>
+                  </a:tcPr>
+                </a:tc>
+                <a:tc>
+                  <a:txBody>
+                    <a:bodyPr/>
+                    <a:lstStyle/>
+                    <a:p>
+                      <a:pPr algn="l" fontAlgn="t"/>
+                      <a:r>
+                        <a:rPr lang="en-US" sz="1400">
+                          <a:effectLst/>
+                        </a:rPr>
+                        <a:t>Get the hour (0-23)</a:t>
+                      </a:r>
+                    </a:p>
+                  </a:txBody>
+                  <a:tcPr marL="25223" marR="25223" marT="25223" marB="25223">
+                    <a:lnL w="7620" cap="flat" cmpd="sng" algn="ctr">
+                      <a:solidFill>
+                        <a:srgbClr val="CCCCCC"/>
+                      </a:solidFill>
+                      <a:prstDash val="solid"/>
+                      <a:round/>
+                      <a:headEnd type="none" w="med" len="med"/>
+                      <a:tailEnd type="none" w="med" len="med"/>
+                    </a:lnL>
+                    <a:lnR w="7620" cap="flat" cmpd="sng" algn="ctr">
+                      <a:solidFill>
+                        <a:srgbClr val="CCCCCC"/>
+                      </a:solidFill>
+                      <a:prstDash val="solid"/>
+                      <a:round/>
+                      <a:headEnd type="none" w="med" len="med"/>
+                      <a:tailEnd type="none" w="med" len="med"/>
+                    </a:lnR>
+                    <a:lnT w="7620" cap="flat" cmpd="sng" algn="ctr">
+                      <a:solidFill>
+                        <a:srgbClr val="CCCCCC"/>
+                      </a:solidFill>
+                      <a:prstDash val="solid"/>
+                      <a:round/>
+                      <a:headEnd type="none" w="med" len="med"/>
+                      <a:tailEnd type="none" w="med" len="med"/>
+                    </a:lnT>
+                    <a:lnB w="7620" cap="flat" cmpd="sng" algn="ctr">
+                      <a:solidFill>
+                        <a:srgbClr val="CCCCCC"/>
+                      </a:solidFill>
+                      <a:prstDash val="solid"/>
+                      <a:round/>
+                      <a:headEnd type="none" w="med" len="med"/>
+                      <a:tailEnd type="none" w="med" len="med"/>
+                    </a:lnB>
+                    <a:solidFill>
+                      <a:srgbClr val="FFFFFF"/>
+                    </a:solidFill>
+                  </a:tcPr>
+                </a:tc>
+              </a:tr>
+              <a:tr h="207022">
+                <a:tc>
+                  <a:txBody>
+                    <a:bodyPr/>
+                    <a:lstStyle/>
+                    <a:p>
+                      <a:pPr algn="l" fontAlgn="t"/>
+                      <a:r>
+                        <a:rPr lang="en-US" sz="1400">
+                          <a:effectLst/>
+                        </a:rPr>
+                        <a:t>getMilliseconds()</a:t>
+                      </a:r>
+                    </a:p>
+                  </a:txBody>
+                  <a:tcPr marL="50446" marR="25223" marT="25223" marB="25223">
+                    <a:lnL w="7620" cap="flat" cmpd="sng" algn="ctr">
+                      <a:solidFill>
+                        <a:srgbClr val="CCCCCC"/>
+                      </a:solidFill>
+                      <a:prstDash val="solid"/>
+                      <a:round/>
+                      <a:headEnd type="none" w="med" len="med"/>
+                      <a:tailEnd type="none" w="med" len="med"/>
+                    </a:lnL>
+                    <a:lnR w="7620" cap="flat" cmpd="sng" algn="ctr">
+                      <a:solidFill>
+                        <a:srgbClr val="CCCCCC"/>
+                      </a:solidFill>
+                      <a:prstDash val="solid"/>
+                      <a:round/>
+                      <a:headEnd type="none" w="med" len="med"/>
+                      <a:tailEnd type="none" w="med" len="med"/>
+                    </a:lnR>
+                    <a:lnT w="7620" cap="flat" cmpd="sng" algn="ctr">
+                      <a:solidFill>
+                        <a:srgbClr val="CCCCCC"/>
+                      </a:solidFill>
+                      <a:prstDash val="solid"/>
+                      <a:round/>
+                      <a:headEnd type="none" w="med" len="med"/>
+                      <a:tailEnd type="none" w="med" len="med"/>
+                    </a:lnT>
+                    <a:lnB w="7620" cap="flat" cmpd="sng" algn="ctr">
+                      <a:solidFill>
+                        <a:srgbClr val="CCCCCC"/>
+                      </a:solidFill>
+                      <a:prstDash val="solid"/>
+                      <a:round/>
+                      <a:headEnd type="none" w="med" len="med"/>
+                      <a:tailEnd type="none" w="med" len="med"/>
+                    </a:lnB>
+                    <a:solidFill>
+                      <a:srgbClr val="F1F1F1"/>
+                    </a:solidFill>
+                  </a:tcPr>
+                </a:tc>
+                <a:tc>
+                  <a:txBody>
+                    <a:bodyPr/>
+                    <a:lstStyle/>
+                    <a:p>
+                      <a:pPr algn="l" fontAlgn="t"/>
+                      <a:r>
+                        <a:rPr lang="en-US" sz="1400">
+                          <a:effectLst/>
+                        </a:rPr>
+                        <a:t>Get the milliseconds (0-999)</a:t>
+                      </a:r>
+                    </a:p>
+                  </a:txBody>
+                  <a:tcPr marL="25223" marR="25223" marT="25223" marB="25223">
+                    <a:lnL w="7620" cap="flat" cmpd="sng" algn="ctr">
+                      <a:solidFill>
+                        <a:srgbClr val="CCCCCC"/>
+                      </a:solidFill>
+                      <a:prstDash val="solid"/>
+                      <a:round/>
+                      <a:headEnd type="none" w="med" len="med"/>
+                      <a:tailEnd type="none" w="med" len="med"/>
+                    </a:lnL>
+                    <a:lnR w="7620" cap="flat" cmpd="sng" algn="ctr">
+                      <a:solidFill>
+                        <a:srgbClr val="CCCCCC"/>
+                      </a:solidFill>
+                      <a:prstDash val="solid"/>
+                      <a:round/>
+                      <a:headEnd type="none" w="med" len="med"/>
+                      <a:tailEnd type="none" w="med" len="med"/>
+                    </a:lnR>
+                    <a:lnT w="7620" cap="flat" cmpd="sng" algn="ctr">
+                      <a:solidFill>
+                        <a:srgbClr val="CCCCCC"/>
+                      </a:solidFill>
+                      <a:prstDash val="solid"/>
+                      <a:round/>
+                      <a:headEnd type="none" w="med" len="med"/>
+                      <a:tailEnd type="none" w="med" len="med"/>
+                    </a:lnT>
+                    <a:lnB w="7620" cap="flat" cmpd="sng" algn="ctr">
+                      <a:solidFill>
+                        <a:srgbClr val="CCCCCC"/>
+                      </a:solidFill>
+                      <a:prstDash val="solid"/>
+                      <a:round/>
+                      <a:headEnd type="none" w="med" len="med"/>
+                      <a:tailEnd type="none" w="med" len="med"/>
+                    </a:lnB>
+                    <a:solidFill>
+                      <a:srgbClr val="F1F1F1"/>
+                    </a:solidFill>
+                  </a:tcPr>
+                </a:tc>
+              </a:tr>
+              <a:tr h="207022">
+                <a:tc>
+                  <a:txBody>
+                    <a:bodyPr/>
+                    <a:lstStyle/>
+                    <a:p>
+                      <a:pPr algn="l" fontAlgn="t"/>
+                      <a:r>
+                        <a:rPr lang="en-US" sz="1400">
+                          <a:effectLst/>
+                        </a:rPr>
+                        <a:t>getMinutes()</a:t>
+                      </a:r>
+                    </a:p>
+                  </a:txBody>
+                  <a:tcPr marL="50446" marR="25223" marT="25223" marB="25223">
+                    <a:lnL w="7620" cap="flat" cmpd="sng" algn="ctr">
+                      <a:solidFill>
+                        <a:srgbClr val="CCCCCC"/>
+                      </a:solidFill>
+                      <a:prstDash val="solid"/>
+                      <a:round/>
+                      <a:headEnd type="none" w="med" len="med"/>
+                      <a:tailEnd type="none" w="med" len="med"/>
+                    </a:lnL>
+                    <a:lnR w="7620" cap="flat" cmpd="sng" algn="ctr">
+                      <a:solidFill>
+                        <a:srgbClr val="CCCCCC"/>
+                      </a:solidFill>
+                      <a:prstDash val="solid"/>
+                      <a:round/>
+                      <a:headEnd type="none" w="med" len="med"/>
+                      <a:tailEnd type="none" w="med" len="med"/>
+                    </a:lnR>
+                    <a:lnT w="7620" cap="flat" cmpd="sng" algn="ctr">
+                      <a:solidFill>
+                        <a:srgbClr val="CCCCCC"/>
+                      </a:solidFill>
+                      <a:prstDash val="solid"/>
+                      <a:round/>
+                      <a:headEnd type="none" w="med" len="med"/>
+                      <a:tailEnd type="none" w="med" len="med"/>
+                    </a:lnT>
+                    <a:lnB w="7620" cap="flat" cmpd="sng" algn="ctr">
+                      <a:solidFill>
+                        <a:srgbClr val="CCCCCC"/>
+                      </a:solidFill>
+                      <a:prstDash val="solid"/>
+                      <a:round/>
+                      <a:headEnd type="none" w="med" len="med"/>
+                      <a:tailEnd type="none" w="med" len="med"/>
+                    </a:lnB>
+                    <a:solidFill>
+                      <a:srgbClr val="FFFFFF"/>
+                    </a:solidFill>
+                  </a:tcPr>
+                </a:tc>
+                <a:tc>
+                  <a:txBody>
+                    <a:bodyPr/>
+                    <a:lstStyle/>
+                    <a:p>
+                      <a:pPr algn="l" fontAlgn="t"/>
+                      <a:r>
+                        <a:rPr lang="en-US" sz="1400">
+                          <a:effectLst/>
+                        </a:rPr>
+                        <a:t>Get the minutes (0-59)</a:t>
+                      </a:r>
+                    </a:p>
+                  </a:txBody>
+                  <a:tcPr marL="25223" marR="25223" marT="25223" marB="25223">
+                    <a:lnL w="7620" cap="flat" cmpd="sng" algn="ctr">
+                      <a:solidFill>
+                        <a:srgbClr val="CCCCCC"/>
+                      </a:solidFill>
+                      <a:prstDash val="solid"/>
+                      <a:round/>
+                      <a:headEnd type="none" w="med" len="med"/>
+                      <a:tailEnd type="none" w="med" len="med"/>
+                    </a:lnL>
+                    <a:lnR w="7620" cap="flat" cmpd="sng" algn="ctr">
+                      <a:solidFill>
+                        <a:srgbClr val="CCCCCC"/>
+                      </a:solidFill>
+                      <a:prstDash val="solid"/>
+                      <a:round/>
+                      <a:headEnd type="none" w="med" len="med"/>
+                      <a:tailEnd type="none" w="med" len="med"/>
+                    </a:lnR>
+                    <a:lnT w="7620" cap="flat" cmpd="sng" algn="ctr">
+                      <a:solidFill>
+                        <a:srgbClr val="CCCCCC"/>
+                      </a:solidFill>
+                      <a:prstDash val="solid"/>
+                      <a:round/>
+                      <a:headEnd type="none" w="med" len="med"/>
+                      <a:tailEnd type="none" w="med" len="med"/>
+                    </a:lnT>
+                    <a:lnB w="7620" cap="flat" cmpd="sng" algn="ctr">
+                      <a:solidFill>
+                        <a:srgbClr val="CCCCCC"/>
+                      </a:solidFill>
+                      <a:prstDash val="solid"/>
+                      <a:round/>
+                      <a:headEnd type="none" w="med" len="med"/>
+                      <a:tailEnd type="none" w="med" len="med"/>
+                    </a:lnB>
+                    <a:solidFill>
+                      <a:srgbClr val="FFFFFF"/>
+                    </a:solidFill>
+                  </a:tcPr>
+                </a:tc>
+              </a:tr>
+              <a:tr h="207022">
+                <a:tc>
+                  <a:txBody>
+                    <a:bodyPr/>
+                    <a:lstStyle/>
+                    <a:p>
+                      <a:pPr algn="l" fontAlgn="t"/>
+                      <a:r>
+                        <a:rPr lang="en-US" sz="1400">
+                          <a:effectLst/>
+                        </a:rPr>
+                        <a:t>getMonth()</a:t>
+                      </a:r>
+                    </a:p>
+                  </a:txBody>
+                  <a:tcPr marL="50446" marR="25223" marT="25223" marB="25223">
+                    <a:lnL w="7620" cap="flat" cmpd="sng" algn="ctr">
+                      <a:solidFill>
+                        <a:srgbClr val="CCCCCC"/>
+                      </a:solidFill>
+                      <a:prstDash val="solid"/>
+                      <a:round/>
+                      <a:headEnd type="none" w="med" len="med"/>
+                      <a:tailEnd type="none" w="med" len="med"/>
+                    </a:lnL>
+                    <a:lnR w="7620" cap="flat" cmpd="sng" algn="ctr">
+                      <a:solidFill>
+                        <a:srgbClr val="CCCCCC"/>
+                      </a:solidFill>
+                      <a:prstDash val="solid"/>
+                      <a:round/>
+                      <a:headEnd type="none" w="med" len="med"/>
+                      <a:tailEnd type="none" w="med" len="med"/>
+                    </a:lnR>
+                    <a:lnT w="7620" cap="flat" cmpd="sng" algn="ctr">
+                      <a:solidFill>
+                        <a:srgbClr val="CCCCCC"/>
+                      </a:solidFill>
+                      <a:prstDash val="solid"/>
+                      <a:round/>
+                      <a:headEnd type="none" w="med" len="med"/>
+                      <a:tailEnd type="none" w="med" len="med"/>
+                    </a:lnT>
+                    <a:lnB w="7620" cap="flat" cmpd="sng" algn="ctr">
+                      <a:solidFill>
+                        <a:srgbClr val="CCCCCC"/>
+                      </a:solidFill>
+                      <a:prstDash val="solid"/>
+                      <a:round/>
+                      <a:headEnd type="none" w="med" len="med"/>
+                      <a:tailEnd type="none" w="med" len="med"/>
+                    </a:lnB>
+                    <a:solidFill>
+                      <a:srgbClr val="F1F1F1"/>
+                    </a:solidFill>
+                  </a:tcPr>
+                </a:tc>
+                <a:tc>
+                  <a:txBody>
+                    <a:bodyPr/>
+                    <a:lstStyle/>
+                    <a:p>
+                      <a:pPr algn="l" fontAlgn="t"/>
+                      <a:r>
+                        <a:rPr lang="en-US" sz="1400">
+                          <a:effectLst/>
+                        </a:rPr>
+                        <a:t>Get the month (0-11)</a:t>
+                      </a:r>
+                    </a:p>
+                  </a:txBody>
+                  <a:tcPr marL="25223" marR="25223" marT="25223" marB="25223">
+                    <a:lnL w="7620" cap="flat" cmpd="sng" algn="ctr">
+                      <a:solidFill>
+                        <a:srgbClr val="CCCCCC"/>
+                      </a:solidFill>
+                      <a:prstDash val="solid"/>
+                      <a:round/>
+                      <a:headEnd type="none" w="med" len="med"/>
+                      <a:tailEnd type="none" w="med" len="med"/>
+                    </a:lnL>
+                    <a:lnR w="7620" cap="flat" cmpd="sng" algn="ctr">
+                      <a:solidFill>
+                        <a:srgbClr val="CCCCCC"/>
+                      </a:solidFill>
+                      <a:prstDash val="solid"/>
+                      <a:round/>
+                      <a:headEnd type="none" w="med" len="med"/>
+                      <a:tailEnd type="none" w="med" len="med"/>
+                    </a:lnR>
+                    <a:lnT w="7620" cap="flat" cmpd="sng" algn="ctr">
+                      <a:solidFill>
+                        <a:srgbClr val="CCCCCC"/>
+                      </a:solidFill>
+                      <a:prstDash val="solid"/>
+                      <a:round/>
+                      <a:headEnd type="none" w="med" len="med"/>
+                      <a:tailEnd type="none" w="med" len="med"/>
+                    </a:lnT>
+                    <a:lnB w="7620" cap="flat" cmpd="sng" algn="ctr">
+                      <a:solidFill>
+                        <a:srgbClr val="CCCCCC"/>
+                      </a:solidFill>
+                      <a:prstDash val="solid"/>
+                      <a:round/>
+                      <a:headEnd type="none" w="med" len="med"/>
+                      <a:tailEnd type="none" w="med" len="med"/>
+                    </a:lnB>
+                    <a:solidFill>
+                      <a:srgbClr val="F1F1F1"/>
+                    </a:solidFill>
+                  </a:tcPr>
+                </a:tc>
+              </a:tr>
+              <a:tr h="207022">
+                <a:tc>
+                  <a:txBody>
+                    <a:bodyPr/>
+                    <a:lstStyle/>
+                    <a:p>
+                      <a:pPr algn="l" fontAlgn="t"/>
+                      <a:r>
+                        <a:rPr lang="en-US" sz="1400">
+                          <a:effectLst/>
+                        </a:rPr>
+                        <a:t>getSeconds()</a:t>
+                      </a:r>
+                    </a:p>
+                  </a:txBody>
+                  <a:tcPr marL="50446" marR="25223" marT="25223" marB="25223">
+                    <a:lnL w="7620" cap="flat" cmpd="sng" algn="ctr">
+                      <a:solidFill>
+                        <a:srgbClr val="CCCCCC"/>
+                      </a:solidFill>
+                      <a:prstDash val="solid"/>
+                      <a:round/>
+                      <a:headEnd type="none" w="med" len="med"/>
+                      <a:tailEnd type="none" w="med" len="med"/>
+                    </a:lnL>
+                    <a:lnR w="7620" cap="flat" cmpd="sng" algn="ctr">
+                      <a:solidFill>
+                        <a:srgbClr val="CCCCCC"/>
+                      </a:solidFill>
+                      <a:prstDash val="solid"/>
+                      <a:round/>
+                      <a:headEnd type="none" w="med" len="med"/>
+                      <a:tailEnd type="none" w="med" len="med"/>
+                    </a:lnR>
+                    <a:lnT w="7620" cap="flat" cmpd="sng" algn="ctr">
+                      <a:solidFill>
+                        <a:srgbClr val="CCCCCC"/>
+                      </a:solidFill>
+                      <a:prstDash val="solid"/>
+                      <a:round/>
+                      <a:headEnd type="none" w="med" len="med"/>
+                      <a:tailEnd type="none" w="med" len="med"/>
+                    </a:lnT>
+                    <a:lnB w="7620" cap="flat" cmpd="sng" algn="ctr">
+                      <a:solidFill>
+                        <a:srgbClr val="CCCCCC"/>
+                      </a:solidFill>
+                      <a:prstDash val="solid"/>
+                      <a:round/>
+                      <a:headEnd type="none" w="med" len="med"/>
+                      <a:tailEnd type="none" w="med" len="med"/>
+                    </a:lnB>
+                    <a:solidFill>
+                      <a:srgbClr val="FFFFFF"/>
+                    </a:solidFill>
+                  </a:tcPr>
+                </a:tc>
+                <a:tc>
+                  <a:txBody>
+                    <a:bodyPr/>
+                    <a:lstStyle/>
+                    <a:p>
+                      <a:pPr algn="l" fontAlgn="t"/>
+                      <a:r>
+                        <a:rPr lang="en-US" sz="1400">
+                          <a:effectLst/>
+                        </a:rPr>
+                        <a:t>Get the seconds (0-59)</a:t>
+                      </a:r>
+                    </a:p>
+                  </a:txBody>
+                  <a:tcPr marL="25223" marR="25223" marT="25223" marB="25223">
+                    <a:lnL w="7620" cap="flat" cmpd="sng" algn="ctr">
+                      <a:solidFill>
+                        <a:srgbClr val="CCCCCC"/>
+                      </a:solidFill>
+                      <a:prstDash val="solid"/>
+                      <a:round/>
+                      <a:headEnd type="none" w="med" len="med"/>
+                      <a:tailEnd type="none" w="med" len="med"/>
+                    </a:lnL>
+                    <a:lnR w="7620" cap="flat" cmpd="sng" algn="ctr">
+                      <a:solidFill>
+                        <a:srgbClr val="CCCCCC"/>
+                      </a:solidFill>
+                      <a:prstDash val="solid"/>
+                      <a:round/>
+                      <a:headEnd type="none" w="med" len="med"/>
+                      <a:tailEnd type="none" w="med" len="med"/>
+                    </a:lnR>
+                    <a:lnT w="7620" cap="flat" cmpd="sng" algn="ctr">
+                      <a:solidFill>
+                        <a:srgbClr val="CCCCCC"/>
+                      </a:solidFill>
+                      <a:prstDash val="solid"/>
+                      <a:round/>
+                      <a:headEnd type="none" w="med" len="med"/>
+                      <a:tailEnd type="none" w="med" len="med"/>
+                    </a:lnT>
+                    <a:lnB w="7620" cap="flat" cmpd="sng" algn="ctr">
+                      <a:solidFill>
+                        <a:srgbClr val="CCCCCC"/>
+                      </a:solidFill>
+                      <a:prstDash val="solid"/>
+                      <a:round/>
+                      <a:headEnd type="none" w="med" len="med"/>
+                      <a:tailEnd type="none" w="med" len="med"/>
+                    </a:lnB>
+                    <a:solidFill>
+                      <a:srgbClr val="FFFFFF"/>
+                    </a:solidFill>
+                  </a:tcPr>
+                </a:tc>
+              </a:tr>
+              <a:tr h="340439">
+                <a:tc>
+                  <a:txBody>
+                    <a:bodyPr/>
+                    <a:lstStyle/>
+                    <a:p>
+                      <a:pPr algn="l" fontAlgn="t"/>
+                      <a:r>
+                        <a:rPr lang="en-US" sz="1400" dirty="0" err="1">
+                          <a:effectLst/>
+                        </a:rPr>
+                        <a:t>getTime</a:t>
+                      </a:r>
+                      <a:r>
+                        <a:rPr lang="en-US" sz="1400" dirty="0">
+                          <a:effectLst/>
+                        </a:rPr>
+                        <a:t>()</a:t>
+                      </a:r>
+                    </a:p>
+                  </a:txBody>
+                  <a:tcPr marL="50446" marR="25223" marT="25223" marB="25223">
+                    <a:lnL w="7620" cap="flat" cmpd="sng" algn="ctr">
+                      <a:solidFill>
+                        <a:srgbClr val="CCCCCC"/>
+                      </a:solidFill>
+                      <a:prstDash val="solid"/>
+                      <a:round/>
+                      <a:headEnd type="none" w="med" len="med"/>
+                      <a:tailEnd type="none" w="med" len="med"/>
+                    </a:lnL>
+                    <a:lnR w="7620" cap="flat" cmpd="sng" algn="ctr">
+                      <a:solidFill>
+                        <a:srgbClr val="CCCCCC"/>
+                      </a:solidFill>
+                      <a:prstDash val="solid"/>
+                      <a:round/>
+                      <a:headEnd type="none" w="med" len="med"/>
+                      <a:tailEnd type="none" w="med" len="med"/>
+                    </a:lnR>
+                    <a:lnT w="7620" cap="flat" cmpd="sng" algn="ctr">
+                      <a:solidFill>
+                        <a:srgbClr val="CCCCCC"/>
+                      </a:solidFill>
+                      <a:prstDash val="solid"/>
+                      <a:round/>
+                      <a:headEnd type="none" w="med" len="med"/>
+                      <a:tailEnd type="none" w="med" len="med"/>
+                    </a:lnT>
+                    <a:lnB w="7620" cap="flat" cmpd="sng" algn="ctr">
+                      <a:solidFill>
+                        <a:srgbClr val="DDDDDD"/>
+                      </a:solidFill>
+                      <a:prstDash val="solid"/>
+                      <a:round/>
+                      <a:headEnd type="none" w="med" len="med"/>
+                      <a:tailEnd type="none" w="med" len="med"/>
+                    </a:lnB>
+                    <a:solidFill>
+                      <a:srgbClr val="F1F1F1"/>
+                    </a:solidFill>
+                  </a:tcPr>
+                </a:tc>
+                <a:tc>
+                  <a:txBody>
+                    <a:bodyPr/>
+                    <a:lstStyle/>
+                    <a:p>
+                      <a:pPr algn="l" fontAlgn="t"/>
+                      <a:r>
+                        <a:rPr lang="en-US" sz="1400" dirty="0">
+                          <a:effectLst/>
+                        </a:rPr>
+                        <a:t>Get the time (milliseconds since January 1, 1970)</a:t>
+                      </a:r>
+                    </a:p>
+                  </a:txBody>
+                  <a:tcPr marL="25223" marR="25223" marT="25223" marB="25223">
+                    <a:lnL w="7620" cap="flat" cmpd="sng" algn="ctr">
+                      <a:solidFill>
+                        <a:srgbClr val="CCCCCC"/>
+                      </a:solidFill>
+                      <a:prstDash val="solid"/>
+                      <a:round/>
+                      <a:headEnd type="none" w="med" len="med"/>
+                      <a:tailEnd type="none" w="med" len="med"/>
+                    </a:lnL>
+                    <a:lnR w="7620" cap="flat" cmpd="sng" algn="ctr">
+                      <a:solidFill>
+                        <a:srgbClr val="CCCCCC"/>
+                      </a:solidFill>
+                      <a:prstDash val="solid"/>
+                      <a:round/>
+                      <a:headEnd type="none" w="med" len="med"/>
+                      <a:tailEnd type="none" w="med" len="med"/>
+                    </a:lnR>
+                    <a:lnT w="7620" cap="flat" cmpd="sng" algn="ctr">
+                      <a:solidFill>
+                        <a:srgbClr val="CCCCCC"/>
+                      </a:solidFill>
+                      <a:prstDash val="solid"/>
+                      <a:round/>
+                      <a:headEnd type="none" w="med" len="med"/>
+                      <a:tailEnd type="none" w="med" len="med"/>
+                    </a:lnT>
+                    <a:lnB w="7620" cap="flat" cmpd="sng" algn="ctr">
+                      <a:solidFill>
+                        <a:srgbClr val="DDDDDD"/>
+                      </a:solidFill>
+                      <a:prstDash val="solid"/>
+                      <a:round/>
+                      <a:headEnd type="none" w="med" len="med"/>
+                      <a:tailEnd type="none" w="med" len="med"/>
+                    </a:lnB>
+                    <a:solidFill>
+                      <a:srgbClr val="F1F1F1"/>
+                    </a:solidFill>
+                  </a:tcPr>
+                </a:tc>
+              </a:tr>
+            </a:tbl>
+          </a:graphicData>
+        </a:graphic>
+      </p:graphicFrame>
+    </p:spTree>
+    <p:extLst>
+      <p:ext uri="{BB962C8B-B14F-4D97-AF65-F5344CB8AC3E}">
+        <p14:creationId xmlns:p14="http://schemas.microsoft.com/office/powerpoint/2010/main" val="2846982050"/>
+      </p:ext>
+    </p:extLst>
+  </p:cSld>
+  <p:clrMapOvr>
+    <a:masterClrMapping/>
+  </p:clrMapOvr>
+  <mc:AlternateContent xmlns:mc="http://schemas.openxmlformats.org/markup-compatibility/2006" xmlns:p14="http://schemas.microsoft.com/office/powerpoint/2010/main">
+    <mc:Choice Requires="p14">
+      <p:transition spd="med" p14:dur="700">
+        <p:fade/>
+      </p:transition>
+    </mc:Choice>
+    <mc:Fallback xmlns="">
+      <p:transition spd="med">
+        <p:fade/>
+      </p:transition>
+    </mc:Fallback>
+  </mc:AlternateContent>
+  <p:timing>
+    <p:tnLst>
+      <p:par>
+        <p:cTn id="1" dur="indefinite" restart="never" nodeType="tmRoot"/>
+      </p:par>
+    </p:tnLst>
+  </p:timing>
+</p:sld>
+</file>
+
+<file path=ppt/slides/slide94.xml><?xml version="1.0" encoding="utf-8"?>
+<p:sld xmlns:a="http://schemas.openxmlformats.org/drawingml/2006/main" xmlns:r="http://schemas.openxmlformats.org/officeDocument/2006/relationships" xmlns:p="http://schemas.openxmlformats.org/presentationml/2006/main">
+  <p:cSld>
+    <p:spTree>
+      <p:nvGrpSpPr>
+        <p:cNvPr id="1" name=""/>
+        <p:cNvGrpSpPr/>
+        <p:nvPr/>
+      </p:nvGrpSpPr>
+      <p:grpSpPr>
+        <a:xfrm>
+          <a:off x="0" y="0"/>
+          <a:ext cx="0" cy="0"/>
+          <a:chOff x="0" y="0"/>
+          <a:chExt cx="0" cy="0"/>
+        </a:xfrm>
+      </p:grpSpPr>
+      <p:sp>
+        <p:nvSpPr>
+          <p:cNvPr id="2" name="Title 1"/>
+          <p:cNvSpPr>
+            <a:spLocks noGrp="1"/>
+          </p:cNvSpPr>
+          <p:nvPr>
+            <p:ph type="title"/>
+          </p:nvPr>
+        </p:nvSpPr>
+        <p:spPr/>
+        <p:txBody>
+          <a:bodyPr/>
+          <a:lstStyle/>
+          <a:p>
+            <a:r>
+              <a:rPr lang="en-US" b="0" dirty="0"/>
+              <a:t>JavaScript Date Methods</a:t>
+            </a:r>
+            <a:br>
+              <a:rPr lang="en-US" b="0" dirty="0"/>
+            </a:br>
+            <a:endParaRPr lang="en-US" dirty="0"/>
+          </a:p>
+        </p:txBody>
+      </p:sp>
+      <p:graphicFrame>
+        <p:nvGraphicFramePr>
+          <p:cNvPr id="4" name="Content Placeholder 3"/>
+          <p:cNvGraphicFramePr>
+            <a:graphicFrameLocks noGrp="1"/>
+          </p:cNvGraphicFramePr>
+          <p:nvPr>
+            <p:ph sz="quarter" idx="14"/>
+            <p:extLst>
+              <p:ext uri="{D42A27DB-BD31-4B8C-83A1-F6EECF244321}">
+                <p14:modId xmlns:p14="http://schemas.microsoft.com/office/powerpoint/2010/main" val="1182010083"/>
+              </p:ext>
+            </p:extLst>
+          </p:nvPr>
+        </p:nvGraphicFramePr>
+        <p:xfrm>
+          <a:off x="291713" y="1065123"/>
+          <a:ext cx="8701562" cy="3878670"/>
+        </p:xfrm>
+        <a:graphic>
+          <a:graphicData uri="http://schemas.openxmlformats.org/drawingml/2006/table">
+            <a:tbl>
+              <a:tblPr/>
+              <a:tblGrid>
+                <a:gridCol w="4350781"/>
+                <a:gridCol w="4350781"/>
+              </a:tblGrid>
+              <a:tr h="364384">
+                <a:tc>
+                  <a:txBody>
+                    <a:bodyPr/>
+                    <a:lstStyle/>
+                    <a:p>
+                      <a:pPr algn="l" fontAlgn="t"/>
+                      <a:r>
+                        <a:rPr lang="en-US" sz="1400" dirty="0">
+                          <a:effectLst/>
+                        </a:rPr>
+                        <a:t>Method</a:t>
+                      </a:r>
+                    </a:p>
+                  </a:txBody>
+                  <a:tcPr marL="50446" marR="25223" marT="25223" marB="25223">
+                    <a:lnL w="7620" cap="flat" cmpd="sng" algn="ctr">
+                      <a:solidFill>
+                        <a:srgbClr val="CCCCCC"/>
+                      </a:solidFill>
+                      <a:prstDash val="solid"/>
+                      <a:round/>
+                      <a:headEnd type="none" w="med" len="med"/>
+                      <a:tailEnd type="none" w="med" len="med"/>
+                    </a:lnL>
+                    <a:lnR w="7620" cap="flat" cmpd="sng" algn="ctr">
+                      <a:solidFill>
+                        <a:srgbClr val="CCCCCC"/>
+                      </a:solidFill>
+                      <a:prstDash val="solid"/>
+                      <a:round/>
+                      <a:headEnd type="none" w="med" len="med"/>
+                      <a:tailEnd type="none" w="med" len="med"/>
+                    </a:lnR>
+                    <a:lnT w="7620" cap="flat" cmpd="sng" algn="ctr">
+                      <a:solidFill>
+                        <a:srgbClr val="CCCCCC"/>
+                      </a:solidFill>
+                      <a:prstDash val="solid"/>
+                      <a:round/>
+                      <a:headEnd type="none" w="med" len="med"/>
+                      <a:tailEnd type="none" w="med" len="med"/>
+                    </a:lnT>
+                    <a:lnB w="7620" cap="flat" cmpd="sng" algn="ctr">
+                      <a:solidFill>
+                        <a:srgbClr val="CCCCCC"/>
+                      </a:solidFill>
+                      <a:prstDash val="solid"/>
+                      <a:round/>
+                      <a:headEnd type="none" w="med" len="med"/>
+                      <a:tailEnd type="none" w="med" len="med"/>
+                    </a:lnB>
+                    <a:solidFill>
+                      <a:srgbClr val="FFFFFF"/>
+                    </a:solidFill>
+                  </a:tcPr>
+                </a:tc>
+                <a:tc>
+                  <a:txBody>
+                    <a:bodyPr/>
+                    <a:lstStyle/>
+                    <a:p>
+                      <a:pPr algn="l" fontAlgn="t"/>
+                      <a:r>
+                        <a:rPr lang="en-US" sz="1400">
+                          <a:effectLst/>
+                        </a:rPr>
+                        <a:t>Description</a:t>
+                      </a:r>
+                    </a:p>
+                  </a:txBody>
+                  <a:tcPr marL="25223" marR="25223" marT="25223" marB="25223">
+                    <a:lnL w="7620" cap="flat" cmpd="sng" algn="ctr">
+                      <a:solidFill>
+                        <a:srgbClr val="CCCCCC"/>
+                      </a:solidFill>
+                      <a:prstDash val="solid"/>
+                      <a:round/>
+                      <a:headEnd type="none" w="med" len="med"/>
+                      <a:tailEnd type="none" w="med" len="med"/>
+                    </a:lnL>
+                    <a:lnR w="7620" cap="flat" cmpd="sng" algn="ctr">
+                      <a:solidFill>
+                        <a:srgbClr val="CCCCCC"/>
+                      </a:solidFill>
+                      <a:prstDash val="solid"/>
+                      <a:round/>
+                      <a:headEnd type="none" w="med" len="med"/>
+                      <a:tailEnd type="none" w="med" len="med"/>
+                    </a:lnR>
+                    <a:lnT w="7620" cap="flat" cmpd="sng" algn="ctr">
+                      <a:solidFill>
+                        <a:srgbClr val="CCCCCC"/>
+                      </a:solidFill>
+                      <a:prstDash val="solid"/>
+                      <a:round/>
+                      <a:headEnd type="none" w="med" len="med"/>
+                      <a:tailEnd type="none" w="med" len="med"/>
+                    </a:lnT>
+                    <a:lnB w="7620" cap="flat" cmpd="sng" algn="ctr">
+                      <a:solidFill>
+                        <a:srgbClr val="CCCCCC"/>
+                      </a:solidFill>
+                      <a:prstDash val="solid"/>
+                      <a:round/>
+                      <a:headEnd type="none" w="med" len="med"/>
+                      <a:tailEnd type="none" w="med" len="med"/>
+                    </a:lnB>
+                    <a:solidFill>
+                      <a:srgbClr val="FFFFFF"/>
+                    </a:solidFill>
+                  </a:tcPr>
+                </a:tc>
+              </a:tr>
+              <a:tr h="364384">
+                <a:tc>
+                  <a:txBody>
+                    <a:bodyPr/>
+                    <a:lstStyle/>
+                    <a:p>
+                      <a:pPr algn="l" fontAlgn="t"/>
+                      <a:r>
+                        <a:rPr lang="en-US" sz="1400" dirty="0" err="1">
+                          <a:effectLst/>
+                        </a:rPr>
+                        <a:t>getDate</a:t>
+                      </a:r>
+                      <a:r>
+                        <a:rPr lang="en-US" sz="1400" dirty="0">
+                          <a:effectLst/>
+                        </a:rPr>
+                        <a:t>()</a:t>
+                      </a:r>
+                    </a:p>
+                  </a:txBody>
+                  <a:tcPr marL="50446" marR="25223" marT="25223" marB="25223">
+                    <a:lnL w="7620" cap="flat" cmpd="sng" algn="ctr">
+                      <a:solidFill>
+                        <a:srgbClr val="CCCCCC"/>
+                      </a:solidFill>
+                      <a:prstDash val="solid"/>
+                      <a:round/>
+                      <a:headEnd type="none" w="med" len="med"/>
+                      <a:tailEnd type="none" w="med" len="med"/>
+                    </a:lnL>
+                    <a:lnR w="7620" cap="flat" cmpd="sng" algn="ctr">
+                      <a:solidFill>
+                        <a:srgbClr val="CCCCCC"/>
+                      </a:solidFill>
+                      <a:prstDash val="solid"/>
+                      <a:round/>
+                      <a:headEnd type="none" w="med" len="med"/>
+                      <a:tailEnd type="none" w="med" len="med"/>
+                    </a:lnR>
+                    <a:lnT w="7620" cap="flat" cmpd="sng" algn="ctr">
+                      <a:solidFill>
+                        <a:srgbClr val="CCCCCC"/>
+                      </a:solidFill>
+                      <a:prstDash val="solid"/>
+                      <a:round/>
+                      <a:headEnd type="none" w="med" len="med"/>
+                      <a:tailEnd type="none" w="med" len="med"/>
+                    </a:lnT>
+                    <a:lnB w="7620" cap="flat" cmpd="sng" algn="ctr">
+                      <a:solidFill>
+                        <a:srgbClr val="CCCCCC"/>
+                      </a:solidFill>
+                      <a:prstDash val="solid"/>
+                      <a:round/>
+                      <a:headEnd type="none" w="med" len="med"/>
+                      <a:tailEnd type="none" w="med" len="med"/>
+                    </a:lnB>
+                    <a:solidFill>
+                      <a:srgbClr val="F1F1F1"/>
+                    </a:solidFill>
+                  </a:tcPr>
+                </a:tc>
+                <a:tc>
+                  <a:txBody>
+                    <a:bodyPr/>
+                    <a:lstStyle/>
+                    <a:p>
+                      <a:pPr algn="l" fontAlgn="t"/>
+                      <a:r>
+                        <a:rPr lang="en-US" sz="1400">
+                          <a:effectLst/>
+                        </a:rPr>
+                        <a:t>Get the day as a number (1-31)</a:t>
+                      </a:r>
+                    </a:p>
+                  </a:txBody>
+                  <a:tcPr marL="25223" marR="25223" marT="25223" marB="25223">
+                    <a:lnL w="7620" cap="flat" cmpd="sng" algn="ctr">
+                      <a:solidFill>
+                        <a:srgbClr val="CCCCCC"/>
+                      </a:solidFill>
+                      <a:prstDash val="solid"/>
+                      <a:round/>
+                      <a:headEnd type="none" w="med" len="med"/>
+                      <a:tailEnd type="none" w="med" len="med"/>
+                    </a:lnL>
+                    <a:lnR w="7620" cap="flat" cmpd="sng" algn="ctr">
+                      <a:solidFill>
+                        <a:srgbClr val="CCCCCC"/>
+                      </a:solidFill>
+                      <a:prstDash val="solid"/>
+                      <a:round/>
+                      <a:headEnd type="none" w="med" len="med"/>
+                      <a:tailEnd type="none" w="med" len="med"/>
+                    </a:lnR>
+                    <a:lnT w="7620" cap="flat" cmpd="sng" algn="ctr">
+                      <a:solidFill>
+                        <a:srgbClr val="CCCCCC"/>
+                      </a:solidFill>
+                      <a:prstDash val="solid"/>
+                      <a:round/>
+                      <a:headEnd type="none" w="med" len="med"/>
+                      <a:tailEnd type="none" w="med" len="med"/>
+                    </a:lnT>
+                    <a:lnB w="7620" cap="flat" cmpd="sng" algn="ctr">
+                      <a:solidFill>
+                        <a:srgbClr val="CCCCCC"/>
+                      </a:solidFill>
+                      <a:prstDash val="solid"/>
+                      <a:round/>
+                      <a:headEnd type="none" w="med" len="med"/>
+                      <a:tailEnd type="none" w="med" len="med"/>
+                    </a:lnB>
+                    <a:solidFill>
+                      <a:srgbClr val="F1F1F1"/>
+                    </a:solidFill>
+                  </a:tcPr>
+                </a:tc>
+              </a:tr>
+              <a:tr h="364384">
+                <a:tc>
+                  <a:txBody>
+                    <a:bodyPr/>
+                    <a:lstStyle/>
+                    <a:p>
+                      <a:pPr algn="l" fontAlgn="t"/>
+                      <a:r>
+                        <a:rPr lang="en-US" sz="1400" dirty="0" err="1">
+                          <a:effectLst/>
+                        </a:rPr>
+                        <a:t>getDay</a:t>
+                      </a:r>
+                      <a:r>
+                        <a:rPr lang="en-US" sz="1400" dirty="0">
+                          <a:effectLst/>
+                        </a:rPr>
+                        <a:t>()</a:t>
+                      </a:r>
+                    </a:p>
+                  </a:txBody>
+                  <a:tcPr marL="50446" marR="25223" marT="25223" marB="25223">
+                    <a:lnL w="7620" cap="flat" cmpd="sng" algn="ctr">
+                      <a:solidFill>
+                        <a:srgbClr val="CCCCCC"/>
+                      </a:solidFill>
+                      <a:prstDash val="solid"/>
+                      <a:round/>
+                      <a:headEnd type="none" w="med" len="med"/>
+                      <a:tailEnd type="none" w="med" len="med"/>
+                    </a:lnL>
+                    <a:lnR w="7620" cap="flat" cmpd="sng" algn="ctr">
+                      <a:solidFill>
+                        <a:srgbClr val="CCCCCC"/>
+                      </a:solidFill>
+                      <a:prstDash val="solid"/>
+                      <a:round/>
+                      <a:headEnd type="none" w="med" len="med"/>
+                      <a:tailEnd type="none" w="med" len="med"/>
+                    </a:lnR>
+                    <a:lnT w="7620" cap="flat" cmpd="sng" algn="ctr">
+                      <a:solidFill>
+                        <a:srgbClr val="CCCCCC"/>
+                      </a:solidFill>
+                      <a:prstDash val="solid"/>
+                      <a:round/>
+                      <a:headEnd type="none" w="med" len="med"/>
+                      <a:tailEnd type="none" w="med" len="med"/>
+                    </a:lnT>
+                    <a:lnB w="7620" cap="flat" cmpd="sng" algn="ctr">
+                      <a:solidFill>
+                        <a:srgbClr val="CCCCCC"/>
+                      </a:solidFill>
+                      <a:prstDash val="solid"/>
+                      <a:round/>
+                      <a:headEnd type="none" w="med" len="med"/>
+                      <a:tailEnd type="none" w="med" len="med"/>
+                    </a:lnB>
+                    <a:solidFill>
+                      <a:srgbClr val="FFFFFF"/>
+                    </a:solidFill>
+                  </a:tcPr>
+                </a:tc>
+                <a:tc>
+                  <a:txBody>
+                    <a:bodyPr/>
+                    <a:lstStyle/>
+                    <a:p>
+                      <a:pPr algn="l" fontAlgn="t"/>
+                      <a:r>
+                        <a:rPr lang="en-US" sz="1400">
+                          <a:effectLst/>
+                        </a:rPr>
+                        <a:t>Get the weekday as a number (0-6)</a:t>
+                      </a:r>
+                    </a:p>
+                  </a:txBody>
+                  <a:tcPr marL="25223" marR="25223" marT="25223" marB="25223">
+                    <a:lnL w="7620" cap="flat" cmpd="sng" algn="ctr">
+                      <a:solidFill>
+                        <a:srgbClr val="CCCCCC"/>
+                      </a:solidFill>
+                      <a:prstDash val="solid"/>
+                      <a:round/>
+                      <a:headEnd type="none" w="med" len="med"/>
+                      <a:tailEnd type="none" w="med" len="med"/>
+                    </a:lnL>
+                    <a:lnR w="7620" cap="flat" cmpd="sng" algn="ctr">
+                      <a:solidFill>
+                        <a:srgbClr val="CCCCCC"/>
+                      </a:solidFill>
+                      <a:prstDash val="solid"/>
+                      <a:round/>
+                      <a:headEnd type="none" w="med" len="med"/>
+                      <a:tailEnd type="none" w="med" len="med"/>
+                    </a:lnR>
+                    <a:lnT w="7620" cap="flat" cmpd="sng" algn="ctr">
+                      <a:solidFill>
+                        <a:srgbClr val="CCCCCC"/>
+                      </a:solidFill>
+                      <a:prstDash val="solid"/>
+                      <a:round/>
+                      <a:headEnd type="none" w="med" len="med"/>
+                      <a:tailEnd type="none" w="med" len="med"/>
+                    </a:lnT>
+                    <a:lnB w="7620" cap="flat" cmpd="sng" algn="ctr">
+                      <a:solidFill>
+                        <a:srgbClr val="CCCCCC"/>
+                      </a:solidFill>
+                      <a:prstDash val="solid"/>
+                      <a:round/>
+                      <a:headEnd type="none" w="med" len="med"/>
+                      <a:tailEnd type="none" w="med" len="med"/>
+                    </a:lnB>
+                    <a:solidFill>
+                      <a:srgbClr val="FFFFFF"/>
+                    </a:solidFill>
+                  </a:tcPr>
+                </a:tc>
+              </a:tr>
+              <a:tr h="364384">
+                <a:tc>
+                  <a:txBody>
+                    <a:bodyPr/>
+                    <a:lstStyle/>
+                    <a:p>
+                      <a:pPr algn="l" fontAlgn="t"/>
+                      <a:r>
+                        <a:rPr lang="en-US" sz="1400" dirty="0" err="1">
+                          <a:effectLst/>
+                        </a:rPr>
+                        <a:t>getFullYear</a:t>
+                      </a:r>
+                      <a:r>
+                        <a:rPr lang="en-US" sz="1400" dirty="0">
+                          <a:effectLst/>
+                        </a:rPr>
+                        <a:t>()</a:t>
+                      </a:r>
+                    </a:p>
+                  </a:txBody>
+                  <a:tcPr marL="50446" marR="25223" marT="25223" marB="25223">
+                    <a:lnL w="7620" cap="flat" cmpd="sng" algn="ctr">
+                      <a:solidFill>
+                        <a:srgbClr val="CCCCCC"/>
+                      </a:solidFill>
+                      <a:prstDash val="solid"/>
+                      <a:round/>
+                      <a:headEnd type="none" w="med" len="med"/>
+                      <a:tailEnd type="none" w="med" len="med"/>
+                    </a:lnL>
+                    <a:lnR w="7620" cap="flat" cmpd="sng" algn="ctr">
+                      <a:solidFill>
+                        <a:srgbClr val="CCCCCC"/>
+                      </a:solidFill>
+                      <a:prstDash val="solid"/>
+                      <a:round/>
+                      <a:headEnd type="none" w="med" len="med"/>
+                      <a:tailEnd type="none" w="med" len="med"/>
+                    </a:lnR>
+                    <a:lnT w="7620" cap="flat" cmpd="sng" algn="ctr">
+                      <a:solidFill>
+                        <a:srgbClr val="CCCCCC"/>
+                      </a:solidFill>
+                      <a:prstDash val="solid"/>
+                      <a:round/>
+                      <a:headEnd type="none" w="med" len="med"/>
+                      <a:tailEnd type="none" w="med" len="med"/>
+                    </a:lnT>
+                    <a:lnB w="7620" cap="flat" cmpd="sng" algn="ctr">
+                      <a:solidFill>
+                        <a:srgbClr val="CCCCCC"/>
+                      </a:solidFill>
+                      <a:prstDash val="solid"/>
+                      <a:round/>
+                      <a:headEnd type="none" w="med" len="med"/>
+                      <a:tailEnd type="none" w="med" len="med"/>
+                    </a:lnB>
+                    <a:solidFill>
+                      <a:srgbClr val="F1F1F1"/>
+                    </a:solidFill>
+                  </a:tcPr>
+                </a:tc>
+                <a:tc>
+                  <a:txBody>
+                    <a:bodyPr/>
+                    <a:lstStyle/>
+                    <a:p>
+                      <a:pPr algn="l" fontAlgn="t"/>
+                      <a:r>
+                        <a:rPr lang="en-US" sz="1400">
+                          <a:effectLst/>
+                        </a:rPr>
+                        <a:t>Get the four digit year (yyyy)</a:t>
+                      </a:r>
+                    </a:p>
+                  </a:txBody>
+                  <a:tcPr marL="25223" marR="25223" marT="25223" marB="25223">
+                    <a:lnL w="7620" cap="flat" cmpd="sng" algn="ctr">
+                      <a:solidFill>
+                        <a:srgbClr val="CCCCCC"/>
+                      </a:solidFill>
+                      <a:prstDash val="solid"/>
+                      <a:round/>
+                      <a:headEnd type="none" w="med" len="med"/>
+                      <a:tailEnd type="none" w="med" len="med"/>
+                    </a:lnL>
+                    <a:lnR w="7620" cap="flat" cmpd="sng" algn="ctr">
+                      <a:solidFill>
+                        <a:srgbClr val="CCCCCC"/>
+                      </a:solidFill>
+                      <a:prstDash val="solid"/>
+                      <a:round/>
+                      <a:headEnd type="none" w="med" len="med"/>
+                      <a:tailEnd type="none" w="med" len="med"/>
+                    </a:lnR>
+                    <a:lnT w="7620" cap="flat" cmpd="sng" algn="ctr">
+                      <a:solidFill>
+                        <a:srgbClr val="CCCCCC"/>
+                      </a:solidFill>
+                      <a:prstDash val="solid"/>
+                      <a:round/>
+                      <a:headEnd type="none" w="med" len="med"/>
+                      <a:tailEnd type="none" w="med" len="med"/>
+                    </a:lnT>
+                    <a:lnB w="7620" cap="flat" cmpd="sng" algn="ctr">
+                      <a:solidFill>
+                        <a:srgbClr val="CCCCCC"/>
+                      </a:solidFill>
+                      <a:prstDash val="solid"/>
+                      <a:round/>
+                      <a:headEnd type="none" w="med" len="med"/>
+                      <a:tailEnd type="none" w="med" len="med"/>
+                    </a:lnB>
+                    <a:solidFill>
+                      <a:srgbClr val="F1F1F1"/>
+                    </a:solidFill>
+                  </a:tcPr>
+                </a:tc>
+              </a:tr>
+              <a:tr h="364384">
+                <a:tc>
+                  <a:txBody>
+                    <a:bodyPr/>
+                    <a:lstStyle/>
+                    <a:p>
+                      <a:pPr algn="l" fontAlgn="t"/>
+                      <a:r>
+                        <a:rPr lang="en-US" sz="1400" dirty="0" err="1">
+                          <a:effectLst/>
+                        </a:rPr>
+                        <a:t>getHours</a:t>
+                      </a:r>
+                      <a:r>
+                        <a:rPr lang="en-US" sz="1400" dirty="0">
+                          <a:effectLst/>
+                        </a:rPr>
+                        <a:t>()</a:t>
+                      </a:r>
+                    </a:p>
+                  </a:txBody>
+                  <a:tcPr marL="50446" marR="25223" marT="25223" marB="25223">
+                    <a:lnL w="7620" cap="flat" cmpd="sng" algn="ctr">
+                      <a:solidFill>
+                        <a:srgbClr val="CCCCCC"/>
+                      </a:solidFill>
+                      <a:prstDash val="solid"/>
+                      <a:round/>
+                      <a:headEnd type="none" w="med" len="med"/>
+                      <a:tailEnd type="none" w="med" len="med"/>
+                    </a:lnL>
+                    <a:lnR w="7620" cap="flat" cmpd="sng" algn="ctr">
+                      <a:solidFill>
+                        <a:srgbClr val="CCCCCC"/>
+                      </a:solidFill>
+                      <a:prstDash val="solid"/>
+                      <a:round/>
+                      <a:headEnd type="none" w="med" len="med"/>
+                      <a:tailEnd type="none" w="med" len="med"/>
+                    </a:lnR>
+                    <a:lnT w="7620" cap="flat" cmpd="sng" algn="ctr">
+                      <a:solidFill>
+                        <a:srgbClr val="CCCCCC"/>
+                      </a:solidFill>
+                      <a:prstDash val="solid"/>
+                      <a:round/>
+                      <a:headEnd type="none" w="med" len="med"/>
+                      <a:tailEnd type="none" w="med" len="med"/>
+                    </a:lnT>
+                    <a:lnB w="7620" cap="flat" cmpd="sng" algn="ctr">
+                      <a:solidFill>
+                        <a:srgbClr val="CCCCCC"/>
+                      </a:solidFill>
+                      <a:prstDash val="solid"/>
+                      <a:round/>
+                      <a:headEnd type="none" w="med" len="med"/>
+                      <a:tailEnd type="none" w="med" len="med"/>
+                    </a:lnB>
+                    <a:solidFill>
+                      <a:srgbClr val="FFFFFF"/>
+                    </a:solidFill>
+                  </a:tcPr>
+                </a:tc>
+                <a:tc>
+                  <a:txBody>
+                    <a:bodyPr/>
+                    <a:lstStyle/>
+                    <a:p>
+                      <a:pPr algn="l" fontAlgn="t"/>
+                      <a:r>
+                        <a:rPr lang="en-US" sz="1400">
+                          <a:effectLst/>
+                        </a:rPr>
+                        <a:t>Get the hour (0-23)</a:t>
+                      </a:r>
+                    </a:p>
+                  </a:txBody>
+                  <a:tcPr marL="25223" marR="25223" marT="25223" marB="25223">
+                    <a:lnL w="7620" cap="flat" cmpd="sng" algn="ctr">
+                      <a:solidFill>
+                        <a:srgbClr val="CCCCCC"/>
+                      </a:solidFill>
+                      <a:prstDash val="solid"/>
+                      <a:round/>
+                      <a:headEnd type="none" w="med" len="med"/>
+                      <a:tailEnd type="none" w="med" len="med"/>
+                    </a:lnL>
+                    <a:lnR w="7620" cap="flat" cmpd="sng" algn="ctr">
+                      <a:solidFill>
+                        <a:srgbClr val="CCCCCC"/>
+                      </a:solidFill>
+                      <a:prstDash val="solid"/>
+                      <a:round/>
+                      <a:headEnd type="none" w="med" len="med"/>
+                      <a:tailEnd type="none" w="med" len="med"/>
+                    </a:lnR>
+                    <a:lnT w="7620" cap="flat" cmpd="sng" algn="ctr">
+                      <a:solidFill>
+                        <a:srgbClr val="CCCCCC"/>
+                      </a:solidFill>
+                      <a:prstDash val="solid"/>
+                      <a:round/>
+                      <a:headEnd type="none" w="med" len="med"/>
+                      <a:tailEnd type="none" w="med" len="med"/>
+                    </a:lnT>
+                    <a:lnB w="7620" cap="flat" cmpd="sng" algn="ctr">
+                      <a:solidFill>
+                        <a:srgbClr val="CCCCCC"/>
+                      </a:solidFill>
+                      <a:prstDash val="solid"/>
+                      <a:round/>
+                      <a:headEnd type="none" w="med" len="med"/>
+                      <a:tailEnd type="none" w="med" len="med"/>
+                    </a:lnB>
+                    <a:solidFill>
+                      <a:srgbClr val="FFFFFF"/>
+                    </a:solidFill>
+                  </a:tcPr>
+                </a:tc>
+              </a:tr>
+              <a:tr h="364384">
+                <a:tc>
+                  <a:txBody>
+                    <a:bodyPr/>
+                    <a:lstStyle/>
+                    <a:p>
+                      <a:pPr algn="l" fontAlgn="t"/>
+                      <a:r>
+                        <a:rPr lang="en-US" sz="1400" dirty="0" err="1">
+                          <a:effectLst/>
+                        </a:rPr>
+                        <a:t>getMilliseconds</a:t>
+                      </a:r>
+                      <a:r>
+                        <a:rPr lang="en-US" sz="1400" dirty="0">
+                          <a:effectLst/>
+                        </a:rPr>
+                        <a:t>()</a:t>
+                      </a:r>
+                    </a:p>
+                  </a:txBody>
+                  <a:tcPr marL="50446" marR="25223" marT="25223" marB="25223">
+                    <a:lnL w="7620" cap="flat" cmpd="sng" algn="ctr">
+                      <a:solidFill>
+                        <a:srgbClr val="CCCCCC"/>
+                      </a:solidFill>
+                      <a:prstDash val="solid"/>
+                      <a:round/>
+                      <a:headEnd type="none" w="med" len="med"/>
+                      <a:tailEnd type="none" w="med" len="med"/>
+                    </a:lnL>
+                    <a:lnR w="7620" cap="flat" cmpd="sng" algn="ctr">
+                      <a:solidFill>
+                        <a:srgbClr val="CCCCCC"/>
+                      </a:solidFill>
+                      <a:prstDash val="solid"/>
+                      <a:round/>
+                      <a:headEnd type="none" w="med" len="med"/>
+                      <a:tailEnd type="none" w="med" len="med"/>
+                    </a:lnR>
+                    <a:lnT w="7620" cap="flat" cmpd="sng" algn="ctr">
+                      <a:solidFill>
+                        <a:srgbClr val="CCCCCC"/>
+                      </a:solidFill>
+                      <a:prstDash val="solid"/>
+                      <a:round/>
+                      <a:headEnd type="none" w="med" len="med"/>
+                      <a:tailEnd type="none" w="med" len="med"/>
+                    </a:lnT>
+                    <a:lnB w="7620" cap="flat" cmpd="sng" algn="ctr">
+                      <a:solidFill>
+                        <a:srgbClr val="CCCCCC"/>
+                      </a:solidFill>
+                      <a:prstDash val="solid"/>
+                      <a:round/>
+                      <a:headEnd type="none" w="med" len="med"/>
+                      <a:tailEnd type="none" w="med" len="med"/>
+                    </a:lnB>
+                    <a:solidFill>
+                      <a:srgbClr val="F1F1F1"/>
+                    </a:solidFill>
+                  </a:tcPr>
+                </a:tc>
+                <a:tc>
+                  <a:txBody>
+                    <a:bodyPr/>
+                    <a:lstStyle/>
+                    <a:p>
+                      <a:pPr algn="l" fontAlgn="t"/>
+                      <a:r>
+                        <a:rPr lang="en-US" sz="1400">
+                          <a:effectLst/>
+                        </a:rPr>
+                        <a:t>Get the milliseconds (0-999)</a:t>
+                      </a:r>
+                    </a:p>
+                  </a:txBody>
+                  <a:tcPr marL="25223" marR="25223" marT="25223" marB="25223">
+                    <a:lnL w="7620" cap="flat" cmpd="sng" algn="ctr">
+                      <a:solidFill>
+                        <a:srgbClr val="CCCCCC"/>
+                      </a:solidFill>
+                      <a:prstDash val="solid"/>
+                      <a:round/>
+                      <a:headEnd type="none" w="med" len="med"/>
+                      <a:tailEnd type="none" w="med" len="med"/>
+                    </a:lnL>
+                    <a:lnR w="7620" cap="flat" cmpd="sng" algn="ctr">
+                      <a:solidFill>
+                        <a:srgbClr val="CCCCCC"/>
+                      </a:solidFill>
+                      <a:prstDash val="solid"/>
+                      <a:round/>
+                      <a:headEnd type="none" w="med" len="med"/>
+                      <a:tailEnd type="none" w="med" len="med"/>
+                    </a:lnR>
+                    <a:lnT w="7620" cap="flat" cmpd="sng" algn="ctr">
+                      <a:solidFill>
+                        <a:srgbClr val="CCCCCC"/>
+                      </a:solidFill>
+                      <a:prstDash val="solid"/>
+                      <a:round/>
+                      <a:headEnd type="none" w="med" len="med"/>
+                      <a:tailEnd type="none" w="med" len="med"/>
+                    </a:lnT>
+                    <a:lnB w="7620" cap="flat" cmpd="sng" algn="ctr">
+                      <a:solidFill>
+                        <a:srgbClr val="CCCCCC"/>
+                      </a:solidFill>
+                      <a:prstDash val="solid"/>
+                      <a:round/>
+                      <a:headEnd type="none" w="med" len="med"/>
+                      <a:tailEnd type="none" w="med" len="med"/>
+                    </a:lnB>
+                    <a:solidFill>
+                      <a:srgbClr val="F1F1F1"/>
+                    </a:solidFill>
+                  </a:tcPr>
+                </a:tc>
+              </a:tr>
+              <a:tr h="364384">
+                <a:tc>
+                  <a:txBody>
+                    <a:bodyPr/>
+                    <a:lstStyle/>
+                    <a:p>
+                      <a:pPr algn="l" fontAlgn="t"/>
+                      <a:r>
+                        <a:rPr lang="en-US" sz="1400" dirty="0" err="1">
+                          <a:effectLst/>
+                        </a:rPr>
+                        <a:t>getMinutes</a:t>
+                      </a:r>
+                      <a:r>
+                        <a:rPr lang="en-US" sz="1400" dirty="0">
+                          <a:effectLst/>
+                        </a:rPr>
+                        <a:t>()</a:t>
+                      </a:r>
+                    </a:p>
+                  </a:txBody>
+                  <a:tcPr marL="50446" marR="25223" marT="25223" marB="25223">
+                    <a:lnL w="7620" cap="flat" cmpd="sng" algn="ctr">
+                      <a:solidFill>
+                        <a:srgbClr val="CCCCCC"/>
+                      </a:solidFill>
+                      <a:prstDash val="solid"/>
+                      <a:round/>
+                      <a:headEnd type="none" w="med" len="med"/>
+                      <a:tailEnd type="none" w="med" len="med"/>
+                    </a:lnL>
+                    <a:lnR w="7620" cap="flat" cmpd="sng" algn="ctr">
+                      <a:solidFill>
+                        <a:srgbClr val="CCCCCC"/>
+                      </a:solidFill>
+                      <a:prstDash val="solid"/>
+                      <a:round/>
+                      <a:headEnd type="none" w="med" len="med"/>
+                      <a:tailEnd type="none" w="med" len="med"/>
+                    </a:lnR>
+                    <a:lnT w="7620" cap="flat" cmpd="sng" algn="ctr">
+                      <a:solidFill>
+                        <a:srgbClr val="CCCCCC"/>
+                      </a:solidFill>
+                      <a:prstDash val="solid"/>
+                      <a:round/>
+                      <a:headEnd type="none" w="med" len="med"/>
+                      <a:tailEnd type="none" w="med" len="med"/>
+                    </a:lnT>
+                    <a:lnB w="7620" cap="flat" cmpd="sng" algn="ctr">
+                      <a:solidFill>
+                        <a:srgbClr val="CCCCCC"/>
+                      </a:solidFill>
+                      <a:prstDash val="solid"/>
+                      <a:round/>
+                      <a:headEnd type="none" w="med" len="med"/>
+                      <a:tailEnd type="none" w="med" len="med"/>
+                    </a:lnB>
+                    <a:solidFill>
+                      <a:srgbClr val="FFFFFF"/>
+                    </a:solidFill>
+                  </a:tcPr>
+                </a:tc>
+                <a:tc>
+                  <a:txBody>
+                    <a:bodyPr/>
+                    <a:lstStyle/>
+                    <a:p>
+                      <a:pPr algn="l" fontAlgn="t"/>
+                      <a:r>
+                        <a:rPr lang="en-US" sz="1400">
+                          <a:effectLst/>
+                        </a:rPr>
+                        <a:t>Get the minutes (0-59)</a:t>
+                      </a:r>
+                    </a:p>
+                  </a:txBody>
+                  <a:tcPr marL="25223" marR="25223" marT="25223" marB="25223">
+                    <a:lnL w="7620" cap="flat" cmpd="sng" algn="ctr">
+                      <a:solidFill>
+                        <a:srgbClr val="CCCCCC"/>
+                      </a:solidFill>
+                      <a:prstDash val="solid"/>
+                      <a:round/>
+                      <a:headEnd type="none" w="med" len="med"/>
+                      <a:tailEnd type="none" w="med" len="med"/>
+                    </a:lnL>
+                    <a:lnR w="7620" cap="flat" cmpd="sng" algn="ctr">
+                      <a:solidFill>
+                        <a:srgbClr val="CCCCCC"/>
+                      </a:solidFill>
+                      <a:prstDash val="solid"/>
+                      <a:round/>
+                      <a:headEnd type="none" w="med" len="med"/>
+                      <a:tailEnd type="none" w="med" len="med"/>
+                    </a:lnR>
+                    <a:lnT w="7620" cap="flat" cmpd="sng" algn="ctr">
+                      <a:solidFill>
+                        <a:srgbClr val="CCCCCC"/>
+                      </a:solidFill>
+                      <a:prstDash val="solid"/>
+                      <a:round/>
+                      <a:headEnd type="none" w="med" len="med"/>
+                      <a:tailEnd type="none" w="med" len="med"/>
+                    </a:lnT>
+                    <a:lnB w="7620" cap="flat" cmpd="sng" algn="ctr">
+                      <a:solidFill>
+                        <a:srgbClr val="CCCCCC"/>
+                      </a:solidFill>
+                      <a:prstDash val="solid"/>
+                      <a:round/>
+                      <a:headEnd type="none" w="med" len="med"/>
+                      <a:tailEnd type="none" w="med" len="med"/>
+                    </a:lnB>
+                    <a:solidFill>
+                      <a:srgbClr val="FFFFFF"/>
+                    </a:solidFill>
+                  </a:tcPr>
+                </a:tc>
+              </a:tr>
+              <a:tr h="364384">
+                <a:tc>
+                  <a:txBody>
+                    <a:bodyPr/>
+                    <a:lstStyle/>
+                    <a:p>
+                      <a:pPr algn="l" fontAlgn="t"/>
+                      <a:r>
+                        <a:rPr lang="en-US" sz="1400" dirty="0" err="1">
+                          <a:effectLst/>
+                        </a:rPr>
+                        <a:t>getMonth</a:t>
+                      </a:r>
+                      <a:r>
+                        <a:rPr lang="en-US" sz="1400" dirty="0">
+                          <a:effectLst/>
+                        </a:rPr>
+                        <a:t>()</a:t>
+                      </a:r>
+                    </a:p>
+                  </a:txBody>
+                  <a:tcPr marL="50446" marR="25223" marT="25223" marB="25223">
+                    <a:lnL w="7620" cap="flat" cmpd="sng" algn="ctr">
+                      <a:solidFill>
+                        <a:srgbClr val="CCCCCC"/>
+                      </a:solidFill>
+                      <a:prstDash val="solid"/>
+                      <a:round/>
+                      <a:headEnd type="none" w="med" len="med"/>
+                      <a:tailEnd type="none" w="med" len="med"/>
+                    </a:lnL>
+                    <a:lnR w="7620" cap="flat" cmpd="sng" algn="ctr">
+                      <a:solidFill>
+                        <a:srgbClr val="CCCCCC"/>
+                      </a:solidFill>
+                      <a:prstDash val="solid"/>
+                      <a:round/>
+                      <a:headEnd type="none" w="med" len="med"/>
+                      <a:tailEnd type="none" w="med" len="med"/>
+                    </a:lnR>
+                    <a:lnT w="7620" cap="flat" cmpd="sng" algn="ctr">
+                      <a:solidFill>
+                        <a:srgbClr val="CCCCCC"/>
+                      </a:solidFill>
+                      <a:prstDash val="solid"/>
+                      <a:round/>
+                      <a:headEnd type="none" w="med" len="med"/>
+                      <a:tailEnd type="none" w="med" len="med"/>
+                    </a:lnT>
+                    <a:lnB w="7620" cap="flat" cmpd="sng" algn="ctr">
+                      <a:solidFill>
+                        <a:srgbClr val="CCCCCC"/>
+                      </a:solidFill>
+                      <a:prstDash val="solid"/>
+                      <a:round/>
+                      <a:headEnd type="none" w="med" len="med"/>
+                      <a:tailEnd type="none" w="med" len="med"/>
+                    </a:lnB>
+                    <a:solidFill>
+                      <a:srgbClr val="F1F1F1"/>
+                    </a:solidFill>
+                  </a:tcPr>
+                </a:tc>
+                <a:tc>
+                  <a:txBody>
+                    <a:bodyPr/>
+                    <a:lstStyle/>
+                    <a:p>
+                      <a:pPr algn="l" fontAlgn="t"/>
+                      <a:r>
+                        <a:rPr lang="en-US" sz="1400">
+                          <a:effectLst/>
+                        </a:rPr>
+                        <a:t>Get the month (0-11)</a:t>
+                      </a:r>
+                    </a:p>
+                  </a:txBody>
+                  <a:tcPr marL="25223" marR="25223" marT="25223" marB="25223">
+                    <a:lnL w="7620" cap="flat" cmpd="sng" algn="ctr">
+                      <a:solidFill>
+                        <a:srgbClr val="CCCCCC"/>
+                      </a:solidFill>
+                      <a:prstDash val="solid"/>
+                      <a:round/>
+                      <a:headEnd type="none" w="med" len="med"/>
+                      <a:tailEnd type="none" w="med" len="med"/>
+                    </a:lnL>
+                    <a:lnR w="7620" cap="flat" cmpd="sng" algn="ctr">
+                      <a:solidFill>
+                        <a:srgbClr val="CCCCCC"/>
+                      </a:solidFill>
+                      <a:prstDash val="solid"/>
+                      <a:round/>
+                      <a:headEnd type="none" w="med" len="med"/>
+                      <a:tailEnd type="none" w="med" len="med"/>
+                    </a:lnR>
+                    <a:lnT w="7620" cap="flat" cmpd="sng" algn="ctr">
+                      <a:solidFill>
+                        <a:srgbClr val="CCCCCC"/>
+                      </a:solidFill>
+                      <a:prstDash val="solid"/>
+                      <a:round/>
+                      <a:headEnd type="none" w="med" len="med"/>
+                      <a:tailEnd type="none" w="med" len="med"/>
+                    </a:lnT>
+                    <a:lnB w="7620" cap="flat" cmpd="sng" algn="ctr">
+                      <a:solidFill>
+                        <a:srgbClr val="CCCCCC"/>
+                      </a:solidFill>
+                      <a:prstDash val="solid"/>
+                      <a:round/>
+                      <a:headEnd type="none" w="med" len="med"/>
+                      <a:tailEnd type="none" w="med" len="med"/>
+                    </a:lnB>
+                    <a:solidFill>
+                      <a:srgbClr val="F1F1F1"/>
+                    </a:solidFill>
+                  </a:tcPr>
+                </a:tc>
+              </a:tr>
+              <a:tr h="364384">
+                <a:tc>
+                  <a:txBody>
+                    <a:bodyPr/>
+                    <a:lstStyle/>
+                    <a:p>
+                      <a:pPr algn="l" fontAlgn="t"/>
+                      <a:r>
+                        <a:rPr lang="en-US" sz="1400" dirty="0" err="1">
+                          <a:effectLst/>
+                        </a:rPr>
+                        <a:t>getSeconds</a:t>
+                      </a:r>
+                      <a:r>
+                        <a:rPr lang="en-US" sz="1400" dirty="0">
+                          <a:effectLst/>
+                        </a:rPr>
+                        <a:t>()</a:t>
+                      </a:r>
+                    </a:p>
+                  </a:txBody>
+                  <a:tcPr marL="50446" marR="25223" marT="25223" marB="25223">
+                    <a:lnL w="7620" cap="flat" cmpd="sng" algn="ctr">
+                      <a:solidFill>
+                        <a:srgbClr val="CCCCCC"/>
+                      </a:solidFill>
+                      <a:prstDash val="solid"/>
+                      <a:round/>
+                      <a:headEnd type="none" w="med" len="med"/>
+                      <a:tailEnd type="none" w="med" len="med"/>
+                    </a:lnL>
+                    <a:lnR w="7620" cap="flat" cmpd="sng" algn="ctr">
+                      <a:solidFill>
+                        <a:srgbClr val="CCCCCC"/>
+                      </a:solidFill>
+                      <a:prstDash val="solid"/>
+                      <a:round/>
+                      <a:headEnd type="none" w="med" len="med"/>
+                      <a:tailEnd type="none" w="med" len="med"/>
+                    </a:lnR>
+                    <a:lnT w="7620" cap="flat" cmpd="sng" algn="ctr">
+                      <a:solidFill>
+                        <a:srgbClr val="CCCCCC"/>
+                      </a:solidFill>
+                      <a:prstDash val="solid"/>
+                      <a:round/>
+                      <a:headEnd type="none" w="med" len="med"/>
+                      <a:tailEnd type="none" w="med" len="med"/>
+                    </a:lnT>
+                    <a:lnB w="7620" cap="flat" cmpd="sng" algn="ctr">
+                      <a:solidFill>
+                        <a:srgbClr val="CCCCCC"/>
+                      </a:solidFill>
+                      <a:prstDash val="solid"/>
+                      <a:round/>
+                      <a:headEnd type="none" w="med" len="med"/>
+                      <a:tailEnd type="none" w="med" len="med"/>
+                    </a:lnB>
+                    <a:solidFill>
+                      <a:srgbClr val="FFFFFF"/>
+                    </a:solidFill>
+                  </a:tcPr>
+                </a:tc>
+                <a:tc>
+                  <a:txBody>
+                    <a:bodyPr/>
+                    <a:lstStyle/>
+                    <a:p>
+                      <a:pPr algn="l" fontAlgn="t"/>
+                      <a:r>
+                        <a:rPr lang="en-US" sz="1400">
+                          <a:effectLst/>
+                        </a:rPr>
+                        <a:t>Get the seconds (0-59)</a:t>
+                      </a:r>
+                    </a:p>
+                  </a:txBody>
+                  <a:tcPr marL="25223" marR="25223" marT="25223" marB="25223">
+                    <a:lnL w="7620" cap="flat" cmpd="sng" algn="ctr">
+                      <a:solidFill>
+                        <a:srgbClr val="CCCCCC"/>
+                      </a:solidFill>
+                      <a:prstDash val="solid"/>
+                      <a:round/>
+                      <a:headEnd type="none" w="med" len="med"/>
+                      <a:tailEnd type="none" w="med" len="med"/>
+                    </a:lnL>
+                    <a:lnR w="7620" cap="flat" cmpd="sng" algn="ctr">
+                      <a:solidFill>
+                        <a:srgbClr val="CCCCCC"/>
+                      </a:solidFill>
+                      <a:prstDash val="solid"/>
+                      <a:round/>
+                      <a:headEnd type="none" w="med" len="med"/>
+                      <a:tailEnd type="none" w="med" len="med"/>
+                    </a:lnR>
+                    <a:lnT w="7620" cap="flat" cmpd="sng" algn="ctr">
+                      <a:solidFill>
+                        <a:srgbClr val="CCCCCC"/>
+                      </a:solidFill>
+                      <a:prstDash val="solid"/>
+                      <a:round/>
+                      <a:headEnd type="none" w="med" len="med"/>
+                      <a:tailEnd type="none" w="med" len="med"/>
+                    </a:lnT>
+                    <a:lnB w="7620" cap="flat" cmpd="sng" algn="ctr">
+                      <a:solidFill>
+                        <a:srgbClr val="CCCCCC"/>
+                      </a:solidFill>
+                      <a:prstDash val="solid"/>
+                      <a:round/>
+                      <a:headEnd type="none" w="med" len="med"/>
+                      <a:tailEnd type="none" w="med" len="med"/>
+                    </a:lnB>
+                    <a:solidFill>
+                      <a:srgbClr val="FFFFFF"/>
+                    </a:solidFill>
+                  </a:tcPr>
+                </a:tc>
+              </a:tr>
+              <a:tr h="599214">
+                <a:tc>
+                  <a:txBody>
+                    <a:bodyPr/>
+                    <a:lstStyle/>
+                    <a:p>
+                      <a:pPr algn="l" fontAlgn="t"/>
+                      <a:r>
+                        <a:rPr lang="en-US" sz="1400" dirty="0" err="1">
+                          <a:effectLst/>
+                        </a:rPr>
+                        <a:t>getTime</a:t>
+                      </a:r>
+                      <a:r>
+                        <a:rPr lang="en-US" sz="1400" dirty="0">
+                          <a:effectLst/>
+                        </a:rPr>
+                        <a:t>()</a:t>
+                      </a:r>
+                    </a:p>
+                  </a:txBody>
+                  <a:tcPr marL="50446" marR="25223" marT="25223" marB="25223">
+                    <a:lnL w="7620" cap="flat" cmpd="sng" algn="ctr">
+                      <a:solidFill>
+                        <a:srgbClr val="CCCCCC"/>
+                      </a:solidFill>
+                      <a:prstDash val="solid"/>
+                      <a:round/>
+                      <a:headEnd type="none" w="med" len="med"/>
+                      <a:tailEnd type="none" w="med" len="med"/>
+                    </a:lnL>
+                    <a:lnR w="7620" cap="flat" cmpd="sng" algn="ctr">
+                      <a:solidFill>
+                        <a:srgbClr val="CCCCCC"/>
+                      </a:solidFill>
+                      <a:prstDash val="solid"/>
+                      <a:round/>
+                      <a:headEnd type="none" w="med" len="med"/>
+                      <a:tailEnd type="none" w="med" len="med"/>
+                    </a:lnR>
+                    <a:lnT w="7620" cap="flat" cmpd="sng" algn="ctr">
+                      <a:solidFill>
+                        <a:srgbClr val="CCCCCC"/>
+                      </a:solidFill>
+                      <a:prstDash val="solid"/>
+                      <a:round/>
+                      <a:headEnd type="none" w="med" len="med"/>
+                      <a:tailEnd type="none" w="med" len="med"/>
+                    </a:lnT>
+                    <a:lnB w="7620" cap="flat" cmpd="sng" algn="ctr">
+                      <a:solidFill>
+                        <a:srgbClr val="DDDDDD"/>
+                      </a:solidFill>
+                      <a:prstDash val="solid"/>
+                      <a:round/>
+                      <a:headEnd type="none" w="med" len="med"/>
+                      <a:tailEnd type="none" w="med" len="med"/>
+                    </a:lnB>
+                    <a:solidFill>
+                      <a:srgbClr val="F1F1F1"/>
+                    </a:solidFill>
+                  </a:tcPr>
+                </a:tc>
+                <a:tc>
+                  <a:txBody>
+                    <a:bodyPr/>
+                    <a:lstStyle/>
+                    <a:p>
+                      <a:pPr algn="l" fontAlgn="t"/>
+                      <a:r>
+                        <a:rPr lang="en-US" sz="1400" dirty="0">
+                          <a:effectLst/>
+                        </a:rPr>
+                        <a:t>Get the time (milliseconds since January 1, 1970)</a:t>
+                      </a:r>
+                    </a:p>
+                  </a:txBody>
+                  <a:tcPr marL="25223" marR="25223" marT="25223" marB="25223">
+                    <a:lnL w="7620" cap="flat" cmpd="sng" algn="ctr">
+                      <a:solidFill>
+                        <a:srgbClr val="CCCCCC"/>
+                      </a:solidFill>
+                      <a:prstDash val="solid"/>
+                      <a:round/>
+                      <a:headEnd type="none" w="med" len="med"/>
+                      <a:tailEnd type="none" w="med" len="med"/>
+                    </a:lnL>
+                    <a:lnR w="7620" cap="flat" cmpd="sng" algn="ctr">
+                      <a:solidFill>
+                        <a:srgbClr val="CCCCCC"/>
+                      </a:solidFill>
+                      <a:prstDash val="solid"/>
+                      <a:round/>
+                      <a:headEnd type="none" w="med" len="med"/>
+                      <a:tailEnd type="none" w="med" len="med"/>
+                    </a:lnR>
+                    <a:lnT w="7620" cap="flat" cmpd="sng" algn="ctr">
+                      <a:solidFill>
+                        <a:srgbClr val="CCCCCC"/>
+                      </a:solidFill>
+                      <a:prstDash val="solid"/>
+                      <a:round/>
+                      <a:headEnd type="none" w="med" len="med"/>
+                      <a:tailEnd type="none" w="med" len="med"/>
+                    </a:lnT>
+                    <a:lnB w="7620" cap="flat" cmpd="sng" algn="ctr">
+                      <a:solidFill>
+                        <a:srgbClr val="DDDDDD"/>
+                      </a:solidFill>
+                      <a:prstDash val="solid"/>
+                      <a:round/>
+                      <a:headEnd type="none" w="med" len="med"/>
+                      <a:tailEnd type="none" w="med" len="med"/>
+                    </a:lnB>
+                    <a:solidFill>
+                      <a:srgbClr val="F1F1F1"/>
+                    </a:solidFill>
+                  </a:tcPr>
+                </a:tc>
+              </a:tr>
+            </a:tbl>
+          </a:graphicData>
+        </a:graphic>
+      </p:graphicFrame>
+    </p:spTree>
+    <p:extLst>
+      <p:ext uri="{BB962C8B-B14F-4D97-AF65-F5344CB8AC3E}">
+        <p14:creationId xmlns:p14="http://schemas.microsoft.com/office/powerpoint/2010/main" val="2310985692"/>
+      </p:ext>
+    </p:extLst>
+  </p:cSld>
+  <p:clrMapOvr>
+    <a:masterClrMapping/>
+  </p:clrMapOvr>
+  <mc:AlternateContent xmlns:mc="http://schemas.openxmlformats.org/markup-compatibility/2006" xmlns:p14="http://schemas.microsoft.com/office/powerpoint/2010/main">
+    <mc:Choice Requires="p14">
+      <p:transition spd="med" p14:dur="700">
+        <p:fade/>
+      </p:transition>
+    </mc:Choice>
+    <mc:Fallback xmlns="">
+      <p:transition spd="med">
+        <p:fade/>
+      </p:transition>
+    </mc:Fallback>
+  </mc:AlternateContent>
+  <p:timing>
+    <p:tnLst>
+      <p:par>
+        <p:cTn id="1" dur="indefinite" restart="never" nodeType="tmRoot"/>
+      </p:par>
+    </p:tnLst>
+  </p:timing>
+</p:sld>
+</file>
+
+<file path=ppt/slides/slide95.xml><?xml version="1.0" encoding="utf-8"?>
+<p:sld xmlns:a="http://schemas.openxmlformats.org/drawingml/2006/main" xmlns:r="http://schemas.openxmlformats.org/officeDocument/2006/relationships" xmlns:p="http://schemas.openxmlformats.org/presentationml/2006/main">
+  <p:cSld>
+    <p:spTree>
+      <p:nvGrpSpPr>
+        <p:cNvPr id="1" name=""/>
+        <p:cNvGrpSpPr/>
+        <p:nvPr/>
+      </p:nvGrpSpPr>
+      <p:grpSpPr>
+        <a:xfrm>
+          <a:off x="0" y="0"/>
+          <a:ext cx="0" cy="0"/>
+          <a:chOff x="0" y="0"/>
+          <a:chExt cx="0" cy="0"/>
+        </a:xfrm>
+      </p:grpSpPr>
+      <p:sp>
+        <p:nvSpPr>
+          <p:cNvPr id="2" name="Title 1"/>
+          <p:cNvSpPr>
+            <a:spLocks noGrp="1"/>
+          </p:cNvSpPr>
+          <p:nvPr>
+            <p:ph type="title"/>
+          </p:nvPr>
+        </p:nvSpPr>
+        <p:spPr/>
+        <p:txBody>
+          <a:bodyPr/>
+          <a:lstStyle/>
+          <a:p>
+            <a:r>
+              <a:rPr lang="en-US" b="0" dirty="0"/>
+              <a:t>JavaScript Date Methods</a:t>
+            </a:r>
+            <a:br>
+              <a:rPr lang="en-US" b="0" dirty="0"/>
+            </a:br>
+            <a:endParaRPr lang="en-US" dirty="0"/>
+          </a:p>
+        </p:txBody>
+      </p:sp>
+      <p:graphicFrame>
+        <p:nvGraphicFramePr>
+          <p:cNvPr id="4" name="Content Placeholder 3"/>
+          <p:cNvGraphicFramePr>
+            <a:graphicFrameLocks noGrp="1"/>
+          </p:cNvGraphicFramePr>
+          <p:nvPr>
+            <p:ph sz="quarter" idx="14"/>
+            <p:extLst>
+              <p:ext uri="{D42A27DB-BD31-4B8C-83A1-F6EECF244321}">
+                <p14:modId xmlns:p14="http://schemas.microsoft.com/office/powerpoint/2010/main" val="780389597"/>
+              </p:ext>
+            </p:extLst>
+          </p:nvPr>
+        </p:nvGraphicFramePr>
+        <p:xfrm>
+          <a:off x="482321" y="864159"/>
+          <a:ext cx="7033846" cy="4198426"/>
+        </p:xfrm>
+        <a:graphic>
+          <a:graphicData uri="http://schemas.openxmlformats.org/drawingml/2006/table">
+            <a:tbl>
+              <a:tblPr/>
+              <a:tblGrid>
+                <a:gridCol w="3516923"/>
+                <a:gridCol w="3516923"/>
+              </a:tblGrid>
+              <a:tr h="464457">
+                <a:tc>
+                  <a:txBody>
+                    <a:bodyPr/>
+                    <a:lstStyle/>
+                    <a:p>
+                      <a:pPr algn="l" fontAlgn="t"/>
+                      <a:r>
+                        <a:rPr lang="en-US" sz="1400">
+                          <a:effectLst/>
+                        </a:rPr>
+                        <a:t>Method</a:t>
+                      </a:r>
+                    </a:p>
+                  </a:txBody>
+                  <a:tcPr marL="56051" marR="28025" marT="28025" marB="28025">
+                    <a:lnL w="7620" cap="flat" cmpd="sng" algn="ctr">
+                      <a:solidFill>
+                        <a:srgbClr val="CCCCCC"/>
+                      </a:solidFill>
+                      <a:prstDash val="solid"/>
+                      <a:round/>
+                      <a:headEnd type="none" w="med" len="med"/>
+                      <a:tailEnd type="none" w="med" len="med"/>
+                    </a:lnL>
+                    <a:lnR w="7620" cap="flat" cmpd="sng" algn="ctr">
+                      <a:solidFill>
+                        <a:srgbClr val="CCCCCC"/>
+                      </a:solidFill>
+                      <a:prstDash val="solid"/>
+                      <a:round/>
+                      <a:headEnd type="none" w="med" len="med"/>
+                      <a:tailEnd type="none" w="med" len="med"/>
+                    </a:lnR>
+                    <a:lnT w="7620" cap="flat" cmpd="sng" algn="ctr">
+                      <a:solidFill>
+                        <a:srgbClr val="CCCCCC"/>
+                      </a:solidFill>
+                      <a:prstDash val="solid"/>
+                      <a:round/>
+                      <a:headEnd type="none" w="med" len="med"/>
+                      <a:tailEnd type="none" w="med" len="med"/>
+                    </a:lnT>
+                    <a:lnB w="7620" cap="flat" cmpd="sng" algn="ctr">
+                      <a:solidFill>
+                        <a:srgbClr val="CCCCCC"/>
+                      </a:solidFill>
+                      <a:prstDash val="solid"/>
+                      <a:round/>
+                      <a:headEnd type="none" w="med" len="med"/>
+                      <a:tailEnd type="none" w="med" len="med"/>
+                    </a:lnB>
+                    <a:solidFill>
+                      <a:srgbClr val="FFFFFF"/>
+                    </a:solidFill>
+                  </a:tcPr>
+                </a:tc>
+                <a:tc>
+                  <a:txBody>
+                    <a:bodyPr/>
+                    <a:lstStyle/>
+                    <a:p>
+                      <a:pPr algn="l" fontAlgn="t"/>
+                      <a:r>
+                        <a:rPr lang="en-US" sz="1400">
+                          <a:effectLst/>
+                        </a:rPr>
+                        <a:t>Description</a:t>
+                      </a:r>
+                    </a:p>
+                  </a:txBody>
+                  <a:tcPr marL="28025" marR="28025" marT="28025" marB="28025">
+                    <a:lnL w="7620" cap="flat" cmpd="sng" algn="ctr">
+                      <a:solidFill>
+                        <a:srgbClr val="CCCCCC"/>
+                      </a:solidFill>
+                      <a:prstDash val="solid"/>
+                      <a:round/>
+                      <a:headEnd type="none" w="med" len="med"/>
+                      <a:tailEnd type="none" w="med" len="med"/>
+                    </a:lnL>
+                    <a:lnR w="7620" cap="flat" cmpd="sng" algn="ctr">
+                      <a:solidFill>
+                        <a:srgbClr val="CCCCCC"/>
+                      </a:solidFill>
+                      <a:prstDash val="solid"/>
+                      <a:round/>
+                      <a:headEnd type="none" w="med" len="med"/>
+                      <a:tailEnd type="none" w="med" len="med"/>
+                    </a:lnR>
+                    <a:lnT w="7620" cap="flat" cmpd="sng" algn="ctr">
+                      <a:solidFill>
+                        <a:srgbClr val="CCCCCC"/>
+                      </a:solidFill>
+                      <a:prstDash val="solid"/>
+                      <a:round/>
+                      <a:headEnd type="none" w="med" len="med"/>
+                      <a:tailEnd type="none" w="med" len="med"/>
+                    </a:lnT>
+                    <a:lnB w="7620" cap="flat" cmpd="sng" algn="ctr">
+                      <a:solidFill>
+                        <a:srgbClr val="CCCCCC"/>
+                      </a:solidFill>
+                      <a:prstDash val="solid"/>
+                      <a:round/>
+                      <a:headEnd type="none" w="med" len="med"/>
+                      <a:tailEnd type="none" w="med" len="med"/>
+                    </a:lnB>
+                    <a:solidFill>
+                      <a:srgbClr val="FFFFFF"/>
+                    </a:solidFill>
+                  </a:tcPr>
+                </a:tc>
+              </a:tr>
+              <a:tr h="464457">
+                <a:tc>
+                  <a:txBody>
+                    <a:bodyPr/>
+                    <a:lstStyle/>
+                    <a:p>
+                      <a:pPr algn="l" fontAlgn="t"/>
+                      <a:r>
+                        <a:rPr lang="en-US" sz="1400">
+                          <a:effectLst/>
+                        </a:rPr>
+                        <a:t>setDate()</a:t>
+                      </a:r>
+                    </a:p>
+                  </a:txBody>
+                  <a:tcPr marL="56051" marR="28025" marT="28025" marB="28025">
+                    <a:lnL w="7620" cap="flat" cmpd="sng" algn="ctr">
+                      <a:solidFill>
+                        <a:srgbClr val="CCCCCC"/>
+                      </a:solidFill>
+                      <a:prstDash val="solid"/>
+                      <a:round/>
+                      <a:headEnd type="none" w="med" len="med"/>
+                      <a:tailEnd type="none" w="med" len="med"/>
+                    </a:lnL>
+                    <a:lnR w="7620" cap="flat" cmpd="sng" algn="ctr">
+                      <a:solidFill>
+                        <a:srgbClr val="CCCCCC"/>
+                      </a:solidFill>
+                      <a:prstDash val="solid"/>
+                      <a:round/>
+                      <a:headEnd type="none" w="med" len="med"/>
+                      <a:tailEnd type="none" w="med" len="med"/>
+                    </a:lnR>
+                    <a:lnT w="7620" cap="flat" cmpd="sng" algn="ctr">
+                      <a:solidFill>
+                        <a:srgbClr val="CCCCCC"/>
+                      </a:solidFill>
+                      <a:prstDash val="solid"/>
+                      <a:round/>
+                      <a:headEnd type="none" w="med" len="med"/>
+                      <a:tailEnd type="none" w="med" len="med"/>
+                    </a:lnT>
+                    <a:lnB w="7620" cap="flat" cmpd="sng" algn="ctr">
+                      <a:solidFill>
+                        <a:srgbClr val="CCCCCC"/>
+                      </a:solidFill>
+                      <a:prstDash val="solid"/>
+                      <a:round/>
+                      <a:headEnd type="none" w="med" len="med"/>
+                      <a:tailEnd type="none" w="med" len="med"/>
+                    </a:lnB>
+                    <a:solidFill>
+                      <a:srgbClr val="F1F1F1"/>
+                    </a:solidFill>
+                  </a:tcPr>
+                </a:tc>
+                <a:tc>
+                  <a:txBody>
+                    <a:bodyPr/>
+                    <a:lstStyle/>
+                    <a:p>
+                      <a:pPr algn="l" fontAlgn="t"/>
+                      <a:r>
+                        <a:rPr lang="en-US" sz="1400">
+                          <a:effectLst/>
+                        </a:rPr>
+                        <a:t>Set the day as a number (1-31)</a:t>
+                      </a:r>
+                    </a:p>
+                  </a:txBody>
+                  <a:tcPr marL="28025" marR="28025" marT="28025" marB="28025">
+                    <a:lnL w="7620" cap="flat" cmpd="sng" algn="ctr">
+                      <a:solidFill>
+                        <a:srgbClr val="CCCCCC"/>
+                      </a:solidFill>
+                      <a:prstDash val="solid"/>
+                      <a:round/>
+                      <a:headEnd type="none" w="med" len="med"/>
+                      <a:tailEnd type="none" w="med" len="med"/>
+                    </a:lnL>
+                    <a:lnR w="7620" cap="flat" cmpd="sng" algn="ctr">
+                      <a:solidFill>
+                        <a:srgbClr val="CCCCCC"/>
+                      </a:solidFill>
+                      <a:prstDash val="solid"/>
+                      <a:round/>
+                      <a:headEnd type="none" w="med" len="med"/>
+                      <a:tailEnd type="none" w="med" len="med"/>
+                    </a:lnR>
+                    <a:lnT w="7620" cap="flat" cmpd="sng" algn="ctr">
+                      <a:solidFill>
+                        <a:srgbClr val="CCCCCC"/>
+                      </a:solidFill>
+                      <a:prstDash val="solid"/>
+                      <a:round/>
+                      <a:headEnd type="none" w="med" len="med"/>
+                      <a:tailEnd type="none" w="med" len="med"/>
+                    </a:lnT>
+                    <a:lnB w="7620" cap="flat" cmpd="sng" algn="ctr">
+                      <a:solidFill>
+                        <a:srgbClr val="CCCCCC"/>
+                      </a:solidFill>
+                      <a:prstDash val="solid"/>
+                      <a:round/>
+                      <a:headEnd type="none" w="med" len="med"/>
+                      <a:tailEnd type="none" w="med" len="med"/>
+                    </a:lnB>
+                    <a:solidFill>
+                      <a:srgbClr val="F1F1F1"/>
+                    </a:solidFill>
+                  </a:tcPr>
+                </a:tc>
+              </a:tr>
+              <a:tr h="464457">
+                <a:tc>
+                  <a:txBody>
+                    <a:bodyPr/>
+                    <a:lstStyle/>
+                    <a:p>
+                      <a:pPr algn="l" fontAlgn="t"/>
+                      <a:r>
+                        <a:rPr lang="en-US" sz="1400">
+                          <a:effectLst/>
+                        </a:rPr>
+                        <a:t>setFullYear()</a:t>
+                      </a:r>
+                    </a:p>
+                  </a:txBody>
+                  <a:tcPr marL="56051" marR="28025" marT="28025" marB="28025">
+                    <a:lnL w="7620" cap="flat" cmpd="sng" algn="ctr">
+                      <a:solidFill>
+                        <a:srgbClr val="CCCCCC"/>
+                      </a:solidFill>
+                      <a:prstDash val="solid"/>
+                      <a:round/>
+                      <a:headEnd type="none" w="med" len="med"/>
+                      <a:tailEnd type="none" w="med" len="med"/>
+                    </a:lnL>
+                    <a:lnR w="7620" cap="flat" cmpd="sng" algn="ctr">
+                      <a:solidFill>
+                        <a:srgbClr val="CCCCCC"/>
+                      </a:solidFill>
+                      <a:prstDash val="solid"/>
+                      <a:round/>
+                      <a:headEnd type="none" w="med" len="med"/>
+                      <a:tailEnd type="none" w="med" len="med"/>
+                    </a:lnR>
+                    <a:lnT w="7620" cap="flat" cmpd="sng" algn="ctr">
+                      <a:solidFill>
+                        <a:srgbClr val="CCCCCC"/>
+                      </a:solidFill>
+                      <a:prstDash val="solid"/>
+                      <a:round/>
+                      <a:headEnd type="none" w="med" len="med"/>
+                      <a:tailEnd type="none" w="med" len="med"/>
+                    </a:lnT>
+                    <a:lnB w="7620" cap="flat" cmpd="sng" algn="ctr">
+                      <a:solidFill>
+                        <a:srgbClr val="CCCCCC"/>
+                      </a:solidFill>
+                      <a:prstDash val="solid"/>
+                      <a:round/>
+                      <a:headEnd type="none" w="med" len="med"/>
+                      <a:tailEnd type="none" w="med" len="med"/>
+                    </a:lnB>
+                    <a:solidFill>
+                      <a:srgbClr val="FFFFFF"/>
+                    </a:solidFill>
+                  </a:tcPr>
+                </a:tc>
+                <a:tc>
+                  <a:txBody>
+                    <a:bodyPr/>
+                    <a:lstStyle/>
+                    <a:p>
+                      <a:pPr algn="l" fontAlgn="t"/>
+                      <a:r>
+                        <a:rPr lang="en-US" sz="1400">
+                          <a:effectLst/>
+                        </a:rPr>
+                        <a:t>Set the year (optionally month and day)</a:t>
+                      </a:r>
+                    </a:p>
+                  </a:txBody>
+                  <a:tcPr marL="28025" marR="28025" marT="28025" marB="28025">
+                    <a:lnL w="7620" cap="flat" cmpd="sng" algn="ctr">
+                      <a:solidFill>
+                        <a:srgbClr val="CCCCCC"/>
+                      </a:solidFill>
+                      <a:prstDash val="solid"/>
+                      <a:round/>
+                      <a:headEnd type="none" w="med" len="med"/>
+                      <a:tailEnd type="none" w="med" len="med"/>
+                    </a:lnL>
+                    <a:lnR w="7620" cap="flat" cmpd="sng" algn="ctr">
+                      <a:solidFill>
+                        <a:srgbClr val="CCCCCC"/>
+                      </a:solidFill>
+                      <a:prstDash val="solid"/>
+                      <a:round/>
+                      <a:headEnd type="none" w="med" len="med"/>
+                      <a:tailEnd type="none" w="med" len="med"/>
+                    </a:lnR>
+                    <a:lnT w="7620" cap="flat" cmpd="sng" algn="ctr">
+                      <a:solidFill>
+                        <a:srgbClr val="CCCCCC"/>
+                      </a:solidFill>
+                      <a:prstDash val="solid"/>
+                      <a:round/>
+                      <a:headEnd type="none" w="med" len="med"/>
+                      <a:tailEnd type="none" w="med" len="med"/>
+                    </a:lnT>
+                    <a:lnB w="7620" cap="flat" cmpd="sng" algn="ctr">
+                      <a:solidFill>
+                        <a:srgbClr val="CCCCCC"/>
+                      </a:solidFill>
+                      <a:prstDash val="solid"/>
+                      <a:round/>
+                      <a:headEnd type="none" w="med" len="med"/>
+                      <a:tailEnd type="none" w="med" len="med"/>
+                    </a:lnB>
+                    <a:solidFill>
+                      <a:srgbClr val="FFFFFF"/>
+                    </a:solidFill>
+                  </a:tcPr>
+                </a:tc>
+              </a:tr>
+              <a:tr h="464457">
+                <a:tc>
+                  <a:txBody>
+                    <a:bodyPr/>
+                    <a:lstStyle/>
+                    <a:p>
+                      <a:pPr algn="l" fontAlgn="t"/>
+                      <a:r>
+                        <a:rPr lang="en-US" sz="1400">
+                          <a:effectLst/>
+                        </a:rPr>
+                        <a:t>setHours()</a:t>
+                      </a:r>
+                    </a:p>
+                  </a:txBody>
+                  <a:tcPr marL="56051" marR="28025" marT="28025" marB="28025">
+                    <a:lnL w="7620" cap="flat" cmpd="sng" algn="ctr">
+                      <a:solidFill>
+                        <a:srgbClr val="CCCCCC"/>
+                      </a:solidFill>
+                      <a:prstDash val="solid"/>
+                      <a:round/>
+                      <a:headEnd type="none" w="med" len="med"/>
+                      <a:tailEnd type="none" w="med" len="med"/>
+                    </a:lnL>
+                    <a:lnR w="7620" cap="flat" cmpd="sng" algn="ctr">
+                      <a:solidFill>
+                        <a:srgbClr val="CCCCCC"/>
+                      </a:solidFill>
+                      <a:prstDash val="solid"/>
+                      <a:round/>
+                      <a:headEnd type="none" w="med" len="med"/>
+                      <a:tailEnd type="none" w="med" len="med"/>
+                    </a:lnR>
+                    <a:lnT w="7620" cap="flat" cmpd="sng" algn="ctr">
+                      <a:solidFill>
+                        <a:srgbClr val="CCCCCC"/>
+                      </a:solidFill>
+                      <a:prstDash val="solid"/>
+                      <a:round/>
+                      <a:headEnd type="none" w="med" len="med"/>
+                      <a:tailEnd type="none" w="med" len="med"/>
+                    </a:lnT>
+                    <a:lnB w="7620" cap="flat" cmpd="sng" algn="ctr">
+                      <a:solidFill>
+                        <a:srgbClr val="CCCCCC"/>
+                      </a:solidFill>
+                      <a:prstDash val="solid"/>
+                      <a:round/>
+                      <a:headEnd type="none" w="med" len="med"/>
+                      <a:tailEnd type="none" w="med" len="med"/>
+                    </a:lnB>
+                    <a:solidFill>
+                      <a:srgbClr val="F1F1F1"/>
+                    </a:solidFill>
+                  </a:tcPr>
+                </a:tc>
+                <a:tc>
+                  <a:txBody>
+                    <a:bodyPr/>
+                    <a:lstStyle/>
+                    <a:p>
+                      <a:pPr algn="l" fontAlgn="t"/>
+                      <a:r>
+                        <a:rPr lang="en-US" sz="1400">
+                          <a:effectLst/>
+                        </a:rPr>
+                        <a:t>Set the hour (0-23)</a:t>
+                      </a:r>
+                    </a:p>
+                  </a:txBody>
+                  <a:tcPr marL="28025" marR="28025" marT="28025" marB="28025">
+                    <a:lnL w="7620" cap="flat" cmpd="sng" algn="ctr">
+                      <a:solidFill>
+                        <a:srgbClr val="CCCCCC"/>
+                      </a:solidFill>
+                      <a:prstDash val="solid"/>
+                      <a:round/>
+                      <a:headEnd type="none" w="med" len="med"/>
+                      <a:tailEnd type="none" w="med" len="med"/>
+                    </a:lnL>
+                    <a:lnR w="7620" cap="flat" cmpd="sng" algn="ctr">
+                      <a:solidFill>
+                        <a:srgbClr val="CCCCCC"/>
+                      </a:solidFill>
+                      <a:prstDash val="solid"/>
+                      <a:round/>
+                      <a:headEnd type="none" w="med" len="med"/>
+                      <a:tailEnd type="none" w="med" len="med"/>
+                    </a:lnR>
+                    <a:lnT w="7620" cap="flat" cmpd="sng" algn="ctr">
+                      <a:solidFill>
+                        <a:srgbClr val="CCCCCC"/>
+                      </a:solidFill>
+                      <a:prstDash val="solid"/>
+                      <a:round/>
+                      <a:headEnd type="none" w="med" len="med"/>
+                      <a:tailEnd type="none" w="med" len="med"/>
+                    </a:lnT>
+                    <a:lnB w="7620" cap="flat" cmpd="sng" algn="ctr">
+                      <a:solidFill>
+                        <a:srgbClr val="CCCCCC"/>
+                      </a:solidFill>
+                      <a:prstDash val="solid"/>
+                      <a:round/>
+                      <a:headEnd type="none" w="med" len="med"/>
+                      <a:tailEnd type="none" w="med" len="med"/>
+                    </a:lnB>
+                    <a:solidFill>
+                      <a:srgbClr val="F1F1F1"/>
+                    </a:solidFill>
+                  </a:tcPr>
+                </a:tc>
+              </a:tr>
+              <a:tr h="464457">
+                <a:tc>
+                  <a:txBody>
+                    <a:bodyPr/>
+                    <a:lstStyle/>
+                    <a:p>
+                      <a:pPr algn="l" fontAlgn="t"/>
+                      <a:r>
+                        <a:rPr lang="en-US" sz="1400">
+                          <a:effectLst/>
+                        </a:rPr>
+                        <a:t>setMilliseconds()</a:t>
+                      </a:r>
+                    </a:p>
+                  </a:txBody>
+                  <a:tcPr marL="56051" marR="28025" marT="28025" marB="28025">
+                    <a:lnL w="7620" cap="flat" cmpd="sng" algn="ctr">
+                      <a:solidFill>
+                        <a:srgbClr val="CCCCCC"/>
+                      </a:solidFill>
+                      <a:prstDash val="solid"/>
+                      <a:round/>
+                      <a:headEnd type="none" w="med" len="med"/>
+                      <a:tailEnd type="none" w="med" len="med"/>
+                    </a:lnL>
+                    <a:lnR w="7620" cap="flat" cmpd="sng" algn="ctr">
+                      <a:solidFill>
+                        <a:srgbClr val="CCCCCC"/>
+                      </a:solidFill>
+                      <a:prstDash val="solid"/>
+                      <a:round/>
+                      <a:headEnd type="none" w="med" len="med"/>
+                      <a:tailEnd type="none" w="med" len="med"/>
+                    </a:lnR>
+                    <a:lnT w="7620" cap="flat" cmpd="sng" algn="ctr">
+                      <a:solidFill>
+                        <a:srgbClr val="CCCCCC"/>
+                      </a:solidFill>
+                      <a:prstDash val="solid"/>
+                      <a:round/>
+                      <a:headEnd type="none" w="med" len="med"/>
+                      <a:tailEnd type="none" w="med" len="med"/>
+                    </a:lnT>
+                    <a:lnB w="7620" cap="flat" cmpd="sng" algn="ctr">
+                      <a:solidFill>
+                        <a:srgbClr val="CCCCCC"/>
+                      </a:solidFill>
+                      <a:prstDash val="solid"/>
+                      <a:round/>
+                      <a:headEnd type="none" w="med" len="med"/>
+                      <a:tailEnd type="none" w="med" len="med"/>
+                    </a:lnB>
+                    <a:solidFill>
+                      <a:srgbClr val="FFFFFF"/>
+                    </a:solidFill>
+                  </a:tcPr>
+                </a:tc>
+                <a:tc>
+                  <a:txBody>
+                    <a:bodyPr/>
+                    <a:lstStyle/>
+                    <a:p>
+                      <a:pPr algn="l" fontAlgn="t"/>
+                      <a:r>
+                        <a:rPr lang="en-US" sz="1400">
+                          <a:effectLst/>
+                        </a:rPr>
+                        <a:t>Set the milliseconds (0-999)</a:t>
+                      </a:r>
+                    </a:p>
+                  </a:txBody>
+                  <a:tcPr marL="28025" marR="28025" marT="28025" marB="28025">
+                    <a:lnL w="7620" cap="flat" cmpd="sng" algn="ctr">
+                      <a:solidFill>
+                        <a:srgbClr val="CCCCCC"/>
+                      </a:solidFill>
+                      <a:prstDash val="solid"/>
+                      <a:round/>
+                      <a:headEnd type="none" w="med" len="med"/>
+                      <a:tailEnd type="none" w="med" len="med"/>
+                    </a:lnL>
+                    <a:lnR w="7620" cap="flat" cmpd="sng" algn="ctr">
+                      <a:solidFill>
+                        <a:srgbClr val="CCCCCC"/>
+                      </a:solidFill>
+                      <a:prstDash val="solid"/>
+                      <a:round/>
+                      <a:headEnd type="none" w="med" len="med"/>
+                      <a:tailEnd type="none" w="med" len="med"/>
+                    </a:lnR>
+                    <a:lnT w="7620" cap="flat" cmpd="sng" algn="ctr">
+                      <a:solidFill>
+                        <a:srgbClr val="CCCCCC"/>
+                      </a:solidFill>
+                      <a:prstDash val="solid"/>
+                      <a:round/>
+                      <a:headEnd type="none" w="med" len="med"/>
+                      <a:tailEnd type="none" w="med" len="med"/>
+                    </a:lnT>
+                    <a:lnB w="7620" cap="flat" cmpd="sng" algn="ctr">
+                      <a:solidFill>
+                        <a:srgbClr val="CCCCCC"/>
+                      </a:solidFill>
+                      <a:prstDash val="solid"/>
+                      <a:round/>
+                      <a:headEnd type="none" w="med" len="med"/>
+                      <a:tailEnd type="none" w="med" len="med"/>
+                    </a:lnB>
+                    <a:solidFill>
+                      <a:srgbClr val="FFFFFF"/>
+                    </a:solidFill>
+                  </a:tcPr>
+                </a:tc>
+              </a:tr>
+              <a:tr h="464457">
+                <a:tc>
+                  <a:txBody>
+                    <a:bodyPr/>
+                    <a:lstStyle/>
+                    <a:p>
+                      <a:pPr algn="l" fontAlgn="t"/>
+                      <a:r>
+                        <a:rPr lang="en-US" sz="1400">
+                          <a:effectLst/>
+                        </a:rPr>
+                        <a:t>setMinutes()</a:t>
+                      </a:r>
+                    </a:p>
+                  </a:txBody>
+                  <a:tcPr marL="56051" marR="28025" marT="28025" marB="28025">
+                    <a:lnL w="7620" cap="flat" cmpd="sng" algn="ctr">
+                      <a:solidFill>
+                        <a:srgbClr val="CCCCCC"/>
+                      </a:solidFill>
+                      <a:prstDash val="solid"/>
+                      <a:round/>
+                      <a:headEnd type="none" w="med" len="med"/>
+                      <a:tailEnd type="none" w="med" len="med"/>
+                    </a:lnL>
+                    <a:lnR w="7620" cap="flat" cmpd="sng" algn="ctr">
+                      <a:solidFill>
+                        <a:srgbClr val="CCCCCC"/>
+                      </a:solidFill>
+                      <a:prstDash val="solid"/>
+                      <a:round/>
+                      <a:headEnd type="none" w="med" len="med"/>
+                      <a:tailEnd type="none" w="med" len="med"/>
+                    </a:lnR>
+                    <a:lnT w="7620" cap="flat" cmpd="sng" algn="ctr">
+                      <a:solidFill>
+                        <a:srgbClr val="CCCCCC"/>
+                      </a:solidFill>
+                      <a:prstDash val="solid"/>
+                      <a:round/>
+                      <a:headEnd type="none" w="med" len="med"/>
+                      <a:tailEnd type="none" w="med" len="med"/>
+                    </a:lnT>
+                    <a:lnB w="7620" cap="flat" cmpd="sng" algn="ctr">
+                      <a:solidFill>
+                        <a:srgbClr val="CCCCCC"/>
+                      </a:solidFill>
+                      <a:prstDash val="solid"/>
+                      <a:round/>
+                      <a:headEnd type="none" w="med" len="med"/>
+                      <a:tailEnd type="none" w="med" len="med"/>
+                    </a:lnB>
+                    <a:solidFill>
+                      <a:srgbClr val="F1F1F1"/>
+                    </a:solidFill>
+                  </a:tcPr>
+                </a:tc>
+                <a:tc>
+                  <a:txBody>
+                    <a:bodyPr/>
+                    <a:lstStyle/>
+                    <a:p>
+                      <a:pPr algn="l" fontAlgn="t"/>
+                      <a:r>
+                        <a:rPr lang="en-US" sz="1400">
+                          <a:effectLst/>
+                        </a:rPr>
+                        <a:t>Set the minutes (0-59)</a:t>
+                      </a:r>
+                    </a:p>
+                  </a:txBody>
+                  <a:tcPr marL="28025" marR="28025" marT="28025" marB="28025">
+                    <a:lnL w="7620" cap="flat" cmpd="sng" algn="ctr">
+                      <a:solidFill>
+                        <a:srgbClr val="CCCCCC"/>
+                      </a:solidFill>
+                      <a:prstDash val="solid"/>
+                      <a:round/>
+                      <a:headEnd type="none" w="med" len="med"/>
+                      <a:tailEnd type="none" w="med" len="med"/>
+                    </a:lnL>
+                    <a:lnR w="7620" cap="flat" cmpd="sng" algn="ctr">
+                      <a:solidFill>
+                        <a:srgbClr val="CCCCCC"/>
+                      </a:solidFill>
+                      <a:prstDash val="solid"/>
+                      <a:round/>
+                      <a:headEnd type="none" w="med" len="med"/>
+                      <a:tailEnd type="none" w="med" len="med"/>
+                    </a:lnR>
+                    <a:lnT w="7620" cap="flat" cmpd="sng" algn="ctr">
+                      <a:solidFill>
+                        <a:srgbClr val="CCCCCC"/>
+                      </a:solidFill>
+                      <a:prstDash val="solid"/>
+                      <a:round/>
+                      <a:headEnd type="none" w="med" len="med"/>
+                      <a:tailEnd type="none" w="med" len="med"/>
+                    </a:lnT>
+                    <a:lnB w="7620" cap="flat" cmpd="sng" algn="ctr">
+                      <a:solidFill>
+                        <a:srgbClr val="CCCCCC"/>
+                      </a:solidFill>
+                      <a:prstDash val="solid"/>
+                      <a:round/>
+                      <a:headEnd type="none" w="med" len="med"/>
+                      <a:tailEnd type="none" w="med" len="med"/>
+                    </a:lnB>
+                    <a:solidFill>
+                      <a:srgbClr val="F1F1F1"/>
+                    </a:solidFill>
+                  </a:tcPr>
+                </a:tc>
+              </a:tr>
+              <a:tr h="464457">
+                <a:tc>
+                  <a:txBody>
+                    <a:bodyPr/>
+                    <a:lstStyle/>
+                    <a:p>
+                      <a:pPr algn="l" fontAlgn="t"/>
+                      <a:r>
+                        <a:rPr lang="en-US" sz="1400">
+                          <a:effectLst/>
+                        </a:rPr>
+                        <a:t>setMonth()</a:t>
+                      </a:r>
+                    </a:p>
+                  </a:txBody>
+                  <a:tcPr marL="56051" marR="28025" marT="28025" marB="28025">
+                    <a:lnL w="7620" cap="flat" cmpd="sng" algn="ctr">
+                      <a:solidFill>
+                        <a:srgbClr val="CCCCCC"/>
+                      </a:solidFill>
+                      <a:prstDash val="solid"/>
+                      <a:round/>
+                      <a:headEnd type="none" w="med" len="med"/>
+                      <a:tailEnd type="none" w="med" len="med"/>
+                    </a:lnL>
+                    <a:lnR w="7620" cap="flat" cmpd="sng" algn="ctr">
+                      <a:solidFill>
+                        <a:srgbClr val="CCCCCC"/>
+                      </a:solidFill>
+                      <a:prstDash val="solid"/>
+                      <a:round/>
+                      <a:headEnd type="none" w="med" len="med"/>
+                      <a:tailEnd type="none" w="med" len="med"/>
+                    </a:lnR>
+                    <a:lnT w="7620" cap="flat" cmpd="sng" algn="ctr">
+                      <a:solidFill>
+                        <a:srgbClr val="CCCCCC"/>
+                      </a:solidFill>
+                      <a:prstDash val="solid"/>
+                      <a:round/>
+                      <a:headEnd type="none" w="med" len="med"/>
+                      <a:tailEnd type="none" w="med" len="med"/>
+                    </a:lnT>
+                    <a:lnB w="7620" cap="flat" cmpd="sng" algn="ctr">
+                      <a:solidFill>
+                        <a:srgbClr val="CCCCCC"/>
+                      </a:solidFill>
+                      <a:prstDash val="solid"/>
+                      <a:round/>
+                      <a:headEnd type="none" w="med" len="med"/>
+                      <a:tailEnd type="none" w="med" len="med"/>
+                    </a:lnB>
+                    <a:solidFill>
+                      <a:srgbClr val="FFFFFF"/>
+                    </a:solidFill>
+                  </a:tcPr>
+                </a:tc>
+                <a:tc>
+                  <a:txBody>
+                    <a:bodyPr/>
+                    <a:lstStyle/>
+                    <a:p>
+                      <a:pPr algn="l" fontAlgn="t"/>
+                      <a:r>
+                        <a:rPr lang="en-US" sz="1400">
+                          <a:effectLst/>
+                        </a:rPr>
+                        <a:t>Set the month (0-11)</a:t>
+                      </a:r>
+                    </a:p>
+                  </a:txBody>
+                  <a:tcPr marL="28025" marR="28025" marT="28025" marB="28025">
+                    <a:lnL w="7620" cap="flat" cmpd="sng" algn="ctr">
+                      <a:solidFill>
+                        <a:srgbClr val="CCCCCC"/>
+                      </a:solidFill>
+                      <a:prstDash val="solid"/>
+                      <a:round/>
+                      <a:headEnd type="none" w="med" len="med"/>
+                      <a:tailEnd type="none" w="med" len="med"/>
+                    </a:lnL>
+                    <a:lnR w="7620" cap="flat" cmpd="sng" algn="ctr">
+                      <a:solidFill>
+                        <a:srgbClr val="CCCCCC"/>
+                      </a:solidFill>
+                      <a:prstDash val="solid"/>
+                      <a:round/>
+                      <a:headEnd type="none" w="med" len="med"/>
+                      <a:tailEnd type="none" w="med" len="med"/>
+                    </a:lnR>
+                    <a:lnT w="7620" cap="flat" cmpd="sng" algn="ctr">
+                      <a:solidFill>
+                        <a:srgbClr val="CCCCCC"/>
+                      </a:solidFill>
+                      <a:prstDash val="solid"/>
+                      <a:round/>
+                      <a:headEnd type="none" w="med" len="med"/>
+                      <a:tailEnd type="none" w="med" len="med"/>
+                    </a:lnT>
+                    <a:lnB w="7620" cap="flat" cmpd="sng" algn="ctr">
+                      <a:solidFill>
+                        <a:srgbClr val="CCCCCC"/>
+                      </a:solidFill>
+                      <a:prstDash val="solid"/>
+                      <a:round/>
+                      <a:headEnd type="none" w="med" len="med"/>
+                      <a:tailEnd type="none" w="med" len="med"/>
+                    </a:lnB>
+                    <a:solidFill>
+                      <a:srgbClr val="FFFFFF"/>
+                    </a:solidFill>
+                  </a:tcPr>
+                </a:tc>
+              </a:tr>
+              <a:tr h="464457">
+                <a:tc>
+                  <a:txBody>
+                    <a:bodyPr/>
+                    <a:lstStyle/>
+                    <a:p>
+                      <a:pPr algn="l" fontAlgn="t"/>
+                      <a:r>
+                        <a:rPr lang="en-US" sz="1400">
+                          <a:effectLst/>
+                        </a:rPr>
+                        <a:t>setSeconds()</a:t>
+                      </a:r>
+                    </a:p>
+                  </a:txBody>
+                  <a:tcPr marL="56051" marR="28025" marT="28025" marB="28025">
+                    <a:lnL w="7620" cap="flat" cmpd="sng" algn="ctr">
+                      <a:solidFill>
+                        <a:srgbClr val="CCCCCC"/>
+                      </a:solidFill>
+                      <a:prstDash val="solid"/>
+                      <a:round/>
+                      <a:headEnd type="none" w="med" len="med"/>
+                      <a:tailEnd type="none" w="med" len="med"/>
+                    </a:lnL>
+                    <a:lnR w="7620" cap="flat" cmpd="sng" algn="ctr">
+                      <a:solidFill>
+                        <a:srgbClr val="CCCCCC"/>
+                      </a:solidFill>
+                      <a:prstDash val="solid"/>
+                      <a:round/>
+                      <a:headEnd type="none" w="med" len="med"/>
+                      <a:tailEnd type="none" w="med" len="med"/>
+                    </a:lnR>
+                    <a:lnT w="7620" cap="flat" cmpd="sng" algn="ctr">
+                      <a:solidFill>
+                        <a:srgbClr val="CCCCCC"/>
+                      </a:solidFill>
+                      <a:prstDash val="solid"/>
+                      <a:round/>
+                      <a:headEnd type="none" w="med" len="med"/>
+                      <a:tailEnd type="none" w="med" len="med"/>
+                    </a:lnT>
+                    <a:lnB w="7620" cap="flat" cmpd="sng" algn="ctr">
+                      <a:solidFill>
+                        <a:srgbClr val="CCCCCC"/>
+                      </a:solidFill>
+                      <a:prstDash val="solid"/>
+                      <a:round/>
+                      <a:headEnd type="none" w="med" len="med"/>
+                      <a:tailEnd type="none" w="med" len="med"/>
+                    </a:lnB>
+                    <a:solidFill>
+                      <a:srgbClr val="F1F1F1"/>
+                    </a:solidFill>
+                  </a:tcPr>
+                </a:tc>
+                <a:tc>
+                  <a:txBody>
+                    <a:bodyPr/>
+                    <a:lstStyle/>
+                    <a:p>
+                      <a:pPr algn="l" fontAlgn="t"/>
+                      <a:r>
+                        <a:rPr lang="en-US" sz="1400">
+                          <a:effectLst/>
+                        </a:rPr>
+                        <a:t>Set the seconds (0-59)</a:t>
+                      </a:r>
+                    </a:p>
+                  </a:txBody>
+                  <a:tcPr marL="28025" marR="28025" marT="28025" marB="28025">
+                    <a:lnL w="7620" cap="flat" cmpd="sng" algn="ctr">
+                      <a:solidFill>
+                        <a:srgbClr val="CCCCCC"/>
+                      </a:solidFill>
+                      <a:prstDash val="solid"/>
+                      <a:round/>
+                      <a:headEnd type="none" w="med" len="med"/>
+                      <a:tailEnd type="none" w="med" len="med"/>
+                    </a:lnL>
+                    <a:lnR w="7620" cap="flat" cmpd="sng" algn="ctr">
+                      <a:solidFill>
+                        <a:srgbClr val="CCCCCC"/>
+                      </a:solidFill>
+                      <a:prstDash val="solid"/>
+                      <a:round/>
+                      <a:headEnd type="none" w="med" len="med"/>
+                      <a:tailEnd type="none" w="med" len="med"/>
+                    </a:lnR>
+                    <a:lnT w="7620" cap="flat" cmpd="sng" algn="ctr">
+                      <a:solidFill>
+                        <a:srgbClr val="CCCCCC"/>
+                      </a:solidFill>
+                      <a:prstDash val="solid"/>
+                      <a:round/>
+                      <a:headEnd type="none" w="med" len="med"/>
+                      <a:tailEnd type="none" w="med" len="med"/>
+                    </a:lnT>
+                    <a:lnB w="7620" cap="flat" cmpd="sng" algn="ctr">
+                      <a:solidFill>
+                        <a:srgbClr val="CCCCCC"/>
+                      </a:solidFill>
+                      <a:prstDash val="solid"/>
+                      <a:round/>
+                      <a:headEnd type="none" w="med" len="med"/>
+                      <a:tailEnd type="none" w="med" len="med"/>
+                    </a:lnB>
+                    <a:solidFill>
+                      <a:srgbClr val="F1F1F1"/>
+                    </a:solidFill>
+                  </a:tcPr>
+                </a:tc>
+              </a:tr>
+              <a:tr h="464457">
+                <a:tc>
+                  <a:txBody>
+                    <a:bodyPr/>
+                    <a:lstStyle/>
+                    <a:p>
+                      <a:pPr algn="l" fontAlgn="t"/>
+                      <a:r>
+                        <a:rPr lang="en-US" sz="1400">
+                          <a:effectLst/>
+                        </a:rPr>
+                        <a:t>setTime()</a:t>
+                      </a:r>
+                    </a:p>
+                  </a:txBody>
+                  <a:tcPr marL="56051" marR="28025" marT="28025" marB="28025">
+                    <a:lnL w="7620" cap="flat" cmpd="sng" algn="ctr">
+                      <a:solidFill>
+                        <a:srgbClr val="CCCCCC"/>
+                      </a:solidFill>
+                      <a:prstDash val="solid"/>
+                      <a:round/>
+                      <a:headEnd type="none" w="med" len="med"/>
+                      <a:tailEnd type="none" w="med" len="med"/>
+                    </a:lnL>
+                    <a:lnR w="7620" cap="flat" cmpd="sng" algn="ctr">
+                      <a:solidFill>
+                        <a:srgbClr val="CCCCCC"/>
+                      </a:solidFill>
+                      <a:prstDash val="solid"/>
+                      <a:round/>
+                      <a:headEnd type="none" w="med" len="med"/>
+                      <a:tailEnd type="none" w="med" len="med"/>
+                    </a:lnR>
+                    <a:lnT w="7620" cap="flat" cmpd="sng" algn="ctr">
+                      <a:solidFill>
+                        <a:srgbClr val="CCCCCC"/>
+                      </a:solidFill>
+                      <a:prstDash val="solid"/>
+                      <a:round/>
+                      <a:headEnd type="none" w="med" len="med"/>
+                      <a:tailEnd type="none" w="med" len="med"/>
+                    </a:lnT>
+                    <a:lnB w="7620" cap="flat" cmpd="sng" algn="ctr">
+                      <a:solidFill>
+                        <a:srgbClr val="DDDDDD"/>
+                      </a:solidFill>
+                      <a:prstDash val="solid"/>
+                      <a:round/>
+                      <a:headEnd type="none" w="med" len="med"/>
+                      <a:tailEnd type="none" w="med" len="med"/>
+                    </a:lnB>
+                    <a:solidFill>
+                      <a:srgbClr val="FFFFFF"/>
+                    </a:solidFill>
+                  </a:tcPr>
+                </a:tc>
+                <a:tc>
+                  <a:txBody>
+                    <a:bodyPr/>
+                    <a:lstStyle/>
+                    <a:p>
+                      <a:pPr algn="l" fontAlgn="t"/>
+                      <a:r>
+                        <a:rPr lang="en-US" sz="1400" dirty="0">
+                          <a:effectLst/>
+                        </a:rPr>
+                        <a:t>Set the time (milliseconds since January 1, 1970)</a:t>
+                      </a:r>
+                    </a:p>
+                  </a:txBody>
+                  <a:tcPr marL="28025" marR="28025" marT="28025" marB="28025">
+                    <a:lnL w="7620" cap="flat" cmpd="sng" algn="ctr">
+                      <a:solidFill>
+                        <a:srgbClr val="CCCCCC"/>
+                      </a:solidFill>
+                      <a:prstDash val="solid"/>
+                      <a:round/>
+                      <a:headEnd type="none" w="med" len="med"/>
+                      <a:tailEnd type="none" w="med" len="med"/>
+                    </a:lnL>
+                    <a:lnR w="7620" cap="flat" cmpd="sng" algn="ctr">
+                      <a:solidFill>
+                        <a:srgbClr val="CCCCCC"/>
+                      </a:solidFill>
+                      <a:prstDash val="solid"/>
+                      <a:round/>
+                      <a:headEnd type="none" w="med" len="med"/>
+                      <a:tailEnd type="none" w="med" len="med"/>
+                    </a:lnR>
+                    <a:lnT w="7620" cap="flat" cmpd="sng" algn="ctr">
+                      <a:solidFill>
+                        <a:srgbClr val="CCCCCC"/>
+                      </a:solidFill>
+                      <a:prstDash val="solid"/>
+                      <a:round/>
+                      <a:headEnd type="none" w="med" len="med"/>
+                      <a:tailEnd type="none" w="med" len="med"/>
+                    </a:lnT>
+                    <a:lnB w="7620" cap="flat" cmpd="sng" algn="ctr">
+                      <a:solidFill>
+                        <a:srgbClr val="DDDDDD"/>
+                      </a:solidFill>
+                      <a:prstDash val="solid"/>
+                      <a:round/>
+                      <a:headEnd type="none" w="med" len="med"/>
+                      <a:tailEnd type="none" w="med" len="med"/>
+                    </a:lnB>
+                    <a:solidFill>
+                      <a:srgbClr val="FFFFFF"/>
+                    </a:solidFill>
+                  </a:tcPr>
+                </a:tc>
+              </a:tr>
+            </a:tbl>
+          </a:graphicData>
+        </a:graphic>
+      </p:graphicFrame>
+    </p:spTree>
+    <p:extLst>
+      <p:ext uri="{BB962C8B-B14F-4D97-AF65-F5344CB8AC3E}">
+        <p14:creationId xmlns:p14="http://schemas.microsoft.com/office/powerpoint/2010/main" val="1229127723"/>
+      </p:ext>
+    </p:extLst>
+  </p:cSld>
+  <p:clrMapOvr>
+    <a:masterClrMapping/>
+  </p:clrMapOvr>
+  <mc:AlternateContent xmlns:mc="http://schemas.openxmlformats.org/markup-compatibility/2006" xmlns:p14="http://schemas.microsoft.com/office/powerpoint/2010/main">
+    <mc:Choice Requires="p14">
+      <p:transition spd="med" p14:dur="700">
+        <p:fade/>
+      </p:transition>
+    </mc:Choice>
+    <mc:Fallback xmlns="">
+      <p:transition spd="med">
+        <p:fade/>
+      </p:transition>
+    </mc:Fallback>
+  </mc:AlternateContent>
+  <p:timing>
+    <p:tnLst>
+      <p:par>
+        <p:cTn id="1" dur="indefinite" restart="never" nodeType="tmRoot"/>
+      </p:par>
+    </p:tnLst>
+  </p:timing>
+</p:sld>
+</file>
+
+<file path=ppt/slides/slide96.xml><?xml version="1.0" encoding="utf-8"?>
+<p:sld xmlns:a="http://schemas.openxmlformats.org/drawingml/2006/main" xmlns:r="http://schemas.openxmlformats.org/officeDocument/2006/relationships" xmlns:p="http://schemas.openxmlformats.org/presentationml/2006/main">
+  <p:cSld>
+    <p:spTree>
+      <p:nvGrpSpPr>
+        <p:cNvPr id="1" name=""/>
+        <p:cNvGrpSpPr/>
+        <p:nvPr/>
+      </p:nvGrpSpPr>
+      <p:grpSpPr>
+        <a:xfrm>
+          <a:off x="0" y="0"/>
+          <a:ext cx="0" cy="0"/>
+          <a:chOff x="0" y="0"/>
+          <a:chExt cx="0" cy="0"/>
+        </a:xfrm>
+      </p:grpSpPr>
+      <p:sp>
+        <p:nvSpPr>
+          <p:cNvPr id="2" name="Title 1"/>
+          <p:cNvSpPr>
+            <a:spLocks noGrp="1"/>
+          </p:cNvSpPr>
+          <p:nvPr>
+            <p:ph type="title"/>
+          </p:nvPr>
+        </p:nvSpPr>
+        <p:spPr/>
+        <p:txBody>
+          <a:bodyPr/>
+          <a:lstStyle/>
+          <a:p>
+            <a:r>
+              <a:rPr lang="en-US" b="0" dirty="0"/>
+              <a:t>JavaScript Date Methods</a:t>
+            </a:r>
+            <a:br>
+              <a:rPr lang="en-US" b="0" dirty="0"/>
+            </a:br>
+            <a:endParaRPr lang="en-US" dirty="0"/>
+          </a:p>
+        </p:txBody>
+      </p:sp>
+      <p:sp>
+        <p:nvSpPr>
+          <p:cNvPr id="3" name="Content Placeholder 2"/>
+          <p:cNvSpPr>
+            <a:spLocks noGrp="1"/>
+          </p:cNvSpPr>
+          <p:nvPr>
+            <p:ph sz="quarter" idx="14"/>
+          </p:nvPr>
+        </p:nvSpPr>
+        <p:spPr>
+          <a:xfrm>
+            <a:off x="221064" y="663191"/>
+            <a:ext cx="8648299" cy="1523494"/>
+          </a:xfrm>
+        </p:spPr>
+        <p:txBody>
+          <a:bodyPr/>
+          <a:lstStyle/>
+          <a:p>
+            <a:r>
+              <a:rPr lang="en-US" sz="1400" dirty="0"/>
+              <a:t>UTC Date Methods</a:t>
+            </a:r>
+          </a:p>
+          <a:p>
+            <a:r>
+              <a:rPr lang="en-US" sz="1400" dirty="0"/>
+              <a:t>UTC date methods are used for working UTC dates (Universal Time Zone dates</a:t>
+            </a:r>
+            <a:r>
+              <a:rPr lang="en-US" sz="1400" dirty="0" smtClean="0"/>
+              <a:t>):</a:t>
+            </a:r>
+          </a:p>
+          <a:p>
+            <a:endParaRPr lang="en-US" dirty="0"/>
+          </a:p>
+          <a:p>
+            <a:endParaRPr lang="en-US" dirty="0"/>
+          </a:p>
+        </p:txBody>
+      </p:sp>
+      <p:graphicFrame>
+        <p:nvGraphicFramePr>
+          <p:cNvPr id="4" name="Table 3"/>
+          <p:cNvGraphicFramePr>
+            <a:graphicFrameLocks noGrp="1"/>
+          </p:cNvGraphicFramePr>
+          <p:nvPr>
+            <p:extLst>
+              <p:ext uri="{D42A27DB-BD31-4B8C-83A1-F6EECF244321}">
+                <p14:modId xmlns:p14="http://schemas.microsoft.com/office/powerpoint/2010/main" val="3006667269"/>
+              </p:ext>
+            </p:extLst>
+          </p:nvPr>
+        </p:nvGraphicFramePr>
+        <p:xfrm>
+          <a:off x="512466" y="1396720"/>
+          <a:ext cx="7224765" cy="5085254"/>
+        </p:xfrm>
+        <a:graphic>
+          <a:graphicData uri="http://schemas.openxmlformats.org/drawingml/2006/table">
+            <a:tbl>
+              <a:tblPr/>
+              <a:tblGrid>
+                <a:gridCol w="1181972"/>
+                <a:gridCol w="6042793"/>
+              </a:tblGrid>
+              <a:tr h="325334">
+                <a:tc>
+                  <a:txBody>
+                    <a:bodyPr/>
+                    <a:lstStyle/>
+                    <a:p>
+                      <a:pPr algn="l" fontAlgn="t"/>
+                      <a:r>
+                        <a:rPr lang="en-US" sz="1800" dirty="0">
+                          <a:effectLst/>
+                        </a:rPr>
+                        <a:t>Method</a:t>
+                      </a:r>
+                    </a:p>
+                  </a:txBody>
+                  <a:tcPr marL="46350" marR="23175" marT="23175" marB="23175">
+                    <a:lnL w="7620" cap="flat" cmpd="sng" algn="ctr">
+                      <a:solidFill>
+                        <a:srgbClr val="CCCCCC"/>
+                      </a:solidFill>
+                      <a:prstDash val="solid"/>
+                      <a:round/>
+                      <a:headEnd type="none" w="med" len="med"/>
+                      <a:tailEnd type="none" w="med" len="med"/>
+                    </a:lnL>
+                    <a:lnR w="7620" cap="flat" cmpd="sng" algn="ctr">
+                      <a:solidFill>
+                        <a:srgbClr val="CCCCCC"/>
+                      </a:solidFill>
+                      <a:prstDash val="solid"/>
+                      <a:round/>
+                      <a:headEnd type="none" w="med" len="med"/>
+                      <a:tailEnd type="none" w="med" len="med"/>
+                    </a:lnR>
+                    <a:lnT w="7620" cap="flat" cmpd="sng" algn="ctr">
+                      <a:solidFill>
+                        <a:srgbClr val="CCCCCC"/>
+                      </a:solidFill>
+                      <a:prstDash val="solid"/>
+                      <a:round/>
+                      <a:headEnd type="none" w="med" len="med"/>
+                      <a:tailEnd type="none" w="med" len="med"/>
+                    </a:lnT>
+                    <a:lnB w="7620" cap="flat" cmpd="sng" algn="ctr">
+                      <a:solidFill>
+                        <a:srgbClr val="CCCCCC"/>
+                      </a:solidFill>
+                      <a:prstDash val="solid"/>
+                      <a:round/>
+                      <a:headEnd type="none" w="med" len="med"/>
+                      <a:tailEnd type="none" w="med" len="med"/>
+                    </a:lnB>
+                    <a:solidFill>
+                      <a:srgbClr val="FFFFFF"/>
+                    </a:solidFill>
+                  </a:tcPr>
+                </a:tc>
+                <a:tc>
+                  <a:txBody>
+                    <a:bodyPr/>
+                    <a:lstStyle/>
+                    <a:p>
+                      <a:pPr algn="l" fontAlgn="t"/>
+                      <a:r>
+                        <a:rPr lang="en-US" sz="1800">
+                          <a:effectLst/>
+                        </a:rPr>
+                        <a:t>Description</a:t>
+                      </a:r>
+                    </a:p>
+                  </a:txBody>
+                  <a:tcPr marL="23175" marR="23175" marT="23175" marB="23175">
+                    <a:lnL w="7620" cap="flat" cmpd="sng" algn="ctr">
+                      <a:solidFill>
+                        <a:srgbClr val="CCCCCC"/>
+                      </a:solidFill>
+                      <a:prstDash val="solid"/>
+                      <a:round/>
+                      <a:headEnd type="none" w="med" len="med"/>
+                      <a:tailEnd type="none" w="med" len="med"/>
+                    </a:lnL>
+                    <a:lnR w="7620" cap="flat" cmpd="sng" algn="ctr">
+                      <a:solidFill>
+                        <a:srgbClr val="CCCCCC"/>
+                      </a:solidFill>
+                      <a:prstDash val="solid"/>
+                      <a:round/>
+                      <a:headEnd type="none" w="med" len="med"/>
+                      <a:tailEnd type="none" w="med" len="med"/>
+                    </a:lnR>
+                    <a:lnT w="7620" cap="flat" cmpd="sng" algn="ctr">
+                      <a:solidFill>
+                        <a:srgbClr val="CCCCCC"/>
+                      </a:solidFill>
+                      <a:prstDash val="solid"/>
+                      <a:round/>
+                      <a:headEnd type="none" w="med" len="med"/>
+                      <a:tailEnd type="none" w="med" len="med"/>
+                    </a:lnT>
+                    <a:lnB w="7620" cap="flat" cmpd="sng" algn="ctr">
+                      <a:solidFill>
+                        <a:srgbClr val="CCCCCC"/>
+                      </a:solidFill>
+                      <a:prstDash val="solid"/>
+                      <a:round/>
+                      <a:headEnd type="none" w="med" len="med"/>
+                      <a:tailEnd type="none" w="med" len="med"/>
+                    </a:lnB>
+                    <a:solidFill>
+                      <a:srgbClr val="FFFFFF"/>
+                    </a:solidFill>
+                  </a:tcPr>
+                </a:tc>
+              </a:tr>
+              <a:tr h="325334">
+                <a:tc>
+                  <a:txBody>
+                    <a:bodyPr/>
+                    <a:lstStyle/>
+                    <a:p>
+                      <a:pPr algn="l" fontAlgn="t"/>
+                      <a:r>
+                        <a:rPr lang="en-US" sz="1800">
+                          <a:effectLst/>
+                        </a:rPr>
+                        <a:t>getUTCDate()</a:t>
+                      </a:r>
+                    </a:p>
+                  </a:txBody>
+                  <a:tcPr marL="46350" marR="23175" marT="23175" marB="23175">
+                    <a:lnL w="7620" cap="flat" cmpd="sng" algn="ctr">
+                      <a:solidFill>
+                        <a:srgbClr val="CCCCCC"/>
+                      </a:solidFill>
+                      <a:prstDash val="solid"/>
+                      <a:round/>
+                      <a:headEnd type="none" w="med" len="med"/>
+                      <a:tailEnd type="none" w="med" len="med"/>
+                    </a:lnL>
+                    <a:lnR w="7620" cap="flat" cmpd="sng" algn="ctr">
+                      <a:solidFill>
+                        <a:srgbClr val="CCCCCC"/>
+                      </a:solidFill>
+                      <a:prstDash val="solid"/>
+                      <a:round/>
+                      <a:headEnd type="none" w="med" len="med"/>
+                      <a:tailEnd type="none" w="med" len="med"/>
+                    </a:lnR>
+                    <a:lnT w="7620" cap="flat" cmpd="sng" algn="ctr">
+                      <a:solidFill>
+                        <a:srgbClr val="CCCCCC"/>
+                      </a:solidFill>
+                      <a:prstDash val="solid"/>
+                      <a:round/>
+                      <a:headEnd type="none" w="med" len="med"/>
+                      <a:tailEnd type="none" w="med" len="med"/>
+                    </a:lnT>
+                    <a:lnB w="7620" cap="flat" cmpd="sng" algn="ctr">
+                      <a:solidFill>
+                        <a:srgbClr val="CCCCCC"/>
+                      </a:solidFill>
+                      <a:prstDash val="solid"/>
+                      <a:round/>
+                      <a:headEnd type="none" w="med" len="med"/>
+                      <a:tailEnd type="none" w="med" len="med"/>
+                    </a:lnB>
+                    <a:solidFill>
+                      <a:srgbClr val="F1F1F1"/>
+                    </a:solidFill>
+                  </a:tcPr>
+                </a:tc>
+                <a:tc>
+                  <a:txBody>
+                    <a:bodyPr/>
+                    <a:lstStyle/>
+                    <a:p>
+                      <a:pPr algn="l" fontAlgn="t"/>
+                      <a:r>
+                        <a:rPr lang="en-US" sz="1800">
+                          <a:effectLst/>
+                        </a:rPr>
+                        <a:t>Same as getDate(), but returns the UTC date</a:t>
+                      </a:r>
+                    </a:p>
+                  </a:txBody>
+                  <a:tcPr marL="23175" marR="23175" marT="23175" marB="23175">
+                    <a:lnL w="7620" cap="flat" cmpd="sng" algn="ctr">
+                      <a:solidFill>
+                        <a:srgbClr val="CCCCCC"/>
+                      </a:solidFill>
+                      <a:prstDash val="solid"/>
+                      <a:round/>
+                      <a:headEnd type="none" w="med" len="med"/>
+                      <a:tailEnd type="none" w="med" len="med"/>
+                    </a:lnL>
+                    <a:lnR w="7620" cap="flat" cmpd="sng" algn="ctr">
+                      <a:solidFill>
+                        <a:srgbClr val="CCCCCC"/>
+                      </a:solidFill>
+                      <a:prstDash val="solid"/>
+                      <a:round/>
+                      <a:headEnd type="none" w="med" len="med"/>
+                      <a:tailEnd type="none" w="med" len="med"/>
+                    </a:lnR>
+                    <a:lnT w="7620" cap="flat" cmpd="sng" algn="ctr">
+                      <a:solidFill>
+                        <a:srgbClr val="CCCCCC"/>
+                      </a:solidFill>
+                      <a:prstDash val="solid"/>
+                      <a:round/>
+                      <a:headEnd type="none" w="med" len="med"/>
+                      <a:tailEnd type="none" w="med" len="med"/>
+                    </a:lnT>
+                    <a:lnB w="7620" cap="flat" cmpd="sng" algn="ctr">
+                      <a:solidFill>
+                        <a:srgbClr val="CCCCCC"/>
+                      </a:solidFill>
+                      <a:prstDash val="solid"/>
+                      <a:round/>
+                      <a:headEnd type="none" w="med" len="med"/>
+                      <a:tailEnd type="none" w="med" len="med"/>
+                    </a:lnB>
+                    <a:solidFill>
+                      <a:srgbClr val="F1F1F1"/>
+                    </a:solidFill>
+                  </a:tcPr>
+                </a:tc>
+              </a:tr>
+              <a:tr h="325334">
+                <a:tc>
+                  <a:txBody>
+                    <a:bodyPr/>
+                    <a:lstStyle/>
+                    <a:p>
+                      <a:pPr algn="l" fontAlgn="t"/>
+                      <a:r>
+                        <a:rPr lang="en-US" sz="1800">
+                          <a:effectLst/>
+                        </a:rPr>
+                        <a:t>getUTCDay()</a:t>
+                      </a:r>
+                    </a:p>
+                  </a:txBody>
+                  <a:tcPr marL="46350" marR="23175" marT="23175" marB="23175">
+                    <a:lnL w="7620" cap="flat" cmpd="sng" algn="ctr">
+                      <a:solidFill>
+                        <a:srgbClr val="CCCCCC"/>
+                      </a:solidFill>
+                      <a:prstDash val="solid"/>
+                      <a:round/>
+                      <a:headEnd type="none" w="med" len="med"/>
+                      <a:tailEnd type="none" w="med" len="med"/>
+                    </a:lnL>
+                    <a:lnR w="7620" cap="flat" cmpd="sng" algn="ctr">
+                      <a:solidFill>
+                        <a:srgbClr val="CCCCCC"/>
+                      </a:solidFill>
+                      <a:prstDash val="solid"/>
+                      <a:round/>
+                      <a:headEnd type="none" w="med" len="med"/>
+                      <a:tailEnd type="none" w="med" len="med"/>
+                    </a:lnR>
+                    <a:lnT w="7620" cap="flat" cmpd="sng" algn="ctr">
+                      <a:solidFill>
+                        <a:srgbClr val="CCCCCC"/>
+                      </a:solidFill>
+                      <a:prstDash val="solid"/>
+                      <a:round/>
+                      <a:headEnd type="none" w="med" len="med"/>
+                      <a:tailEnd type="none" w="med" len="med"/>
+                    </a:lnT>
+                    <a:lnB w="7620" cap="flat" cmpd="sng" algn="ctr">
+                      <a:solidFill>
+                        <a:srgbClr val="CCCCCC"/>
+                      </a:solidFill>
+                      <a:prstDash val="solid"/>
+                      <a:round/>
+                      <a:headEnd type="none" w="med" len="med"/>
+                      <a:tailEnd type="none" w="med" len="med"/>
+                    </a:lnB>
+                    <a:solidFill>
+                      <a:srgbClr val="FFFFFF"/>
+                    </a:solidFill>
+                  </a:tcPr>
+                </a:tc>
+                <a:tc>
+                  <a:txBody>
+                    <a:bodyPr/>
+                    <a:lstStyle/>
+                    <a:p>
+                      <a:pPr algn="l" fontAlgn="t"/>
+                      <a:r>
+                        <a:rPr lang="en-US" sz="1800" dirty="0">
+                          <a:effectLst/>
+                        </a:rPr>
+                        <a:t>Same as </a:t>
+                      </a:r>
+                      <a:r>
+                        <a:rPr lang="en-US" sz="1800" dirty="0" err="1">
+                          <a:effectLst/>
+                        </a:rPr>
+                        <a:t>getDay</a:t>
+                      </a:r>
+                      <a:r>
+                        <a:rPr lang="en-US" sz="1800" dirty="0">
+                          <a:effectLst/>
+                        </a:rPr>
+                        <a:t>(), but returns the UTC day</a:t>
+                      </a:r>
+                    </a:p>
+                  </a:txBody>
+                  <a:tcPr marL="23175" marR="23175" marT="23175" marB="23175">
+                    <a:lnL w="7620" cap="flat" cmpd="sng" algn="ctr">
+                      <a:solidFill>
+                        <a:srgbClr val="CCCCCC"/>
+                      </a:solidFill>
+                      <a:prstDash val="solid"/>
+                      <a:round/>
+                      <a:headEnd type="none" w="med" len="med"/>
+                      <a:tailEnd type="none" w="med" len="med"/>
+                    </a:lnL>
+                    <a:lnR w="7620" cap="flat" cmpd="sng" algn="ctr">
+                      <a:solidFill>
+                        <a:srgbClr val="CCCCCC"/>
+                      </a:solidFill>
+                      <a:prstDash val="solid"/>
+                      <a:round/>
+                      <a:headEnd type="none" w="med" len="med"/>
+                      <a:tailEnd type="none" w="med" len="med"/>
+                    </a:lnR>
+                    <a:lnT w="7620" cap="flat" cmpd="sng" algn="ctr">
+                      <a:solidFill>
+                        <a:srgbClr val="CCCCCC"/>
+                      </a:solidFill>
+                      <a:prstDash val="solid"/>
+                      <a:round/>
+                      <a:headEnd type="none" w="med" len="med"/>
+                      <a:tailEnd type="none" w="med" len="med"/>
+                    </a:lnT>
+                    <a:lnB w="7620" cap="flat" cmpd="sng" algn="ctr">
+                      <a:solidFill>
+                        <a:srgbClr val="CCCCCC"/>
+                      </a:solidFill>
+                      <a:prstDash val="solid"/>
+                      <a:round/>
+                      <a:headEnd type="none" w="med" len="med"/>
+                      <a:tailEnd type="none" w="med" len="med"/>
+                    </a:lnB>
+                    <a:solidFill>
+                      <a:srgbClr val="FFFFFF"/>
+                    </a:solidFill>
+                  </a:tcPr>
+                </a:tc>
+              </a:tr>
+              <a:tr h="467174">
+                <a:tc>
+                  <a:txBody>
+                    <a:bodyPr/>
+                    <a:lstStyle/>
+                    <a:p>
+                      <a:pPr algn="l" fontAlgn="t"/>
+                      <a:r>
+                        <a:rPr lang="en-US" sz="1800">
+                          <a:effectLst/>
+                        </a:rPr>
+                        <a:t>getUTCFullYear()</a:t>
+                      </a:r>
+                    </a:p>
+                  </a:txBody>
+                  <a:tcPr marL="46350" marR="23175" marT="23175" marB="23175">
+                    <a:lnL w="7620" cap="flat" cmpd="sng" algn="ctr">
+                      <a:solidFill>
+                        <a:srgbClr val="CCCCCC"/>
+                      </a:solidFill>
+                      <a:prstDash val="solid"/>
+                      <a:round/>
+                      <a:headEnd type="none" w="med" len="med"/>
+                      <a:tailEnd type="none" w="med" len="med"/>
+                    </a:lnL>
+                    <a:lnR w="7620" cap="flat" cmpd="sng" algn="ctr">
+                      <a:solidFill>
+                        <a:srgbClr val="CCCCCC"/>
+                      </a:solidFill>
+                      <a:prstDash val="solid"/>
+                      <a:round/>
+                      <a:headEnd type="none" w="med" len="med"/>
+                      <a:tailEnd type="none" w="med" len="med"/>
+                    </a:lnR>
+                    <a:lnT w="7620" cap="flat" cmpd="sng" algn="ctr">
+                      <a:solidFill>
+                        <a:srgbClr val="CCCCCC"/>
+                      </a:solidFill>
+                      <a:prstDash val="solid"/>
+                      <a:round/>
+                      <a:headEnd type="none" w="med" len="med"/>
+                      <a:tailEnd type="none" w="med" len="med"/>
+                    </a:lnT>
+                    <a:lnB w="7620" cap="flat" cmpd="sng" algn="ctr">
+                      <a:solidFill>
+                        <a:srgbClr val="CCCCCC"/>
+                      </a:solidFill>
+                      <a:prstDash val="solid"/>
+                      <a:round/>
+                      <a:headEnd type="none" w="med" len="med"/>
+                      <a:tailEnd type="none" w="med" len="med"/>
+                    </a:lnB>
+                    <a:solidFill>
+                      <a:srgbClr val="F1F1F1"/>
+                    </a:solidFill>
+                  </a:tcPr>
+                </a:tc>
+                <a:tc>
+                  <a:txBody>
+                    <a:bodyPr/>
+                    <a:lstStyle/>
+                    <a:p>
+                      <a:pPr algn="l" fontAlgn="t"/>
+                      <a:r>
+                        <a:rPr lang="en-US" sz="1800">
+                          <a:effectLst/>
+                        </a:rPr>
+                        <a:t>Same as getFullYear(), but returns the UTC year</a:t>
+                      </a:r>
+                    </a:p>
+                  </a:txBody>
+                  <a:tcPr marL="23175" marR="23175" marT="23175" marB="23175">
+                    <a:lnL w="7620" cap="flat" cmpd="sng" algn="ctr">
+                      <a:solidFill>
+                        <a:srgbClr val="CCCCCC"/>
+                      </a:solidFill>
+                      <a:prstDash val="solid"/>
+                      <a:round/>
+                      <a:headEnd type="none" w="med" len="med"/>
+                      <a:tailEnd type="none" w="med" len="med"/>
+                    </a:lnL>
+                    <a:lnR w="7620" cap="flat" cmpd="sng" algn="ctr">
+                      <a:solidFill>
+                        <a:srgbClr val="CCCCCC"/>
+                      </a:solidFill>
+                      <a:prstDash val="solid"/>
+                      <a:round/>
+                      <a:headEnd type="none" w="med" len="med"/>
+                      <a:tailEnd type="none" w="med" len="med"/>
+                    </a:lnR>
+                    <a:lnT w="7620" cap="flat" cmpd="sng" algn="ctr">
+                      <a:solidFill>
+                        <a:srgbClr val="CCCCCC"/>
+                      </a:solidFill>
+                      <a:prstDash val="solid"/>
+                      <a:round/>
+                      <a:headEnd type="none" w="med" len="med"/>
+                      <a:tailEnd type="none" w="med" len="med"/>
+                    </a:lnT>
+                    <a:lnB w="7620" cap="flat" cmpd="sng" algn="ctr">
+                      <a:solidFill>
+                        <a:srgbClr val="CCCCCC"/>
+                      </a:solidFill>
+                      <a:prstDash val="solid"/>
+                      <a:round/>
+                      <a:headEnd type="none" w="med" len="med"/>
+                      <a:tailEnd type="none" w="med" len="med"/>
+                    </a:lnB>
+                    <a:solidFill>
+                      <a:srgbClr val="F1F1F1"/>
+                    </a:solidFill>
+                  </a:tcPr>
+                </a:tc>
+              </a:tr>
+              <a:tr h="325334">
+                <a:tc>
+                  <a:txBody>
+                    <a:bodyPr/>
+                    <a:lstStyle/>
+                    <a:p>
+                      <a:pPr algn="l" fontAlgn="t"/>
+                      <a:r>
+                        <a:rPr lang="en-US" sz="1800">
+                          <a:effectLst/>
+                        </a:rPr>
+                        <a:t>getUTCHours()</a:t>
+                      </a:r>
+                    </a:p>
+                  </a:txBody>
+                  <a:tcPr marL="46350" marR="23175" marT="23175" marB="23175">
+                    <a:lnL w="7620" cap="flat" cmpd="sng" algn="ctr">
+                      <a:solidFill>
+                        <a:srgbClr val="CCCCCC"/>
+                      </a:solidFill>
+                      <a:prstDash val="solid"/>
+                      <a:round/>
+                      <a:headEnd type="none" w="med" len="med"/>
+                      <a:tailEnd type="none" w="med" len="med"/>
+                    </a:lnL>
+                    <a:lnR w="7620" cap="flat" cmpd="sng" algn="ctr">
+                      <a:solidFill>
+                        <a:srgbClr val="CCCCCC"/>
+                      </a:solidFill>
+                      <a:prstDash val="solid"/>
+                      <a:round/>
+                      <a:headEnd type="none" w="med" len="med"/>
+                      <a:tailEnd type="none" w="med" len="med"/>
+                    </a:lnR>
+                    <a:lnT w="7620" cap="flat" cmpd="sng" algn="ctr">
+                      <a:solidFill>
+                        <a:srgbClr val="CCCCCC"/>
+                      </a:solidFill>
+                      <a:prstDash val="solid"/>
+                      <a:round/>
+                      <a:headEnd type="none" w="med" len="med"/>
+                      <a:tailEnd type="none" w="med" len="med"/>
+                    </a:lnT>
+                    <a:lnB w="7620" cap="flat" cmpd="sng" algn="ctr">
+                      <a:solidFill>
+                        <a:srgbClr val="CCCCCC"/>
+                      </a:solidFill>
+                      <a:prstDash val="solid"/>
+                      <a:round/>
+                      <a:headEnd type="none" w="med" len="med"/>
+                      <a:tailEnd type="none" w="med" len="med"/>
+                    </a:lnB>
+                    <a:solidFill>
+                      <a:srgbClr val="FFFFFF"/>
+                    </a:solidFill>
+                  </a:tcPr>
+                </a:tc>
+                <a:tc>
+                  <a:txBody>
+                    <a:bodyPr/>
+                    <a:lstStyle/>
+                    <a:p>
+                      <a:pPr algn="l" fontAlgn="t"/>
+                      <a:r>
+                        <a:rPr lang="en-US" sz="1800">
+                          <a:effectLst/>
+                        </a:rPr>
+                        <a:t>Same as getHours(), but returns the UTC hour</a:t>
+                      </a:r>
+                    </a:p>
+                  </a:txBody>
+                  <a:tcPr marL="23175" marR="23175" marT="23175" marB="23175">
+                    <a:lnL w="7620" cap="flat" cmpd="sng" algn="ctr">
+                      <a:solidFill>
+                        <a:srgbClr val="CCCCCC"/>
+                      </a:solidFill>
+                      <a:prstDash val="solid"/>
+                      <a:round/>
+                      <a:headEnd type="none" w="med" len="med"/>
+                      <a:tailEnd type="none" w="med" len="med"/>
+                    </a:lnL>
+                    <a:lnR w="7620" cap="flat" cmpd="sng" algn="ctr">
+                      <a:solidFill>
+                        <a:srgbClr val="CCCCCC"/>
+                      </a:solidFill>
+                      <a:prstDash val="solid"/>
+                      <a:round/>
+                      <a:headEnd type="none" w="med" len="med"/>
+                      <a:tailEnd type="none" w="med" len="med"/>
+                    </a:lnR>
+                    <a:lnT w="7620" cap="flat" cmpd="sng" algn="ctr">
+                      <a:solidFill>
+                        <a:srgbClr val="CCCCCC"/>
+                      </a:solidFill>
+                      <a:prstDash val="solid"/>
+                      <a:round/>
+                      <a:headEnd type="none" w="med" len="med"/>
+                      <a:tailEnd type="none" w="med" len="med"/>
+                    </a:lnT>
+                    <a:lnB w="7620" cap="flat" cmpd="sng" algn="ctr">
+                      <a:solidFill>
+                        <a:srgbClr val="CCCCCC"/>
+                      </a:solidFill>
+                      <a:prstDash val="solid"/>
+                      <a:round/>
+                      <a:headEnd type="none" w="med" len="med"/>
+                      <a:tailEnd type="none" w="med" len="med"/>
+                    </a:lnB>
+                    <a:solidFill>
+                      <a:srgbClr val="FFFFFF"/>
+                    </a:solidFill>
+                  </a:tcPr>
+                </a:tc>
+              </a:tr>
+              <a:tr h="467174">
+                <a:tc>
+                  <a:txBody>
+                    <a:bodyPr/>
+                    <a:lstStyle/>
+                    <a:p>
+                      <a:pPr algn="l" fontAlgn="t"/>
+                      <a:r>
+                        <a:rPr lang="en-US" sz="1800">
+                          <a:effectLst/>
+                        </a:rPr>
+                        <a:t>getUTCMilliseconds()</a:t>
+                      </a:r>
+                    </a:p>
+                  </a:txBody>
+                  <a:tcPr marL="46350" marR="23175" marT="23175" marB="23175">
+                    <a:lnL w="7620" cap="flat" cmpd="sng" algn="ctr">
+                      <a:solidFill>
+                        <a:srgbClr val="CCCCCC"/>
+                      </a:solidFill>
+                      <a:prstDash val="solid"/>
+                      <a:round/>
+                      <a:headEnd type="none" w="med" len="med"/>
+                      <a:tailEnd type="none" w="med" len="med"/>
+                    </a:lnL>
+                    <a:lnR w="7620" cap="flat" cmpd="sng" algn="ctr">
+                      <a:solidFill>
+                        <a:srgbClr val="CCCCCC"/>
+                      </a:solidFill>
+                      <a:prstDash val="solid"/>
+                      <a:round/>
+                      <a:headEnd type="none" w="med" len="med"/>
+                      <a:tailEnd type="none" w="med" len="med"/>
+                    </a:lnR>
+                    <a:lnT w="7620" cap="flat" cmpd="sng" algn="ctr">
+                      <a:solidFill>
+                        <a:srgbClr val="CCCCCC"/>
+                      </a:solidFill>
+                      <a:prstDash val="solid"/>
+                      <a:round/>
+                      <a:headEnd type="none" w="med" len="med"/>
+                      <a:tailEnd type="none" w="med" len="med"/>
+                    </a:lnT>
+                    <a:lnB w="7620" cap="flat" cmpd="sng" algn="ctr">
+                      <a:solidFill>
+                        <a:srgbClr val="CCCCCC"/>
+                      </a:solidFill>
+                      <a:prstDash val="solid"/>
+                      <a:round/>
+                      <a:headEnd type="none" w="med" len="med"/>
+                      <a:tailEnd type="none" w="med" len="med"/>
+                    </a:lnB>
+                    <a:solidFill>
+                      <a:srgbClr val="F1F1F1"/>
+                    </a:solidFill>
+                  </a:tcPr>
+                </a:tc>
+                <a:tc>
+                  <a:txBody>
+                    <a:bodyPr/>
+                    <a:lstStyle/>
+                    <a:p>
+                      <a:pPr algn="l" fontAlgn="t"/>
+                      <a:r>
+                        <a:rPr lang="en-US" sz="1800" dirty="0">
+                          <a:effectLst/>
+                        </a:rPr>
+                        <a:t>Same as </a:t>
+                      </a:r>
+                      <a:r>
+                        <a:rPr lang="en-US" sz="1800" dirty="0" err="1">
+                          <a:effectLst/>
+                        </a:rPr>
+                        <a:t>getMilliseconds</a:t>
+                      </a:r>
+                      <a:r>
+                        <a:rPr lang="en-US" sz="1800" dirty="0">
+                          <a:effectLst/>
+                        </a:rPr>
+                        <a:t>(), but returns the UTC milliseconds</a:t>
+                      </a:r>
+                    </a:p>
+                  </a:txBody>
+                  <a:tcPr marL="23175" marR="23175" marT="23175" marB="23175">
+                    <a:lnL w="7620" cap="flat" cmpd="sng" algn="ctr">
+                      <a:solidFill>
+                        <a:srgbClr val="CCCCCC"/>
+                      </a:solidFill>
+                      <a:prstDash val="solid"/>
+                      <a:round/>
+                      <a:headEnd type="none" w="med" len="med"/>
+                      <a:tailEnd type="none" w="med" len="med"/>
+                    </a:lnL>
+                    <a:lnR w="7620" cap="flat" cmpd="sng" algn="ctr">
+                      <a:solidFill>
+                        <a:srgbClr val="CCCCCC"/>
+                      </a:solidFill>
+                      <a:prstDash val="solid"/>
+                      <a:round/>
+                      <a:headEnd type="none" w="med" len="med"/>
+                      <a:tailEnd type="none" w="med" len="med"/>
+                    </a:lnR>
+                    <a:lnT w="7620" cap="flat" cmpd="sng" algn="ctr">
+                      <a:solidFill>
+                        <a:srgbClr val="CCCCCC"/>
+                      </a:solidFill>
+                      <a:prstDash val="solid"/>
+                      <a:round/>
+                      <a:headEnd type="none" w="med" len="med"/>
+                      <a:tailEnd type="none" w="med" len="med"/>
+                    </a:lnT>
+                    <a:lnB w="7620" cap="flat" cmpd="sng" algn="ctr">
+                      <a:solidFill>
+                        <a:srgbClr val="CCCCCC"/>
+                      </a:solidFill>
+                      <a:prstDash val="solid"/>
+                      <a:round/>
+                      <a:headEnd type="none" w="med" len="med"/>
+                      <a:tailEnd type="none" w="med" len="med"/>
+                    </a:lnB>
+                    <a:solidFill>
+                      <a:srgbClr val="F1F1F1"/>
+                    </a:solidFill>
+                  </a:tcPr>
+                </a:tc>
+              </a:tr>
+              <a:tr h="467174">
+                <a:tc>
+                  <a:txBody>
+                    <a:bodyPr/>
+                    <a:lstStyle/>
+                    <a:p>
+                      <a:pPr algn="l" fontAlgn="t"/>
+                      <a:r>
+                        <a:rPr lang="en-US" sz="1800">
+                          <a:effectLst/>
+                        </a:rPr>
+                        <a:t>getUTCMinutes()</a:t>
+                      </a:r>
+                    </a:p>
+                  </a:txBody>
+                  <a:tcPr marL="46350" marR="23175" marT="23175" marB="23175">
+                    <a:lnL w="7620" cap="flat" cmpd="sng" algn="ctr">
+                      <a:solidFill>
+                        <a:srgbClr val="CCCCCC"/>
+                      </a:solidFill>
+                      <a:prstDash val="solid"/>
+                      <a:round/>
+                      <a:headEnd type="none" w="med" len="med"/>
+                      <a:tailEnd type="none" w="med" len="med"/>
+                    </a:lnL>
+                    <a:lnR w="7620" cap="flat" cmpd="sng" algn="ctr">
+                      <a:solidFill>
+                        <a:srgbClr val="CCCCCC"/>
+                      </a:solidFill>
+                      <a:prstDash val="solid"/>
+                      <a:round/>
+                      <a:headEnd type="none" w="med" len="med"/>
+                      <a:tailEnd type="none" w="med" len="med"/>
+                    </a:lnR>
+                    <a:lnT w="7620" cap="flat" cmpd="sng" algn="ctr">
+                      <a:solidFill>
+                        <a:srgbClr val="CCCCCC"/>
+                      </a:solidFill>
+                      <a:prstDash val="solid"/>
+                      <a:round/>
+                      <a:headEnd type="none" w="med" len="med"/>
+                      <a:tailEnd type="none" w="med" len="med"/>
+                    </a:lnT>
+                    <a:lnB w="7620" cap="flat" cmpd="sng" algn="ctr">
+                      <a:solidFill>
+                        <a:srgbClr val="CCCCCC"/>
+                      </a:solidFill>
+                      <a:prstDash val="solid"/>
+                      <a:round/>
+                      <a:headEnd type="none" w="med" len="med"/>
+                      <a:tailEnd type="none" w="med" len="med"/>
+                    </a:lnB>
+                    <a:solidFill>
+                      <a:srgbClr val="FFFFFF"/>
+                    </a:solidFill>
+                  </a:tcPr>
+                </a:tc>
+                <a:tc>
+                  <a:txBody>
+                    <a:bodyPr/>
+                    <a:lstStyle/>
+                    <a:p>
+                      <a:pPr algn="l" fontAlgn="t"/>
+                      <a:r>
+                        <a:rPr lang="en-US" sz="1800">
+                          <a:effectLst/>
+                        </a:rPr>
+                        <a:t>Same as getMinutes(), but returns the UTC minutes</a:t>
+                      </a:r>
+                    </a:p>
+                  </a:txBody>
+                  <a:tcPr marL="23175" marR="23175" marT="23175" marB="23175">
+                    <a:lnL w="7620" cap="flat" cmpd="sng" algn="ctr">
+                      <a:solidFill>
+                        <a:srgbClr val="CCCCCC"/>
+                      </a:solidFill>
+                      <a:prstDash val="solid"/>
+                      <a:round/>
+                      <a:headEnd type="none" w="med" len="med"/>
+                      <a:tailEnd type="none" w="med" len="med"/>
+                    </a:lnL>
+                    <a:lnR w="7620" cap="flat" cmpd="sng" algn="ctr">
+                      <a:solidFill>
+                        <a:srgbClr val="CCCCCC"/>
+                      </a:solidFill>
+                      <a:prstDash val="solid"/>
+                      <a:round/>
+                      <a:headEnd type="none" w="med" len="med"/>
+                      <a:tailEnd type="none" w="med" len="med"/>
+                    </a:lnR>
+                    <a:lnT w="7620" cap="flat" cmpd="sng" algn="ctr">
+                      <a:solidFill>
+                        <a:srgbClr val="CCCCCC"/>
+                      </a:solidFill>
+                      <a:prstDash val="solid"/>
+                      <a:round/>
+                      <a:headEnd type="none" w="med" len="med"/>
+                      <a:tailEnd type="none" w="med" len="med"/>
+                    </a:lnT>
+                    <a:lnB w="7620" cap="flat" cmpd="sng" algn="ctr">
+                      <a:solidFill>
+                        <a:srgbClr val="CCCCCC"/>
+                      </a:solidFill>
+                      <a:prstDash val="solid"/>
+                      <a:round/>
+                      <a:headEnd type="none" w="med" len="med"/>
+                      <a:tailEnd type="none" w="med" len="med"/>
+                    </a:lnB>
+                    <a:solidFill>
+                      <a:srgbClr val="FFFFFF"/>
+                    </a:solidFill>
+                  </a:tcPr>
+                </a:tc>
+              </a:tr>
+              <a:tr h="325334">
+                <a:tc>
+                  <a:txBody>
+                    <a:bodyPr/>
+                    <a:lstStyle/>
+                    <a:p>
+                      <a:pPr algn="l" fontAlgn="t"/>
+                      <a:r>
+                        <a:rPr lang="en-US" sz="1800">
+                          <a:effectLst/>
+                        </a:rPr>
+                        <a:t>getUTCMonth()</a:t>
+                      </a:r>
+                    </a:p>
+                  </a:txBody>
+                  <a:tcPr marL="46350" marR="23175" marT="23175" marB="23175">
+                    <a:lnL w="7620" cap="flat" cmpd="sng" algn="ctr">
+                      <a:solidFill>
+                        <a:srgbClr val="CCCCCC"/>
+                      </a:solidFill>
+                      <a:prstDash val="solid"/>
+                      <a:round/>
+                      <a:headEnd type="none" w="med" len="med"/>
+                      <a:tailEnd type="none" w="med" len="med"/>
+                    </a:lnL>
+                    <a:lnR w="7620" cap="flat" cmpd="sng" algn="ctr">
+                      <a:solidFill>
+                        <a:srgbClr val="CCCCCC"/>
+                      </a:solidFill>
+                      <a:prstDash val="solid"/>
+                      <a:round/>
+                      <a:headEnd type="none" w="med" len="med"/>
+                      <a:tailEnd type="none" w="med" len="med"/>
+                    </a:lnR>
+                    <a:lnT w="7620" cap="flat" cmpd="sng" algn="ctr">
+                      <a:solidFill>
+                        <a:srgbClr val="CCCCCC"/>
+                      </a:solidFill>
+                      <a:prstDash val="solid"/>
+                      <a:round/>
+                      <a:headEnd type="none" w="med" len="med"/>
+                      <a:tailEnd type="none" w="med" len="med"/>
+                    </a:lnT>
+                    <a:lnB w="7620" cap="flat" cmpd="sng" algn="ctr">
+                      <a:solidFill>
+                        <a:srgbClr val="CCCCCC"/>
+                      </a:solidFill>
+                      <a:prstDash val="solid"/>
+                      <a:round/>
+                      <a:headEnd type="none" w="med" len="med"/>
+                      <a:tailEnd type="none" w="med" len="med"/>
+                    </a:lnB>
+                    <a:solidFill>
+                      <a:srgbClr val="F1F1F1"/>
+                    </a:solidFill>
+                  </a:tcPr>
+                </a:tc>
+                <a:tc>
+                  <a:txBody>
+                    <a:bodyPr/>
+                    <a:lstStyle/>
+                    <a:p>
+                      <a:pPr algn="l" fontAlgn="t"/>
+                      <a:r>
+                        <a:rPr lang="en-US" sz="1800">
+                          <a:effectLst/>
+                        </a:rPr>
+                        <a:t>Same as getMonth(), but returns the UTC month</a:t>
+                      </a:r>
+                    </a:p>
+                  </a:txBody>
+                  <a:tcPr marL="23175" marR="23175" marT="23175" marB="23175">
+                    <a:lnL w="7620" cap="flat" cmpd="sng" algn="ctr">
+                      <a:solidFill>
+                        <a:srgbClr val="CCCCCC"/>
+                      </a:solidFill>
+                      <a:prstDash val="solid"/>
+                      <a:round/>
+                      <a:headEnd type="none" w="med" len="med"/>
+                      <a:tailEnd type="none" w="med" len="med"/>
+                    </a:lnL>
+                    <a:lnR w="7620" cap="flat" cmpd="sng" algn="ctr">
+                      <a:solidFill>
+                        <a:srgbClr val="CCCCCC"/>
+                      </a:solidFill>
+                      <a:prstDash val="solid"/>
+                      <a:round/>
+                      <a:headEnd type="none" w="med" len="med"/>
+                      <a:tailEnd type="none" w="med" len="med"/>
+                    </a:lnR>
+                    <a:lnT w="7620" cap="flat" cmpd="sng" algn="ctr">
+                      <a:solidFill>
+                        <a:srgbClr val="CCCCCC"/>
+                      </a:solidFill>
+                      <a:prstDash val="solid"/>
+                      <a:round/>
+                      <a:headEnd type="none" w="med" len="med"/>
+                      <a:tailEnd type="none" w="med" len="med"/>
+                    </a:lnT>
+                    <a:lnB w="7620" cap="flat" cmpd="sng" algn="ctr">
+                      <a:solidFill>
+                        <a:srgbClr val="CCCCCC"/>
+                      </a:solidFill>
+                      <a:prstDash val="solid"/>
+                      <a:round/>
+                      <a:headEnd type="none" w="med" len="med"/>
+                      <a:tailEnd type="none" w="med" len="med"/>
+                    </a:lnB>
+                    <a:solidFill>
+                      <a:srgbClr val="F1F1F1"/>
+                    </a:solidFill>
+                  </a:tcPr>
+                </a:tc>
+              </a:tr>
+              <a:tr h="467174">
+                <a:tc>
+                  <a:txBody>
+                    <a:bodyPr/>
+                    <a:lstStyle/>
+                    <a:p>
+                      <a:pPr algn="l" fontAlgn="t"/>
+                      <a:r>
+                        <a:rPr lang="en-US" sz="1800">
+                          <a:effectLst/>
+                        </a:rPr>
+                        <a:t>getUTCSeconds()</a:t>
+                      </a:r>
+                    </a:p>
+                  </a:txBody>
+                  <a:tcPr marL="46350" marR="23175" marT="23175" marB="23175">
+                    <a:lnL w="7620" cap="flat" cmpd="sng" algn="ctr">
+                      <a:solidFill>
+                        <a:srgbClr val="CCCCCC"/>
+                      </a:solidFill>
+                      <a:prstDash val="solid"/>
+                      <a:round/>
+                      <a:headEnd type="none" w="med" len="med"/>
+                      <a:tailEnd type="none" w="med" len="med"/>
+                    </a:lnL>
+                    <a:lnR w="7620" cap="flat" cmpd="sng" algn="ctr">
+                      <a:solidFill>
+                        <a:srgbClr val="CCCCCC"/>
+                      </a:solidFill>
+                      <a:prstDash val="solid"/>
+                      <a:round/>
+                      <a:headEnd type="none" w="med" len="med"/>
+                      <a:tailEnd type="none" w="med" len="med"/>
+                    </a:lnR>
+                    <a:lnT w="7620" cap="flat" cmpd="sng" algn="ctr">
+                      <a:solidFill>
+                        <a:srgbClr val="CCCCCC"/>
+                      </a:solidFill>
+                      <a:prstDash val="solid"/>
+                      <a:round/>
+                      <a:headEnd type="none" w="med" len="med"/>
+                      <a:tailEnd type="none" w="med" len="med"/>
+                    </a:lnT>
+                    <a:lnB w="7620" cap="flat" cmpd="sng" algn="ctr">
+                      <a:solidFill>
+                        <a:srgbClr val="DDDDDD"/>
+                      </a:solidFill>
+                      <a:prstDash val="solid"/>
+                      <a:round/>
+                      <a:headEnd type="none" w="med" len="med"/>
+                      <a:tailEnd type="none" w="med" len="med"/>
+                    </a:lnB>
+                    <a:solidFill>
+                      <a:srgbClr val="FFFFFF"/>
+                    </a:solidFill>
+                  </a:tcPr>
+                </a:tc>
+                <a:tc>
+                  <a:txBody>
+                    <a:bodyPr/>
+                    <a:lstStyle/>
+                    <a:p>
+                      <a:pPr algn="l" fontAlgn="t"/>
+                      <a:r>
+                        <a:rPr lang="en-US" sz="1800" dirty="0">
+                          <a:effectLst/>
+                        </a:rPr>
+                        <a:t>Same as </a:t>
+                      </a:r>
+                      <a:r>
+                        <a:rPr lang="en-US" sz="1800" dirty="0" err="1">
+                          <a:effectLst/>
+                        </a:rPr>
+                        <a:t>getSeconds</a:t>
+                      </a:r>
+                      <a:r>
+                        <a:rPr lang="en-US" sz="1800" dirty="0">
+                          <a:effectLst/>
+                        </a:rPr>
+                        <a:t>(), but returns the UTC seconds</a:t>
+                      </a:r>
+                    </a:p>
+                  </a:txBody>
+                  <a:tcPr marL="23175" marR="23175" marT="23175" marB="23175">
+                    <a:lnL w="7620" cap="flat" cmpd="sng" algn="ctr">
+                      <a:solidFill>
+                        <a:srgbClr val="CCCCCC"/>
+                      </a:solidFill>
+                      <a:prstDash val="solid"/>
+                      <a:round/>
+                      <a:headEnd type="none" w="med" len="med"/>
+                      <a:tailEnd type="none" w="med" len="med"/>
+                    </a:lnL>
+                    <a:lnR w="7620" cap="flat" cmpd="sng" algn="ctr">
+                      <a:solidFill>
+                        <a:srgbClr val="CCCCCC"/>
+                      </a:solidFill>
+                      <a:prstDash val="solid"/>
+                      <a:round/>
+                      <a:headEnd type="none" w="med" len="med"/>
+                      <a:tailEnd type="none" w="med" len="med"/>
+                    </a:lnR>
+                    <a:lnT w="7620" cap="flat" cmpd="sng" algn="ctr">
+                      <a:solidFill>
+                        <a:srgbClr val="CCCCCC"/>
+                      </a:solidFill>
+                      <a:prstDash val="solid"/>
+                      <a:round/>
+                      <a:headEnd type="none" w="med" len="med"/>
+                      <a:tailEnd type="none" w="med" len="med"/>
+                    </a:lnT>
+                    <a:lnB w="7620" cap="flat" cmpd="sng" algn="ctr">
+                      <a:solidFill>
+                        <a:srgbClr val="DDDDDD"/>
+                      </a:solidFill>
+                      <a:prstDash val="solid"/>
+                      <a:round/>
+                      <a:headEnd type="none" w="med" len="med"/>
+                      <a:tailEnd type="none" w="med" len="med"/>
+                    </a:lnB>
+                    <a:solidFill>
+                      <a:srgbClr val="FFFFFF"/>
+                    </a:solidFill>
+                  </a:tcPr>
+                </a:tc>
+              </a:tr>
+            </a:tbl>
+          </a:graphicData>
+        </a:graphic>
+      </p:graphicFrame>
+    </p:spTree>
+    <p:extLst>
+      <p:ext uri="{BB962C8B-B14F-4D97-AF65-F5344CB8AC3E}">
+        <p14:creationId xmlns:p14="http://schemas.microsoft.com/office/powerpoint/2010/main" val="3666135988"/>
       </p:ext>
     </p:extLst>
   </p:cSld>
